--- a/Lessons/Lesson_III/Lesson_III_Questions.pptx
+++ b/Lessons/Lesson_III/Lesson_III_Questions.pptx
@@ -3,17 +3,17 @@
 <p:presentation xmlns:a="http://schemas.openxmlformats.org/drawingml/2006/main" xmlns:p="http://schemas.openxmlformats.org/presentationml/2006/main" xmlns:r="http://schemas.openxmlformats.org/officeDocument/2006/relationships">
   <p:sldMasterIdLst>
     <p:sldMasterId id="2147483648" r:id="rId2"/>
+    <p:sldMasterId id="2147483661" r:id="rId3"/>
   </p:sldMasterIdLst>
   <p:sldIdLst>
-    <p:sldId id="256" r:id="rId3"/>
-    <p:sldId id="257" r:id="rId4"/>
-    <p:sldId id="258" r:id="rId5"/>
-    <p:sldId id="259" r:id="rId6"/>
-    <p:sldId id="260" r:id="rId7"/>
-    <p:sldId id="261" r:id="rId8"/>
-    <p:sldId id="262" r:id="rId9"/>
-    <p:sldId id="263" r:id="rId10"/>
-    <p:sldId id="264" r:id="rId11"/>
+    <p:sldId id="256" r:id="rId4"/>
+    <p:sldId id="257" r:id="rId5"/>
+    <p:sldId id="258" r:id="rId6"/>
+    <p:sldId id="259" r:id="rId7"/>
+    <p:sldId id="260" r:id="rId8"/>
+    <p:sldId id="261" r:id="rId9"/>
+    <p:sldId id="262" r:id="rId10"/>
+    <p:sldId id="263" r:id="rId11"/>
   </p:sldIdLst>
   <p:sldSz cx="10080625" cy="7559675"/>
   <p:notesSz cx="7559675" cy="10691812"/>
@@ -61,7 +61,7 @@
       </p:grpSpPr>
       <p:sp>
         <p:nvSpPr>
-          <p:cNvPr id="26" name="PlaceHolder 1"/>
+          <p:cNvPr id="24" name="PlaceHolder 1"/>
           <p:cNvSpPr>
             <a:spLocks noGrp="1"/>
           </p:cNvSpPr>
@@ -72,7 +72,7 @@
         <p:spPr>
           <a:xfrm>
             <a:off x="504000" y="301320"/>
-            <a:ext cx="9071640" cy="1262160"/>
+            <a:ext cx="9071280" cy="1261800"/>
           </a:xfrm>
           <a:prstGeom prst="rect">
             <a:avLst/>
@@ -88,7 +88,7 @@
       </p:sp>
       <p:sp>
         <p:nvSpPr>
-          <p:cNvPr id="27" name="PlaceHolder 2"/>
+          <p:cNvPr id="25" name="PlaceHolder 2"/>
           <p:cNvSpPr>
             <a:spLocks noGrp="1"/>
           </p:cNvSpPr>
@@ -99,7 +99,7 @@
         <p:spPr>
           <a:xfrm>
             <a:off x="504000" y="1769040"/>
-            <a:ext cx="9071640" cy="2091240"/>
+            <a:ext cx="9071280" cy="2090880"/>
           </a:xfrm>
           <a:prstGeom prst="rect">
             <a:avLst/>
@@ -114,7 +114,7 @@
       </p:sp>
       <p:sp>
         <p:nvSpPr>
-          <p:cNvPr id="28" name="PlaceHolder 3"/>
+          <p:cNvPr id="26" name="PlaceHolder 3"/>
           <p:cNvSpPr>
             <a:spLocks noGrp="1"/>
           </p:cNvSpPr>
@@ -124,8 +124,8 @@
         </p:nvSpPr>
         <p:spPr>
           <a:xfrm>
-            <a:off x="504000" y="4059360"/>
-            <a:ext cx="9071640" cy="2091240"/>
+            <a:off x="504000" y="4059000"/>
+            <a:ext cx="9071280" cy="2090880"/>
           </a:xfrm>
           <a:prstGeom prst="rect">
             <a:avLst/>
@@ -162,7 +162,7 @@
       </p:grpSpPr>
       <p:sp>
         <p:nvSpPr>
-          <p:cNvPr id="29" name="PlaceHolder 1"/>
+          <p:cNvPr id="27" name="PlaceHolder 1"/>
           <p:cNvSpPr>
             <a:spLocks noGrp="1"/>
           </p:cNvSpPr>
@@ -173,7 +173,7 @@
         <p:spPr>
           <a:xfrm>
             <a:off x="504000" y="301320"/>
-            <a:ext cx="9071640" cy="1262160"/>
+            <a:ext cx="9071280" cy="1261800"/>
           </a:xfrm>
           <a:prstGeom prst="rect">
             <a:avLst/>
@@ -189,7 +189,7 @@
       </p:sp>
       <p:sp>
         <p:nvSpPr>
-          <p:cNvPr id="30" name="PlaceHolder 2"/>
+          <p:cNvPr id="28" name="PlaceHolder 2"/>
           <p:cNvSpPr>
             <a:spLocks noGrp="1"/>
           </p:cNvSpPr>
@@ -200,7 +200,7 @@
         <p:spPr>
           <a:xfrm>
             <a:off x="504000" y="1769040"/>
-            <a:ext cx="4426920" cy="2091240"/>
+            <a:ext cx="4426560" cy="2090880"/>
           </a:xfrm>
           <a:prstGeom prst="rect">
             <a:avLst/>
@@ -215,7 +215,7 @@
       </p:sp>
       <p:sp>
         <p:nvSpPr>
-          <p:cNvPr id="31" name="PlaceHolder 3"/>
+          <p:cNvPr id="29" name="PlaceHolder 3"/>
           <p:cNvSpPr>
             <a:spLocks noGrp="1"/>
           </p:cNvSpPr>
@@ -225,8 +225,8 @@
         </p:nvSpPr>
         <p:spPr>
           <a:xfrm>
-            <a:off x="5152680" y="1769040"/>
-            <a:ext cx="4426920" cy="2091240"/>
+            <a:off x="5152320" y="1769040"/>
+            <a:ext cx="4426560" cy="2090880"/>
           </a:xfrm>
           <a:prstGeom prst="rect">
             <a:avLst/>
@@ -241,7 +241,7 @@
       </p:sp>
       <p:sp>
         <p:nvSpPr>
-          <p:cNvPr id="32" name="PlaceHolder 4"/>
+          <p:cNvPr id="30" name="PlaceHolder 4"/>
           <p:cNvSpPr>
             <a:spLocks noGrp="1"/>
           </p:cNvSpPr>
@@ -251,8 +251,8 @@
         </p:nvSpPr>
         <p:spPr>
           <a:xfrm>
-            <a:off x="5152680" y="4059360"/>
-            <a:ext cx="4426920" cy="2091240"/>
+            <a:off x="5152320" y="4059000"/>
+            <a:ext cx="4426560" cy="2090880"/>
           </a:xfrm>
           <a:prstGeom prst="rect">
             <a:avLst/>
@@ -267,7 +267,7 @@
       </p:sp>
       <p:sp>
         <p:nvSpPr>
-          <p:cNvPr id="33" name="PlaceHolder 5"/>
+          <p:cNvPr id="31" name="PlaceHolder 5"/>
           <p:cNvSpPr>
             <a:spLocks noGrp="1"/>
           </p:cNvSpPr>
@@ -277,8 +277,8 @@
         </p:nvSpPr>
         <p:spPr>
           <a:xfrm>
-            <a:off x="504000" y="4059360"/>
-            <a:ext cx="4426920" cy="2091240"/>
+            <a:off x="504000" y="4059000"/>
+            <a:ext cx="4426560" cy="2090880"/>
           </a:xfrm>
           <a:prstGeom prst="rect">
             <a:avLst/>
@@ -315,7 +315,7 @@
       </p:grpSpPr>
       <p:sp>
         <p:nvSpPr>
-          <p:cNvPr id="34" name="PlaceHolder 1"/>
+          <p:cNvPr id="32" name="PlaceHolder 1"/>
           <p:cNvSpPr>
             <a:spLocks noGrp="1"/>
           </p:cNvSpPr>
@@ -326,7 +326,7 @@
         <p:spPr>
           <a:xfrm>
             <a:off x="504000" y="301320"/>
-            <a:ext cx="9071640" cy="1262160"/>
+            <a:ext cx="9071280" cy="1261800"/>
           </a:xfrm>
           <a:prstGeom prst="rect">
             <a:avLst/>
@@ -342,7 +342,7 @@
       </p:sp>
       <p:sp>
         <p:nvSpPr>
-          <p:cNvPr id="35" name="PlaceHolder 2"/>
+          <p:cNvPr id="33" name="PlaceHolder 2"/>
           <p:cNvSpPr>
             <a:spLocks noGrp="1"/>
           </p:cNvSpPr>
@@ -353,7 +353,7 @@
         <p:spPr>
           <a:xfrm>
             <a:off x="504000" y="1769040"/>
-            <a:ext cx="9071640" cy="4384440"/>
+            <a:ext cx="9071280" cy="4384080"/>
           </a:xfrm>
           <a:prstGeom prst="rect">
             <a:avLst/>
@@ -368,7 +368,7 @@
       </p:sp>
       <p:sp>
         <p:nvSpPr>
-          <p:cNvPr id="36" name="PlaceHolder 3"/>
+          <p:cNvPr id="34" name="PlaceHolder 3"/>
           <p:cNvSpPr>
             <a:spLocks noGrp="1"/>
           </p:cNvSpPr>
@@ -379,7 +379,7 @@
         <p:spPr>
           <a:xfrm>
             <a:off x="504000" y="1769040"/>
-            <a:ext cx="9071640" cy="4384440"/>
+            <a:ext cx="9071280" cy="4384080"/>
           </a:xfrm>
           <a:prstGeom prst="rect">
             <a:avLst/>
@@ -394,7 +394,7 @@
       </p:sp>
       <p:pic>
         <p:nvPicPr>
-          <p:cNvPr id="37" name="" descr=""/>
+          <p:cNvPr id="35" name="" descr=""/>
           <p:cNvPicPr/>
           <p:nvPr/>
         </p:nvPicPr>
@@ -404,8 +404,8 @@
         </p:blipFill>
         <p:spPr>
           <a:xfrm>
-            <a:off x="2291760" y="1768680"/>
-            <a:ext cx="5495400" cy="4384440"/>
+            <a:off x="2292120" y="1769040"/>
+            <a:ext cx="5494680" cy="4384080"/>
           </a:xfrm>
           <a:prstGeom prst="rect">
             <a:avLst/>
@@ -417,7 +417,7 @@
       </p:pic>
       <p:pic>
         <p:nvPicPr>
-          <p:cNvPr id="38" name="" descr=""/>
+          <p:cNvPr id="36" name="" descr=""/>
           <p:cNvPicPr/>
           <p:nvPr/>
         </p:nvPicPr>
@@ -427,8 +427,8 @@
         </p:blipFill>
         <p:spPr>
           <a:xfrm>
-            <a:off x="2291760" y="1768680"/>
-            <a:ext cx="5495400" cy="4384440"/>
+            <a:off x="2292120" y="1769040"/>
+            <a:ext cx="5494680" cy="4384080"/>
           </a:xfrm>
           <a:prstGeom prst="rect">
             <a:avLst/>
@@ -438,6 +438,505 @@
           </a:ln>
         </p:spPr>
       </p:pic>
+    </p:spTree>
+  </p:cSld>
+</p:sldLayout>
+</file>
+
+<file path=ppt/slideLayouts/slideLayout13.xml><?xml version="1.0" encoding="utf-8"?>
+<p:sldLayout xmlns:a="http://schemas.openxmlformats.org/drawingml/2006/main" xmlns:p="http://schemas.openxmlformats.org/presentationml/2006/main" xmlns:r="http://schemas.openxmlformats.org/officeDocument/2006/relationships" type="blank" preserve="1">
+  <p:cSld name="Blank Slide">
+    <p:spTree>
+      <p:nvGrpSpPr>
+        <p:cNvPr id="1" name=""/>
+        <p:cNvGrpSpPr/>
+        <p:nvPr/>
+      </p:nvGrpSpPr>
+      <p:grpSpPr>
+        <a:xfrm>
+          <a:off x="0" y="0"/>
+          <a:ext cx="0" cy="0"/>
+          <a:chOff x="0" y="0"/>
+          <a:chExt cx="0" cy="0"/>
+        </a:xfrm>
+      </p:grpSpPr>
+    </p:spTree>
+  </p:cSld>
+</p:sldLayout>
+</file>
+
+<file path=ppt/slideLayouts/slideLayout14.xml><?xml version="1.0" encoding="utf-8"?>
+<p:sldLayout xmlns:a="http://schemas.openxmlformats.org/drawingml/2006/main" xmlns:p="http://schemas.openxmlformats.org/presentationml/2006/main" xmlns:r="http://schemas.openxmlformats.org/officeDocument/2006/relationships" type="tx" preserve="1">
+  <p:cSld name="Title Slide">
+    <p:spTree>
+      <p:nvGrpSpPr>
+        <p:cNvPr id="1" name=""/>
+        <p:cNvGrpSpPr/>
+        <p:nvPr/>
+      </p:nvGrpSpPr>
+      <p:grpSpPr>
+        <a:xfrm>
+          <a:off x="0" y="0"/>
+          <a:ext cx="0" cy="0"/>
+          <a:chOff x="0" y="0"/>
+          <a:chExt cx="0" cy="0"/>
+        </a:xfrm>
+      </p:grpSpPr>
+      <p:sp>
+        <p:nvSpPr>
+          <p:cNvPr id="39" name="PlaceHolder 1"/>
+          <p:cNvSpPr>
+            <a:spLocks noGrp="1"/>
+          </p:cNvSpPr>
+          <p:nvPr>
+            <p:ph type="title"/>
+          </p:nvPr>
+        </p:nvSpPr>
+        <p:spPr>
+          <a:xfrm>
+            <a:off x="504000" y="301320"/>
+            <a:ext cx="9071280" cy="1261800"/>
+          </a:xfrm>
+          <a:prstGeom prst="rect">
+            <a:avLst/>
+          </a:prstGeom>
+        </p:spPr>
+        <p:txBody>
+          <a:bodyPr lIns="0" rIns="0" tIns="0" bIns="0" anchor="ctr"/>
+          <a:p>
+            <a:pPr algn="ctr"/>
+            <a:endParaRPr/>
+          </a:p>
+        </p:txBody>
+      </p:sp>
+      <p:sp>
+        <p:nvSpPr>
+          <p:cNvPr id="40" name="PlaceHolder 2"/>
+          <p:cNvSpPr>
+            <a:spLocks noGrp="1"/>
+          </p:cNvSpPr>
+          <p:nvPr>
+            <p:ph type="subTitle"/>
+          </p:nvPr>
+        </p:nvSpPr>
+        <p:spPr>
+          <a:xfrm>
+            <a:off x="504000" y="1769040"/>
+            <a:ext cx="9071280" cy="4384080"/>
+          </a:xfrm>
+          <a:prstGeom prst="rect">
+            <a:avLst/>
+          </a:prstGeom>
+        </p:spPr>
+        <p:txBody>
+          <a:bodyPr lIns="0" rIns="0" tIns="0" bIns="0" anchor="ctr"/>
+          <a:p>
+            <a:pPr algn="ctr"/>
+            <a:endParaRPr/>
+          </a:p>
+        </p:txBody>
+      </p:sp>
+    </p:spTree>
+  </p:cSld>
+</p:sldLayout>
+</file>
+
+<file path=ppt/slideLayouts/slideLayout15.xml><?xml version="1.0" encoding="utf-8"?>
+<p:sldLayout xmlns:a="http://schemas.openxmlformats.org/drawingml/2006/main" xmlns:p="http://schemas.openxmlformats.org/presentationml/2006/main" xmlns:r="http://schemas.openxmlformats.org/officeDocument/2006/relationships" type="obj" preserve="1">
+  <p:cSld name="Title, Content">
+    <p:spTree>
+      <p:nvGrpSpPr>
+        <p:cNvPr id="1" name=""/>
+        <p:cNvGrpSpPr/>
+        <p:nvPr/>
+      </p:nvGrpSpPr>
+      <p:grpSpPr>
+        <a:xfrm>
+          <a:off x="0" y="0"/>
+          <a:ext cx="0" cy="0"/>
+          <a:chOff x="0" y="0"/>
+          <a:chExt cx="0" cy="0"/>
+        </a:xfrm>
+      </p:grpSpPr>
+      <p:sp>
+        <p:nvSpPr>
+          <p:cNvPr id="41" name="PlaceHolder 1"/>
+          <p:cNvSpPr>
+            <a:spLocks noGrp="1"/>
+          </p:cNvSpPr>
+          <p:nvPr>
+            <p:ph type="title"/>
+          </p:nvPr>
+        </p:nvSpPr>
+        <p:spPr>
+          <a:xfrm>
+            <a:off x="504000" y="301320"/>
+            <a:ext cx="9071280" cy="1261800"/>
+          </a:xfrm>
+          <a:prstGeom prst="rect">
+            <a:avLst/>
+          </a:prstGeom>
+        </p:spPr>
+        <p:txBody>
+          <a:bodyPr lIns="0" rIns="0" tIns="0" bIns="0" anchor="ctr"/>
+          <a:p>
+            <a:pPr algn="ctr"/>
+            <a:endParaRPr/>
+          </a:p>
+        </p:txBody>
+      </p:sp>
+      <p:sp>
+        <p:nvSpPr>
+          <p:cNvPr id="42" name="PlaceHolder 2"/>
+          <p:cNvSpPr>
+            <a:spLocks noGrp="1"/>
+          </p:cNvSpPr>
+          <p:nvPr>
+            <p:ph type="body"/>
+          </p:nvPr>
+        </p:nvSpPr>
+        <p:spPr>
+          <a:xfrm>
+            <a:off x="504000" y="1769040"/>
+            <a:ext cx="9071280" cy="4384080"/>
+          </a:xfrm>
+          <a:prstGeom prst="rect">
+            <a:avLst/>
+          </a:prstGeom>
+        </p:spPr>
+        <p:txBody>
+          <a:bodyPr lIns="0" rIns="0" tIns="0" bIns="0"/>
+          <a:p>
+            <a:endParaRPr/>
+          </a:p>
+        </p:txBody>
+      </p:sp>
+    </p:spTree>
+  </p:cSld>
+</p:sldLayout>
+</file>
+
+<file path=ppt/slideLayouts/slideLayout16.xml><?xml version="1.0" encoding="utf-8"?>
+<p:sldLayout xmlns:a="http://schemas.openxmlformats.org/drawingml/2006/main" xmlns:p="http://schemas.openxmlformats.org/presentationml/2006/main" xmlns:r="http://schemas.openxmlformats.org/officeDocument/2006/relationships" type="twoObj" preserve="1">
+  <p:cSld name="Title, 2 Content">
+    <p:spTree>
+      <p:nvGrpSpPr>
+        <p:cNvPr id="1" name=""/>
+        <p:cNvGrpSpPr/>
+        <p:nvPr/>
+      </p:nvGrpSpPr>
+      <p:grpSpPr>
+        <a:xfrm>
+          <a:off x="0" y="0"/>
+          <a:ext cx="0" cy="0"/>
+          <a:chOff x="0" y="0"/>
+          <a:chExt cx="0" cy="0"/>
+        </a:xfrm>
+      </p:grpSpPr>
+      <p:sp>
+        <p:nvSpPr>
+          <p:cNvPr id="43" name="PlaceHolder 1"/>
+          <p:cNvSpPr>
+            <a:spLocks noGrp="1"/>
+          </p:cNvSpPr>
+          <p:nvPr>
+            <p:ph type="title"/>
+          </p:nvPr>
+        </p:nvSpPr>
+        <p:spPr>
+          <a:xfrm>
+            <a:off x="504000" y="301320"/>
+            <a:ext cx="9071280" cy="1261800"/>
+          </a:xfrm>
+          <a:prstGeom prst="rect">
+            <a:avLst/>
+          </a:prstGeom>
+        </p:spPr>
+        <p:txBody>
+          <a:bodyPr lIns="0" rIns="0" tIns="0" bIns="0" anchor="ctr"/>
+          <a:p>
+            <a:pPr algn="ctr"/>
+            <a:endParaRPr/>
+          </a:p>
+        </p:txBody>
+      </p:sp>
+      <p:sp>
+        <p:nvSpPr>
+          <p:cNvPr id="44" name="PlaceHolder 2"/>
+          <p:cNvSpPr>
+            <a:spLocks noGrp="1"/>
+          </p:cNvSpPr>
+          <p:nvPr>
+            <p:ph type="body"/>
+          </p:nvPr>
+        </p:nvSpPr>
+        <p:spPr>
+          <a:xfrm>
+            <a:off x="504000" y="1769040"/>
+            <a:ext cx="4426560" cy="4384080"/>
+          </a:xfrm>
+          <a:prstGeom prst="rect">
+            <a:avLst/>
+          </a:prstGeom>
+        </p:spPr>
+        <p:txBody>
+          <a:bodyPr lIns="0" rIns="0" tIns="0" bIns="0"/>
+          <a:p>
+            <a:endParaRPr/>
+          </a:p>
+        </p:txBody>
+      </p:sp>
+      <p:sp>
+        <p:nvSpPr>
+          <p:cNvPr id="45" name="PlaceHolder 3"/>
+          <p:cNvSpPr>
+            <a:spLocks noGrp="1"/>
+          </p:cNvSpPr>
+          <p:nvPr>
+            <p:ph type="body"/>
+          </p:nvPr>
+        </p:nvSpPr>
+        <p:spPr>
+          <a:xfrm>
+            <a:off x="5152320" y="1769040"/>
+            <a:ext cx="4426560" cy="4384080"/>
+          </a:xfrm>
+          <a:prstGeom prst="rect">
+            <a:avLst/>
+          </a:prstGeom>
+        </p:spPr>
+        <p:txBody>
+          <a:bodyPr lIns="0" rIns="0" tIns="0" bIns="0"/>
+          <a:p>
+            <a:endParaRPr/>
+          </a:p>
+        </p:txBody>
+      </p:sp>
+    </p:spTree>
+  </p:cSld>
+</p:sldLayout>
+</file>
+
+<file path=ppt/slideLayouts/slideLayout17.xml><?xml version="1.0" encoding="utf-8"?>
+<p:sldLayout xmlns:a="http://schemas.openxmlformats.org/drawingml/2006/main" xmlns:p="http://schemas.openxmlformats.org/presentationml/2006/main" xmlns:r="http://schemas.openxmlformats.org/officeDocument/2006/relationships" type="titleOnly" preserve="1">
+  <p:cSld name="Title Only">
+    <p:spTree>
+      <p:nvGrpSpPr>
+        <p:cNvPr id="1" name=""/>
+        <p:cNvGrpSpPr/>
+        <p:nvPr/>
+      </p:nvGrpSpPr>
+      <p:grpSpPr>
+        <a:xfrm>
+          <a:off x="0" y="0"/>
+          <a:ext cx="0" cy="0"/>
+          <a:chOff x="0" y="0"/>
+          <a:chExt cx="0" cy="0"/>
+        </a:xfrm>
+      </p:grpSpPr>
+      <p:sp>
+        <p:nvSpPr>
+          <p:cNvPr id="46" name="PlaceHolder 1"/>
+          <p:cNvSpPr>
+            <a:spLocks noGrp="1"/>
+          </p:cNvSpPr>
+          <p:nvPr>
+            <p:ph type="title"/>
+          </p:nvPr>
+        </p:nvSpPr>
+        <p:spPr>
+          <a:xfrm>
+            <a:off x="504000" y="301320"/>
+            <a:ext cx="9071280" cy="1261800"/>
+          </a:xfrm>
+          <a:prstGeom prst="rect">
+            <a:avLst/>
+          </a:prstGeom>
+        </p:spPr>
+        <p:txBody>
+          <a:bodyPr lIns="0" rIns="0" tIns="0" bIns="0" anchor="ctr"/>
+          <a:p>
+            <a:pPr algn="ctr"/>
+            <a:endParaRPr/>
+          </a:p>
+        </p:txBody>
+      </p:sp>
+    </p:spTree>
+  </p:cSld>
+</p:sldLayout>
+</file>
+
+<file path=ppt/slideLayouts/slideLayout18.xml><?xml version="1.0" encoding="utf-8"?>
+<p:sldLayout xmlns:a="http://schemas.openxmlformats.org/drawingml/2006/main" xmlns:p="http://schemas.openxmlformats.org/presentationml/2006/main" xmlns:r="http://schemas.openxmlformats.org/officeDocument/2006/relationships" type="objOnly" preserve="1">
+  <p:cSld name="Centered Text">
+    <p:spTree>
+      <p:nvGrpSpPr>
+        <p:cNvPr id="1" name=""/>
+        <p:cNvGrpSpPr/>
+        <p:nvPr/>
+      </p:nvGrpSpPr>
+      <p:grpSpPr>
+        <a:xfrm>
+          <a:off x="0" y="0"/>
+          <a:ext cx="0" cy="0"/>
+          <a:chOff x="0" y="0"/>
+          <a:chExt cx="0" cy="0"/>
+        </a:xfrm>
+      </p:grpSpPr>
+      <p:sp>
+        <p:nvSpPr>
+          <p:cNvPr id="47" name="PlaceHolder 1"/>
+          <p:cNvSpPr>
+            <a:spLocks noGrp="1"/>
+          </p:cNvSpPr>
+          <p:nvPr>
+            <p:ph type="subTitle"/>
+          </p:nvPr>
+        </p:nvSpPr>
+        <p:spPr>
+          <a:xfrm>
+            <a:off x="504000" y="301320"/>
+            <a:ext cx="9071280" cy="5850360"/>
+          </a:xfrm>
+          <a:prstGeom prst="rect">
+            <a:avLst/>
+          </a:prstGeom>
+        </p:spPr>
+        <p:txBody>
+          <a:bodyPr lIns="0" rIns="0" tIns="0" bIns="0" anchor="ctr"/>
+          <a:p>
+            <a:pPr algn="ctr"/>
+            <a:endParaRPr/>
+          </a:p>
+        </p:txBody>
+      </p:sp>
+    </p:spTree>
+  </p:cSld>
+</p:sldLayout>
+</file>
+
+<file path=ppt/slideLayouts/slideLayout19.xml><?xml version="1.0" encoding="utf-8"?>
+<p:sldLayout xmlns:a="http://schemas.openxmlformats.org/drawingml/2006/main" xmlns:p="http://schemas.openxmlformats.org/presentationml/2006/main" xmlns:r="http://schemas.openxmlformats.org/officeDocument/2006/relationships" type="twoObjAndObj" preserve="1">
+  <p:cSld name="Title, 2 Content and Content">
+    <p:spTree>
+      <p:nvGrpSpPr>
+        <p:cNvPr id="1" name=""/>
+        <p:cNvGrpSpPr/>
+        <p:nvPr/>
+      </p:nvGrpSpPr>
+      <p:grpSpPr>
+        <a:xfrm>
+          <a:off x="0" y="0"/>
+          <a:ext cx="0" cy="0"/>
+          <a:chOff x="0" y="0"/>
+          <a:chExt cx="0" cy="0"/>
+        </a:xfrm>
+      </p:grpSpPr>
+      <p:sp>
+        <p:nvSpPr>
+          <p:cNvPr id="48" name="PlaceHolder 1"/>
+          <p:cNvSpPr>
+            <a:spLocks noGrp="1"/>
+          </p:cNvSpPr>
+          <p:nvPr>
+            <p:ph type="title"/>
+          </p:nvPr>
+        </p:nvSpPr>
+        <p:spPr>
+          <a:xfrm>
+            <a:off x="504000" y="301320"/>
+            <a:ext cx="9071280" cy="1261800"/>
+          </a:xfrm>
+          <a:prstGeom prst="rect">
+            <a:avLst/>
+          </a:prstGeom>
+        </p:spPr>
+        <p:txBody>
+          <a:bodyPr lIns="0" rIns="0" tIns="0" bIns="0" anchor="ctr"/>
+          <a:p>
+            <a:pPr algn="ctr"/>
+            <a:endParaRPr/>
+          </a:p>
+        </p:txBody>
+      </p:sp>
+      <p:sp>
+        <p:nvSpPr>
+          <p:cNvPr id="49" name="PlaceHolder 2"/>
+          <p:cNvSpPr>
+            <a:spLocks noGrp="1"/>
+          </p:cNvSpPr>
+          <p:nvPr>
+            <p:ph type="body"/>
+          </p:nvPr>
+        </p:nvSpPr>
+        <p:spPr>
+          <a:xfrm>
+            <a:off x="504000" y="1769040"/>
+            <a:ext cx="4426560" cy="2090880"/>
+          </a:xfrm>
+          <a:prstGeom prst="rect">
+            <a:avLst/>
+          </a:prstGeom>
+        </p:spPr>
+        <p:txBody>
+          <a:bodyPr lIns="0" rIns="0" tIns="0" bIns="0"/>
+          <a:p>
+            <a:endParaRPr/>
+          </a:p>
+        </p:txBody>
+      </p:sp>
+      <p:sp>
+        <p:nvSpPr>
+          <p:cNvPr id="50" name="PlaceHolder 3"/>
+          <p:cNvSpPr>
+            <a:spLocks noGrp="1"/>
+          </p:cNvSpPr>
+          <p:nvPr>
+            <p:ph type="body"/>
+          </p:nvPr>
+        </p:nvSpPr>
+        <p:spPr>
+          <a:xfrm>
+            <a:off x="504000" y="4059000"/>
+            <a:ext cx="4426560" cy="2090880"/>
+          </a:xfrm>
+          <a:prstGeom prst="rect">
+            <a:avLst/>
+          </a:prstGeom>
+        </p:spPr>
+        <p:txBody>
+          <a:bodyPr lIns="0" rIns="0" tIns="0" bIns="0"/>
+          <a:p>
+            <a:endParaRPr/>
+          </a:p>
+        </p:txBody>
+      </p:sp>
+      <p:sp>
+        <p:nvSpPr>
+          <p:cNvPr id="51" name="PlaceHolder 4"/>
+          <p:cNvSpPr>
+            <a:spLocks noGrp="1"/>
+          </p:cNvSpPr>
+          <p:nvPr>
+            <p:ph type="body"/>
+          </p:nvPr>
+        </p:nvSpPr>
+        <p:spPr>
+          <a:xfrm>
+            <a:off x="5152320" y="1769040"/>
+            <a:ext cx="4426560" cy="4384080"/>
+          </a:xfrm>
+          <a:prstGeom prst="rect">
+            <a:avLst/>
+          </a:prstGeom>
+        </p:spPr>
+        <p:txBody>
+          <a:bodyPr lIns="0" rIns="0" tIns="0" bIns="0"/>
+          <a:p>
+            <a:endParaRPr/>
+          </a:p>
+        </p:txBody>
+      </p:sp>
     </p:spTree>
   </p:cSld>
 </p:sldLayout>
@@ -462,7 +961,7 @@
       </p:grpSpPr>
       <p:sp>
         <p:nvSpPr>
-          <p:cNvPr id="5" name="PlaceHolder 1"/>
+          <p:cNvPr id="3" name="PlaceHolder 1"/>
           <p:cNvSpPr>
             <a:spLocks noGrp="1"/>
           </p:cNvSpPr>
@@ -473,7 +972,7 @@
         <p:spPr>
           <a:xfrm>
             <a:off x="504000" y="301320"/>
-            <a:ext cx="9071640" cy="1262160"/>
+            <a:ext cx="9071280" cy="1261800"/>
           </a:xfrm>
           <a:prstGeom prst="rect">
             <a:avLst/>
@@ -489,7 +988,7 @@
       </p:sp>
       <p:sp>
         <p:nvSpPr>
-          <p:cNvPr id="6" name="PlaceHolder 2"/>
+          <p:cNvPr id="4" name="PlaceHolder 2"/>
           <p:cNvSpPr>
             <a:spLocks noGrp="1"/>
           </p:cNvSpPr>
@@ -500,7 +999,7 @@
         <p:spPr>
           <a:xfrm>
             <a:off x="504000" y="1769040"/>
-            <a:ext cx="9071640" cy="4384440"/>
+            <a:ext cx="9071280" cy="4384080"/>
           </a:xfrm>
           <a:prstGeom prst="rect">
             <a:avLst/>
@@ -514,6 +1013,661 @@
           </a:p>
         </p:txBody>
       </p:sp>
+    </p:spTree>
+  </p:cSld>
+</p:sldLayout>
+</file>
+
+<file path=ppt/slideLayouts/slideLayout20.xml><?xml version="1.0" encoding="utf-8"?>
+<p:sldLayout xmlns:a="http://schemas.openxmlformats.org/drawingml/2006/main" xmlns:p="http://schemas.openxmlformats.org/presentationml/2006/main" xmlns:r="http://schemas.openxmlformats.org/officeDocument/2006/relationships" type="objAndTwoObj" preserve="1">
+  <p:cSld name="Title Content and 2 Content">
+    <p:spTree>
+      <p:nvGrpSpPr>
+        <p:cNvPr id="1" name=""/>
+        <p:cNvGrpSpPr/>
+        <p:nvPr/>
+      </p:nvGrpSpPr>
+      <p:grpSpPr>
+        <a:xfrm>
+          <a:off x="0" y="0"/>
+          <a:ext cx="0" cy="0"/>
+          <a:chOff x="0" y="0"/>
+          <a:chExt cx="0" cy="0"/>
+        </a:xfrm>
+      </p:grpSpPr>
+      <p:sp>
+        <p:nvSpPr>
+          <p:cNvPr id="52" name="PlaceHolder 1"/>
+          <p:cNvSpPr>
+            <a:spLocks noGrp="1"/>
+          </p:cNvSpPr>
+          <p:nvPr>
+            <p:ph type="title"/>
+          </p:nvPr>
+        </p:nvSpPr>
+        <p:spPr>
+          <a:xfrm>
+            <a:off x="504000" y="301320"/>
+            <a:ext cx="9071280" cy="1261800"/>
+          </a:xfrm>
+          <a:prstGeom prst="rect">
+            <a:avLst/>
+          </a:prstGeom>
+        </p:spPr>
+        <p:txBody>
+          <a:bodyPr lIns="0" rIns="0" tIns="0" bIns="0" anchor="ctr"/>
+          <a:p>
+            <a:pPr algn="ctr"/>
+            <a:endParaRPr/>
+          </a:p>
+        </p:txBody>
+      </p:sp>
+      <p:sp>
+        <p:nvSpPr>
+          <p:cNvPr id="53" name="PlaceHolder 2"/>
+          <p:cNvSpPr>
+            <a:spLocks noGrp="1"/>
+          </p:cNvSpPr>
+          <p:nvPr>
+            <p:ph type="body"/>
+          </p:nvPr>
+        </p:nvSpPr>
+        <p:spPr>
+          <a:xfrm>
+            <a:off x="504000" y="1769040"/>
+            <a:ext cx="4426560" cy="4384080"/>
+          </a:xfrm>
+          <a:prstGeom prst="rect">
+            <a:avLst/>
+          </a:prstGeom>
+        </p:spPr>
+        <p:txBody>
+          <a:bodyPr lIns="0" rIns="0" tIns="0" bIns="0"/>
+          <a:p>
+            <a:endParaRPr/>
+          </a:p>
+        </p:txBody>
+      </p:sp>
+      <p:sp>
+        <p:nvSpPr>
+          <p:cNvPr id="54" name="PlaceHolder 3"/>
+          <p:cNvSpPr>
+            <a:spLocks noGrp="1"/>
+          </p:cNvSpPr>
+          <p:nvPr>
+            <p:ph type="body"/>
+          </p:nvPr>
+        </p:nvSpPr>
+        <p:spPr>
+          <a:xfrm>
+            <a:off x="5152320" y="1769040"/>
+            <a:ext cx="4426560" cy="2090880"/>
+          </a:xfrm>
+          <a:prstGeom prst="rect">
+            <a:avLst/>
+          </a:prstGeom>
+        </p:spPr>
+        <p:txBody>
+          <a:bodyPr lIns="0" rIns="0" tIns="0" bIns="0"/>
+          <a:p>
+            <a:endParaRPr/>
+          </a:p>
+        </p:txBody>
+      </p:sp>
+      <p:sp>
+        <p:nvSpPr>
+          <p:cNvPr id="55" name="PlaceHolder 4"/>
+          <p:cNvSpPr>
+            <a:spLocks noGrp="1"/>
+          </p:cNvSpPr>
+          <p:nvPr>
+            <p:ph type="body"/>
+          </p:nvPr>
+        </p:nvSpPr>
+        <p:spPr>
+          <a:xfrm>
+            <a:off x="5152320" y="4059000"/>
+            <a:ext cx="4426560" cy="2090880"/>
+          </a:xfrm>
+          <a:prstGeom prst="rect">
+            <a:avLst/>
+          </a:prstGeom>
+        </p:spPr>
+        <p:txBody>
+          <a:bodyPr lIns="0" rIns="0" tIns="0" bIns="0"/>
+          <a:p>
+            <a:endParaRPr/>
+          </a:p>
+        </p:txBody>
+      </p:sp>
+    </p:spTree>
+  </p:cSld>
+</p:sldLayout>
+</file>
+
+<file path=ppt/slideLayouts/slideLayout21.xml><?xml version="1.0" encoding="utf-8"?>
+<p:sldLayout xmlns:a="http://schemas.openxmlformats.org/drawingml/2006/main" xmlns:p="http://schemas.openxmlformats.org/presentationml/2006/main" xmlns:r="http://schemas.openxmlformats.org/officeDocument/2006/relationships" type="twoObjOverTx" preserve="1">
+  <p:cSld name="Title, 2 Content over Content">
+    <p:spTree>
+      <p:nvGrpSpPr>
+        <p:cNvPr id="1" name=""/>
+        <p:cNvGrpSpPr/>
+        <p:nvPr/>
+      </p:nvGrpSpPr>
+      <p:grpSpPr>
+        <a:xfrm>
+          <a:off x="0" y="0"/>
+          <a:ext cx="0" cy="0"/>
+          <a:chOff x="0" y="0"/>
+          <a:chExt cx="0" cy="0"/>
+        </a:xfrm>
+      </p:grpSpPr>
+      <p:sp>
+        <p:nvSpPr>
+          <p:cNvPr id="56" name="PlaceHolder 1"/>
+          <p:cNvSpPr>
+            <a:spLocks noGrp="1"/>
+          </p:cNvSpPr>
+          <p:nvPr>
+            <p:ph type="title"/>
+          </p:nvPr>
+        </p:nvSpPr>
+        <p:spPr>
+          <a:xfrm>
+            <a:off x="504000" y="301320"/>
+            <a:ext cx="9071280" cy="1261800"/>
+          </a:xfrm>
+          <a:prstGeom prst="rect">
+            <a:avLst/>
+          </a:prstGeom>
+        </p:spPr>
+        <p:txBody>
+          <a:bodyPr lIns="0" rIns="0" tIns="0" bIns="0" anchor="ctr"/>
+          <a:p>
+            <a:pPr algn="ctr"/>
+            <a:endParaRPr/>
+          </a:p>
+        </p:txBody>
+      </p:sp>
+      <p:sp>
+        <p:nvSpPr>
+          <p:cNvPr id="57" name="PlaceHolder 2"/>
+          <p:cNvSpPr>
+            <a:spLocks noGrp="1"/>
+          </p:cNvSpPr>
+          <p:nvPr>
+            <p:ph type="body"/>
+          </p:nvPr>
+        </p:nvSpPr>
+        <p:spPr>
+          <a:xfrm>
+            <a:off x="504000" y="1769040"/>
+            <a:ext cx="4426560" cy="2090880"/>
+          </a:xfrm>
+          <a:prstGeom prst="rect">
+            <a:avLst/>
+          </a:prstGeom>
+        </p:spPr>
+        <p:txBody>
+          <a:bodyPr lIns="0" rIns="0" tIns="0" bIns="0"/>
+          <a:p>
+            <a:endParaRPr/>
+          </a:p>
+        </p:txBody>
+      </p:sp>
+      <p:sp>
+        <p:nvSpPr>
+          <p:cNvPr id="58" name="PlaceHolder 3"/>
+          <p:cNvSpPr>
+            <a:spLocks noGrp="1"/>
+          </p:cNvSpPr>
+          <p:nvPr>
+            <p:ph type="body"/>
+          </p:nvPr>
+        </p:nvSpPr>
+        <p:spPr>
+          <a:xfrm>
+            <a:off x="5152320" y="1769040"/>
+            <a:ext cx="4426560" cy="2090880"/>
+          </a:xfrm>
+          <a:prstGeom prst="rect">
+            <a:avLst/>
+          </a:prstGeom>
+        </p:spPr>
+        <p:txBody>
+          <a:bodyPr lIns="0" rIns="0" tIns="0" bIns="0"/>
+          <a:p>
+            <a:endParaRPr/>
+          </a:p>
+        </p:txBody>
+      </p:sp>
+      <p:sp>
+        <p:nvSpPr>
+          <p:cNvPr id="59" name="PlaceHolder 4"/>
+          <p:cNvSpPr>
+            <a:spLocks noGrp="1"/>
+          </p:cNvSpPr>
+          <p:nvPr>
+            <p:ph type="body"/>
+          </p:nvPr>
+        </p:nvSpPr>
+        <p:spPr>
+          <a:xfrm>
+            <a:off x="504000" y="4059000"/>
+            <a:ext cx="9071280" cy="2090880"/>
+          </a:xfrm>
+          <a:prstGeom prst="rect">
+            <a:avLst/>
+          </a:prstGeom>
+        </p:spPr>
+        <p:txBody>
+          <a:bodyPr lIns="0" rIns="0" tIns="0" bIns="0"/>
+          <a:p>
+            <a:endParaRPr/>
+          </a:p>
+        </p:txBody>
+      </p:sp>
+    </p:spTree>
+  </p:cSld>
+</p:sldLayout>
+</file>
+
+<file path=ppt/slideLayouts/slideLayout22.xml><?xml version="1.0" encoding="utf-8"?>
+<p:sldLayout xmlns:a="http://schemas.openxmlformats.org/drawingml/2006/main" xmlns:p="http://schemas.openxmlformats.org/presentationml/2006/main" xmlns:r="http://schemas.openxmlformats.org/officeDocument/2006/relationships" type="objOverTx" preserve="1">
+  <p:cSld name="Title, Content over Content">
+    <p:spTree>
+      <p:nvGrpSpPr>
+        <p:cNvPr id="1" name=""/>
+        <p:cNvGrpSpPr/>
+        <p:nvPr/>
+      </p:nvGrpSpPr>
+      <p:grpSpPr>
+        <a:xfrm>
+          <a:off x="0" y="0"/>
+          <a:ext cx="0" cy="0"/>
+          <a:chOff x="0" y="0"/>
+          <a:chExt cx="0" cy="0"/>
+        </a:xfrm>
+      </p:grpSpPr>
+      <p:sp>
+        <p:nvSpPr>
+          <p:cNvPr id="60" name="PlaceHolder 1"/>
+          <p:cNvSpPr>
+            <a:spLocks noGrp="1"/>
+          </p:cNvSpPr>
+          <p:nvPr>
+            <p:ph type="title"/>
+          </p:nvPr>
+        </p:nvSpPr>
+        <p:spPr>
+          <a:xfrm>
+            <a:off x="504000" y="301320"/>
+            <a:ext cx="9071280" cy="1261800"/>
+          </a:xfrm>
+          <a:prstGeom prst="rect">
+            <a:avLst/>
+          </a:prstGeom>
+        </p:spPr>
+        <p:txBody>
+          <a:bodyPr lIns="0" rIns="0" tIns="0" bIns="0" anchor="ctr"/>
+          <a:p>
+            <a:pPr algn="ctr"/>
+            <a:endParaRPr/>
+          </a:p>
+        </p:txBody>
+      </p:sp>
+      <p:sp>
+        <p:nvSpPr>
+          <p:cNvPr id="61" name="PlaceHolder 2"/>
+          <p:cNvSpPr>
+            <a:spLocks noGrp="1"/>
+          </p:cNvSpPr>
+          <p:nvPr>
+            <p:ph type="body"/>
+          </p:nvPr>
+        </p:nvSpPr>
+        <p:spPr>
+          <a:xfrm>
+            <a:off x="504000" y="1769040"/>
+            <a:ext cx="9071280" cy="2090880"/>
+          </a:xfrm>
+          <a:prstGeom prst="rect">
+            <a:avLst/>
+          </a:prstGeom>
+        </p:spPr>
+        <p:txBody>
+          <a:bodyPr lIns="0" rIns="0" tIns="0" bIns="0"/>
+          <a:p>
+            <a:endParaRPr/>
+          </a:p>
+        </p:txBody>
+      </p:sp>
+      <p:sp>
+        <p:nvSpPr>
+          <p:cNvPr id="62" name="PlaceHolder 3"/>
+          <p:cNvSpPr>
+            <a:spLocks noGrp="1"/>
+          </p:cNvSpPr>
+          <p:nvPr>
+            <p:ph type="body"/>
+          </p:nvPr>
+        </p:nvSpPr>
+        <p:spPr>
+          <a:xfrm>
+            <a:off x="504000" y="4059000"/>
+            <a:ext cx="9071280" cy="2090880"/>
+          </a:xfrm>
+          <a:prstGeom prst="rect">
+            <a:avLst/>
+          </a:prstGeom>
+        </p:spPr>
+        <p:txBody>
+          <a:bodyPr lIns="0" rIns="0" tIns="0" bIns="0"/>
+          <a:p>
+            <a:endParaRPr/>
+          </a:p>
+        </p:txBody>
+      </p:sp>
+    </p:spTree>
+  </p:cSld>
+</p:sldLayout>
+</file>
+
+<file path=ppt/slideLayouts/slideLayout23.xml><?xml version="1.0" encoding="utf-8"?>
+<p:sldLayout xmlns:a="http://schemas.openxmlformats.org/drawingml/2006/main" xmlns:p="http://schemas.openxmlformats.org/presentationml/2006/main" xmlns:r="http://schemas.openxmlformats.org/officeDocument/2006/relationships" type="fourObj" preserve="1">
+  <p:cSld name="Title, 4 Content">
+    <p:spTree>
+      <p:nvGrpSpPr>
+        <p:cNvPr id="1" name=""/>
+        <p:cNvGrpSpPr/>
+        <p:nvPr/>
+      </p:nvGrpSpPr>
+      <p:grpSpPr>
+        <a:xfrm>
+          <a:off x="0" y="0"/>
+          <a:ext cx="0" cy="0"/>
+          <a:chOff x="0" y="0"/>
+          <a:chExt cx="0" cy="0"/>
+        </a:xfrm>
+      </p:grpSpPr>
+      <p:sp>
+        <p:nvSpPr>
+          <p:cNvPr id="63" name="PlaceHolder 1"/>
+          <p:cNvSpPr>
+            <a:spLocks noGrp="1"/>
+          </p:cNvSpPr>
+          <p:nvPr>
+            <p:ph type="title"/>
+          </p:nvPr>
+        </p:nvSpPr>
+        <p:spPr>
+          <a:xfrm>
+            <a:off x="504000" y="301320"/>
+            <a:ext cx="9071280" cy="1261800"/>
+          </a:xfrm>
+          <a:prstGeom prst="rect">
+            <a:avLst/>
+          </a:prstGeom>
+        </p:spPr>
+        <p:txBody>
+          <a:bodyPr lIns="0" rIns="0" tIns="0" bIns="0" anchor="ctr"/>
+          <a:p>
+            <a:pPr algn="ctr"/>
+            <a:endParaRPr/>
+          </a:p>
+        </p:txBody>
+      </p:sp>
+      <p:sp>
+        <p:nvSpPr>
+          <p:cNvPr id="64" name="PlaceHolder 2"/>
+          <p:cNvSpPr>
+            <a:spLocks noGrp="1"/>
+          </p:cNvSpPr>
+          <p:nvPr>
+            <p:ph type="body"/>
+          </p:nvPr>
+        </p:nvSpPr>
+        <p:spPr>
+          <a:xfrm>
+            <a:off x="504000" y="1769040"/>
+            <a:ext cx="4426560" cy="2090880"/>
+          </a:xfrm>
+          <a:prstGeom prst="rect">
+            <a:avLst/>
+          </a:prstGeom>
+        </p:spPr>
+        <p:txBody>
+          <a:bodyPr lIns="0" rIns="0" tIns="0" bIns="0"/>
+          <a:p>
+            <a:endParaRPr/>
+          </a:p>
+        </p:txBody>
+      </p:sp>
+      <p:sp>
+        <p:nvSpPr>
+          <p:cNvPr id="65" name="PlaceHolder 3"/>
+          <p:cNvSpPr>
+            <a:spLocks noGrp="1"/>
+          </p:cNvSpPr>
+          <p:nvPr>
+            <p:ph type="body"/>
+          </p:nvPr>
+        </p:nvSpPr>
+        <p:spPr>
+          <a:xfrm>
+            <a:off x="5152320" y="1769040"/>
+            <a:ext cx="4426560" cy="2090880"/>
+          </a:xfrm>
+          <a:prstGeom prst="rect">
+            <a:avLst/>
+          </a:prstGeom>
+        </p:spPr>
+        <p:txBody>
+          <a:bodyPr lIns="0" rIns="0" tIns="0" bIns="0"/>
+          <a:p>
+            <a:endParaRPr/>
+          </a:p>
+        </p:txBody>
+      </p:sp>
+      <p:sp>
+        <p:nvSpPr>
+          <p:cNvPr id="66" name="PlaceHolder 4"/>
+          <p:cNvSpPr>
+            <a:spLocks noGrp="1"/>
+          </p:cNvSpPr>
+          <p:nvPr>
+            <p:ph type="body"/>
+          </p:nvPr>
+        </p:nvSpPr>
+        <p:spPr>
+          <a:xfrm>
+            <a:off x="5152320" y="4059000"/>
+            <a:ext cx="4426560" cy="2090880"/>
+          </a:xfrm>
+          <a:prstGeom prst="rect">
+            <a:avLst/>
+          </a:prstGeom>
+        </p:spPr>
+        <p:txBody>
+          <a:bodyPr lIns="0" rIns="0" tIns="0" bIns="0"/>
+          <a:p>
+            <a:endParaRPr/>
+          </a:p>
+        </p:txBody>
+      </p:sp>
+      <p:sp>
+        <p:nvSpPr>
+          <p:cNvPr id="67" name="PlaceHolder 5"/>
+          <p:cNvSpPr>
+            <a:spLocks noGrp="1"/>
+          </p:cNvSpPr>
+          <p:nvPr>
+            <p:ph type="body"/>
+          </p:nvPr>
+        </p:nvSpPr>
+        <p:spPr>
+          <a:xfrm>
+            <a:off x="504000" y="4059000"/>
+            <a:ext cx="4426560" cy="2090880"/>
+          </a:xfrm>
+          <a:prstGeom prst="rect">
+            <a:avLst/>
+          </a:prstGeom>
+        </p:spPr>
+        <p:txBody>
+          <a:bodyPr lIns="0" rIns="0" tIns="0" bIns="0"/>
+          <a:p>
+            <a:endParaRPr/>
+          </a:p>
+        </p:txBody>
+      </p:sp>
+    </p:spTree>
+  </p:cSld>
+</p:sldLayout>
+</file>
+
+<file path=ppt/slideLayouts/slideLayout24.xml><?xml version="1.0" encoding="utf-8"?>
+<p:sldLayout xmlns:a="http://schemas.openxmlformats.org/drawingml/2006/main" xmlns:p="http://schemas.openxmlformats.org/presentationml/2006/main" xmlns:r="http://schemas.openxmlformats.org/officeDocument/2006/relationships" type="blank" preserve="1">
+  <p:cSld name="Title, 6 Content">
+    <p:spTree>
+      <p:nvGrpSpPr>
+        <p:cNvPr id="1" name=""/>
+        <p:cNvGrpSpPr/>
+        <p:nvPr/>
+      </p:nvGrpSpPr>
+      <p:grpSpPr>
+        <a:xfrm>
+          <a:off x="0" y="0"/>
+          <a:ext cx="0" cy="0"/>
+          <a:chOff x="0" y="0"/>
+          <a:chExt cx="0" cy="0"/>
+        </a:xfrm>
+      </p:grpSpPr>
+      <p:sp>
+        <p:nvSpPr>
+          <p:cNvPr id="68" name="PlaceHolder 1"/>
+          <p:cNvSpPr>
+            <a:spLocks noGrp="1"/>
+          </p:cNvSpPr>
+          <p:nvPr>
+            <p:ph type="title"/>
+          </p:nvPr>
+        </p:nvSpPr>
+        <p:spPr>
+          <a:xfrm>
+            <a:off x="504000" y="301320"/>
+            <a:ext cx="9071280" cy="1261800"/>
+          </a:xfrm>
+          <a:prstGeom prst="rect">
+            <a:avLst/>
+          </a:prstGeom>
+        </p:spPr>
+        <p:txBody>
+          <a:bodyPr lIns="0" rIns="0" tIns="0" bIns="0" anchor="ctr"/>
+          <a:p>
+            <a:pPr algn="ctr"/>
+            <a:endParaRPr/>
+          </a:p>
+        </p:txBody>
+      </p:sp>
+      <p:sp>
+        <p:nvSpPr>
+          <p:cNvPr id="69" name="PlaceHolder 2"/>
+          <p:cNvSpPr>
+            <a:spLocks noGrp="1"/>
+          </p:cNvSpPr>
+          <p:nvPr>
+            <p:ph type="body"/>
+          </p:nvPr>
+        </p:nvSpPr>
+        <p:spPr>
+          <a:xfrm>
+            <a:off x="504000" y="1769040"/>
+            <a:ext cx="9071280" cy="4384080"/>
+          </a:xfrm>
+          <a:prstGeom prst="rect">
+            <a:avLst/>
+          </a:prstGeom>
+        </p:spPr>
+        <p:txBody>
+          <a:bodyPr lIns="0" rIns="0" tIns="0" bIns="0"/>
+          <a:p>
+            <a:endParaRPr/>
+          </a:p>
+        </p:txBody>
+      </p:sp>
+      <p:sp>
+        <p:nvSpPr>
+          <p:cNvPr id="70" name="PlaceHolder 3"/>
+          <p:cNvSpPr>
+            <a:spLocks noGrp="1"/>
+          </p:cNvSpPr>
+          <p:nvPr>
+            <p:ph type="body"/>
+          </p:nvPr>
+        </p:nvSpPr>
+        <p:spPr>
+          <a:xfrm>
+            <a:off x="504000" y="1769040"/>
+            <a:ext cx="9071280" cy="4384080"/>
+          </a:xfrm>
+          <a:prstGeom prst="rect">
+            <a:avLst/>
+          </a:prstGeom>
+        </p:spPr>
+        <p:txBody>
+          <a:bodyPr lIns="0" rIns="0" tIns="0" bIns="0"/>
+          <a:p>
+            <a:endParaRPr/>
+          </a:p>
+        </p:txBody>
+      </p:sp>
+      <p:pic>
+        <p:nvPicPr>
+          <p:cNvPr id="71" name="" descr=""/>
+          <p:cNvPicPr/>
+          <p:nvPr/>
+        </p:nvPicPr>
+        <p:blipFill>
+          <a:blip r:embed="rId2"/>
+          <a:stretch/>
+        </p:blipFill>
+        <p:spPr>
+          <a:xfrm>
+            <a:off x="2292120" y="1769040"/>
+            <a:ext cx="5494680" cy="4384080"/>
+          </a:xfrm>
+          <a:prstGeom prst="rect">
+            <a:avLst/>
+          </a:prstGeom>
+          <a:ln>
+            <a:noFill/>
+          </a:ln>
+        </p:spPr>
+      </p:pic>
+      <p:pic>
+        <p:nvPicPr>
+          <p:cNvPr id="72" name="" descr=""/>
+          <p:cNvPicPr/>
+          <p:nvPr/>
+        </p:nvPicPr>
+        <p:blipFill>
+          <a:blip r:embed="rId3"/>
+          <a:stretch/>
+        </p:blipFill>
+        <p:spPr>
+          <a:xfrm>
+            <a:off x="2292120" y="1769040"/>
+            <a:ext cx="5494680" cy="4384080"/>
+          </a:xfrm>
+          <a:prstGeom prst="rect">
+            <a:avLst/>
+          </a:prstGeom>
+          <a:ln>
+            <a:noFill/>
+          </a:ln>
+        </p:spPr>
+      </p:pic>
     </p:spTree>
   </p:cSld>
 </p:sldLayout>
@@ -538,7 +1692,7 @@
       </p:grpSpPr>
       <p:sp>
         <p:nvSpPr>
-          <p:cNvPr id="7" name="PlaceHolder 1"/>
+          <p:cNvPr id="5" name="PlaceHolder 1"/>
           <p:cNvSpPr>
             <a:spLocks noGrp="1"/>
           </p:cNvSpPr>
@@ -549,7 +1703,7 @@
         <p:spPr>
           <a:xfrm>
             <a:off x="504000" y="301320"/>
-            <a:ext cx="9071640" cy="1262160"/>
+            <a:ext cx="9071280" cy="1261800"/>
           </a:xfrm>
           <a:prstGeom prst="rect">
             <a:avLst/>
@@ -565,7 +1719,7 @@
       </p:sp>
       <p:sp>
         <p:nvSpPr>
-          <p:cNvPr id="8" name="PlaceHolder 2"/>
+          <p:cNvPr id="6" name="PlaceHolder 2"/>
           <p:cNvSpPr>
             <a:spLocks noGrp="1"/>
           </p:cNvSpPr>
@@ -576,7 +1730,7 @@
         <p:spPr>
           <a:xfrm>
             <a:off x="504000" y="1769040"/>
-            <a:ext cx="9071640" cy="4384440"/>
+            <a:ext cx="9071280" cy="4384080"/>
           </a:xfrm>
           <a:prstGeom prst="rect">
             <a:avLst/>
@@ -613,7 +1767,7 @@
       </p:grpSpPr>
       <p:sp>
         <p:nvSpPr>
-          <p:cNvPr id="9" name="PlaceHolder 1"/>
+          <p:cNvPr id="7" name="PlaceHolder 1"/>
           <p:cNvSpPr>
             <a:spLocks noGrp="1"/>
           </p:cNvSpPr>
@@ -624,7 +1778,7 @@
         <p:spPr>
           <a:xfrm>
             <a:off x="504000" y="301320"/>
-            <a:ext cx="9071640" cy="1262160"/>
+            <a:ext cx="9071280" cy="1261800"/>
           </a:xfrm>
           <a:prstGeom prst="rect">
             <a:avLst/>
@@ -640,7 +1794,7 @@
       </p:sp>
       <p:sp>
         <p:nvSpPr>
-          <p:cNvPr id="10" name="PlaceHolder 2"/>
+          <p:cNvPr id="8" name="PlaceHolder 2"/>
           <p:cNvSpPr>
             <a:spLocks noGrp="1"/>
           </p:cNvSpPr>
@@ -651,7 +1805,7 @@
         <p:spPr>
           <a:xfrm>
             <a:off x="504000" y="1769040"/>
-            <a:ext cx="4426920" cy="4384440"/>
+            <a:ext cx="4426560" cy="4384080"/>
           </a:xfrm>
           <a:prstGeom prst="rect">
             <a:avLst/>
@@ -666,7 +1820,7 @@
       </p:sp>
       <p:sp>
         <p:nvSpPr>
-          <p:cNvPr id="11" name="PlaceHolder 3"/>
+          <p:cNvPr id="9" name="PlaceHolder 3"/>
           <p:cNvSpPr>
             <a:spLocks noGrp="1"/>
           </p:cNvSpPr>
@@ -676,8 +1830,8 @@
         </p:nvSpPr>
         <p:spPr>
           <a:xfrm>
-            <a:off x="5152680" y="1769040"/>
-            <a:ext cx="4426920" cy="4384440"/>
+            <a:off x="5152320" y="1769040"/>
+            <a:ext cx="4426560" cy="4384080"/>
           </a:xfrm>
           <a:prstGeom prst="rect">
             <a:avLst/>
@@ -714,7 +1868,7 @@
       </p:grpSpPr>
       <p:sp>
         <p:nvSpPr>
-          <p:cNvPr id="12" name="PlaceHolder 1"/>
+          <p:cNvPr id="10" name="PlaceHolder 1"/>
           <p:cNvSpPr>
             <a:spLocks noGrp="1"/>
           </p:cNvSpPr>
@@ -725,7 +1879,7 @@
         <p:spPr>
           <a:xfrm>
             <a:off x="504000" y="301320"/>
-            <a:ext cx="9071640" cy="1262160"/>
+            <a:ext cx="9071280" cy="1261800"/>
           </a:xfrm>
           <a:prstGeom prst="rect">
             <a:avLst/>
@@ -763,7 +1917,7 @@
       </p:grpSpPr>
       <p:sp>
         <p:nvSpPr>
-          <p:cNvPr id="13" name="PlaceHolder 1"/>
+          <p:cNvPr id="11" name="PlaceHolder 1"/>
           <p:cNvSpPr>
             <a:spLocks noGrp="1"/>
           </p:cNvSpPr>
@@ -774,7 +1928,7 @@
         <p:spPr>
           <a:xfrm>
             <a:off x="504000" y="301320"/>
-            <a:ext cx="9071640" cy="5851800"/>
+            <a:ext cx="9071280" cy="5850360"/>
           </a:xfrm>
           <a:prstGeom prst="rect">
             <a:avLst/>
@@ -812,7 +1966,7 @@
       </p:grpSpPr>
       <p:sp>
         <p:nvSpPr>
-          <p:cNvPr id="14" name="PlaceHolder 1"/>
+          <p:cNvPr id="12" name="PlaceHolder 1"/>
           <p:cNvSpPr>
             <a:spLocks noGrp="1"/>
           </p:cNvSpPr>
@@ -823,7 +1977,7 @@
         <p:spPr>
           <a:xfrm>
             <a:off x="504000" y="301320"/>
-            <a:ext cx="9071640" cy="1262160"/>
+            <a:ext cx="9071280" cy="1261800"/>
           </a:xfrm>
           <a:prstGeom prst="rect">
             <a:avLst/>
@@ -839,7 +1993,7 @@
       </p:sp>
       <p:sp>
         <p:nvSpPr>
-          <p:cNvPr id="15" name="PlaceHolder 2"/>
+          <p:cNvPr id="13" name="PlaceHolder 2"/>
           <p:cNvSpPr>
             <a:spLocks noGrp="1"/>
           </p:cNvSpPr>
@@ -850,7 +2004,7 @@
         <p:spPr>
           <a:xfrm>
             <a:off x="504000" y="1769040"/>
-            <a:ext cx="4426920" cy="2091240"/>
+            <a:ext cx="4426560" cy="2090880"/>
           </a:xfrm>
           <a:prstGeom prst="rect">
             <a:avLst/>
@@ -865,7 +2019,7 @@
       </p:sp>
       <p:sp>
         <p:nvSpPr>
-          <p:cNvPr id="16" name="PlaceHolder 3"/>
+          <p:cNvPr id="14" name="PlaceHolder 3"/>
           <p:cNvSpPr>
             <a:spLocks noGrp="1"/>
           </p:cNvSpPr>
@@ -875,8 +2029,8 @@
         </p:nvSpPr>
         <p:spPr>
           <a:xfrm>
-            <a:off x="504000" y="4059360"/>
-            <a:ext cx="4426920" cy="2091240"/>
+            <a:off x="504000" y="4059000"/>
+            <a:ext cx="4426560" cy="2090880"/>
           </a:xfrm>
           <a:prstGeom prst="rect">
             <a:avLst/>
@@ -891,7 +2045,7 @@
       </p:sp>
       <p:sp>
         <p:nvSpPr>
-          <p:cNvPr id="17" name="PlaceHolder 4"/>
+          <p:cNvPr id="15" name="PlaceHolder 4"/>
           <p:cNvSpPr>
             <a:spLocks noGrp="1"/>
           </p:cNvSpPr>
@@ -901,8 +2055,8 @@
         </p:nvSpPr>
         <p:spPr>
           <a:xfrm>
-            <a:off x="5152680" y="1769040"/>
-            <a:ext cx="4426920" cy="4384440"/>
+            <a:off x="5152320" y="1769040"/>
+            <a:ext cx="4426560" cy="4384080"/>
           </a:xfrm>
           <a:prstGeom prst="rect">
             <a:avLst/>
@@ -939,7 +2093,7 @@
       </p:grpSpPr>
       <p:sp>
         <p:nvSpPr>
-          <p:cNvPr id="18" name="PlaceHolder 1"/>
+          <p:cNvPr id="16" name="PlaceHolder 1"/>
           <p:cNvSpPr>
             <a:spLocks noGrp="1"/>
           </p:cNvSpPr>
@@ -950,7 +2104,7 @@
         <p:spPr>
           <a:xfrm>
             <a:off x="504000" y="301320"/>
-            <a:ext cx="9071640" cy="1262160"/>
+            <a:ext cx="9071280" cy="1261800"/>
           </a:xfrm>
           <a:prstGeom prst="rect">
             <a:avLst/>
@@ -966,7 +2120,7 @@
       </p:sp>
       <p:sp>
         <p:nvSpPr>
-          <p:cNvPr id="19" name="PlaceHolder 2"/>
+          <p:cNvPr id="17" name="PlaceHolder 2"/>
           <p:cNvSpPr>
             <a:spLocks noGrp="1"/>
           </p:cNvSpPr>
@@ -977,7 +2131,7 @@
         <p:spPr>
           <a:xfrm>
             <a:off x="504000" y="1769040"/>
-            <a:ext cx="4426920" cy="4384440"/>
+            <a:ext cx="4426560" cy="4384080"/>
           </a:xfrm>
           <a:prstGeom prst="rect">
             <a:avLst/>
@@ -992,7 +2146,7 @@
       </p:sp>
       <p:sp>
         <p:nvSpPr>
-          <p:cNvPr id="20" name="PlaceHolder 3"/>
+          <p:cNvPr id="18" name="PlaceHolder 3"/>
           <p:cNvSpPr>
             <a:spLocks noGrp="1"/>
           </p:cNvSpPr>
@@ -1002,8 +2156,8 @@
         </p:nvSpPr>
         <p:spPr>
           <a:xfrm>
-            <a:off x="5152680" y="1769040"/>
-            <a:ext cx="4426920" cy="2091240"/>
+            <a:off x="5152320" y="1769040"/>
+            <a:ext cx="4426560" cy="2090880"/>
           </a:xfrm>
           <a:prstGeom prst="rect">
             <a:avLst/>
@@ -1018,7 +2172,7 @@
       </p:sp>
       <p:sp>
         <p:nvSpPr>
-          <p:cNvPr id="21" name="PlaceHolder 4"/>
+          <p:cNvPr id="19" name="PlaceHolder 4"/>
           <p:cNvSpPr>
             <a:spLocks noGrp="1"/>
           </p:cNvSpPr>
@@ -1028,8 +2182,8 @@
         </p:nvSpPr>
         <p:spPr>
           <a:xfrm>
-            <a:off x="5152680" y="4059360"/>
-            <a:ext cx="4426920" cy="2091240"/>
+            <a:off x="5152320" y="4059000"/>
+            <a:ext cx="4426560" cy="2090880"/>
           </a:xfrm>
           <a:prstGeom prst="rect">
             <a:avLst/>
@@ -1066,7 +2220,7 @@
       </p:grpSpPr>
       <p:sp>
         <p:nvSpPr>
-          <p:cNvPr id="22" name="PlaceHolder 1"/>
+          <p:cNvPr id="20" name="PlaceHolder 1"/>
           <p:cNvSpPr>
             <a:spLocks noGrp="1"/>
           </p:cNvSpPr>
@@ -1077,7 +2231,7 @@
         <p:spPr>
           <a:xfrm>
             <a:off x="504000" y="301320"/>
-            <a:ext cx="9071640" cy="1262160"/>
+            <a:ext cx="9071280" cy="1261800"/>
           </a:xfrm>
           <a:prstGeom prst="rect">
             <a:avLst/>
@@ -1093,7 +2247,7 @@
       </p:sp>
       <p:sp>
         <p:nvSpPr>
-          <p:cNvPr id="23" name="PlaceHolder 2"/>
+          <p:cNvPr id="21" name="PlaceHolder 2"/>
           <p:cNvSpPr>
             <a:spLocks noGrp="1"/>
           </p:cNvSpPr>
@@ -1104,7 +2258,7 @@
         <p:spPr>
           <a:xfrm>
             <a:off x="504000" y="1769040"/>
-            <a:ext cx="4426920" cy="2091240"/>
+            <a:ext cx="4426560" cy="2090880"/>
           </a:xfrm>
           <a:prstGeom prst="rect">
             <a:avLst/>
@@ -1119,7 +2273,7 @@
       </p:sp>
       <p:sp>
         <p:nvSpPr>
-          <p:cNvPr id="24" name="PlaceHolder 3"/>
+          <p:cNvPr id="22" name="PlaceHolder 3"/>
           <p:cNvSpPr>
             <a:spLocks noGrp="1"/>
           </p:cNvSpPr>
@@ -1129,8 +2283,8 @@
         </p:nvSpPr>
         <p:spPr>
           <a:xfrm>
-            <a:off x="5152680" y="1769040"/>
-            <a:ext cx="4426920" cy="2091240"/>
+            <a:off x="5152320" y="1769040"/>
+            <a:ext cx="4426560" cy="2090880"/>
           </a:xfrm>
           <a:prstGeom prst="rect">
             <a:avLst/>
@@ -1145,7 +2299,7 @@
       </p:sp>
       <p:sp>
         <p:nvSpPr>
-          <p:cNvPr id="25" name="PlaceHolder 4"/>
+          <p:cNvPr id="23" name="PlaceHolder 4"/>
           <p:cNvSpPr>
             <a:spLocks noGrp="1"/>
           </p:cNvSpPr>
@@ -1155,8 +2309,8 @@
         </p:nvSpPr>
         <p:spPr>
           <a:xfrm>
-            <a:off x="504000" y="4059360"/>
-            <a:ext cx="9071640" cy="2091240"/>
+            <a:off x="504000" y="4059000"/>
+            <a:ext cx="9071280" cy="2090880"/>
           </a:xfrm>
           <a:prstGeom prst="rect">
             <a:avLst/>
@@ -1204,7 +2358,7 @@
         <p:spPr>
           <a:xfrm>
             <a:off x="504000" y="301320"/>
-            <a:ext cx="9071640" cy="1262160"/>
+            <a:ext cx="9071280" cy="1261800"/>
           </a:xfrm>
           <a:prstGeom prst="rect">
             <a:avLst/>
@@ -1214,12 +2368,6 @@
           <a:bodyPr lIns="0" rIns="0" tIns="0" bIns="0" anchor="ctr"/>
           <a:p>
             <a:pPr algn="ctr"/>
-            <a:r>
-              <a:rPr lang="en-US" sz="4400">
-                <a:latin typeface="Arial"/>
-              </a:rPr>
-              <a:t>Click to edit the title text format</a:t>
-            </a:r>
             <a:endParaRPr/>
           </a:p>
         </p:txBody>
@@ -1231,13 +2379,40 @@
             <a:spLocks noGrp="1"/>
           </p:cNvSpPr>
           <p:nvPr>
+            <p:ph type="subTitle"/>
+          </p:nvPr>
+        </p:nvSpPr>
+        <p:spPr>
+          <a:xfrm>
+            <a:off x="504000" y="1769040"/>
+            <a:ext cx="9071280" cy="4384080"/>
+          </a:xfrm>
+          <a:prstGeom prst="rect">
+            <a:avLst/>
+          </a:prstGeom>
+        </p:spPr>
+        <p:txBody>
+          <a:bodyPr lIns="0" rIns="0" tIns="0" bIns="0" anchor="ctr"/>
+          <a:p>
+            <a:pPr algn="ctr"/>
+            <a:endParaRPr/>
+          </a:p>
+        </p:txBody>
+      </p:sp>
+      <p:sp>
+        <p:nvSpPr>
+          <p:cNvPr id="2" name="PlaceHolder 3"/>
+          <p:cNvSpPr>
+            <a:spLocks noGrp="1"/>
+          </p:cNvSpPr>
+          <p:nvPr>
             <p:ph type="body"/>
           </p:nvPr>
         </p:nvSpPr>
         <p:spPr>
           <a:xfrm>
-            <a:off x="504000" y="1769040"/>
-            <a:ext cx="9071640" cy="4384440"/>
+            <a:off x="504000" y="1768680"/>
+            <a:ext cx="9072000" cy="4384080"/>
           </a:xfrm>
           <a:prstGeom prst="rect">
             <a:avLst/>
@@ -1341,104 +2516,6 @@
               </a:rPr>
               <a:t>Seventh Outline Level</a:t>
             </a:r>
-            <a:endParaRPr/>
-          </a:p>
-        </p:txBody>
-      </p:sp>
-      <p:sp>
-        <p:nvSpPr>
-          <p:cNvPr id="2" name="PlaceHolder 3"/>
-          <p:cNvSpPr>
-            <a:spLocks noGrp="1"/>
-          </p:cNvSpPr>
-          <p:nvPr>
-            <p:ph type="dt"/>
-          </p:nvPr>
-        </p:nvSpPr>
-        <p:spPr>
-          <a:xfrm>
-            <a:off x="504000" y="6887160"/>
-            <a:ext cx="2348280" cy="521280"/>
-          </a:xfrm>
-          <a:prstGeom prst="rect">
-            <a:avLst/>
-          </a:prstGeom>
-        </p:spPr>
-        <p:txBody>
-          <a:bodyPr lIns="0" rIns="0" tIns="0" bIns="0"/>
-          <a:p>
-            <a:r>
-              <a:rPr lang="en-US" sz="1400">
-                <a:latin typeface="Times New Roman"/>
-              </a:rPr>
-              <a:t>&lt;date/time&gt;</a:t>
-            </a:r>
-            <a:endParaRPr/>
-          </a:p>
-        </p:txBody>
-      </p:sp>
-      <p:sp>
-        <p:nvSpPr>
-          <p:cNvPr id="3" name="PlaceHolder 4"/>
-          <p:cNvSpPr>
-            <a:spLocks noGrp="1"/>
-          </p:cNvSpPr>
-          <p:nvPr>
-            <p:ph type="ftr"/>
-          </p:nvPr>
-        </p:nvSpPr>
-        <p:spPr>
-          <a:xfrm>
-            <a:off x="3447360" y="6887160"/>
-            <a:ext cx="3195000" cy="521280"/>
-          </a:xfrm>
-          <a:prstGeom prst="rect">
-            <a:avLst/>
-          </a:prstGeom>
-        </p:spPr>
-        <p:txBody>
-          <a:bodyPr lIns="0" rIns="0" tIns="0" bIns="0"/>
-          <a:p>
-            <a:pPr algn="ctr"/>
-            <a:r>
-              <a:rPr lang="en-US" sz="1400">
-                <a:latin typeface="Times New Roman"/>
-              </a:rPr>
-              <a:t>&lt;footer&gt;</a:t>
-            </a:r>
-            <a:endParaRPr/>
-          </a:p>
-        </p:txBody>
-      </p:sp>
-      <p:sp>
-        <p:nvSpPr>
-          <p:cNvPr id="4" name="PlaceHolder 5"/>
-          <p:cNvSpPr>
-            <a:spLocks noGrp="1"/>
-          </p:cNvSpPr>
-          <p:nvPr>
-            <p:ph type="sldNum"/>
-          </p:nvPr>
-        </p:nvSpPr>
-        <p:spPr>
-          <a:xfrm>
-            <a:off x="7227360" y="6887160"/>
-            <a:ext cx="2348280" cy="521280"/>
-          </a:xfrm>
-          <a:prstGeom prst="rect">
-            <a:avLst/>
-          </a:prstGeom>
-        </p:spPr>
-        <p:txBody>
-          <a:bodyPr lIns="0" rIns="0" tIns="0" bIns="0"/>
-          <a:p>
-            <a:pPr algn="r"/>
-            <a:fld id="{06D0F9EE-F8AD-48AD-A10F-4407CC2A2FED}" type="slidenum">
-              <a:rPr lang="en-US" sz="1400">
-                <a:latin typeface="Times New Roman"/>
-              </a:rPr>
-              <a:t>&lt;number&gt;</a:t>
-            </a:fld>
             <a:endParaRPr/>
           </a:p>
         </p:txBody>
@@ -1459,6 +2536,191 @@
     <p:sldLayoutId id="2147483658" r:id="rId11"/>
     <p:sldLayoutId id="2147483659" r:id="rId12"/>
     <p:sldLayoutId id="2147483660" r:id="rId13"/>
+  </p:sldLayoutIdLst>
+</p:sldMaster>
+</file>
+
+<file path=ppt/slideMasters/slideMaster2.xml><?xml version="1.0" encoding="utf-8"?>
+<p:sldMaster xmlns:a="http://schemas.openxmlformats.org/drawingml/2006/main" xmlns:p="http://schemas.openxmlformats.org/presentationml/2006/main" xmlns:r="http://schemas.openxmlformats.org/officeDocument/2006/relationships">
+  <p:cSld>
+    <p:spTree>
+      <p:nvGrpSpPr>
+        <p:cNvPr id="1" name=""/>
+        <p:cNvGrpSpPr/>
+        <p:nvPr/>
+      </p:nvGrpSpPr>
+      <p:grpSpPr>
+        <a:xfrm>
+          <a:off x="0" y="0"/>
+          <a:ext cx="0" cy="0"/>
+          <a:chOff x="0" y="0"/>
+          <a:chExt cx="0" cy="0"/>
+        </a:xfrm>
+      </p:grpSpPr>
+      <p:sp>
+        <p:nvSpPr>
+          <p:cNvPr id="37" name="PlaceHolder 1"/>
+          <p:cNvSpPr>
+            <a:spLocks noGrp="1"/>
+          </p:cNvSpPr>
+          <p:nvPr>
+            <p:ph type="title"/>
+          </p:nvPr>
+        </p:nvSpPr>
+        <p:spPr>
+          <a:xfrm>
+            <a:off x="504000" y="301320"/>
+            <a:ext cx="9071280" cy="1261800"/>
+          </a:xfrm>
+          <a:prstGeom prst="rect">
+            <a:avLst/>
+          </a:prstGeom>
+        </p:spPr>
+        <p:txBody>
+          <a:bodyPr lIns="0" rIns="0" tIns="0" bIns="0" anchor="ctr"/>
+          <a:p>
+            <a:pPr algn="ctr"/>
+            <a:endParaRPr/>
+          </a:p>
+        </p:txBody>
+      </p:sp>
+      <p:sp>
+        <p:nvSpPr>
+          <p:cNvPr id="38" name="PlaceHolder 2"/>
+          <p:cNvSpPr>
+            <a:spLocks noGrp="1"/>
+          </p:cNvSpPr>
+          <p:nvPr>
+            <p:ph type="body"/>
+          </p:nvPr>
+        </p:nvSpPr>
+        <p:spPr>
+          <a:xfrm>
+            <a:off x="504000" y="1769040"/>
+            <a:ext cx="9071280" cy="4384080"/>
+          </a:xfrm>
+          <a:prstGeom prst="rect">
+            <a:avLst/>
+          </a:prstGeom>
+        </p:spPr>
+        <p:txBody>
+          <a:bodyPr lIns="0" rIns="0" tIns="0" bIns="0"/>
+          <a:p>
+            <a:pPr>
+              <a:buSzPct val="45000"/>
+              <a:buFont typeface="StarSymbol"/>
+              <a:buChar char=""/>
+            </a:pPr>
+            <a:r>
+              <a:rPr lang="en-US">
+                <a:latin typeface="Arial"/>
+              </a:rPr>
+              <a:t>Click to edit the outline text format</a:t>
+            </a:r>
+            <a:endParaRPr/>
+          </a:p>
+          <a:p>
+            <a:pPr lvl="1">
+              <a:buSzPct val="75000"/>
+              <a:buFont typeface="StarSymbol"/>
+              <a:buChar char=""/>
+            </a:pPr>
+            <a:r>
+              <a:rPr lang="en-US">
+                <a:latin typeface="Arial"/>
+              </a:rPr>
+              <a:t>Second Outline Level</a:t>
+            </a:r>
+            <a:endParaRPr/>
+          </a:p>
+          <a:p>
+            <a:pPr lvl="2">
+              <a:buSzPct val="45000"/>
+              <a:buFont typeface="StarSymbol"/>
+              <a:buChar char=""/>
+            </a:pPr>
+            <a:r>
+              <a:rPr lang="en-US">
+                <a:latin typeface="Arial"/>
+              </a:rPr>
+              <a:t>Third Outline Level</a:t>
+            </a:r>
+            <a:endParaRPr/>
+          </a:p>
+          <a:p>
+            <a:pPr lvl="3">
+              <a:buSzPct val="75000"/>
+              <a:buFont typeface="StarSymbol"/>
+              <a:buChar char=""/>
+            </a:pPr>
+            <a:r>
+              <a:rPr lang="en-US">
+                <a:latin typeface="Arial"/>
+              </a:rPr>
+              <a:t>Fourth Outline Level</a:t>
+            </a:r>
+            <a:endParaRPr/>
+          </a:p>
+          <a:p>
+            <a:pPr lvl="4">
+              <a:buSzPct val="45000"/>
+              <a:buFont typeface="StarSymbol"/>
+              <a:buChar char=""/>
+            </a:pPr>
+            <a:r>
+              <a:rPr lang="en-US">
+                <a:latin typeface="Arial"/>
+              </a:rPr>
+              <a:t>Fifth Outline Level</a:t>
+            </a:r>
+            <a:endParaRPr/>
+          </a:p>
+          <a:p>
+            <a:pPr lvl="5">
+              <a:buSzPct val="45000"/>
+              <a:buFont typeface="StarSymbol"/>
+              <a:buChar char=""/>
+            </a:pPr>
+            <a:r>
+              <a:rPr lang="en-US">
+                <a:latin typeface="Arial"/>
+              </a:rPr>
+              <a:t>Sixth Outline Level</a:t>
+            </a:r>
+            <a:endParaRPr/>
+          </a:p>
+          <a:p>
+            <a:pPr lvl="6">
+              <a:buSzPct val="45000"/>
+              <a:buFont typeface="StarSymbol"/>
+              <a:buChar char=""/>
+            </a:pPr>
+            <a:r>
+              <a:rPr lang="en-US">
+                <a:latin typeface="Arial"/>
+              </a:rPr>
+              <a:t>Seventh Outline Level</a:t>
+            </a:r>
+            <a:endParaRPr/>
+          </a:p>
+        </p:txBody>
+      </p:sp>
+    </p:spTree>
+  </p:cSld>
+  <p:clrMap bg1="lt1" bg2="lt2" tx1="dk1" tx2="dk2" accent1="accent1" accent2="accent2" accent3="accent3" accent4="accent4" accent5="accent5" accent6="accent6" hlink="hlink" folHlink="folHlink"/>
+  <p:sldLayoutIdLst>
+    <p:sldLayoutId id="2147483662" r:id="rId2"/>
+    <p:sldLayoutId id="2147483663" r:id="rId3"/>
+    <p:sldLayoutId id="2147483664" r:id="rId4"/>
+    <p:sldLayoutId id="2147483665" r:id="rId5"/>
+    <p:sldLayoutId id="2147483666" r:id="rId6"/>
+    <p:sldLayoutId id="2147483667" r:id="rId7"/>
+    <p:sldLayoutId id="2147483668" r:id="rId8"/>
+    <p:sldLayoutId id="2147483669" r:id="rId9"/>
+    <p:sldLayoutId id="2147483670" r:id="rId10"/>
+    <p:sldLayoutId id="2147483671" r:id="rId11"/>
+    <p:sldLayoutId id="2147483672" r:id="rId12"/>
+    <p:sldLayoutId id="2147483673" r:id="rId13"/>
   </p:sldLayoutIdLst>
 </p:sldMaster>
 </file>
@@ -1482,14 +2744,14 @@
       </p:grpSpPr>
       <p:sp>
         <p:nvSpPr>
-          <p:cNvPr id="39" name="TextShape 1"/>
-          <p:cNvSpPr txBox="1"/>
+          <p:cNvPr id="73" name="CustomShape 1"/>
+          <p:cNvSpPr/>
           <p:nvPr/>
         </p:nvSpPr>
         <p:spPr>
           <a:xfrm>
             <a:off x="504000" y="301320"/>
-            <a:ext cx="9071640" cy="1262160"/>
+            <a:ext cx="9071280" cy="1261800"/>
           </a:xfrm>
           <a:prstGeom prst="rect">
             <a:avLst/>
@@ -1499,11 +2761,17 @@
             <a:noFill/>
           </a:ln>
         </p:spPr>
+        <p:style>
+          <a:lnRef idx="0"/>
+          <a:fillRef idx="0"/>
+          <a:effectRef idx="0"/>
+          <a:fontRef idx="minor"/>
+        </p:style>
         <p:txBody>
           <a:bodyPr lIns="0" rIns="0" tIns="0" bIns="0" anchor="ctr"/>
           <a:p>
             <a:r>
-              <a:rPr b="1" lang="en-US" sz="4400">
+              <a:rPr b="1" lang="en-US" sz="4400" strike="noStrike">
                 <a:latin typeface="Arial"/>
               </a:rPr>
               <a:t>Question 1</a:t>
@@ -1514,14 +2782,14 @@
       </p:sp>
       <p:sp>
         <p:nvSpPr>
-          <p:cNvPr id="40" name="TextShape 2"/>
-          <p:cNvSpPr txBox="1"/>
+          <p:cNvPr id="74" name="CustomShape 2"/>
+          <p:cNvSpPr/>
           <p:nvPr/>
         </p:nvSpPr>
         <p:spPr>
           <a:xfrm>
             <a:off x="504000" y="1769040"/>
-            <a:ext cx="9071640" cy="4384440"/>
+            <a:ext cx="9071280" cy="4384080"/>
           </a:xfrm>
           <a:prstGeom prst="rect">
             <a:avLst/>
@@ -1531,11 +2799,17 @@
             <a:noFill/>
           </a:ln>
         </p:spPr>
+        <p:style>
+          <a:lnRef idx="0"/>
+          <a:fillRef idx="0"/>
+          <a:effectRef idx="0"/>
+          <a:fontRef idx="minor"/>
+        </p:style>
         <p:txBody>
           <a:bodyPr lIns="0" rIns="0" tIns="0" bIns="0" anchor="ctr"/>
           <a:p>
             <a:r>
-              <a:rPr lang="en-US" sz="4000">
+              <a:rPr lang="en-US" sz="4000" strike="noStrike">
                 <a:latin typeface="Arial"/>
               </a:rPr>
               <a:t>Who here is running Windows?</a:t>
@@ -1547,9 +2821,12 @@
           </a:p>
           <a:p>
             <a:pPr>
+              <a:lnSpc>
+                <a:spcPct val="100000"/>
+              </a:lnSpc>
               <a:buSzPct val="45000"/>
               <a:buFont typeface="StarSymbol"/>
-              <a:buChar char=""/>
+              <a:buChar char="l"/>
             </a:pPr>
             <a:r>
               <a:rPr lang="en-US" sz="3200" strike="noStrike">
@@ -1565,9 +2842,12 @@
           </a:p>
           <a:p>
             <a:pPr>
+              <a:lnSpc>
+                <a:spcPct val="100000"/>
+              </a:lnSpc>
               <a:buSzPct val="45000"/>
               <a:buFont typeface="StarSymbol"/>
-              <a:buChar char=""/>
+              <a:buChar char="l"/>
             </a:pPr>
             <a:r>
               <a:rPr lang="en-US" sz="3200" strike="noStrike">
@@ -1634,14 +2914,14 @@
       </p:grpSpPr>
       <p:sp>
         <p:nvSpPr>
-          <p:cNvPr id="41" name="TextShape 1"/>
-          <p:cNvSpPr txBox="1"/>
+          <p:cNvPr id="75" name="CustomShape 1"/>
+          <p:cNvSpPr/>
           <p:nvPr/>
         </p:nvSpPr>
         <p:spPr>
           <a:xfrm>
             <a:off x="504000" y="301320"/>
-            <a:ext cx="9071640" cy="1262160"/>
+            <a:ext cx="9071280" cy="1261800"/>
           </a:xfrm>
           <a:prstGeom prst="rect">
             <a:avLst/>
@@ -1651,30 +2931,64 @@
             <a:noFill/>
           </a:ln>
         </p:spPr>
+        <p:style>
+          <a:lnRef idx="0"/>
+          <a:fillRef idx="0"/>
+          <a:effectRef idx="0"/>
+          <a:fontRef idx="minor"/>
+        </p:style>
         <p:txBody>
           <a:bodyPr lIns="0" rIns="0" tIns="0" bIns="0" anchor="ctr"/>
           <a:p>
-            <a:pPr algn="ctr"/>
-            <a:r>
-              <a:rPr b="1" lang="en-US" sz="4400">
-                <a:latin typeface="Arial"/>
-              </a:rPr>
-              <a:t>Commands to try</a:t>
-            </a:r>
-            <a:endParaRPr/>
-          </a:p>
-        </p:txBody>
-      </p:sp>
-      <p:sp>
-        <p:nvSpPr>
-          <p:cNvPr id="42" name="TextShape 2"/>
-          <p:cNvSpPr txBox="1"/>
+            <a:pPr algn="ctr">
+              <a:lnSpc>
+                <a:spcPct val="100000"/>
+              </a:lnSpc>
+            </a:pPr>
+            <a:r>
+              <a:rPr lang="en-US" sz="4400" strike="noStrike">
+                <a:latin typeface="Arial"/>
+              </a:rPr>
+              <a:t>ssh (</a:t>
+            </a:r>
+            <a:r>
+              <a:rPr b="1" lang="en-US" sz="4400" strike="noStrike">
+                <a:latin typeface="Arial"/>
+              </a:rPr>
+              <a:t>s</a:t>
+            </a:r>
+            <a:r>
+              <a:rPr lang="en-US" sz="4400" strike="noStrike">
+                <a:latin typeface="Arial"/>
+              </a:rPr>
+              <a:t>ecure </a:t>
+            </a:r>
+            <a:r>
+              <a:rPr b="1" lang="en-US" sz="4400" strike="noStrike">
+                <a:latin typeface="Arial"/>
+              </a:rPr>
+              <a:t>sh</a:t>
+            </a:r>
+            <a:r>
+              <a:rPr lang="en-US" sz="4400" strike="noStrike">
+                <a:latin typeface="Arial"/>
+              </a:rPr>
+              <a:t>ell)</a:t>
+            </a:r>
+            <a:endParaRPr/>
+          </a:p>
+        </p:txBody>
+      </p:sp>
+      <p:sp>
+        <p:nvSpPr>
+          <p:cNvPr id="76" name="CustomShape 2"/>
+          <p:cNvSpPr/>
           <p:nvPr/>
         </p:nvSpPr>
         <p:spPr>
           <a:xfrm>
             <a:off x="504000" y="1769040"/>
-            <a:ext cx="9071640" cy="4384440"/>
+            <a:ext cx="9071280" cy="4384080"/>
           </a:xfrm>
           <a:prstGeom prst="rect">
             <a:avLst/>
@@ -1684,167 +2998,53 @@
             <a:noFill/>
           </a:ln>
         </p:spPr>
+        <p:style>
+          <a:lnRef idx="0"/>
+          <a:fillRef idx="0"/>
+          <a:effectRef idx="0"/>
+          <a:fontRef idx="minor"/>
+        </p:style>
         <p:txBody>
           <a:bodyPr lIns="0" rIns="0" tIns="0" bIns="0"/>
           <a:p>
-            <a:pPr>
-              <a:buSzPct val="45000"/>
-              <a:buFont typeface="StarSymbol"/>
-              <a:buChar char=""/>
-            </a:pPr>
-            <a:r>
-              <a:rPr lang="en-US" sz="3600">
-                <a:latin typeface="Arial"/>
-              </a:rPr>
-              <a:t>pwd  </a:t>
-            </a:r>
-            <a:r>
-              <a:rPr lang="en-US" sz="3600">
-                <a:latin typeface="Arial"/>
-              </a:rPr>
-              <a:t>	</a:t>
-            </a:r>
-            <a:r>
-              <a:rPr lang="en-US" sz="3600">
-                <a:latin typeface="Arial"/>
-              </a:rPr>
-              <a:t>(</a:t>
-            </a:r>
-            <a:r>
-              <a:rPr b="1" lang="en-US" sz="3600">
-                <a:latin typeface="Arial"/>
-              </a:rPr>
-              <a:t>p</a:t>
-            </a:r>
-            <a:r>
-              <a:rPr lang="en-US" sz="3600">
-                <a:latin typeface="Arial"/>
-              </a:rPr>
-              <a:t>rint </a:t>
-            </a:r>
-            <a:r>
-              <a:rPr b="1" lang="en-US" sz="3600">
-                <a:latin typeface="Arial"/>
-              </a:rPr>
-              <a:t>w</a:t>
-            </a:r>
-            <a:r>
-              <a:rPr lang="en-US" sz="3600">
-                <a:latin typeface="Arial"/>
-              </a:rPr>
-              <a:t>orking </a:t>
-            </a:r>
-            <a:r>
-              <a:rPr b="1" lang="en-US" sz="3600">
-                <a:latin typeface="Arial"/>
-              </a:rPr>
-              <a:t>d</a:t>
-            </a:r>
-            <a:r>
-              <a:rPr lang="en-US" sz="3600">
-                <a:latin typeface="Arial"/>
-              </a:rPr>
-              <a:t>irectory)</a:t>
-            </a:r>
-            <a:endParaRPr/>
-          </a:p>
-          <a:p>
-            <a:pPr>
-              <a:buSzPct val="45000"/>
-              <a:buFont typeface="StarSymbol"/>
-              <a:buChar char=""/>
-            </a:pPr>
-            <a:r>
-              <a:rPr lang="en-US" sz="3600">
-                <a:latin typeface="Arial"/>
-              </a:rPr>
-              <a:t>ls </a:t>
-            </a:r>
-            <a:r>
-              <a:rPr lang="en-US" sz="3600">
-                <a:latin typeface="Arial"/>
-              </a:rPr>
-              <a:t>	</a:t>
-            </a:r>
-            <a:r>
-              <a:rPr lang="en-US" sz="3600">
-                <a:latin typeface="Arial"/>
-              </a:rPr>
-              <a:t>	</a:t>
-            </a:r>
-            <a:r>
-              <a:rPr lang="en-US" sz="3600">
-                <a:latin typeface="Arial"/>
-              </a:rPr>
-              <a:t>	</a:t>
-            </a:r>
-            <a:r>
-              <a:rPr lang="en-US" sz="3600">
-                <a:latin typeface="Arial"/>
-              </a:rPr>
-              <a:t>(</a:t>
-            </a:r>
-            <a:r>
-              <a:rPr b="1" lang="en-US" sz="3600">
-                <a:latin typeface="Arial"/>
-              </a:rPr>
-              <a:t>l</a:t>
-            </a:r>
-            <a:r>
-              <a:rPr lang="en-US" sz="3600">
-                <a:latin typeface="Arial"/>
-              </a:rPr>
-              <a:t>i</a:t>
-            </a:r>
-            <a:r>
-              <a:rPr b="1" lang="en-US" sz="3600">
-                <a:latin typeface="Arial"/>
-              </a:rPr>
-              <a:t>s</a:t>
-            </a:r>
-            <a:r>
-              <a:rPr lang="en-US" sz="3600">
-                <a:latin typeface="Arial"/>
-              </a:rPr>
-              <a:t>t directory contents)</a:t>
-            </a:r>
-            <a:endParaRPr/>
-          </a:p>
-          <a:p>
-            <a:pPr>
-              <a:buSzPct val="45000"/>
-              <a:buFont typeface="StarSymbol"/>
-              <a:buChar char=""/>
-            </a:pPr>
-            <a:r>
-              <a:rPr lang="en-US" sz="3600">
-                <a:latin typeface="Arial"/>
-              </a:rPr>
-              <a:t>man ls </a:t>
-            </a:r>
-            <a:r>
-              <a:rPr lang="en-US" sz="3600">
-                <a:latin typeface="Arial"/>
-              </a:rPr>
-              <a:t>	</a:t>
-            </a:r>
-            <a:r>
-              <a:rPr lang="en-US" sz="3600">
-                <a:latin typeface="Arial"/>
-              </a:rPr>
-              <a:t>(</a:t>
-            </a:r>
-            <a:r>
-              <a:rPr b="1" lang="en-US" sz="3600">
-                <a:latin typeface="Arial"/>
-              </a:rPr>
-              <a:t>man</a:t>
-            </a:r>
-            <a:r>
-              <a:rPr lang="en-US" sz="3600">
-                <a:latin typeface="Arial"/>
-              </a:rPr>
-              <a:t>ual ls: 'q' to quit)</a:t>
+            <a:endParaRPr/>
+          </a:p>
+          <a:p>
+            <a:r>
+              <a:rPr i="1" lang="en-US" sz="3200" strike="noStrike">
+                <a:solidFill>
+                  <a:srgbClr val="000000"/>
+                </a:solidFill>
+                <a:latin typeface="Menlo"/>
+                <a:ea typeface="Menlo"/>
+              </a:rPr>
+              <a:t>ssh  -i &lt;key&gt; &lt;user_id&gt;@&lt;address&gt;</a:t>
+            </a:r>
+            <a:endParaRPr/>
+          </a:p>
+          <a:p>
+            <a:r>
+              <a:rPr b="1" lang="en-US" sz="3200" strike="noStrike">
+                <a:solidFill>
+                  <a:srgbClr val="000000"/>
+                </a:solidFill>
+                <a:latin typeface="Menlo"/>
+                <a:ea typeface="Menlo"/>
+              </a:rPr>
+              <a:t>Eg, for Anna's Drupal server:</a:t>
+            </a:r>
+            <a:endParaRPr/>
+          </a:p>
+          <a:p>
+            <a:r>
+              <a:rPr i="1" lang="en-US" sz="3200" strike="noStrike">
+                <a:solidFill>
+                  <a:srgbClr val="000000"/>
+                </a:solidFill>
+                <a:latin typeface="Menlo"/>
+                <a:ea typeface="Menlo"/>
+              </a:rPr>
+              <a:t>ssh -i tut.pem ubuntu@144.6.225.224</a:t>
             </a:r>
             <a:endParaRPr/>
           </a:p>
@@ -1901,14 +3101,14 @@
       </p:grpSpPr>
       <p:sp>
         <p:nvSpPr>
-          <p:cNvPr id="43" name="TextShape 1"/>
-          <p:cNvSpPr txBox="1"/>
+          <p:cNvPr id="77" name="CustomShape 1"/>
+          <p:cNvSpPr/>
           <p:nvPr/>
         </p:nvSpPr>
         <p:spPr>
           <a:xfrm>
             <a:off x="504000" y="301320"/>
-            <a:ext cx="9071640" cy="1262160"/>
+            <a:ext cx="9071280" cy="1261800"/>
           </a:xfrm>
           <a:prstGeom prst="rect">
             <a:avLst/>
@@ -1918,54 +3118,35 @@
             <a:noFill/>
           </a:ln>
         </p:spPr>
+        <p:style>
+          <a:lnRef idx="0"/>
+          <a:fillRef idx="0"/>
+          <a:effectRef idx="0"/>
+          <a:fontRef idx="minor"/>
+        </p:style>
         <p:txBody>
           <a:bodyPr lIns="0" rIns="0" tIns="0" bIns="0" anchor="ctr"/>
           <a:p>
-            <a:pPr algn="ctr"/>
-            <a:r>
-              <a:rPr lang="en-US" sz="4400">
-                <a:latin typeface="Arial"/>
-              </a:rPr>
-              <a:t>ssh (</a:t>
-            </a:r>
-            <a:r>
-              <a:rPr b="1" lang="en-US" sz="4400">
-                <a:latin typeface="Arial"/>
-              </a:rPr>
-              <a:t>s</a:t>
-            </a:r>
-            <a:r>
-              <a:rPr lang="en-US" sz="4400">
-                <a:latin typeface="Arial"/>
-              </a:rPr>
-              <a:t>ecure </a:t>
-            </a:r>
-            <a:r>
-              <a:rPr b="1" lang="en-US" sz="4400">
-                <a:latin typeface="Arial"/>
-              </a:rPr>
-              <a:t>sh</a:t>
-            </a:r>
-            <a:r>
-              <a:rPr lang="en-US" sz="4400">
-                <a:latin typeface="Arial"/>
-              </a:rPr>
-              <a:t>ell)</a:t>
-            </a:r>
-            <a:endParaRPr/>
-          </a:p>
-        </p:txBody>
-      </p:sp>
-      <p:sp>
-        <p:nvSpPr>
-          <p:cNvPr id="44" name="TextShape 2"/>
-          <p:cNvSpPr txBox="1"/>
+            <a:r>
+              <a:rPr b="1" lang="en-US" sz="4400" strike="noStrike">
+                <a:latin typeface="Arial"/>
+              </a:rPr>
+              <a:t>Question 2</a:t>
+            </a:r>
+            <a:endParaRPr/>
+          </a:p>
+        </p:txBody>
+      </p:sp>
+      <p:sp>
+        <p:nvSpPr>
+          <p:cNvPr id="78" name="CustomShape 2"/>
+          <p:cNvSpPr/>
           <p:nvPr/>
         </p:nvSpPr>
         <p:spPr>
           <a:xfrm>
-            <a:off x="504000" y="1769040"/>
-            <a:ext cx="9071640" cy="4384440"/>
+            <a:off x="504000" y="1563480"/>
+            <a:ext cx="9071280" cy="5477040"/>
           </a:xfrm>
           <a:prstGeom prst="rect">
             <a:avLst/>
@@ -1975,47 +3156,162 @@
             <a:noFill/>
           </a:ln>
         </p:spPr>
+        <p:style>
+          <a:lnRef idx="0"/>
+          <a:fillRef idx="0"/>
+          <a:effectRef idx="0"/>
+          <a:fontRef idx="minor"/>
+        </p:style>
         <p:txBody>
           <a:bodyPr lIns="0" rIns="0" tIns="0" bIns="0"/>
           <a:p>
-            <a:endParaRPr/>
-          </a:p>
-          <a:p>
-            <a:r>
-              <a:rPr i="1" lang="en-US" sz="3200" strike="noStrike">
-                <a:solidFill>
-                  <a:srgbClr val="000000"/>
-                </a:solidFill>
-                <a:latin typeface="Menlo"/>
-                <a:ea typeface="Menlo"/>
-              </a:rPr>
-              <a:t>ssh  -i &lt;key&gt; &lt;user_id&gt;@&lt;address&gt;</a:t>
-            </a:r>
-            <a:endParaRPr/>
-          </a:p>
-          <a:p>
-            <a:r>
-              <a:rPr b="1" lang="en-US" sz="3200" strike="noStrike">
-                <a:solidFill>
-                  <a:srgbClr val="000000"/>
-                </a:solidFill>
-                <a:latin typeface="Menlo"/>
-                <a:ea typeface="Menlo"/>
-              </a:rPr>
-              <a:t>Eg, for Anna's Drupal server:</a:t>
-            </a:r>
-            <a:endParaRPr/>
-          </a:p>
-          <a:p>
-            <a:r>
-              <a:rPr i="1" lang="en-US" sz="3200" strike="noStrike">
-                <a:solidFill>
-                  <a:srgbClr val="000000"/>
-                </a:solidFill>
-                <a:latin typeface="Menlo"/>
-                <a:ea typeface="Menlo"/>
-              </a:rPr>
-              <a:t>ssh -i tut.pem ubuntu@144.6.225.224</a:t>
+            <a:r>
+              <a:rPr lang="en-US" sz="3200" strike="noStrike">
+                <a:latin typeface="Arial"/>
+              </a:rPr>
+              <a:t>The NeCTAR image catalogue can be found at:</a:t>
+            </a:r>
+            <a:endParaRPr/>
+          </a:p>
+          <a:p>
+            <a:r>
+              <a:rPr lang="en-US" sz="3200" strike="noStrike">
+                <a:latin typeface="Arial"/>
+              </a:rPr>
+              <a:t>https://wiki.rc.nectar.org.au/wiki/Image_Catalog</a:t>
+            </a:r>
+            <a:endParaRPr/>
+          </a:p>
+          <a:p>
+            <a:r>
+              <a:rPr lang="en-US" sz="3200" strike="noStrike">
+                <a:latin typeface="Arial"/>
+              </a:rPr>
+              <a:t>What Operating system is the Drupal server based on?</a:t>
+            </a:r>
+            <a:endParaRPr/>
+          </a:p>
+          <a:p>
+            <a:pPr>
+              <a:lnSpc>
+                <a:spcPct val="100000"/>
+              </a:lnSpc>
+              <a:buFont typeface="StarSymbol"/>
+              <a:buAutoNum type="alphaUcParenR"/>
+            </a:pPr>
+            <a:r>
+              <a:rPr lang="en-US" sz="3200" strike="noStrike">
+                <a:latin typeface="Arial"/>
+              </a:rPr>
+              <a:t> </a:t>
+            </a:r>
+            <a:r>
+              <a:rPr lang="en-US" sz="3200" strike="noStrike">
+                <a:latin typeface="Arial"/>
+              </a:rPr>
+              <a:t>Fedora</a:t>
+            </a:r>
+            <a:endParaRPr/>
+          </a:p>
+          <a:p>
+            <a:pPr>
+              <a:lnSpc>
+                <a:spcPct val="100000"/>
+              </a:lnSpc>
+              <a:buFont typeface="StarSymbol"/>
+              <a:buAutoNum type="alphaUcParenR"/>
+            </a:pPr>
+            <a:r>
+              <a:rPr lang="en-US" sz="3200" strike="noStrike">
+                <a:latin typeface="Arial"/>
+              </a:rPr>
+              <a:t> </a:t>
+            </a:r>
+            <a:r>
+              <a:rPr lang="en-US" sz="3200" strike="noStrike">
+                <a:latin typeface="Arial"/>
+              </a:rPr>
+              <a:t>Debian</a:t>
+            </a:r>
+            <a:endParaRPr/>
+          </a:p>
+          <a:p>
+            <a:pPr>
+              <a:lnSpc>
+                <a:spcPct val="100000"/>
+              </a:lnSpc>
+              <a:buFont typeface="StarSymbol"/>
+              <a:buAutoNum type="alphaUcParenR"/>
+            </a:pPr>
+            <a:r>
+              <a:rPr lang="en-US" sz="3200" strike="noStrike">
+                <a:latin typeface="Arial"/>
+              </a:rPr>
+              <a:t> </a:t>
+            </a:r>
+            <a:r>
+              <a:rPr lang="en-US" sz="3200" strike="noStrike">
+                <a:latin typeface="Arial"/>
+              </a:rPr>
+              <a:t>Centos</a:t>
+            </a:r>
+            <a:endParaRPr/>
+          </a:p>
+          <a:p>
+            <a:pPr>
+              <a:lnSpc>
+                <a:spcPct val="100000"/>
+              </a:lnSpc>
+              <a:buFont typeface="StarSymbol"/>
+              <a:buAutoNum type="alphaUcParenR"/>
+            </a:pPr>
+            <a:r>
+              <a:rPr lang="en-US" sz="3200" strike="noStrike">
+                <a:latin typeface="Arial"/>
+              </a:rPr>
+              <a:t> </a:t>
+            </a:r>
+            <a:r>
+              <a:rPr lang="en-US" sz="3200" strike="noStrike">
+                <a:latin typeface="Arial"/>
+              </a:rPr>
+              <a:t>Ubuntu</a:t>
+            </a:r>
+            <a:endParaRPr/>
+          </a:p>
+          <a:p>
+            <a:pPr>
+              <a:lnSpc>
+                <a:spcPct val="100000"/>
+              </a:lnSpc>
+              <a:buFont typeface="StarSymbol"/>
+              <a:buAutoNum type="alphaUcParenR"/>
+            </a:pPr>
+            <a:r>
+              <a:rPr lang="en-US" sz="3200" strike="noStrike">
+                <a:latin typeface="Arial"/>
+              </a:rPr>
+              <a:t> </a:t>
+            </a:r>
+            <a:r>
+              <a:rPr lang="en-US" sz="3200" strike="noStrike">
+                <a:latin typeface="Arial"/>
+              </a:rPr>
+              <a:t>Scientific Linux</a:t>
+            </a:r>
+            <a:endParaRPr/>
+          </a:p>
+          <a:p>
+            <a:pPr algn="ctr">
+              <a:lnSpc>
+                <a:spcPct val="100000"/>
+              </a:lnSpc>
+            </a:pPr>
+            <a:r>
+              <a:rPr b="1" lang="en-US" sz="3600" strike="noStrike">
+                <a:latin typeface="Arial"/>
+              </a:rPr>
+              <a:t>? </a:t>
             </a:r>
             <a:endParaRPr/>
           </a:p>
@@ -2072,14 +3368,14 @@
       </p:grpSpPr>
       <p:sp>
         <p:nvSpPr>
-          <p:cNvPr id="45" name="TextShape 1"/>
-          <p:cNvSpPr txBox="1"/>
+          <p:cNvPr id="79" name="CustomShape 1"/>
+          <p:cNvSpPr/>
           <p:nvPr/>
         </p:nvSpPr>
         <p:spPr>
           <a:xfrm>
             <a:off x="504000" y="301320"/>
-            <a:ext cx="9071640" cy="1262160"/>
+            <a:ext cx="9071280" cy="1261800"/>
           </a:xfrm>
           <a:prstGeom prst="rect">
             <a:avLst/>
@@ -2089,29 +3385,40 @@
             <a:noFill/>
           </a:ln>
         </p:spPr>
+        <p:style>
+          <a:lnRef idx="0"/>
+          <a:fillRef idx="0"/>
+          <a:effectRef idx="0"/>
+          <a:fontRef idx="minor"/>
+        </p:style>
         <p:txBody>
           <a:bodyPr lIns="0" rIns="0" tIns="0" bIns="0" anchor="ctr"/>
           <a:p>
-            <a:r>
-              <a:rPr b="1" lang="en-US" sz="4400">
-                <a:latin typeface="Arial"/>
-              </a:rPr>
-              <a:t>Question 2</a:t>
-            </a:r>
-            <a:endParaRPr/>
-          </a:p>
-        </p:txBody>
-      </p:sp>
-      <p:sp>
-        <p:nvSpPr>
-          <p:cNvPr id="46" name="TextShape 2"/>
-          <p:cNvSpPr txBox="1"/>
+            <a:pPr algn="ctr">
+              <a:lnSpc>
+                <a:spcPct val="100000"/>
+              </a:lnSpc>
+            </a:pPr>
+            <a:r>
+              <a:rPr b="1" lang="en-US" sz="4400" strike="noStrike">
+                <a:latin typeface="Arial"/>
+              </a:rPr>
+              <a:t>Is this a your error message?</a:t>
+            </a:r>
+            <a:endParaRPr/>
+          </a:p>
+        </p:txBody>
+      </p:sp>
+      <p:sp>
+        <p:nvSpPr>
+          <p:cNvPr id="80" name="CustomShape 2"/>
+          <p:cNvSpPr/>
           <p:nvPr/>
         </p:nvSpPr>
         <p:spPr>
           <a:xfrm>
-            <a:off x="504000" y="1563480"/>
-            <a:ext cx="9071640" cy="5477400"/>
+            <a:off x="504000" y="1769040"/>
+            <a:ext cx="9071280" cy="4384080"/>
           </a:xfrm>
           <a:prstGeom prst="rect">
             <a:avLst/>
@@ -2121,137 +3428,128 @@
             <a:noFill/>
           </a:ln>
         </p:spPr>
+        <p:style>
+          <a:lnRef idx="0"/>
+          <a:fillRef idx="0"/>
+          <a:effectRef idx="0"/>
+          <a:fontRef idx="minor"/>
+        </p:style>
         <p:txBody>
           <a:bodyPr lIns="0" rIns="0" tIns="0" bIns="0"/>
           <a:p>
             <a:r>
-              <a:rPr lang="en-US" sz="3200">
-                <a:latin typeface="Arial"/>
-              </a:rPr>
-              <a:t>The NeCTAR image catalogue can be found at:</a:t>
-            </a:r>
-            <a:endParaRPr/>
-          </a:p>
-          <a:p>
-            <a:r>
-              <a:rPr lang="en-US" sz="3200">
-                <a:latin typeface="Arial"/>
-              </a:rPr>
-              <a:t>https://wiki.rc.nectar.org.au/wiki/Image_Catalog</a:t>
-            </a:r>
-            <a:endParaRPr/>
-          </a:p>
-          <a:p>
-            <a:r>
-              <a:rPr lang="en-US" sz="3200">
-                <a:latin typeface="Arial"/>
-              </a:rPr>
-              <a:t>What Operating system is the Drupal server based on?</a:t>
-            </a:r>
-            <a:endParaRPr/>
-          </a:p>
-          <a:p>
-            <a:pPr>
-              <a:buFont typeface="StarSymbol"/>
-              <a:buAutoNum type="alphaUcParenR"/>
-            </a:pPr>
-            <a:r>
-              <a:rPr lang="en-US" sz="3200">
-                <a:latin typeface="Arial"/>
-              </a:rPr>
-              <a:t> </a:t>
-            </a:r>
-            <a:r>
-              <a:rPr lang="en-US" sz="3200">
-                <a:latin typeface="Arial"/>
-              </a:rPr>
-              <a:t>Fedora</a:t>
-            </a:r>
-            <a:endParaRPr/>
-          </a:p>
-          <a:p>
-            <a:pPr>
-              <a:buFont typeface="StarSymbol"/>
-              <a:buAutoNum type="alphaUcParenR"/>
-            </a:pPr>
-            <a:r>
-              <a:rPr lang="en-US" sz="3200">
-                <a:latin typeface="Arial"/>
-              </a:rPr>
-              <a:t> </a:t>
-            </a:r>
-            <a:r>
-              <a:rPr lang="en-US" sz="3200">
-                <a:latin typeface="Arial"/>
-              </a:rPr>
-              <a:t>Debian</a:t>
-            </a:r>
-            <a:endParaRPr/>
-          </a:p>
-          <a:p>
-            <a:pPr>
-              <a:buFont typeface="StarSymbol"/>
-              <a:buAutoNum type="alphaUcParenR"/>
-            </a:pPr>
-            <a:r>
-              <a:rPr lang="en-US" sz="3200">
-                <a:latin typeface="Arial"/>
-              </a:rPr>
-              <a:t> </a:t>
-            </a:r>
-            <a:r>
-              <a:rPr lang="en-US" sz="3200">
-                <a:latin typeface="Arial"/>
-              </a:rPr>
-              <a:t>Centos</a:t>
-            </a:r>
-            <a:endParaRPr/>
-          </a:p>
-          <a:p>
-            <a:pPr>
-              <a:buFont typeface="StarSymbol"/>
-              <a:buAutoNum type="alphaUcParenR"/>
-            </a:pPr>
-            <a:r>
-              <a:rPr lang="en-US" sz="3200">
-                <a:latin typeface="Arial"/>
-              </a:rPr>
-              <a:t> </a:t>
-            </a:r>
-            <a:r>
-              <a:rPr lang="en-US" sz="3200">
-                <a:latin typeface="Arial"/>
-              </a:rPr>
-              <a:t>Ubuntu</a:t>
-            </a:r>
-            <a:endParaRPr/>
-          </a:p>
-          <a:p>
-            <a:pPr>
-              <a:buFont typeface="StarSymbol"/>
-              <a:buAutoNum type="alphaUcParenR"/>
-            </a:pPr>
-            <a:r>
-              <a:rPr lang="en-US" sz="3200">
-                <a:latin typeface="Arial"/>
-              </a:rPr>
-              <a:t> </a:t>
-            </a:r>
-            <a:r>
-              <a:rPr lang="en-US" sz="3200">
-                <a:latin typeface="Arial"/>
-              </a:rPr>
-              <a:t>Scientific Linux</a:t>
-            </a:r>
-            <a:endParaRPr/>
-          </a:p>
-          <a:p>
-            <a:pPr algn="ctr"/>
-            <a:r>
-              <a:rPr b="1" lang="en-US" sz="3600">
-                <a:latin typeface="Arial"/>
-              </a:rPr>
-              <a:t>? </a:t>
+              <a:rPr i="1" lang="en-US" sz="2000" strike="noStrike">
+                <a:solidFill>
+                  <a:srgbClr val="808080"/>
+                </a:solidFill>
+                <a:latin typeface="Menlo"/>
+                <a:ea typeface="Menlo"/>
+              </a:rPr>
+              <a:t>```bash</a:t>
+            </a:r>
+            <a:endParaRPr/>
+          </a:p>
+          <a:p>
+            <a:r>
+              <a:rPr i="1" lang="en-US" sz="2000" strike="noStrike">
+                <a:solidFill>
+                  <a:srgbClr val="808080"/>
+                </a:solidFill>
+                <a:latin typeface="Menlo"/>
+                <a:ea typeface="Menlo"/>
+              </a:rPr>
+              <a:t>@@@@@@@@@@@@@@@@@@@@@@@@@@@@@@@@@@@@@@@@@@@@@@@@@@@@@@@@@@@</a:t>
+            </a:r>
+            <a:endParaRPr/>
+          </a:p>
+          <a:p>
+            <a:r>
+              <a:rPr i="1" lang="en-US" sz="2000" strike="noStrike">
+                <a:solidFill>
+                  <a:srgbClr val="808080"/>
+                </a:solidFill>
+                <a:latin typeface="Menlo"/>
+                <a:ea typeface="Menlo"/>
+              </a:rPr>
+              <a:t>@         WARNING: UNPROTECTED PRIVATE KEY FILE!          @</a:t>
+            </a:r>
+            <a:endParaRPr/>
+          </a:p>
+          <a:p>
+            <a:r>
+              <a:rPr i="1" lang="en-US" sz="2000" strike="noStrike">
+                <a:solidFill>
+                  <a:srgbClr val="808080"/>
+                </a:solidFill>
+                <a:latin typeface="Menlo"/>
+                <a:ea typeface="Menlo"/>
+              </a:rPr>
+              <a:t>@@@@@@@@@@@@@@@@@@@@@@@@@@@@@@@@@@@@@@@@@@@@@@@@@@@@@@@@@@@</a:t>
+            </a:r>
+            <a:endParaRPr/>
+          </a:p>
+          <a:p>
+            <a:r>
+              <a:rPr i="1" lang="en-US" sz="2000" strike="noStrike">
+                <a:solidFill>
+                  <a:srgbClr val="808080"/>
+                </a:solidFill>
+                <a:latin typeface="Menlo"/>
+                <a:ea typeface="Menlo"/>
+              </a:rPr>
+              <a:t>Permissions 0777 for '.ssh/tut_dev.pem' are too open.</a:t>
+            </a:r>
+            <a:endParaRPr/>
+          </a:p>
+          <a:p>
+            <a:r>
+              <a:rPr i="1" lang="en-US" sz="2000" strike="noStrike">
+                <a:solidFill>
+                  <a:srgbClr val="808080"/>
+                </a:solidFill>
+                <a:latin typeface="Menlo"/>
+                <a:ea typeface="Menlo"/>
+              </a:rPr>
+              <a:t>It is required that your private key files are NOT accessible by others.</a:t>
+            </a:r>
+            <a:endParaRPr/>
+          </a:p>
+          <a:p>
+            <a:r>
+              <a:rPr i="1" lang="en-US" sz="2000" strike="noStrike">
+                <a:solidFill>
+                  <a:srgbClr val="808080"/>
+                </a:solidFill>
+                <a:latin typeface="Menlo"/>
+                <a:ea typeface="Menlo"/>
+              </a:rPr>
+              <a:t>This private key will be ignored.</a:t>
+            </a:r>
+            <a:endParaRPr/>
+          </a:p>
+          <a:p>
+            <a:r>
+              <a:rPr i="1" lang="en-US" sz="2000" strike="noStrike">
+                <a:solidFill>
+                  <a:srgbClr val="808080"/>
+                </a:solidFill>
+                <a:latin typeface="Menlo"/>
+                <a:ea typeface="Menlo"/>
+              </a:rPr>
+              <a:t>bad permissions: ignore key: .ssh/nectar_dev.pem</a:t>
+            </a:r>
+            <a:endParaRPr/>
+          </a:p>
+          <a:p>
+            <a:r>
+              <a:rPr i="1" lang="en-US" sz="2000" strike="noStrike">
+                <a:solidFill>
+                  <a:srgbClr val="808080"/>
+                </a:solidFill>
+                <a:latin typeface="Menlo"/>
+                <a:ea typeface="Menlo"/>
+              </a:rPr>
+              <a:t>ubuntu@144.6.225.224's password: </a:t>
             </a:r>
             <a:endParaRPr/>
           </a:p>
@@ -2308,14 +3606,14 @@
       </p:grpSpPr>
       <p:sp>
         <p:nvSpPr>
-          <p:cNvPr id="47" name="TextShape 1"/>
-          <p:cNvSpPr txBox="1"/>
+          <p:cNvPr id="81" name="CustomShape 1"/>
+          <p:cNvSpPr/>
           <p:nvPr/>
         </p:nvSpPr>
         <p:spPr>
           <a:xfrm>
             <a:off x="504000" y="301320"/>
-            <a:ext cx="9071640" cy="1262160"/>
+            <a:ext cx="9071280" cy="1261800"/>
           </a:xfrm>
           <a:prstGeom prst="rect">
             <a:avLst/>
@@ -2325,30 +3623,40 @@
             <a:noFill/>
           </a:ln>
         </p:spPr>
+        <p:style>
+          <a:lnRef idx="0"/>
+          <a:fillRef idx="0"/>
+          <a:effectRef idx="0"/>
+          <a:fontRef idx="minor"/>
+        </p:style>
         <p:txBody>
           <a:bodyPr lIns="0" rIns="0" tIns="0" bIns="0" anchor="ctr"/>
           <a:p>
-            <a:pPr algn="ctr"/>
-            <a:r>
-              <a:rPr b="1" lang="en-US" sz="4400">
-                <a:latin typeface="Arial"/>
-              </a:rPr>
-              <a:t>Is this a your error message?</a:t>
-            </a:r>
-            <a:endParaRPr/>
-          </a:p>
-        </p:txBody>
-      </p:sp>
-      <p:sp>
-        <p:nvSpPr>
-          <p:cNvPr id="48" name="TextShape 2"/>
-          <p:cNvSpPr txBox="1"/>
+            <a:pPr algn="ctr">
+              <a:lnSpc>
+                <a:spcPct val="100000"/>
+              </a:lnSpc>
+            </a:pPr>
+            <a:r>
+              <a:rPr b="1" lang="en-US" sz="4400" strike="noStrike">
+                <a:latin typeface="Arial"/>
+              </a:rPr>
+              <a:t>Another command!</a:t>
+            </a:r>
+            <a:endParaRPr/>
+          </a:p>
+        </p:txBody>
+      </p:sp>
+      <p:sp>
+        <p:nvSpPr>
+          <p:cNvPr id="82" name="CustomShape 2"/>
+          <p:cNvSpPr/>
           <p:nvPr/>
         </p:nvSpPr>
         <p:spPr>
           <a:xfrm>
             <a:off x="504000" y="1769040"/>
-            <a:ext cx="9071640" cy="4384440"/>
+            <a:ext cx="9071280" cy="4384080"/>
           </a:xfrm>
           <a:prstGeom prst="rect">
             <a:avLst/>
@@ -2358,187 +3666,102 @@
             <a:noFill/>
           </a:ln>
         </p:spPr>
+        <p:style>
+          <a:lnRef idx="0"/>
+          <a:fillRef idx="0"/>
+          <a:effectRef idx="0"/>
+          <a:fontRef idx="minor"/>
+        </p:style>
         <p:txBody>
           <a:bodyPr lIns="0" rIns="0" tIns="0" bIns="0"/>
           <a:p>
             <a:r>
-              <a:rPr i="1" lang="en-US" sz="2000" strike="noStrike">
+              <a:rPr lang="en-US" sz="3200" strike="noStrike">
+                <a:latin typeface="Arial"/>
+              </a:rPr>
+              <a:t>chmod (</a:t>
+            </a:r>
+            <a:r>
+              <a:rPr b="1" lang="en-US" sz="3200" strike="noStrike">
+                <a:latin typeface="Arial"/>
+              </a:rPr>
+              <a:t>ch</a:t>
+            </a:r>
+            <a:r>
+              <a:rPr lang="en-US" sz="3200" strike="noStrike">
+                <a:latin typeface="Arial"/>
+              </a:rPr>
+              <a:t>ange file </a:t>
+            </a:r>
+            <a:r>
+              <a:rPr b="1" lang="en-US" sz="3200" strike="noStrike">
+                <a:latin typeface="Arial"/>
+              </a:rPr>
+              <a:t>mod</a:t>
+            </a:r>
+            <a:r>
+              <a:rPr lang="en-US" sz="3200" strike="noStrike">
+                <a:latin typeface="Arial"/>
+              </a:rPr>
+              <a:t>e)</a:t>
+            </a:r>
+            <a:endParaRPr/>
+          </a:p>
+          <a:p>
+            <a:endParaRPr/>
+          </a:p>
+          <a:p>
+            <a:r>
+              <a:rPr lang="en-US" sz="3200" strike="noStrike">
+                <a:latin typeface="Arial"/>
+              </a:rPr>
+              <a:t>Form:</a:t>
+            </a:r>
+            <a:endParaRPr/>
+          </a:p>
+          <a:p>
+            <a:r>
+              <a:rPr i="1" lang="en-US" sz="3200" strike="noStrike">
                 <a:solidFill>
                   <a:srgbClr val="808080"/>
                 </a:solidFill>
                 <a:latin typeface="Menlo"/>
                 <a:ea typeface="Menlo"/>
               </a:rPr>
-              <a:t>```bash</a:t>
-            </a:r>
-            <a:r>
-              <a:rPr i="1" lang="en-US" sz="2000" strike="noStrike">
+              <a:t>chmod &lt;mode&gt; &lt;file&gt;</a:t>
+            </a:r>
+            <a:endParaRPr/>
+          </a:p>
+          <a:p>
+            <a:endParaRPr/>
+          </a:p>
+          <a:p>
+            <a:r>
+              <a:rPr lang="en-US" sz="3200" strike="noStrike">
+                <a:solidFill>
+                  <a:srgbClr val="000000"/>
+                </a:solidFill>
+                <a:latin typeface="Arial"/>
+                <a:ea typeface="Menlo"/>
+              </a:rPr>
+              <a:t>Eg:</a:t>
+            </a:r>
+            <a:endParaRPr/>
+          </a:p>
+          <a:p>
+            <a:r>
+              <a:rPr lang="en-US" sz="3200" strike="noStrike">
                 <a:solidFill>
                   <a:srgbClr val="808080"/>
                 </a:solidFill>
                 <a:latin typeface="Menlo"/>
                 <a:ea typeface="Menlo"/>
               </a:rPr>
-              <a:t>
-</a:t>
-            </a:r>
-            <a:r>
-              <a:rPr i="1" lang="en-US" sz="2000" strike="noStrike">
-                <a:solidFill>
-                  <a:srgbClr val="808080"/>
-                </a:solidFill>
-                <a:latin typeface="Menlo"/>
-                <a:ea typeface="Menlo"/>
-              </a:rPr>
-              <a:t>@@@@@@@@@@@@@@@@@@@@@@@@@@@@@@@@@@@@@@@@@@@@@@@@@@@@@@@@@@@</a:t>
-            </a:r>
-            <a:r>
-              <a:rPr i="1" lang="en-US" sz="2000" strike="noStrike">
-                <a:solidFill>
-                  <a:srgbClr val="808080"/>
-                </a:solidFill>
-                <a:latin typeface="Menlo"/>
-                <a:ea typeface="Menlo"/>
-              </a:rPr>
-              <a:t>
-</a:t>
-            </a:r>
-            <a:r>
-              <a:rPr i="1" lang="en-US" sz="2000" strike="noStrike">
-                <a:solidFill>
-                  <a:srgbClr val="808080"/>
-                </a:solidFill>
-                <a:latin typeface="Menlo"/>
-                <a:ea typeface="Menlo"/>
-              </a:rPr>
-              <a:t>@         WARNING: UNPROTECTED PRIVATE KEY FILE!          @</a:t>
-            </a:r>
-            <a:r>
-              <a:rPr i="1" lang="en-US" sz="2000" strike="noStrike">
-                <a:solidFill>
-                  <a:srgbClr val="808080"/>
-                </a:solidFill>
-                <a:latin typeface="Menlo"/>
-                <a:ea typeface="Menlo"/>
-              </a:rPr>
-              <a:t>
-</a:t>
-            </a:r>
-            <a:r>
-              <a:rPr i="1" lang="en-US" sz="2000" strike="noStrike">
-                <a:solidFill>
-                  <a:srgbClr val="808080"/>
-                </a:solidFill>
-                <a:latin typeface="Menlo"/>
-                <a:ea typeface="Menlo"/>
-              </a:rPr>
-              <a:t>@@@@@@@@@@@@@@@@@@@@@@@@@@@@@@@@@@@@@@@@@@@@@@@@@@@@@@@@@@@</a:t>
-            </a:r>
-            <a:r>
-              <a:rPr i="1" lang="en-US" sz="2000" strike="noStrike">
-                <a:solidFill>
-                  <a:srgbClr val="808080"/>
-                </a:solidFill>
-                <a:latin typeface="Menlo"/>
-                <a:ea typeface="Menlo"/>
-              </a:rPr>
-              <a:t>
-</a:t>
-            </a:r>
-            <a:r>
-              <a:rPr i="1" lang="en-US" sz="2000" strike="noStrike">
-                <a:solidFill>
-                  <a:srgbClr val="808080"/>
-                </a:solidFill>
-                <a:latin typeface="Menlo"/>
-                <a:ea typeface="Menlo"/>
-              </a:rPr>
-              <a:t>Permissions 0777 for '.ssh/tut_dev.pem' are too open.</a:t>
-            </a:r>
-            <a:r>
-              <a:rPr i="1" lang="en-US" sz="2000" strike="noStrike">
-                <a:solidFill>
-                  <a:srgbClr val="808080"/>
-                </a:solidFill>
-                <a:latin typeface="Menlo"/>
-                <a:ea typeface="Menlo"/>
-              </a:rPr>
-              <a:t>
-</a:t>
-            </a:r>
-            <a:r>
-              <a:rPr i="1" lang="en-US" sz="2000" strike="noStrike">
-                <a:solidFill>
-                  <a:srgbClr val="808080"/>
-                </a:solidFill>
-                <a:latin typeface="Menlo"/>
-                <a:ea typeface="Menlo"/>
-              </a:rPr>
-              <a:t>It is required that your private key files are NOT accessible by others.</a:t>
-            </a:r>
-            <a:r>
-              <a:rPr i="1" lang="en-US" sz="2000" strike="noStrike">
-                <a:solidFill>
-                  <a:srgbClr val="808080"/>
-                </a:solidFill>
-                <a:latin typeface="Menlo"/>
-                <a:ea typeface="Menlo"/>
-              </a:rPr>
-              <a:t>
-</a:t>
-            </a:r>
-            <a:r>
-              <a:rPr i="1" lang="en-US" sz="2000" strike="noStrike">
-                <a:solidFill>
-                  <a:srgbClr val="808080"/>
-                </a:solidFill>
-                <a:latin typeface="Menlo"/>
-                <a:ea typeface="Menlo"/>
-              </a:rPr>
-              <a:t>This private key will be ignored.</a:t>
-            </a:r>
-            <a:r>
-              <a:rPr i="1" lang="en-US" sz="2000" strike="noStrike">
-                <a:solidFill>
-                  <a:srgbClr val="808080"/>
-                </a:solidFill>
-                <a:latin typeface="Menlo"/>
-                <a:ea typeface="Menlo"/>
-              </a:rPr>
-              <a:t>
-</a:t>
-            </a:r>
-            <a:r>
-              <a:rPr i="1" lang="en-US" sz="2000" strike="noStrike">
-                <a:solidFill>
-                  <a:srgbClr val="808080"/>
-                </a:solidFill>
-                <a:latin typeface="Menlo"/>
-                <a:ea typeface="Menlo"/>
-              </a:rPr>
-              <a:t>bad permissions: ignore key: .ssh/nectar_dev.pem</a:t>
-            </a:r>
-            <a:r>
-              <a:rPr i="1" lang="en-US" sz="2000" strike="noStrike">
-                <a:solidFill>
-                  <a:srgbClr val="808080"/>
-                </a:solidFill>
-                <a:latin typeface="Menlo"/>
-                <a:ea typeface="Menlo"/>
-              </a:rPr>
-              <a:t>
-</a:t>
-            </a:r>
-            <a:r>
-              <a:rPr i="1" lang="en-US" sz="2000" strike="noStrike">
-                <a:solidFill>
-                  <a:srgbClr val="808080"/>
-                </a:solidFill>
-                <a:latin typeface="Menlo"/>
-                <a:ea typeface="Menlo"/>
-              </a:rPr>
-              <a:t>ubuntu@144.6.225.224's password: </a:t>
-            </a:r>
+              <a:t>chmod u=rw,go-rwx tut_dev.pem </a:t>
+            </a:r>
+            <a:endParaRPr/>
+          </a:p>
+          <a:p>
             <a:endParaRPr/>
           </a:p>
         </p:txBody>
@@ -2594,14 +3817,14 @@
       </p:grpSpPr>
       <p:sp>
         <p:nvSpPr>
-          <p:cNvPr id="49" name="TextShape 1"/>
-          <p:cNvSpPr txBox="1"/>
+          <p:cNvPr id="83" name="CustomShape 1"/>
+          <p:cNvSpPr/>
           <p:nvPr/>
         </p:nvSpPr>
         <p:spPr>
           <a:xfrm>
             <a:off x="504000" y="301320"/>
-            <a:ext cx="9071640" cy="1262160"/>
+            <a:ext cx="9071280" cy="1261800"/>
           </a:xfrm>
           <a:prstGeom prst="rect">
             <a:avLst/>
@@ -2611,30 +3834,40 @@
             <a:noFill/>
           </a:ln>
         </p:spPr>
+        <p:style>
+          <a:lnRef idx="0"/>
+          <a:fillRef idx="0"/>
+          <a:effectRef idx="0"/>
+          <a:fontRef idx="minor"/>
+        </p:style>
         <p:txBody>
           <a:bodyPr lIns="0" rIns="0" tIns="0" bIns="0" anchor="ctr"/>
           <a:p>
-            <a:pPr algn="ctr"/>
-            <a:r>
-              <a:rPr b="1" lang="en-US" sz="4400">
-                <a:latin typeface="Arial"/>
-              </a:rPr>
-              <a:t>Another command!</a:t>
-            </a:r>
-            <a:endParaRPr/>
-          </a:p>
-        </p:txBody>
-      </p:sp>
-      <p:sp>
-        <p:nvSpPr>
-          <p:cNvPr id="50" name="TextShape 2"/>
-          <p:cNvSpPr txBox="1"/>
+            <a:pPr algn="ctr">
+              <a:lnSpc>
+                <a:spcPct val="100000"/>
+              </a:lnSpc>
+            </a:pPr>
+            <a:r>
+              <a:rPr b="1" lang="en-US" sz="4400" strike="noStrike">
+                <a:latin typeface="Arial"/>
+              </a:rPr>
+              <a:t>Are you there yet?</a:t>
+            </a:r>
+            <a:endParaRPr/>
+          </a:p>
+        </p:txBody>
+      </p:sp>
+      <p:sp>
+        <p:nvSpPr>
+          <p:cNvPr id="84" name="CustomShape 2"/>
+          <p:cNvSpPr/>
           <p:nvPr/>
         </p:nvSpPr>
         <p:spPr>
           <a:xfrm>
             <a:off x="504000" y="1769040"/>
-            <a:ext cx="9071640" cy="4384440"/>
+            <a:ext cx="9071280" cy="4384080"/>
           </a:xfrm>
           <a:prstGeom prst="rect">
             <a:avLst/>
@@ -2644,96 +3877,77 @@
             <a:noFill/>
           </a:ln>
         </p:spPr>
+        <p:style>
+          <a:lnRef idx="0"/>
+          <a:fillRef idx="0"/>
+          <a:effectRef idx="0"/>
+          <a:fontRef idx="minor"/>
+        </p:style>
         <p:txBody>
           <a:bodyPr lIns="0" rIns="0" tIns="0" bIns="0"/>
           <a:p>
             <a:r>
-              <a:rPr lang="en-US" sz="3200">
-                <a:latin typeface="Arial"/>
-              </a:rPr>
-              <a:t>chmod (</a:t>
-            </a:r>
-            <a:r>
-              <a:rPr b="1" lang="en-US" sz="3200">
-                <a:latin typeface="Arial"/>
-              </a:rPr>
-              <a:t>ch</a:t>
-            </a:r>
-            <a:r>
-              <a:rPr lang="en-US" sz="3200">
-                <a:latin typeface="Arial"/>
-              </a:rPr>
-              <a:t>ange file </a:t>
-            </a:r>
-            <a:r>
-              <a:rPr b="1" lang="en-US" sz="3200">
-                <a:latin typeface="Arial"/>
-              </a:rPr>
-              <a:t>mod</a:t>
-            </a:r>
-            <a:r>
-              <a:rPr lang="en-US" sz="3200">
-                <a:latin typeface="Arial"/>
-              </a:rPr>
-              <a:t>e)</a:t>
-            </a:r>
-            <a:endParaRPr/>
-          </a:p>
-          <a:p>
-            <a:endParaRPr/>
-          </a:p>
-          <a:p>
-            <a:r>
-              <a:rPr lang="en-US" sz="3200">
-                <a:latin typeface="Arial"/>
-              </a:rPr>
-              <a:t>Form:</a:t>
-            </a:r>
-            <a:endParaRPr/>
-          </a:p>
-          <a:p>
-            <a:r>
-              <a:rPr i="1" lang="en-US" sz="3200" strike="noStrike">
+              <a:rPr i="1" lang="en-US" sz="2000" strike="noStrike">
                 <a:solidFill>
                   <a:srgbClr val="808080"/>
                 </a:solidFill>
                 <a:latin typeface="Menlo"/>
                 <a:ea typeface="Menlo"/>
               </a:rPr>
-              <a:t>chmod &lt;mode&gt; &lt;file&gt;</a:t>
-            </a:r>
-            <a:endParaRPr/>
-          </a:p>
-          <a:p>
-            <a:endParaRPr/>
-          </a:p>
-          <a:p>
-            <a:r>
-              <a:rPr lang="en-US" sz="3200" strike="noStrike">
-                <a:solidFill>
-                  <a:srgbClr val="000000"/>
-                </a:solidFill>
-                <a:latin typeface="Arial"/>
-                <a:ea typeface="Menlo"/>
-              </a:rPr>
-              <a:t>Eg:</a:t>
-            </a:r>
-            <a:endParaRPr/>
-          </a:p>
-          <a:p>
-            <a:r>
-              <a:rPr lang="en-US" sz="3200" strike="noStrike">
+              <a:t>Welcome to Ubuntu 14.04.2 LTS (GNU/Linux 3.13.0-36-generic x86_64)</a:t>
+            </a:r>
+            <a:endParaRPr/>
+          </a:p>
+          <a:p>
+            <a:endParaRPr/>
+          </a:p>
+          <a:p>
+            <a:r>
+              <a:rPr i="1" lang="en-US" sz="2000" strike="noStrike">
                 <a:solidFill>
                   <a:srgbClr val="808080"/>
                 </a:solidFill>
                 <a:latin typeface="Menlo"/>
                 <a:ea typeface="Menlo"/>
               </a:rPr>
-              <a:t>chmod u=rw,go-rwx tut_dev.pem </a:t>
-            </a:r>
-            <a:endParaRPr/>
-          </a:p>
-          <a:p>
+              <a:t> </a:t>
+            </a:r>
+            <a:r>
+              <a:rPr i="1" lang="en-US" sz="2000" strike="noStrike">
+                <a:solidFill>
+                  <a:srgbClr val="808080"/>
+                </a:solidFill>
+                <a:latin typeface="Menlo"/>
+                <a:ea typeface="Menlo"/>
+              </a:rPr>
+              <a:t>* Documentation:  https://help.ubuntu.com/</a:t>
+            </a:r>
+            <a:endParaRPr/>
+          </a:p>
+          <a:p>
+            <a:r>
+              <a:rPr i="1" lang="en-US" sz="2000" strike="noStrike">
+                <a:solidFill>
+                  <a:srgbClr val="808080"/>
+                </a:solidFill>
+                <a:latin typeface="Menlo"/>
+                <a:ea typeface="Menlo"/>
+              </a:rPr>
+              <a:t>Last login: Mon Mar 30 01:27:13 2015 from vpac.org</a:t>
+            </a:r>
+            <a:endParaRPr/>
+          </a:p>
+          <a:p>
+            <a:r>
+              <a:rPr i="1" lang="en-US" sz="2000" strike="noStrike">
+                <a:solidFill>
+                  <a:srgbClr val="808080"/>
+                </a:solidFill>
+                <a:latin typeface="Menlo"/>
+                <a:ea typeface="Menlo"/>
+              </a:rPr>
+              <a:t>ubuntu@rstudio:~$ </a:t>
+            </a:r>
             <a:endParaRPr/>
           </a:p>
         </p:txBody>
@@ -2789,14 +4003,14 @@
       </p:grpSpPr>
       <p:sp>
         <p:nvSpPr>
-          <p:cNvPr id="51" name="TextShape 1"/>
-          <p:cNvSpPr txBox="1"/>
+          <p:cNvPr id="85" name="CustomShape 1"/>
+          <p:cNvSpPr/>
           <p:nvPr/>
         </p:nvSpPr>
         <p:spPr>
           <a:xfrm>
             <a:off x="504000" y="301320"/>
-            <a:ext cx="9071640" cy="1262160"/>
+            <a:ext cx="9071280" cy="1261800"/>
           </a:xfrm>
           <a:prstGeom prst="rect">
             <a:avLst/>
@@ -2806,30 +4020,40 @@
             <a:noFill/>
           </a:ln>
         </p:spPr>
+        <p:style>
+          <a:lnRef idx="0"/>
+          <a:fillRef idx="0"/>
+          <a:effectRef idx="0"/>
+          <a:fontRef idx="minor"/>
+        </p:style>
         <p:txBody>
           <a:bodyPr lIns="0" rIns="0" tIns="0" bIns="0" anchor="ctr"/>
           <a:p>
-            <a:pPr algn="ctr"/>
-            <a:r>
-              <a:rPr b="1" lang="en-US" sz="4400">
-                <a:latin typeface="Arial"/>
-              </a:rPr>
-              <a:t>Are you there yet?</a:t>
-            </a:r>
-            <a:endParaRPr/>
-          </a:p>
-        </p:txBody>
-      </p:sp>
-      <p:sp>
-        <p:nvSpPr>
-          <p:cNvPr id="52" name="TextShape 2"/>
-          <p:cNvSpPr txBox="1"/>
+            <a:pPr algn="ctr">
+              <a:lnSpc>
+                <a:spcPct val="100000"/>
+              </a:lnSpc>
+            </a:pPr>
+            <a:r>
+              <a:rPr b="1" lang="en-US" sz="4400" strike="noStrike">
+                <a:latin typeface="Arial"/>
+              </a:rPr>
+              <a:t>Did you get?</a:t>
+            </a:r>
+            <a:endParaRPr/>
+          </a:p>
+        </p:txBody>
+      </p:sp>
+      <p:sp>
+        <p:nvSpPr>
+          <p:cNvPr id="86" name="CustomShape 2"/>
+          <p:cNvSpPr/>
           <p:nvPr/>
         </p:nvSpPr>
         <p:spPr>
           <a:xfrm>
             <a:off x="504000" y="1769040"/>
-            <a:ext cx="9071640" cy="4384440"/>
+            <a:ext cx="9071280" cy="4384080"/>
           </a:xfrm>
           <a:prstGeom prst="rect">
             <a:avLst/>
@@ -2839,93 +4063,76 @@
             <a:noFill/>
           </a:ln>
         </p:spPr>
+        <p:style>
+          <a:lnRef idx="0"/>
+          <a:fillRef idx="0"/>
+          <a:effectRef idx="0"/>
+          <a:fontRef idx="minor"/>
+        </p:style>
         <p:txBody>
           <a:bodyPr lIns="0" rIns="0" tIns="0" bIns="0"/>
           <a:p>
             <a:r>
-              <a:rPr i="1" lang="en-US" sz="2000" strike="noStrike">
+              <a:rPr lang="en-US" sz="3200" strike="noStrike">
+                <a:latin typeface="Menlo"/>
+              </a:rPr>
+              <a:t>$ apt-get update</a:t>
+            </a:r>
+            <a:endParaRPr/>
+          </a:p>
+          <a:p>
+            <a:r>
+              <a:rPr i="1" lang="en-US" strike="noStrike">
                 <a:solidFill>
                   <a:srgbClr val="808080"/>
                 </a:solidFill>
                 <a:latin typeface="Menlo"/>
                 <a:ea typeface="Menlo"/>
               </a:rPr>
-              <a:t>Welcome to Ubuntu 14.04.2 LTS (GNU/Linux 3.13.0-36-generic x86_64)</a:t>
-            </a:r>
-            <a:r>
-              <a:rPr i="1" lang="en-US" sz="2000" strike="noStrike">
+              <a:t>E: Could not open lock file /var/lib/apt/lists/lock - open (13: Permission denied)</a:t>
+            </a:r>
+            <a:endParaRPr/>
+          </a:p>
+          <a:p>
+            <a:r>
+              <a:rPr i="1" lang="en-US" strike="noStrike">
                 <a:solidFill>
                   <a:srgbClr val="808080"/>
                 </a:solidFill>
                 <a:latin typeface="Menlo"/>
                 <a:ea typeface="Menlo"/>
               </a:rPr>
-              <a:t>
-</a:t>
-            </a:r>
-            <a:r>
-              <a:rPr i="1" lang="en-US" sz="2000" strike="noStrike">
+              <a:t>E: Unable to lock directory /var/lib/apt/lists/</a:t>
+            </a:r>
+            <a:endParaRPr/>
+          </a:p>
+          <a:p>
+            <a:r>
+              <a:rPr i="1" lang="en-US" strike="noStrike">
                 <a:solidFill>
                   <a:srgbClr val="808080"/>
                 </a:solidFill>
                 <a:latin typeface="Menlo"/>
                 <a:ea typeface="Menlo"/>
               </a:rPr>
-              <a:t>
-</a:t>
-            </a:r>
-            <a:r>
-              <a:rPr i="1" lang="en-US" sz="2000" strike="noStrike">
+              <a:t>E: Could not open lock file /var/lib/dpkg/lock - open (13: Permission denied)</a:t>
+            </a:r>
+            <a:endParaRPr/>
+          </a:p>
+          <a:p>
+            <a:r>
+              <a:rPr i="1" lang="en-US" strike="noStrike">
                 <a:solidFill>
                   <a:srgbClr val="808080"/>
                 </a:solidFill>
                 <a:latin typeface="Menlo"/>
                 <a:ea typeface="Menlo"/>
               </a:rPr>
-              <a:t> * Documentation:  https://help.ubuntu.com/</a:t>
-            </a:r>
-            <a:r>
-              <a:rPr i="1" lang="en-US" sz="2000" strike="noStrike">
-                <a:solidFill>
-                  <a:srgbClr val="808080"/>
-                </a:solidFill>
-                <a:latin typeface="Menlo"/>
-                <a:ea typeface="Menlo"/>
-              </a:rPr>
-              <a:t>
-</a:t>
-            </a:r>
-            <a:r>
-              <a:rPr i="1" lang="en-US" sz="2000" strike="noStrike">
-                <a:solidFill>
-                  <a:srgbClr val="808080"/>
-                </a:solidFill>
-                <a:latin typeface="Menlo"/>
-                <a:ea typeface="Menlo"/>
-              </a:rPr>
-              <a:t>Last login: Mon Mar 30 01:27:13 2015 from vpac.org</a:t>
-            </a:r>
-            <a:r>
-              <a:rPr i="1" lang="en-US" sz="2000" strike="noStrike">
-                <a:solidFill>
-                  <a:srgbClr val="808080"/>
-                </a:solidFill>
-                <a:latin typeface="Menlo"/>
-                <a:ea typeface="Menlo"/>
-              </a:rPr>
-              <a:t>
-</a:t>
-            </a:r>
-            <a:r>
-              <a:rPr i="1" lang="en-US" sz="2000" strike="noStrike">
-                <a:solidFill>
-                  <a:srgbClr val="808080"/>
-                </a:solidFill>
-                <a:latin typeface="Menlo"/>
-                <a:ea typeface="Menlo"/>
-              </a:rPr>
-              <a:t>ubuntu@rstudio:~$ </a:t>
-            </a:r>
+              <a:t>E: Unable to lock the administration directory (/var/lib/dpkg/), are you root?</a:t>
+            </a:r>
+            <a:endParaRPr/>
+          </a:p>
+          <a:p>
             <a:endParaRPr/>
           </a:p>
         </p:txBody>
@@ -2981,14 +4188,14 @@
       </p:grpSpPr>
       <p:sp>
         <p:nvSpPr>
-          <p:cNvPr id="53" name="TextShape 1"/>
-          <p:cNvSpPr txBox="1"/>
+          <p:cNvPr id="87" name="CustomShape 1"/>
+          <p:cNvSpPr/>
           <p:nvPr/>
         </p:nvSpPr>
         <p:spPr>
           <a:xfrm>
             <a:off x="504000" y="301320"/>
-            <a:ext cx="9071640" cy="1262160"/>
+            <a:ext cx="9071280" cy="1261800"/>
           </a:xfrm>
           <a:prstGeom prst="rect">
             <a:avLst/>
@@ -2998,30 +4205,46 @@
             <a:noFill/>
           </a:ln>
         </p:spPr>
+        <p:style>
+          <a:lnRef idx="0"/>
+          <a:fillRef idx="0"/>
+          <a:effectRef idx="0"/>
+          <a:fontRef idx="minor"/>
+        </p:style>
         <p:txBody>
           <a:bodyPr lIns="0" rIns="0" tIns="0" bIns="0" anchor="ctr"/>
           <a:p>
-            <a:pPr algn="ctr"/>
-            <a:r>
-              <a:rPr b="1" lang="en-US" sz="4400">
-                <a:latin typeface="Arial"/>
-              </a:rPr>
-              <a:t>Did you get?</a:t>
-            </a:r>
-            <a:endParaRPr/>
-          </a:p>
-        </p:txBody>
-      </p:sp>
-      <p:sp>
-        <p:nvSpPr>
-          <p:cNvPr id="54" name="TextShape 2"/>
-          <p:cNvSpPr txBox="1"/>
+            <a:pPr algn="ctr">
+              <a:lnSpc>
+                <a:spcPct val="100000"/>
+              </a:lnSpc>
+            </a:pPr>
+            <a:r>
+              <a:rPr b="1" lang="en-US" sz="4400" strike="noStrike">
+                <a:latin typeface="Arial"/>
+              </a:rPr>
+              <a:t>sudo</a:t>
+            </a:r>
+            <a:r>
+              <a:rPr lang="en-US" sz="4400" strike="noStrike">
+                <a:latin typeface="Arial"/>
+              </a:rPr>
+              <a:t> to the rescue!</a:t>
+            </a:r>
+            <a:endParaRPr/>
+          </a:p>
+        </p:txBody>
+      </p:sp>
+      <p:sp>
+        <p:nvSpPr>
+          <p:cNvPr id="88" name="CustomShape 2"/>
+          <p:cNvSpPr/>
           <p:nvPr/>
         </p:nvSpPr>
         <p:spPr>
           <a:xfrm>
-            <a:off x="504000" y="1769040"/>
-            <a:ext cx="9071640" cy="4384440"/>
+            <a:off x="504000" y="1805040"/>
+            <a:ext cx="9071280" cy="4384080"/>
           </a:xfrm>
           <a:prstGeom prst="rect">
             <a:avLst/>
@@ -3031,90 +4254,97 @@
             <a:noFill/>
           </a:ln>
         </p:spPr>
+        <p:style>
+          <a:lnRef idx="0"/>
+          <a:fillRef idx="0"/>
+          <a:effectRef idx="0"/>
+          <a:fontRef idx="minor"/>
+        </p:style>
         <p:txBody>
           <a:bodyPr lIns="0" rIns="0" tIns="0" bIns="0"/>
           <a:p>
             <a:r>
-              <a:rPr lang="en-US" sz="3200">
+              <a:rPr lang="en-US" sz="3200" strike="noStrike">
                 <a:latin typeface="Menlo"/>
               </a:rPr>
-              <a:t>$ apt-get update</a:t>
-            </a:r>
-            <a:endParaRPr/>
-          </a:p>
-          <a:p>
-            <a:r>
-              <a:rPr i="1" lang="en-US" strike="noStrike">
+              <a:t>sudo</a:t>
+            </a:r>
+            <a:r>
+              <a:rPr lang="en-US" sz="3200" strike="noStrike">
+                <a:latin typeface="Arial"/>
+              </a:rPr>
+              <a:t> (</a:t>
+            </a:r>
+            <a:r>
+              <a:rPr b="1" lang="en-US" sz="3200" strike="noStrike">
+                <a:latin typeface="Arial"/>
+              </a:rPr>
+              <a:t>s</a:t>
+            </a:r>
+            <a:r>
+              <a:rPr lang="en-US" sz="3200" strike="noStrike">
+                <a:latin typeface="Arial"/>
+              </a:rPr>
+              <a:t>uper </a:t>
+            </a:r>
+            <a:r>
+              <a:rPr b="1" lang="en-US" sz="3200" strike="noStrike">
+                <a:latin typeface="Arial"/>
+              </a:rPr>
+              <a:t>u</a:t>
+            </a:r>
+            <a:r>
+              <a:rPr lang="en-US" sz="3200" strike="noStrike">
+                <a:latin typeface="Arial"/>
+              </a:rPr>
+              <a:t>ser </a:t>
+            </a:r>
+            <a:r>
+              <a:rPr b="1" lang="en-US" sz="3200" strike="noStrike">
+                <a:latin typeface="Arial"/>
+              </a:rPr>
+              <a:t>do</a:t>
+            </a:r>
+            <a:r>
+              <a:rPr lang="en-US" sz="3200" strike="noStrike">
+                <a:latin typeface="Arial"/>
+              </a:rPr>
+              <a:t>)</a:t>
+            </a:r>
+            <a:endParaRPr/>
+          </a:p>
+          <a:p>
+            <a:r>
+              <a:rPr lang="en-US" sz="3200" strike="noStrike">
+                <a:latin typeface="Arial"/>
+              </a:rPr>
+              <a:t>So:</a:t>
+            </a:r>
+            <a:endParaRPr/>
+          </a:p>
+          <a:p>
+            <a:r>
+              <a:rPr i="1" lang="en-US" sz="3200" strike="noStrike">
                 <a:solidFill>
                   <a:srgbClr val="808080"/>
                 </a:solidFill>
                 <a:latin typeface="Menlo"/>
                 <a:ea typeface="Menlo"/>
               </a:rPr>
-              <a:t>E: Could not open lock file /var/lib/apt/lists/lock - open (13: Permission denied)</a:t>
-            </a:r>
-            <a:r>
-              <a:rPr i="1" lang="en-US" strike="noStrike">
+              <a:t>sudo apt-get update</a:t>
+            </a:r>
+            <a:endParaRPr/>
+          </a:p>
+          <a:p>
+            <a:r>
+              <a:rPr i="1" lang="en-US" sz="3200" strike="noStrike">
                 <a:solidFill>
                   <a:srgbClr val="808080"/>
                 </a:solidFill>
                 <a:latin typeface="Menlo"/>
                 <a:ea typeface="Menlo"/>
               </a:rPr>
-              <a:t>
-</a:t>
-            </a:r>
-            <a:r>
-              <a:rPr i="1" lang="en-US" strike="noStrike">
-                <a:solidFill>
-                  <a:srgbClr val="808080"/>
-                </a:solidFill>
-                <a:latin typeface="Menlo"/>
-                <a:ea typeface="Menlo"/>
-              </a:rPr>
-              <a:t>E: Unable to lock directory /var/lib/apt/lists/</a:t>
-            </a:r>
-            <a:r>
-              <a:rPr i="1" lang="en-US" strike="noStrike">
-                <a:solidFill>
-                  <a:srgbClr val="808080"/>
-                </a:solidFill>
-                <a:latin typeface="Menlo"/>
-                <a:ea typeface="Menlo"/>
-              </a:rPr>
-              <a:t>
-</a:t>
-            </a:r>
-            <a:r>
-              <a:rPr i="1" lang="en-US" strike="noStrike">
-                <a:solidFill>
-                  <a:srgbClr val="808080"/>
-                </a:solidFill>
-                <a:latin typeface="Menlo"/>
-                <a:ea typeface="Menlo"/>
-              </a:rPr>
-              <a:t>E: Could not open lock file /var/lib/dpkg/lock - open (13: Permission denied)</a:t>
-            </a:r>
-            <a:r>
-              <a:rPr i="1" lang="en-US" strike="noStrike">
-                <a:solidFill>
-                  <a:srgbClr val="808080"/>
-                </a:solidFill>
-                <a:latin typeface="Menlo"/>
-                <a:ea typeface="Menlo"/>
-              </a:rPr>
-              <a:t>
-</a:t>
-            </a:r>
-            <a:r>
-              <a:rPr i="1" lang="en-US" strike="noStrike">
-                <a:solidFill>
-                  <a:srgbClr val="808080"/>
-                </a:solidFill>
-                <a:latin typeface="Menlo"/>
-                <a:ea typeface="Menlo"/>
-              </a:rPr>
-              <a:t>E: Unable to lock the administration directory (/var/lib/dpkg/), are you root?</a:t>
+              <a:t>sudo apt-get upgrade</a:t>
             </a:r>
             <a:endParaRPr/>
           </a:p>
@@ -3132,206 +4362,6 @@
           <p:childTnLst>
             <p:seq>
               <p:cTn id="16" nodeType="mainSeq"/>
-              <p:prevCondLst>
-                <p:cond delay="0" evt="onPrev">
-                  <p:tgtEl>
-                    <p:sldTgt/>
-                  </p:tgtEl>
-                </p:cond>
-              </p:prevCondLst>
-              <p:nextCondLst>
-                <p:cond delay="0" evt="onNext">
-                  <p:tgtEl>
-                    <p:sldTgt/>
-                  </p:tgtEl>
-                </p:cond>
-              </p:nextCondLst>
-            </p:seq>
-          </p:childTnLst>
-        </p:cTn>
-      </p:par>
-    </p:tnLst>
-  </p:timing>
-</p:sld>
-</file>
-
-<file path=ppt/slides/slide9.xml><?xml version="1.0" encoding="utf-8"?>
-<p:sld xmlns:a="http://schemas.openxmlformats.org/drawingml/2006/main" xmlns:p="http://schemas.openxmlformats.org/presentationml/2006/main" xmlns:r="http://schemas.openxmlformats.org/officeDocument/2006/relationships">
-  <p:cSld>
-    <p:spTree>
-      <p:nvGrpSpPr>
-        <p:cNvPr id="1" name=""/>
-        <p:cNvGrpSpPr/>
-        <p:nvPr/>
-      </p:nvGrpSpPr>
-      <p:grpSpPr>
-        <a:xfrm>
-          <a:off x="0" y="0"/>
-          <a:ext cx="0" cy="0"/>
-          <a:chOff x="0" y="0"/>
-          <a:chExt cx="0" cy="0"/>
-        </a:xfrm>
-      </p:grpSpPr>
-      <p:sp>
-        <p:nvSpPr>
-          <p:cNvPr id="55" name="TextShape 1"/>
-          <p:cNvSpPr txBox="1"/>
-          <p:nvPr/>
-        </p:nvSpPr>
-        <p:spPr>
-          <a:xfrm>
-            <a:off x="504000" y="301320"/>
-            <a:ext cx="9071640" cy="1262160"/>
-          </a:xfrm>
-          <a:prstGeom prst="rect">
-            <a:avLst/>
-          </a:prstGeom>
-          <a:noFill/>
-          <a:ln>
-            <a:noFill/>
-          </a:ln>
-        </p:spPr>
-        <p:txBody>
-          <a:bodyPr lIns="0" rIns="0" tIns="0" bIns="0" anchor="ctr"/>
-          <a:p>
-            <a:pPr algn="ctr"/>
-            <a:r>
-              <a:rPr b="1" lang="en-US" sz="4400">
-                <a:latin typeface="Arial"/>
-              </a:rPr>
-              <a:t>sudo</a:t>
-            </a:r>
-            <a:r>
-              <a:rPr lang="en-US" sz="4400">
-                <a:latin typeface="Arial"/>
-              </a:rPr>
-              <a:t> to the rescue!</a:t>
-            </a:r>
-            <a:endParaRPr/>
-          </a:p>
-        </p:txBody>
-      </p:sp>
-      <p:sp>
-        <p:nvSpPr>
-          <p:cNvPr id="56" name="TextShape 2"/>
-          <p:cNvSpPr txBox="1"/>
-          <p:nvPr/>
-        </p:nvSpPr>
-        <p:spPr>
-          <a:xfrm>
-            <a:off x="504000" y="1805040"/>
-            <a:ext cx="9071640" cy="4384440"/>
-          </a:xfrm>
-          <a:prstGeom prst="rect">
-            <a:avLst/>
-          </a:prstGeom>
-          <a:noFill/>
-          <a:ln>
-            <a:noFill/>
-          </a:ln>
-        </p:spPr>
-        <p:txBody>
-          <a:bodyPr lIns="0" rIns="0" tIns="0" bIns="0"/>
-          <a:p>
-            <a:r>
-              <a:rPr lang="en-US" sz="3200">
-                <a:latin typeface="Menlo"/>
-              </a:rPr>
-              <a:t>sudo</a:t>
-            </a:r>
-            <a:r>
-              <a:rPr lang="en-US" sz="3200">
-                <a:latin typeface="Arial"/>
-              </a:rPr>
-              <a:t> (</a:t>
-            </a:r>
-            <a:r>
-              <a:rPr b="1" lang="en-US" sz="3200">
-                <a:latin typeface="Arial"/>
-              </a:rPr>
-              <a:t>s</a:t>
-            </a:r>
-            <a:r>
-              <a:rPr lang="en-US" sz="3200">
-                <a:latin typeface="Arial"/>
-              </a:rPr>
-              <a:t>uper </a:t>
-            </a:r>
-            <a:r>
-              <a:rPr b="1" lang="en-US" sz="3200">
-                <a:latin typeface="Arial"/>
-              </a:rPr>
-              <a:t>u</a:t>
-            </a:r>
-            <a:r>
-              <a:rPr lang="en-US" sz="3200">
-                <a:latin typeface="Arial"/>
-              </a:rPr>
-              <a:t>ser </a:t>
-            </a:r>
-            <a:r>
-              <a:rPr b="1" lang="en-US" sz="3200">
-                <a:latin typeface="Arial"/>
-              </a:rPr>
-              <a:t>do</a:t>
-            </a:r>
-            <a:r>
-              <a:rPr lang="en-US" sz="3200">
-                <a:latin typeface="Arial"/>
-              </a:rPr>
-              <a:t>)</a:t>
-            </a:r>
-            <a:endParaRPr/>
-          </a:p>
-          <a:p>
-            <a:r>
-              <a:rPr lang="en-US" sz="3200">
-                <a:latin typeface="Arial"/>
-              </a:rPr>
-              <a:t>So:</a:t>
-            </a:r>
-            <a:endParaRPr/>
-          </a:p>
-          <a:p>
-            <a:r>
-              <a:rPr i="1" lang="en-US" sz="3200" strike="noStrike">
-                <a:solidFill>
-                  <a:srgbClr val="808080"/>
-                </a:solidFill>
-                <a:latin typeface="Menlo"/>
-                <a:ea typeface="Menlo"/>
-              </a:rPr>
-              <a:t>sudo apt-get update</a:t>
-            </a:r>
-            <a:endParaRPr/>
-          </a:p>
-          <a:p>
-            <a:r>
-              <a:rPr i="1" lang="en-US" sz="3200" strike="noStrike">
-                <a:solidFill>
-                  <a:srgbClr val="808080"/>
-                </a:solidFill>
-                <a:latin typeface="Menlo"/>
-                <a:ea typeface="Menlo"/>
-              </a:rPr>
-              <a:t>sudo apt-get upgrade</a:t>
-            </a:r>
-            <a:endParaRPr/>
-          </a:p>
-          <a:p>
-            <a:endParaRPr/>
-          </a:p>
-        </p:txBody>
-      </p:sp>
-    </p:spTree>
-  </p:cSld>
-  <p:timing>
-    <p:tnLst>
-      <p:par>
-        <p:cTn id="17" dur="indefinite" restart="never" nodeType="tmRoot">
-          <p:childTnLst>
-            <p:seq>
-              <p:cTn id="18" nodeType="mainSeq"/>
               <p:prevCondLst>
                 <p:cond delay="0" evt="onPrev">
                   <p:tgtEl>
@@ -3576,4 +4606,227 @@
     </a:fmtScheme>
   </a:themeElements>
 </a:theme>
+</file>
+
+<file path=ppt/theme/theme2.xml><?xml version="1.0" encoding="utf-8"?>
+<a:theme xmlns:a="http://schemas.openxmlformats.org/drawingml/2006/main" name="Office Theme">
+  <a:themeElements>
+    <a:clrScheme name="Office">
+      <a:dk1>
+        <a:sysClr val="windowText" lastClr="000000"/>
+      </a:dk1>
+      <a:lt1>
+        <a:sysClr val="window" lastClr="FFFFFF"/>
+      </a:lt1>
+      <a:dk2>
+        <a:srgbClr val="1F497D"/>
+      </a:dk2>
+      <a:lt2>
+        <a:srgbClr val="EEECE1"/>
+      </a:lt2>
+      <a:accent1>
+        <a:srgbClr val="4F81BD"/>
+      </a:accent1>
+      <a:accent2>
+        <a:srgbClr val="C0504D"/>
+      </a:accent2>
+      <a:accent3>
+        <a:srgbClr val="9BBB59"/>
+      </a:accent3>
+      <a:accent4>
+        <a:srgbClr val="8064A2"/>
+      </a:accent4>
+      <a:accent5>
+        <a:srgbClr val="4BACC6"/>
+      </a:accent5>
+      <a:accent6>
+        <a:srgbClr val="F79646"/>
+      </a:accent6>
+      <a:hlink>
+        <a:srgbClr val="0000FF"/>
+      </a:hlink>
+      <a:folHlink>
+        <a:srgbClr val="800080"/>
+      </a:folHlink>
+    </a:clrScheme>
+    <a:fontScheme name="Office">
+      <a:majorFont>
+        <a:latin typeface="Arial"/>
+        <a:ea typeface="DejaVu Sans"/>
+        <a:cs typeface="DejaVu Sans"/>
+      </a:majorFont>
+      <a:minorFont>
+        <a:latin typeface="Arial"/>
+        <a:ea typeface="DejaVu Sans"/>
+        <a:cs typeface="DejaVu Sans"/>
+      </a:minorFont>
+    </a:fontScheme>
+    <a:fmtScheme name="Office">
+      <a:fillStyleLst>
+        <a:solidFill>
+          <a:schemeClr val="phClr"/>
+        </a:solidFill>
+        <a:gradFill rotWithShape="1">
+          <a:gsLst>
+            <a:gs pos="0">
+              <a:schemeClr val="phClr">
+                <a:tint val="50000"/>
+                <a:satMod val="300000"/>
+              </a:schemeClr>
+            </a:gs>
+            <a:gs pos="35000">
+              <a:schemeClr val="phClr">
+                <a:tint val="37000"/>
+                <a:satMod val="300000"/>
+              </a:schemeClr>
+            </a:gs>
+            <a:gs pos="100000">
+              <a:schemeClr val="phClr">
+                <a:tint val="15000"/>
+                <a:satMod val="350000"/>
+              </a:schemeClr>
+            </a:gs>
+          </a:gsLst>
+          <a:lin ang="16200000" scaled="1"/>
+        </a:gradFill>
+        <a:gradFill rotWithShape="1">
+          <a:gsLst>
+            <a:gs pos="0">
+              <a:schemeClr val="phClr">
+                <a:shade val="51000"/>
+                <a:satMod val="130000"/>
+              </a:schemeClr>
+            </a:gs>
+            <a:gs pos="80000">
+              <a:schemeClr val="phClr">
+                <a:shade val="93000"/>
+                <a:satMod val="130000"/>
+              </a:schemeClr>
+            </a:gs>
+            <a:gs pos="100000">
+              <a:schemeClr val="phClr">
+                <a:shade val="94000"/>
+                <a:satMod val="135000"/>
+              </a:schemeClr>
+            </a:gs>
+          </a:gsLst>
+          <a:lin ang="16200000" scaled="0"/>
+        </a:gradFill>
+      </a:fillStyleLst>
+      <a:lnStyleLst>
+        <a:ln w="9525" cap="flat" cmpd="sng" algn="ctr">
+          <a:solidFill>
+            <a:schemeClr val="phClr">
+              <a:shade val="95000"/>
+              <a:satMod val="105000"/>
+            </a:schemeClr>
+          </a:solidFill>
+          <a:prstDash val="solid"/>
+        </a:ln>
+        <a:ln w="25400" cap="flat" cmpd="sng" algn="ctr">
+          <a:solidFill>
+            <a:schemeClr val="phClr"/>
+          </a:solidFill>
+          <a:prstDash val="solid"/>
+        </a:ln>
+        <a:ln w="38100" cap="flat" cmpd="sng" algn="ctr">
+          <a:solidFill>
+            <a:schemeClr val="phClr"/>
+          </a:solidFill>
+          <a:prstDash val="solid"/>
+        </a:ln>
+      </a:lnStyleLst>
+      <a:effectStyleLst>
+        <a:effectStyle>
+          <a:effectLst>
+            <a:outerShdw blurRad="40000" dist="20000" dir="5400000" rotWithShape="0">
+              <a:srgbClr val="000000">
+                <a:alpha val="38000"/>
+              </a:srgbClr>
+            </a:outerShdw>
+          </a:effectLst>
+        </a:effectStyle>
+        <a:effectStyle>
+          <a:effectLst>
+            <a:outerShdw blurRad="40000" dist="23000" dir="5400000" rotWithShape="0">
+              <a:srgbClr val="000000">
+                <a:alpha val="35000"/>
+              </a:srgbClr>
+            </a:outerShdw>
+          </a:effectLst>
+        </a:effectStyle>
+        <a:effectStyle>
+          <a:effectLst>
+            <a:outerShdw blurRad="40000" dist="23000" dir="5400000" rotWithShape="0">
+              <a:srgbClr val="000000">
+                <a:alpha val="35000"/>
+              </a:srgbClr>
+            </a:outerShdw>
+          </a:effectLst>
+          <a:scene3d>
+            <a:camera prst="orthographicFront">
+              <a:rot lat="0" lon="0" rev="0"/>
+            </a:camera>
+            <a:lightRig rig="threePt" dir="t">
+              <a:rot lat="0" lon="0" rev="1200000"/>
+            </a:lightRig>
+          </a:scene3d>
+          <a:sp3d>
+            <a:bevelT w="63500" h="25400"/>
+          </a:sp3d>
+        </a:effectStyle>
+      </a:effectStyleLst>
+      <a:bgFillStyleLst>
+        <a:solidFill>
+          <a:schemeClr val="phClr"/>
+        </a:solidFill>
+        <a:gradFill rotWithShape="1">
+          <a:gsLst>
+            <a:gs pos="0">
+              <a:schemeClr val="phClr">
+                <a:tint val="40000"/>
+                <a:satMod val="350000"/>
+              </a:schemeClr>
+            </a:gs>
+            <a:gs pos="40000">
+              <a:schemeClr val="phClr">
+                <a:tint val="45000"/>
+                <a:shade val="99000"/>
+                <a:satMod val="350000"/>
+              </a:schemeClr>
+            </a:gs>
+            <a:gs pos="100000">
+              <a:schemeClr val="phClr">
+                <a:shade val="20000"/>
+                <a:satMod val="255000"/>
+              </a:schemeClr>
+            </a:gs>
+          </a:gsLst>
+          <a:path path="circle">
+            <a:fillToRect l="50000" t="-80000" r="50000" b="180000"/>
+          </a:path>
+        </a:gradFill>
+        <a:gradFill rotWithShape="1">
+          <a:gsLst>
+            <a:gs pos="0">
+              <a:schemeClr val="phClr">
+                <a:tint val="80000"/>
+                <a:satMod val="300000"/>
+              </a:schemeClr>
+            </a:gs>
+            <a:gs pos="100000">
+              <a:schemeClr val="phClr">
+                <a:shade val="30000"/>
+                <a:satMod val="200000"/>
+              </a:schemeClr>
+            </a:gs>
+          </a:gsLst>
+          <a:path path="circle">
+            <a:fillToRect l="50000" t="50000" r="50000" b="50000"/>
+          </a:path>
+        </a:gradFill>
+      </a:bgFillStyleLst>
+    </a:fmtScheme>
+  </a:themeElements>
+</a:theme>
 </file>
--- a/Lessons/Lesson_III/Lesson_III_Questions.pptx
+++ b/Lessons/Lesson_III/Lesson_III_Questions.pptx
@@ -4,16 +4,19 @@
   <p:sldMasterIdLst>
     <p:sldMasterId id="2147483648" r:id="rId2"/>
     <p:sldMasterId id="2147483661" r:id="rId3"/>
+    <p:sldMasterId id="2147483674" r:id="rId4"/>
   </p:sldMasterIdLst>
   <p:sldIdLst>
-    <p:sldId id="256" r:id="rId4"/>
-    <p:sldId id="257" r:id="rId5"/>
-    <p:sldId id="258" r:id="rId6"/>
-    <p:sldId id="259" r:id="rId7"/>
-    <p:sldId id="260" r:id="rId8"/>
-    <p:sldId id="261" r:id="rId9"/>
-    <p:sldId id="262" r:id="rId10"/>
-    <p:sldId id="263" r:id="rId11"/>
+    <p:sldId id="256" r:id="rId5"/>
+    <p:sldId id="257" r:id="rId6"/>
+    <p:sldId id="258" r:id="rId7"/>
+    <p:sldId id="259" r:id="rId8"/>
+    <p:sldId id="260" r:id="rId9"/>
+    <p:sldId id="261" r:id="rId10"/>
+    <p:sldId id="262" r:id="rId11"/>
+    <p:sldId id="263" r:id="rId12"/>
+    <p:sldId id="264" r:id="rId13"/>
+    <p:sldId id="265" r:id="rId14"/>
   </p:sldIdLst>
   <p:sldSz cx="10080625" cy="7559675"/>
   <p:notesSz cx="7559675" cy="10691812"/>
@@ -61,7 +64,7 @@
       </p:grpSpPr>
       <p:sp>
         <p:nvSpPr>
-          <p:cNvPr id="24" name="PlaceHolder 1"/>
+          <p:cNvPr id="23" name="PlaceHolder 1"/>
           <p:cNvSpPr>
             <a:spLocks noGrp="1"/>
           </p:cNvSpPr>
@@ -72,7 +75,7 @@
         <p:spPr>
           <a:xfrm>
             <a:off x="504000" y="301320"/>
-            <a:ext cx="9071280" cy="1261800"/>
+            <a:ext cx="9072000" cy="1261800"/>
           </a:xfrm>
           <a:prstGeom prst="rect">
             <a:avLst/>
@@ -88,7 +91,7 @@
       </p:sp>
       <p:sp>
         <p:nvSpPr>
-          <p:cNvPr id="25" name="PlaceHolder 2"/>
+          <p:cNvPr id="24" name="PlaceHolder 2"/>
           <p:cNvSpPr>
             <a:spLocks noGrp="1"/>
           </p:cNvSpPr>
@@ -98,23 +101,23 @@
         </p:nvSpPr>
         <p:spPr>
           <a:xfrm>
-            <a:off x="504000" y="1769040"/>
-            <a:ext cx="9071280" cy="2090880"/>
-          </a:xfrm>
-          <a:prstGeom prst="rect">
-            <a:avLst/>
-          </a:prstGeom>
-        </p:spPr>
-        <p:txBody>
-          <a:bodyPr lIns="0" rIns="0" tIns="0" bIns="0"/>
-          <a:p>
-            <a:endParaRPr/>
-          </a:p>
-        </p:txBody>
-      </p:sp>
-      <p:sp>
-        <p:nvSpPr>
-          <p:cNvPr id="26" name="PlaceHolder 3"/>
+            <a:off x="504000" y="1768680"/>
+            <a:ext cx="9072000" cy="2090880"/>
+          </a:xfrm>
+          <a:prstGeom prst="rect">
+            <a:avLst/>
+          </a:prstGeom>
+        </p:spPr>
+        <p:txBody>
+          <a:bodyPr lIns="0" rIns="0" tIns="0" bIns="0"/>
+          <a:p>
+            <a:endParaRPr/>
+          </a:p>
+        </p:txBody>
+      </p:sp>
+      <p:sp>
+        <p:nvSpPr>
+          <p:cNvPr id="25" name="PlaceHolder 3"/>
           <p:cNvSpPr>
             <a:spLocks noGrp="1"/>
           </p:cNvSpPr>
@@ -124,8 +127,8 @@
         </p:nvSpPr>
         <p:spPr>
           <a:xfrm>
-            <a:off x="504000" y="4059000"/>
-            <a:ext cx="9071280" cy="2090880"/>
+            <a:off x="504000" y="4058640"/>
+            <a:ext cx="9072000" cy="2090880"/>
           </a:xfrm>
           <a:prstGeom prst="rect">
             <a:avLst/>
@@ -162,7 +165,7 @@
       </p:grpSpPr>
       <p:sp>
         <p:nvSpPr>
-          <p:cNvPr id="27" name="PlaceHolder 1"/>
+          <p:cNvPr id="26" name="PlaceHolder 1"/>
           <p:cNvSpPr>
             <a:spLocks noGrp="1"/>
           </p:cNvSpPr>
@@ -173,7 +176,7 @@
         <p:spPr>
           <a:xfrm>
             <a:off x="504000" y="301320"/>
-            <a:ext cx="9071280" cy="1261800"/>
+            <a:ext cx="9072000" cy="1261800"/>
           </a:xfrm>
           <a:prstGeom prst="rect">
             <a:avLst/>
@@ -189,7 +192,7 @@
       </p:sp>
       <p:sp>
         <p:nvSpPr>
-          <p:cNvPr id="28" name="PlaceHolder 2"/>
+          <p:cNvPr id="27" name="PlaceHolder 2"/>
           <p:cNvSpPr>
             <a:spLocks noGrp="1"/>
           </p:cNvSpPr>
@@ -199,23 +202,23 @@
         </p:nvSpPr>
         <p:spPr>
           <a:xfrm>
-            <a:off x="504000" y="1769040"/>
-            <a:ext cx="4426560" cy="2090880"/>
-          </a:xfrm>
-          <a:prstGeom prst="rect">
-            <a:avLst/>
-          </a:prstGeom>
-        </p:spPr>
-        <p:txBody>
-          <a:bodyPr lIns="0" rIns="0" tIns="0" bIns="0"/>
-          <a:p>
-            <a:endParaRPr/>
-          </a:p>
-        </p:txBody>
-      </p:sp>
-      <p:sp>
-        <p:nvSpPr>
-          <p:cNvPr id="29" name="PlaceHolder 3"/>
+            <a:off x="504000" y="1768680"/>
+            <a:ext cx="4426920" cy="2090880"/>
+          </a:xfrm>
+          <a:prstGeom prst="rect">
+            <a:avLst/>
+          </a:prstGeom>
+        </p:spPr>
+        <p:txBody>
+          <a:bodyPr lIns="0" rIns="0" tIns="0" bIns="0"/>
+          <a:p>
+            <a:endParaRPr/>
+          </a:p>
+        </p:txBody>
+      </p:sp>
+      <p:sp>
+        <p:nvSpPr>
+          <p:cNvPr id="28" name="PlaceHolder 3"/>
           <p:cNvSpPr>
             <a:spLocks noGrp="1"/>
           </p:cNvSpPr>
@@ -225,23 +228,23 @@
         </p:nvSpPr>
         <p:spPr>
           <a:xfrm>
-            <a:off x="5152320" y="1769040"/>
-            <a:ext cx="4426560" cy="2090880"/>
-          </a:xfrm>
-          <a:prstGeom prst="rect">
-            <a:avLst/>
-          </a:prstGeom>
-        </p:spPr>
-        <p:txBody>
-          <a:bodyPr lIns="0" rIns="0" tIns="0" bIns="0"/>
-          <a:p>
-            <a:endParaRPr/>
-          </a:p>
-        </p:txBody>
-      </p:sp>
-      <p:sp>
-        <p:nvSpPr>
-          <p:cNvPr id="30" name="PlaceHolder 4"/>
+            <a:off x="5152680" y="1768680"/>
+            <a:ext cx="4426920" cy="2090880"/>
+          </a:xfrm>
+          <a:prstGeom prst="rect">
+            <a:avLst/>
+          </a:prstGeom>
+        </p:spPr>
+        <p:txBody>
+          <a:bodyPr lIns="0" rIns="0" tIns="0" bIns="0"/>
+          <a:p>
+            <a:endParaRPr/>
+          </a:p>
+        </p:txBody>
+      </p:sp>
+      <p:sp>
+        <p:nvSpPr>
+          <p:cNvPr id="29" name="PlaceHolder 4"/>
           <p:cNvSpPr>
             <a:spLocks noGrp="1"/>
           </p:cNvSpPr>
@@ -251,23 +254,23 @@
         </p:nvSpPr>
         <p:spPr>
           <a:xfrm>
-            <a:off x="5152320" y="4059000"/>
-            <a:ext cx="4426560" cy="2090880"/>
-          </a:xfrm>
-          <a:prstGeom prst="rect">
-            <a:avLst/>
-          </a:prstGeom>
-        </p:spPr>
-        <p:txBody>
-          <a:bodyPr lIns="0" rIns="0" tIns="0" bIns="0"/>
-          <a:p>
-            <a:endParaRPr/>
-          </a:p>
-        </p:txBody>
-      </p:sp>
-      <p:sp>
-        <p:nvSpPr>
-          <p:cNvPr id="31" name="PlaceHolder 5"/>
+            <a:off x="5152680" y="4058640"/>
+            <a:ext cx="4426920" cy="2090880"/>
+          </a:xfrm>
+          <a:prstGeom prst="rect">
+            <a:avLst/>
+          </a:prstGeom>
+        </p:spPr>
+        <p:txBody>
+          <a:bodyPr lIns="0" rIns="0" tIns="0" bIns="0"/>
+          <a:p>
+            <a:endParaRPr/>
+          </a:p>
+        </p:txBody>
+      </p:sp>
+      <p:sp>
+        <p:nvSpPr>
+          <p:cNvPr id="30" name="PlaceHolder 5"/>
           <p:cNvSpPr>
             <a:spLocks noGrp="1"/>
           </p:cNvSpPr>
@@ -277,8 +280,8 @@
         </p:nvSpPr>
         <p:spPr>
           <a:xfrm>
-            <a:off x="504000" y="4059000"/>
-            <a:ext cx="4426560" cy="2090880"/>
+            <a:off x="504000" y="4058640"/>
+            <a:ext cx="4426920" cy="2090880"/>
           </a:xfrm>
           <a:prstGeom prst="rect">
             <a:avLst/>
@@ -315,7 +318,7 @@
       </p:grpSpPr>
       <p:sp>
         <p:nvSpPr>
-          <p:cNvPr id="32" name="PlaceHolder 1"/>
+          <p:cNvPr id="31" name="PlaceHolder 1"/>
           <p:cNvSpPr>
             <a:spLocks noGrp="1"/>
           </p:cNvSpPr>
@@ -326,7 +329,7 @@
         <p:spPr>
           <a:xfrm>
             <a:off x="504000" y="301320"/>
-            <a:ext cx="9071280" cy="1261800"/>
+            <a:ext cx="9072000" cy="1261800"/>
           </a:xfrm>
           <a:prstGeom prst="rect">
             <a:avLst/>
@@ -342,7 +345,7 @@
       </p:sp>
       <p:sp>
         <p:nvSpPr>
-          <p:cNvPr id="33" name="PlaceHolder 2"/>
+          <p:cNvPr id="32" name="PlaceHolder 2"/>
           <p:cNvSpPr>
             <a:spLocks noGrp="1"/>
           </p:cNvSpPr>
@@ -352,23 +355,23 @@
         </p:nvSpPr>
         <p:spPr>
           <a:xfrm>
-            <a:off x="504000" y="1769040"/>
-            <a:ext cx="9071280" cy="4384080"/>
-          </a:xfrm>
-          <a:prstGeom prst="rect">
-            <a:avLst/>
-          </a:prstGeom>
-        </p:spPr>
-        <p:txBody>
-          <a:bodyPr lIns="0" rIns="0" tIns="0" bIns="0"/>
-          <a:p>
-            <a:endParaRPr/>
-          </a:p>
-        </p:txBody>
-      </p:sp>
-      <p:sp>
-        <p:nvSpPr>
-          <p:cNvPr id="34" name="PlaceHolder 3"/>
+            <a:off x="504000" y="1768680"/>
+            <a:ext cx="9072000" cy="4384080"/>
+          </a:xfrm>
+          <a:prstGeom prst="rect">
+            <a:avLst/>
+          </a:prstGeom>
+        </p:spPr>
+        <p:txBody>
+          <a:bodyPr lIns="0" rIns="0" tIns="0" bIns="0"/>
+          <a:p>
+            <a:endParaRPr/>
+          </a:p>
+        </p:txBody>
+      </p:sp>
+      <p:sp>
+        <p:nvSpPr>
+          <p:cNvPr id="33" name="PlaceHolder 3"/>
           <p:cNvSpPr>
             <a:spLocks noGrp="1"/>
           </p:cNvSpPr>
@@ -378,20 +381,43 @@
         </p:nvSpPr>
         <p:spPr>
           <a:xfrm>
-            <a:off x="504000" y="1769040"/>
-            <a:ext cx="9071280" cy="4384080"/>
-          </a:xfrm>
-          <a:prstGeom prst="rect">
-            <a:avLst/>
-          </a:prstGeom>
-        </p:spPr>
-        <p:txBody>
-          <a:bodyPr lIns="0" rIns="0" tIns="0" bIns="0"/>
-          <a:p>
-            <a:endParaRPr/>
-          </a:p>
-        </p:txBody>
-      </p:sp>
+            <a:off x="504000" y="1768680"/>
+            <a:ext cx="9072000" cy="4384080"/>
+          </a:xfrm>
+          <a:prstGeom prst="rect">
+            <a:avLst/>
+          </a:prstGeom>
+        </p:spPr>
+        <p:txBody>
+          <a:bodyPr lIns="0" rIns="0" tIns="0" bIns="0"/>
+          <a:p>
+            <a:endParaRPr/>
+          </a:p>
+        </p:txBody>
+      </p:sp>
+      <p:pic>
+        <p:nvPicPr>
+          <p:cNvPr id="34" name="" descr=""/>
+          <p:cNvPicPr/>
+          <p:nvPr/>
+        </p:nvPicPr>
+        <p:blipFill>
+          <a:blip r:embed="rId2"/>
+          <a:stretch/>
+        </p:blipFill>
+        <p:spPr>
+          <a:xfrm>
+            <a:off x="2292480" y="1768680"/>
+            <a:ext cx="5494680" cy="4384080"/>
+          </a:xfrm>
+          <a:prstGeom prst="rect">
+            <a:avLst/>
+          </a:prstGeom>
+          <a:ln>
+            <a:noFill/>
+          </a:ln>
+        </p:spPr>
+      </p:pic>
       <p:pic>
         <p:nvPicPr>
           <p:cNvPr id="35" name="" descr=""/>
@@ -399,35 +425,12 @@
           <p:nvPr/>
         </p:nvPicPr>
         <p:blipFill>
-          <a:blip r:embed="rId2"/>
-          <a:stretch/>
-        </p:blipFill>
-        <p:spPr>
-          <a:xfrm>
-            <a:off x="2292120" y="1769040"/>
-            <a:ext cx="5494680" cy="4384080"/>
-          </a:xfrm>
-          <a:prstGeom prst="rect">
-            <a:avLst/>
-          </a:prstGeom>
-          <a:ln>
-            <a:noFill/>
-          </a:ln>
-        </p:spPr>
-      </p:pic>
-      <p:pic>
-        <p:nvPicPr>
-          <p:cNvPr id="36" name="" descr=""/>
-          <p:cNvPicPr/>
-          <p:nvPr/>
-        </p:nvPicPr>
-        <p:blipFill>
           <a:blip r:embed="rId3"/>
           <a:stretch/>
         </p:blipFill>
         <p:spPr>
           <a:xfrm>
-            <a:off x="2292120" y="1769040"/>
+            <a:off x="2292480" y="1768680"/>
             <a:ext cx="5494680" cy="4384080"/>
           </a:xfrm>
           <a:prstGeom prst="rect">
@@ -484,7 +487,7 @@
       </p:grpSpPr>
       <p:sp>
         <p:nvSpPr>
-          <p:cNvPr id="39" name="PlaceHolder 1"/>
+          <p:cNvPr id="38" name="PlaceHolder 1"/>
           <p:cNvSpPr>
             <a:spLocks noGrp="1"/>
           </p:cNvSpPr>
@@ -495,7 +498,7 @@
         <p:spPr>
           <a:xfrm>
             <a:off x="504000" y="301320"/>
-            <a:ext cx="9071280" cy="1261800"/>
+            <a:ext cx="9072000" cy="1261800"/>
           </a:xfrm>
           <a:prstGeom prst="rect">
             <a:avLst/>
@@ -511,7 +514,7 @@
       </p:sp>
       <p:sp>
         <p:nvSpPr>
-          <p:cNvPr id="40" name="PlaceHolder 2"/>
+          <p:cNvPr id="39" name="PlaceHolder 2"/>
           <p:cNvSpPr>
             <a:spLocks noGrp="1"/>
           </p:cNvSpPr>
@@ -521,8 +524,8 @@
         </p:nvSpPr>
         <p:spPr>
           <a:xfrm>
-            <a:off x="504000" y="1769040"/>
-            <a:ext cx="9071280" cy="4384080"/>
+            <a:off x="504000" y="1768680"/>
+            <a:ext cx="9072000" cy="4384080"/>
           </a:xfrm>
           <a:prstGeom prst="rect">
             <a:avLst/>
@@ -560,7 +563,7 @@
       </p:grpSpPr>
       <p:sp>
         <p:nvSpPr>
-          <p:cNvPr id="41" name="PlaceHolder 1"/>
+          <p:cNvPr id="40" name="PlaceHolder 1"/>
           <p:cNvSpPr>
             <a:spLocks noGrp="1"/>
           </p:cNvSpPr>
@@ -571,7 +574,7 @@
         <p:spPr>
           <a:xfrm>
             <a:off x="504000" y="301320"/>
-            <a:ext cx="9071280" cy="1261800"/>
+            <a:ext cx="9072000" cy="1261800"/>
           </a:xfrm>
           <a:prstGeom prst="rect">
             <a:avLst/>
@@ -587,7 +590,7 @@
       </p:sp>
       <p:sp>
         <p:nvSpPr>
-          <p:cNvPr id="42" name="PlaceHolder 2"/>
+          <p:cNvPr id="41" name="PlaceHolder 2"/>
           <p:cNvSpPr>
             <a:spLocks noGrp="1"/>
           </p:cNvSpPr>
@@ -597,8 +600,8 @@
         </p:nvSpPr>
         <p:spPr>
           <a:xfrm>
-            <a:off x="504000" y="1769040"/>
-            <a:ext cx="9071280" cy="4384080"/>
+            <a:off x="504000" y="1768680"/>
+            <a:ext cx="9072000" cy="4384080"/>
           </a:xfrm>
           <a:prstGeom prst="rect">
             <a:avLst/>
@@ -635,7 +638,7 @@
       </p:grpSpPr>
       <p:sp>
         <p:nvSpPr>
-          <p:cNvPr id="43" name="PlaceHolder 1"/>
+          <p:cNvPr id="42" name="PlaceHolder 1"/>
           <p:cNvSpPr>
             <a:spLocks noGrp="1"/>
           </p:cNvSpPr>
@@ -646,7 +649,7 @@
         <p:spPr>
           <a:xfrm>
             <a:off x="504000" y="301320"/>
-            <a:ext cx="9071280" cy="1261800"/>
+            <a:ext cx="9072000" cy="1261800"/>
           </a:xfrm>
           <a:prstGeom prst="rect">
             <a:avLst/>
@@ -662,7 +665,7 @@
       </p:sp>
       <p:sp>
         <p:nvSpPr>
-          <p:cNvPr id="44" name="PlaceHolder 2"/>
+          <p:cNvPr id="43" name="PlaceHolder 2"/>
           <p:cNvSpPr>
             <a:spLocks noGrp="1"/>
           </p:cNvSpPr>
@@ -672,23 +675,23 @@
         </p:nvSpPr>
         <p:spPr>
           <a:xfrm>
-            <a:off x="504000" y="1769040"/>
-            <a:ext cx="4426560" cy="4384080"/>
-          </a:xfrm>
-          <a:prstGeom prst="rect">
-            <a:avLst/>
-          </a:prstGeom>
-        </p:spPr>
-        <p:txBody>
-          <a:bodyPr lIns="0" rIns="0" tIns="0" bIns="0"/>
-          <a:p>
-            <a:endParaRPr/>
-          </a:p>
-        </p:txBody>
-      </p:sp>
-      <p:sp>
-        <p:nvSpPr>
-          <p:cNvPr id="45" name="PlaceHolder 3"/>
+            <a:off x="504000" y="1768680"/>
+            <a:ext cx="4426920" cy="4384080"/>
+          </a:xfrm>
+          <a:prstGeom prst="rect">
+            <a:avLst/>
+          </a:prstGeom>
+        </p:spPr>
+        <p:txBody>
+          <a:bodyPr lIns="0" rIns="0" tIns="0" bIns="0"/>
+          <a:p>
+            <a:endParaRPr/>
+          </a:p>
+        </p:txBody>
+      </p:sp>
+      <p:sp>
+        <p:nvSpPr>
+          <p:cNvPr id="44" name="PlaceHolder 3"/>
           <p:cNvSpPr>
             <a:spLocks noGrp="1"/>
           </p:cNvSpPr>
@@ -698,8 +701,8 @@
         </p:nvSpPr>
         <p:spPr>
           <a:xfrm>
-            <a:off x="5152320" y="1769040"/>
-            <a:ext cx="4426560" cy="4384080"/>
+            <a:off x="5152680" y="1768680"/>
+            <a:ext cx="4426920" cy="4384080"/>
           </a:xfrm>
           <a:prstGeom prst="rect">
             <a:avLst/>
@@ -736,7 +739,7 @@
       </p:grpSpPr>
       <p:sp>
         <p:nvSpPr>
-          <p:cNvPr id="46" name="PlaceHolder 1"/>
+          <p:cNvPr id="45" name="PlaceHolder 1"/>
           <p:cNvSpPr>
             <a:spLocks noGrp="1"/>
           </p:cNvSpPr>
@@ -747,7 +750,7 @@
         <p:spPr>
           <a:xfrm>
             <a:off x="504000" y="301320"/>
-            <a:ext cx="9071280" cy="1261800"/>
+            <a:ext cx="9072000" cy="1261800"/>
           </a:xfrm>
           <a:prstGeom prst="rect">
             <a:avLst/>
@@ -785,7 +788,7 @@
       </p:grpSpPr>
       <p:sp>
         <p:nvSpPr>
-          <p:cNvPr id="47" name="PlaceHolder 1"/>
+          <p:cNvPr id="46" name="PlaceHolder 1"/>
           <p:cNvSpPr>
             <a:spLocks noGrp="1"/>
           </p:cNvSpPr>
@@ -796,7 +799,7 @@
         <p:spPr>
           <a:xfrm>
             <a:off x="504000" y="301320"/>
-            <a:ext cx="9071280" cy="5850360"/>
+            <a:ext cx="9072000" cy="5850360"/>
           </a:xfrm>
           <a:prstGeom prst="rect">
             <a:avLst/>
@@ -834,7 +837,7 @@
       </p:grpSpPr>
       <p:sp>
         <p:nvSpPr>
-          <p:cNvPr id="48" name="PlaceHolder 1"/>
+          <p:cNvPr id="47" name="PlaceHolder 1"/>
           <p:cNvSpPr>
             <a:spLocks noGrp="1"/>
           </p:cNvSpPr>
@@ -845,7 +848,7 @@
         <p:spPr>
           <a:xfrm>
             <a:off x="504000" y="301320"/>
-            <a:ext cx="9071280" cy="1261800"/>
+            <a:ext cx="9072000" cy="1261800"/>
           </a:xfrm>
           <a:prstGeom prst="rect">
             <a:avLst/>
@@ -861,7 +864,7 @@
       </p:sp>
       <p:sp>
         <p:nvSpPr>
-          <p:cNvPr id="49" name="PlaceHolder 2"/>
+          <p:cNvPr id="48" name="PlaceHolder 2"/>
           <p:cNvSpPr>
             <a:spLocks noGrp="1"/>
           </p:cNvSpPr>
@@ -871,23 +874,23 @@
         </p:nvSpPr>
         <p:spPr>
           <a:xfrm>
-            <a:off x="504000" y="1769040"/>
-            <a:ext cx="4426560" cy="2090880"/>
-          </a:xfrm>
-          <a:prstGeom prst="rect">
-            <a:avLst/>
-          </a:prstGeom>
-        </p:spPr>
-        <p:txBody>
-          <a:bodyPr lIns="0" rIns="0" tIns="0" bIns="0"/>
-          <a:p>
-            <a:endParaRPr/>
-          </a:p>
-        </p:txBody>
-      </p:sp>
-      <p:sp>
-        <p:nvSpPr>
-          <p:cNvPr id="50" name="PlaceHolder 3"/>
+            <a:off x="504000" y="1768680"/>
+            <a:ext cx="4426920" cy="2090880"/>
+          </a:xfrm>
+          <a:prstGeom prst="rect">
+            <a:avLst/>
+          </a:prstGeom>
+        </p:spPr>
+        <p:txBody>
+          <a:bodyPr lIns="0" rIns="0" tIns="0" bIns="0"/>
+          <a:p>
+            <a:endParaRPr/>
+          </a:p>
+        </p:txBody>
+      </p:sp>
+      <p:sp>
+        <p:nvSpPr>
+          <p:cNvPr id="49" name="PlaceHolder 3"/>
           <p:cNvSpPr>
             <a:spLocks noGrp="1"/>
           </p:cNvSpPr>
@@ -897,23 +900,23 @@
         </p:nvSpPr>
         <p:spPr>
           <a:xfrm>
-            <a:off x="504000" y="4059000"/>
-            <a:ext cx="4426560" cy="2090880"/>
-          </a:xfrm>
-          <a:prstGeom prst="rect">
-            <a:avLst/>
-          </a:prstGeom>
-        </p:spPr>
-        <p:txBody>
-          <a:bodyPr lIns="0" rIns="0" tIns="0" bIns="0"/>
-          <a:p>
-            <a:endParaRPr/>
-          </a:p>
-        </p:txBody>
-      </p:sp>
-      <p:sp>
-        <p:nvSpPr>
-          <p:cNvPr id="51" name="PlaceHolder 4"/>
+            <a:off x="504000" y="4058640"/>
+            <a:ext cx="4426920" cy="2090880"/>
+          </a:xfrm>
+          <a:prstGeom prst="rect">
+            <a:avLst/>
+          </a:prstGeom>
+        </p:spPr>
+        <p:txBody>
+          <a:bodyPr lIns="0" rIns="0" tIns="0" bIns="0"/>
+          <a:p>
+            <a:endParaRPr/>
+          </a:p>
+        </p:txBody>
+      </p:sp>
+      <p:sp>
+        <p:nvSpPr>
+          <p:cNvPr id="50" name="PlaceHolder 4"/>
           <p:cNvSpPr>
             <a:spLocks noGrp="1"/>
           </p:cNvSpPr>
@@ -923,8 +926,8 @@
         </p:nvSpPr>
         <p:spPr>
           <a:xfrm>
-            <a:off x="5152320" y="1769040"/>
-            <a:ext cx="4426560" cy="4384080"/>
+            <a:off x="5152680" y="1768680"/>
+            <a:ext cx="4426920" cy="4384080"/>
           </a:xfrm>
           <a:prstGeom prst="rect">
             <a:avLst/>
@@ -961,7 +964,7 @@
       </p:grpSpPr>
       <p:sp>
         <p:nvSpPr>
-          <p:cNvPr id="3" name="PlaceHolder 1"/>
+          <p:cNvPr id="2" name="PlaceHolder 1"/>
           <p:cNvSpPr>
             <a:spLocks noGrp="1"/>
           </p:cNvSpPr>
@@ -972,7 +975,7 @@
         <p:spPr>
           <a:xfrm>
             <a:off x="504000" y="301320"/>
-            <a:ext cx="9071280" cy="1261800"/>
+            <a:ext cx="9072000" cy="1261800"/>
           </a:xfrm>
           <a:prstGeom prst="rect">
             <a:avLst/>
@@ -988,7 +991,7 @@
       </p:sp>
       <p:sp>
         <p:nvSpPr>
-          <p:cNvPr id="4" name="PlaceHolder 2"/>
+          <p:cNvPr id="3" name="PlaceHolder 2"/>
           <p:cNvSpPr>
             <a:spLocks noGrp="1"/>
           </p:cNvSpPr>
@@ -998,8 +1001,8 @@
         </p:nvSpPr>
         <p:spPr>
           <a:xfrm>
-            <a:off x="504000" y="1769040"/>
-            <a:ext cx="9071280" cy="4384080"/>
+            <a:off x="504000" y="1768680"/>
+            <a:ext cx="9072000" cy="4384080"/>
           </a:xfrm>
           <a:prstGeom prst="rect">
             <a:avLst/>
@@ -1037,7 +1040,7 @@
       </p:grpSpPr>
       <p:sp>
         <p:nvSpPr>
-          <p:cNvPr id="52" name="PlaceHolder 1"/>
+          <p:cNvPr id="51" name="PlaceHolder 1"/>
           <p:cNvSpPr>
             <a:spLocks noGrp="1"/>
           </p:cNvSpPr>
@@ -1048,7 +1051,7 @@
         <p:spPr>
           <a:xfrm>
             <a:off x="504000" y="301320"/>
-            <a:ext cx="9071280" cy="1261800"/>
+            <a:ext cx="9072000" cy="1261800"/>
           </a:xfrm>
           <a:prstGeom prst="rect">
             <a:avLst/>
@@ -1064,7 +1067,7 @@
       </p:sp>
       <p:sp>
         <p:nvSpPr>
-          <p:cNvPr id="53" name="PlaceHolder 2"/>
+          <p:cNvPr id="52" name="PlaceHolder 2"/>
           <p:cNvSpPr>
             <a:spLocks noGrp="1"/>
           </p:cNvSpPr>
@@ -1074,23 +1077,23 @@
         </p:nvSpPr>
         <p:spPr>
           <a:xfrm>
-            <a:off x="504000" y="1769040"/>
-            <a:ext cx="4426560" cy="4384080"/>
-          </a:xfrm>
-          <a:prstGeom prst="rect">
-            <a:avLst/>
-          </a:prstGeom>
-        </p:spPr>
-        <p:txBody>
-          <a:bodyPr lIns="0" rIns="0" tIns="0" bIns="0"/>
-          <a:p>
-            <a:endParaRPr/>
-          </a:p>
-        </p:txBody>
-      </p:sp>
-      <p:sp>
-        <p:nvSpPr>
-          <p:cNvPr id="54" name="PlaceHolder 3"/>
+            <a:off x="504000" y="1768680"/>
+            <a:ext cx="4426920" cy="4384080"/>
+          </a:xfrm>
+          <a:prstGeom prst="rect">
+            <a:avLst/>
+          </a:prstGeom>
+        </p:spPr>
+        <p:txBody>
+          <a:bodyPr lIns="0" rIns="0" tIns="0" bIns="0"/>
+          <a:p>
+            <a:endParaRPr/>
+          </a:p>
+        </p:txBody>
+      </p:sp>
+      <p:sp>
+        <p:nvSpPr>
+          <p:cNvPr id="53" name="PlaceHolder 3"/>
           <p:cNvSpPr>
             <a:spLocks noGrp="1"/>
           </p:cNvSpPr>
@@ -1100,23 +1103,23 @@
         </p:nvSpPr>
         <p:spPr>
           <a:xfrm>
-            <a:off x="5152320" y="1769040"/>
-            <a:ext cx="4426560" cy="2090880"/>
-          </a:xfrm>
-          <a:prstGeom prst="rect">
-            <a:avLst/>
-          </a:prstGeom>
-        </p:spPr>
-        <p:txBody>
-          <a:bodyPr lIns="0" rIns="0" tIns="0" bIns="0"/>
-          <a:p>
-            <a:endParaRPr/>
-          </a:p>
-        </p:txBody>
-      </p:sp>
-      <p:sp>
-        <p:nvSpPr>
-          <p:cNvPr id="55" name="PlaceHolder 4"/>
+            <a:off x="5152680" y="1768680"/>
+            <a:ext cx="4426920" cy="2090880"/>
+          </a:xfrm>
+          <a:prstGeom prst="rect">
+            <a:avLst/>
+          </a:prstGeom>
+        </p:spPr>
+        <p:txBody>
+          <a:bodyPr lIns="0" rIns="0" tIns="0" bIns="0"/>
+          <a:p>
+            <a:endParaRPr/>
+          </a:p>
+        </p:txBody>
+      </p:sp>
+      <p:sp>
+        <p:nvSpPr>
+          <p:cNvPr id="54" name="PlaceHolder 4"/>
           <p:cNvSpPr>
             <a:spLocks noGrp="1"/>
           </p:cNvSpPr>
@@ -1126,8 +1129,8 @@
         </p:nvSpPr>
         <p:spPr>
           <a:xfrm>
-            <a:off x="5152320" y="4059000"/>
-            <a:ext cx="4426560" cy="2090880"/>
+            <a:off x="5152680" y="4058640"/>
+            <a:ext cx="4426920" cy="2090880"/>
           </a:xfrm>
           <a:prstGeom prst="rect">
             <a:avLst/>
@@ -1164,7 +1167,7 @@
       </p:grpSpPr>
       <p:sp>
         <p:nvSpPr>
-          <p:cNvPr id="56" name="PlaceHolder 1"/>
+          <p:cNvPr id="55" name="PlaceHolder 1"/>
           <p:cNvSpPr>
             <a:spLocks noGrp="1"/>
           </p:cNvSpPr>
@@ -1175,7 +1178,7 @@
         <p:spPr>
           <a:xfrm>
             <a:off x="504000" y="301320"/>
-            <a:ext cx="9071280" cy="1261800"/>
+            <a:ext cx="9072000" cy="1261800"/>
           </a:xfrm>
           <a:prstGeom prst="rect">
             <a:avLst/>
@@ -1191,7 +1194,7 @@
       </p:sp>
       <p:sp>
         <p:nvSpPr>
-          <p:cNvPr id="57" name="PlaceHolder 2"/>
+          <p:cNvPr id="56" name="PlaceHolder 2"/>
           <p:cNvSpPr>
             <a:spLocks noGrp="1"/>
           </p:cNvSpPr>
@@ -1201,23 +1204,23 @@
         </p:nvSpPr>
         <p:spPr>
           <a:xfrm>
-            <a:off x="504000" y="1769040"/>
-            <a:ext cx="4426560" cy="2090880"/>
-          </a:xfrm>
-          <a:prstGeom prst="rect">
-            <a:avLst/>
-          </a:prstGeom>
-        </p:spPr>
-        <p:txBody>
-          <a:bodyPr lIns="0" rIns="0" tIns="0" bIns="0"/>
-          <a:p>
-            <a:endParaRPr/>
-          </a:p>
-        </p:txBody>
-      </p:sp>
-      <p:sp>
-        <p:nvSpPr>
-          <p:cNvPr id="58" name="PlaceHolder 3"/>
+            <a:off x="504000" y="1768680"/>
+            <a:ext cx="4426920" cy="2090880"/>
+          </a:xfrm>
+          <a:prstGeom prst="rect">
+            <a:avLst/>
+          </a:prstGeom>
+        </p:spPr>
+        <p:txBody>
+          <a:bodyPr lIns="0" rIns="0" tIns="0" bIns="0"/>
+          <a:p>
+            <a:endParaRPr/>
+          </a:p>
+        </p:txBody>
+      </p:sp>
+      <p:sp>
+        <p:nvSpPr>
+          <p:cNvPr id="57" name="PlaceHolder 3"/>
           <p:cNvSpPr>
             <a:spLocks noGrp="1"/>
           </p:cNvSpPr>
@@ -1227,23 +1230,23 @@
         </p:nvSpPr>
         <p:spPr>
           <a:xfrm>
-            <a:off x="5152320" y="1769040"/>
-            <a:ext cx="4426560" cy="2090880"/>
-          </a:xfrm>
-          <a:prstGeom prst="rect">
-            <a:avLst/>
-          </a:prstGeom>
-        </p:spPr>
-        <p:txBody>
-          <a:bodyPr lIns="0" rIns="0" tIns="0" bIns="0"/>
-          <a:p>
-            <a:endParaRPr/>
-          </a:p>
-        </p:txBody>
-      </p:sp>
-      <p:sp>
-        <p:nvSpPr>
-          <p:cNvPr id="59" name="PlaceHolder 4"/>
+            <a:off x="5152680" y="1768680"/>
+            <a:ext cx="4426920" cy="2090880"/>
+          </a:xfrm>
+          <a:prstGeom prst="rect">
+            <a:avLst/>
+          </a:prstGeom>
+        </p:spPr>
+        <p:txBody>
+          <a:bodyPr lIns="0" rIns="0" tIns="0" bIns="0"/>
+          <a:p>
+            <a:endParaRPr/>
+          </a:p>
+        </p:txBody>
+      </p:sp>
+      <p:sp>
+        <p:nvSpPr>
+          <p:cNvPr id="58" name="PlaceHolder 4"/>
           <p:cNvSpPr>
             <a:spLocks noGrp="1"/>
           </p:cNvSpPr>
@@ -1253,8 +1256,8 @@
         </p:nvSpPr>
         <p:spPr>
           <a:xfrm>
-            <a:off x="504000" y="4059000"/>
-            <a:ext cx="9071280" cy="2090880"/>
+            <a:off x="504000" y="4058640"/>
+            <a:ext cx="9072000" cy="2090880"/>
           </a:xfrm>
           <a:prstGeom prst="rect">
             <a:avLst/>
@@ -1291,7 +1294,7 @@
       </p:grpSpPr>
       <p:sp>
         <p:nvSpPr>
-          <p:cNvPr id="60" name="PlaceHolder 1"/>
+          <p:cNvPr id="59" name="PlaceHolder 1"/>
           <p:cNvSpPr>
             <a:spLocks noGrp="1"/>
           </p:cNvSpPr>
@@ -1302,7 +1305,7 @@
         <p:spPr>
           <a:xfrm>
             <a:off x="504000" y="301320"/>
-            <a:ext cx="9071280" cy="1261800"/>
+            <a:ext cx="9072000" cy="1261800"/>
           </a:xfrm>
           <a:prstGeom prst="rect">
             <a:avLst/>
@@ -1318,7 +1321,7 @@
       </p:sp>
       <p:sp>
         <p:nvSpPr>
-          <p:cNvPr id="61" name="PlaceHolder 2"/>
+          <p:cNvPr id="60" name="PlaceHolder 2"/>
           <p:cNvSpPr>
             <a:spLocks noGrp="1"/>
           </p:cNvSpPr>
@@ -1328,23 +1331,23 @@
         </p:nvSpPr>
         <p:spPr>
           <a:xfrm>
-            <a:off x="504000" y="1769040"/>
-            <a:ext cx="9071280" cy="2090880"/>
-          </a:xfrm>
-          <a:prstGeom prst="rect">
-            <a:avLst/>
-          </a:prstGeom>
-        </p:spPr>
-        <p:txBody>
-          <a:bodyPr lIns="0" rIns="0" tIns="0" bIns="0"/>
-          <a:p>
-            <a:endParaRPr/>
-          </a:p>
-        </p:txBody>
-      </p:sp>
-      <p:sp>
-        <p:nvSpPr>
-          <p:cNvPr id="62" name="PlaceHolder 3"/>
+            <a:off x="504000" y="1768680"/>
+            <a:ext cx="9072000" cy="2090880"/>
+          </a:xfrm>
+          <a:prstGeom prst="rect">
+            <a:avLst/>
+          </a:prstGeom>
+        </p:spPr>
+        <p:txBody>
+          <a:bodyPr lIns="0" rIns="0" tIns="0" bIns="0"/>
+          <a:p>
+            <a:endParaRPr/>
+          </a:p>
+        </p:txBody>
+      </p:sp>
+      <p:sp>
+        <p:nvSpPr>
+          <p:cNvPr id="61" name="PlaceHolder 3"/>
           <p:cNvSpPr>
             <a:spLocks noGrp="1"/>
           </p:cNvSpPr>
@@ -1354,8 +1357,8 @@
         </p:nvSpPr>
         <p:spPr>
           <a:xfrm>
-            <a:off x="504000" y="4059000"/>
-            <a:ext cx="9071280" cy="2090880"/>
+            <a:off x="504000" y="4058640"/>
+            <a:ext cx="9072000" cy="2090880"/>
           </a:xfrm>
           <a:prstGeom prst="rect">
             <a:avLst/>
@@ -1392,7 +1395,7 @@
       </p:grpSpPr>
       <p:sp>
         <p:nvSpPr>
-          <p:cNvPr id="63" name="PlaceHolder 1"/>
+          <p:cNvPr id="62" name="PlaceHolder 1"/>
           <p:cNvSpPr>
             <a:spLocks noGrp="1"/>
           </p:cNvSpPr>
@@ -1403,7 +1406,7 @@
         <p:spPr>
           <a:xfrm>
             <a:off x="504000" y="301320"/>
-            <a:ext cx="9071280" cy="1261800"/>
+            <a:ext cx="9072000" cy="1261800"/>
           </a:xfrm>
           <a:prstGeom prst="rect">
             <a:avLst/>
@@ -1419,7 +1422,7 @@
       </p:sp>
       <p:sp>
         <p:nvSpPr>
-          <p:cNvPr id="64" name="PlaceHolder 2"/>
+          <p:cNvPr id="63" name="PlaceHolder 2"/>
           <p:cNvSpPr>
             <a:spLocks noGrp="1"/>
           </p:cNvSpPr>
@@ -1429,23 +1432,23 @@
         </p:nvSpPr>
         <p:spPr>
           <a:xfrm>
-            <a:off x="504000" y="1769040"/>
-            <a:ext cx="4426560" cy="2090880"/>
-          </a:xfrm>
-          <a:prstGeom prst="rect">
-            <a:avLst/>
-          </a:prstGeom>
-        </p:spPr>
-        <p:txBody>
-          <a:bodyPr lIns="0" rIns="0" tIns="0" bIns="0"/>
-          <a:p>
-            <a:endParaRPr/>
-          </a:p>
-        </p:txBody>
-      </p:sp>
-      <p:sp>
-        <p:nvSpPr>
-          <p:cNvPr id="65" name="PlaceHolder 3"/>
+            <a:off x="504000" y="1768680"/>
+            <a:ext cx="4426920" cy="2090880"/>
+          </a:xfrm>
+          <a:prstGeom prst="rect">
+            <a:avLst/>
+          </a:prstGeom>
+        </p:spPr>
+        <p:txBody>
+          <a:bodyPr lIns="0" rIns="0" tIns="0" bIns="0"/>
+          <a:p>
+            <a:endParaRPr/>
+          </a:p>
+        </p:txBody>
+      </p:sp>
+      <p:sp>
+        <p:nvSpPr>
+          <p:cNvPr id="64" name="PlaceHolder 3"/>
           <p:cNvSpPr>
             <a:spLocks noGrp="1"/>
           </p:cNvSpPr>
@@ -1455,23 +1458,23 @@
         </p:nvSpPr>
         <p:spPr>
           <a:xfrm>
-            <a:off x="5152320" y="1769040"/>
-            <a:ext cx="4426560" cy="2090880"/>
-          </a:xfrm>
-          <a:prstGeom prst="rect">
-            <a:avLst/>
-          </a:prstGeom>
-        </p:spPr>
-        <p:txBody>
-          <a:bodyPr lIns="0" rIns="0" tIns="0" bIns="0"/>
-          <a:p>
-            <a:endParaRPr/>
-          </a:p>
-        </p:txBody>
-      </p:sp>
-      <p:sp>
-        <p:nvSpPr>
-          <p:cNvPr id="66" name="PlaceHolder 4"/>
+            <a:off x="5152680" y="1768680"/>
+            <a:ext cx="4426920" cy="2090880"/>
+          </a:xfrm>
+          <a:prstGeom prst="rect">
+            <a:avLst/>
+          </a:prstGeom>
+        </p:spPr>
+        <p:txBody>
+          <a:bodyPr lIns="0" rIns="0" tIns="0" bIns="0"/>
+          <a:p>
+            <a:endParaRPr/>
+          </a:p>
+        </p:txBody>
+      </p:sp>
+      <p:sp>
+        <p:nvSpPr>
+          <p:cNvPr id="65" name="PlaceHolder 4"/>
           <p:cNvSpPr>
             <a:spLocks noGrp="1"/>
           </p:cNvSpPr>
@@ -1481,23 +1484,23 @@
         </p:nvSpPr>
         <p:spPr>
           <a:xfrm>
-            <a:off x="5152320" y="4059000"/>
-            <a:ext cx="4426560" cy="2090880"/>
-          </a:xfrm>
-          <a:prstGeom prst="rect">
-            <a:avLst/>
-          </a:prstGeom>
-        </p:spPr>
-        <p:txBody>
-          <a:bodyPr lIns="0" rIns="0" tIns="0" bIns="0"/>
-          <a:p>
-            <a:endParaRPr/>
-          </a:p>
-        </p:txBody>
-      </p:sp>
-      <p:sp>
-        <p:nvSpPr>
-          <p:cNvPr id="67" name="PlaceHolder 5"/>
+            <a:off x="5152680" y="4058640"/>
+            <a:ext cx="4426920" cy="2090880"/>
+          </a:xfrm>
+          <a:prstGeom prst="rect">
+            <a:avLst/>
+          </a:prstGeom>
+        </p:spPr>
+        <p:txBody>
+          <a:bodyPr lIns="0" rIns="0" tIns="0" bIns="0"/>
+          <a:p>
+            <a:endParaRPr/>
+          </a:p>
+        </p:txBody>
+      </p:sp>
+      <p:sp>
+        <p:nvSpPr>
+          <p:cNvPr id="66" name="PlaceHolder 5"/>
           <p:cNvSpPr>
             <a:spLocks noGrp="1"/>
           </p:cNvSpPr>
@@ -1507,8 +1510,8 @@
         </p:nvSpPr>
         <p:spPr>
           <a:xfrm>
-            <a:off x="504000" y="4059000"/>
-            <a:ext cx="4426560" cy="2090880"/>
+            <a:off x="504000" y="4058640"/>
+            <a:ext cx="4426920" cy="2090880"/>
           </a:xfrm>
           <a:prstGeom prst="rect">
             <a:avLst/>
@@ -1545,7 +1548,7 @@
       </p:grpSpPr>
       <p:sp>
         <p:nvSpPr>
-          <p:cNvPr id="68" name="PlaceHolder 1"/>
+          <p:cNvPr id="67" name="PlaceHolder 1"/>
           <p:cNvSpPr>
             <a:spLocks noGrp="1"/>
           </p:cNvSpPr>
@@ -1556,7 +1559,7 @@
         <p:spPr>
           <a:xfrm>
             <a:off x="504000" y="301320"/>
-            <a:ext cx="9071280" cy="1261800"/>
+            <a:ext cx="9072000" cy="1261800"/>
           </a:xfrm>
           <a:prstGeom prst="rect">
             <a:avLst/>
@@ -1572,7 +1575,7 @@
       </p:sp>
       <p:sp>
         <p:nvSpPr>
-          <p:cNvPr id="69" name="PlaceHolder 2"/>
+          <p:cNvPr id="68" name="PlaceHolder 2"/>
           <p:cNvSpPr>
             <a:spLocks noGrp="1"/>
           </p:cNvSpPr>
@@ -1582,23 +1585,23 @@
         </p:nvSpPr>
         <p:spPr>
           <a:xfrm>
-            <a:off x="504000" y="1769040"/>
-            <a:ext cx="9071280" cy="4384080"/>
-          </a:xfrm>
-          <a:prstGeom prst="rect">
-            <a:avLst/>
-          </a:prstGeom>
-        </p:spPr>
-        <p:txBody>
-          <a:bodyPr lIns="0" rIns="0" tIns="0" bIns="0"/>
-          <a:p>
-            <a:endParaRPr/>
-          </a:p>
-        </p:txBody>
-      </p:sp>
-      <p:sp>
-        <p:nvSpPr>
-          <p:cNvPr id="70" name="PlaceHolder 3"/>
+            <a:off x="504000" y="1768680"/>
+            <a:ext cx="9072000" cy="4384080"/>
+          </a:xfrm>
+          <a:prstGeom prst="rect">
+            <a:avLst/>
+          </a:prstGeom>
+        </p:spPr>
+        <p:txBody>
+          <a:bodyPr lIns="0" rIns="0" tIns="0" bIns="0"/>
+          <a:p>
+            <a:endParaRPr/>
+          </a:p>
+        </p:txBody>
+      </p:sp>
+      <p:sp>
+        <p:nvSpPr>
+          <p:cNvPr id="69" name="PlaceHolder 3"/>
           <p:cNvSpPr>
             <a:spLocks noGrp="1"/>
           </p:cNvSpPr>
@@ -1608,20 +1611,43 @@
         </p:nvSpPr>
         <p:spPr>
           <a:xfrm>
-            <a:off x="504000" y="1769040"/>
-            <a:ext cx="9071280" cy="4384080"/>
-          </a:xfrm>
-          <a:prstGeom prst="rect">
-            <a:avLst/>
-          </a:prstGeom>
-        </p:spPr>
-        <p:txBody>
-          <a:bodyPr lIns="0" rIns="0" tIns="0" bIns="0"/>
-          <a:p>
-            <a:endParaRPr/>
-          </a:p>
-        </p:txBody>
-      </p:sp>
+            <a:off x="504000" y="1768680"/>
+            <a:ext cx="9072000" cy="4384080"/>
+          </a:xfrm>
+          <a:prstGeom prst="rect">
+            <a:avLst/>
+          </a:prstGeom>
+        </p:spPr>
+        <p:txBody>
+          <a:bodyPr lIns="0" rIns="0" tIns="0" bIns="0"/>
+          <a:p>
+            <a:endParaRPr/>
+          </a:p>
+        </p:txBody>
+      </p:sp>
+      <p:pic>
+        <p:nvPicPr>
+          <p:cNvPr id="70" name="" descr=""/>
+          <p:cNvPicPr/>
+          <p:nvPr/>
+        </p:nvPicPr>
+        <p:blipFill>
+          <a:blip r:embed="rId2"/>
+          <a:stretch/>
+        </p:blipFill>
+        <p:spPr>
+          <a:xfrm>
+            <a:off x="2292480" y="1768680"/>
+            <a:ext cx="5494680" cy="4384080"/>
+          </a:xfrm>
+          <a:prstGeom prst="rect">
+            <a:avLst/>
+          </a:prstGeom>
+          <a:ln>
+            <a:noFill/>
+          </a:ln>
+        </p:spPr>
+      </p:pic>
       <p:pic>
         <p:nvPicPr>
           <p:cNvPr id="71" name="" descr=""/>
@@ -1629,12 +1655,12 @@
           <p:nvPr/>
         </p:nvPicPr>
         <p:blipFill>
-          <a:blip r:embed="rId2"/>
+          <a:blip r:embed="rId3"/>
           <a:stretch/>
         </p:blipFill>
         <p:spPr>
           <a:xfrm>
-            <a:off x="2292120" y="1769040"/>
+            <a:off x="2292480" y="1768680"/>
             <a:ext cx="5494680" cy="4384080"/>
           </a:xfrm>
           <a:prstGeom prst="rect">
@@ -1645,29 +1671,329 @@
           </a:ln>
         </p:spPr>
       </p:pic>
-      <p:pic>
-        <p:nvPicPr>
-          <p:cNvPr id="72" name="" descr=""/>
-          <p:cNvPicPr/>
-          <p:nvPr/>
-        </p:nvPicPr>
-        <p:blipFill>
-          <a:blip r:embed="rId3"/>
-          <a:stretch/>
-        </p:blipFill>
-        <p:spPr>
-          <a:xfrm>
-            <a:off x="2292120" y="1769040"/>
-            <a:ext cx="5494680" cy="4384080"/>
-          </a:xfrm>
-          <a:prstGeom prst="rect">
-            <a:avLst/>
-          </a:prstGeom>
-          <a:ln>
-            <a:noFill/>
-          </a:ln>
-        </p:spPr>
-      </p:pic>
+    </p:spTree>
+  </p:cSld>
+</p:sldLayout>
+</file>
+
+<file path=ppt/slideLayouts/slideLayout25.xml><?xml version="1.0" encoding="utf-8"?>
+<p:sldLayout xmlns:a="http://schemas.openxmlformats.org/drawingml/2006/main" xmlns:p="http://schemas.openxmlformats.org/presentationml/2006/main" xmlns:r="http://schemas.openxmlformats.org/officeDocument/2006/relationships" type="blank" preserve="1">
+  <p:cSld name="Blank Slide">
+    <p:spTree>
+      <p:nvGrpSpPr>
+        <p:cNvPr id="1" name=""/>
+        <p:cNvGrpSpPr/>
+        <p:nvPr/>
+      </p:nvGrpSpPr>
+      <p:grpSpPr>
+        <a:xfrm>
+          <a:off x="0" y="0"/>
+          <a:ext cx="0" cy="0"/>
+          <a:chOff x="0" y="0"/>
+          <a:chExt cx="0" cy="0"/>
+        </a:xfrm>
+      </p:grpSpPr>
+    </p:spTree>
+  </p:cSld>
+</p:sldLayout>
+</file>
+
+<file path=ppt/slideLayouts/slideLayout26.xml><?xml version="1.0" encoding="utf-8"?>
+<p:sldLayout xmlns:a="http://schemas.openxmlformats.org/drawingml/2006/main" xmlns:p="http://schemas.openxmlformats.org/presentationml/2006/main" xmlns:r="http://schemas.openxmlformats.org/officeDocument/2006/relationships" type="tx" preserve="1">
+  <p:cSld name="Title Slide">
+    <p:spTree>
+      <p:nvGrpSpPr>
+        <p:cNvPr id="1" name=""/>
+        <p:cNvGrpSpPr/>
+        <p:nvPr/>
+      </p:nvGrpSpPr>
+      <p:grpSpPr>
+        <a:xfrm>
+          <a:off x="0" y="0"/>
+          <a:ext cx="0" cy="0"/>
+          <a:chOff x="0" y="0"/>
+          <a:chExt cx="0" cy="0"/>
+        </a:xfrm>
+      </p:grpSpPr>
+      <p:sp>
+        <p:nvSpPr>
+          <p:cNvPr id="77" name="PlaceHolder 1"/>
+          <p:cNvSpPr>
+            <a:spLocks noGrp="1"/>
+          </p:cNvSpPr>
+          <p:nvPr>
+            <p:ph type="title"/>
+          </p:nvPr>
+        </p:nvSpPr>
+        <p:spPr>
+          <a:xfrm>
+            <a:off x="504000" y="301320"/>
+            <a:ext cx="9072000" cy="1261800"/>
+          </a:xfrm>
+          <a:prstGeom prst="rect">
+            <a:avLst/>
+          </a:prstGeom>
+        </p:spPr>
+        <p:txBody>
+          <a:bodyPr lIns="0" rIns="0" tIns="0" bIns="0" anchor="ctr"/>
+          <a:p>
+            <a:pPr algn="ctr"/>
+            <a:endParaRPr/>
+          </a:p>
+        </p:txBody>
+      </p:sp>
+      <p:sp>
+        <p:nvSpPr>
+          <p:cNvPr id="78" name="PlaceHolder 2"/>
+          <p:cNvSpPr>
+            <a:spLocks noGrp="1"/>
+          </p:cNvSpPr>
+          <p:nvPr>
+            <p:ph type="subTitle"/>
+          </p:nvPr>
+        </p:nvSpPr>
+        <p:spPr>
+          <a:xfrm>
+            <a:off x="504000" y="1768680"/>
+            <a:ext cx="9072000" cy="4384080"/>
+          </a:xfrm>
+          <a:prstGeom prst="rect">
+            <a:avLst/>
+          </a:prstGeom>
+        </p:spPr>
+        <p:txBody>
+          <a:bodyPr lIns="0" rIns="0" tIns="0" bIns="0" anchor="ctr"/>
+          <a:p>
+            <a:pPr algn="ctr"/>
+            <a:endParaRPr/>
+          </a:p>
+        </p:txBody>
+      </p:sp>
+    </p:spTree>
+  </p:cSld>
+</p:sldLayout>
+</file>
+
+<file path=ppt/slideLayouts/slideLayout27.xml><?xml version="1.0" encoding="utf-8"?>
+<p:sldLayout xmlns:a="http://schemas.openxmlformats.org/drawingml/2006/main" xmlns:p="http://schemas.openxmlformats.org/presentationml/2006/main" xmlns:r="http://schemas.openxmlformats.org/officeDocument/2006/relationships" type="obj" preserve="1">
+  <p:cSld name="Title, Content">
+    <p:spTree>
+      <p:nvGrpSpPr>
+        <p:cNvPr id="1" name=""/>
+        <p:cNvGrpSpPr/>
+        <p:nvPr/>
+      </p:nvGrpSpPr>
+      <p:grpSpPr>
+        <a:xfrm>
+          <a:off x="0" y="0"/>
+          <a:ext cx="0" cy="0"/>
+          <a:chOff x="0" y="0"/>
+          <a:chExt cx="0" cy="0"/>
+        </a:xfrm>
+      </p:grpSpPr>
+      <p:sp>
+        <p:nvSpPr>
+          <p:cNvPr id="79" name="PlaceHolder 1"/>
+          <p:cNvSpPr>
+            <a:spLocks noGrp="1"/>
+          </p:cNvSpPr>
+          <p:nvPr>
+            <p:ph type="title"/>
+          </p:nvPr>
+        </p:nvSpPr>
+        <p:spPr>
+          <a:xfrm>
+            <a:off x="504000" y="301320"/>
+            <a:ext cx="9072000" cy="1261800"/>
+          </a:xfrm>
+          <a:prstGeom prst="rect">
+            <a:avLst/>
+          </a:prstGeom>
+        </p:spPr>
+        <p:txBody>
+          <a:bodyPr lIns="0" rIns="0" tIns="0" bIns="0" anchor="ctr"/>
+          <a:p>
+            <a:pPr algn="ctr"/>
+            <a:endParaRPr/>
+          </a:p>
+        </p:txBody>
+      </p:sp>
+      <p:sp>
+        <p:nvSpPr>
+          <p:cNvPr id="80" name="PlaceHolder 2"/>
+          <p:cNvSpPr>
+            <a:spLocks noGrp="1"/>
+          </p:cNvSpPr>
+          <p:nvPr>
+            <p:ph type="body"/>
+          </p:nvPr>
+        </p:nvSpPr>
+        <p:spPr>
+          <a:xfrm>
+            <a:off x="504000" y="1768680"/>
+            <a:ext cx="9072000" cy="4384080"/>
+          </a:xfrm>
+          <a:prstGeom prst="rect">
+            <a:avLst/>
+          </a:prstGeom>
+        </p:spPr>
+        <p:txBody>
+          <a:bodyPr lIns="0" rIns="0" tIns="0" bIns="0"/>
+          <a:p>
+            <a:endParaRPr/>
+          </a:p>
+        </p:txBody>
+      </p:sp>
+    </p:spTree>
+  </p:cSld>
+</p:sldLayout>
+</file>
+
+<file path=ppt/slideLayouts/slideLayout28.xml><?xml version="1.0" encoding="utf-8"?>
+<p:sldLayout xmlns:a="http://schemas.openxmlformats.org/drawingml/2006/main" xmlns:p="http://schemas.openxmlformats.org/presentationml/2006/main" xmlns:r="http://schemas.openxmlformats.org/officeDocument/2006/relationships" type="twoObj" preserve="1">
+  <p:cSld name="Title, 2 Content">
+    <p:spTree>
+      <p:nvGrpSpPr>
+        <p:cNvPr id="1" name=""/>
+        <p:cNvGrpSpPr/>
+        <p:nvPr/>
+      </p:nvGrpSpPr>
+      <p:grpSpPr>
+        <a:xfrm>
+          <a:off x="0" y="0"/>
+          <a:ext cx="0" cy="0"/>
+          <a:chOff x="0" y="0"/>
+          <a:chExt cx="0" cy="0"/>
+        </a:xfrm>
+      </p:grpSpPr>
+      <p:sp>
+        <p:nvSpPr>
+          <p:cNvPr id="81" name="PlaceHolder 1"/>
+          <p:cNvSpPr>
+            <a:spLocks noGrp="1"/>
+          </p:cNvSpPr>
+          <p:nvPr>
+            <p:ph type="title"/>
+          </p:nvPr>
+        </p:nvSpPr>
+        <p:spPr>
+          <a:xfrm>
+            <a:off x="504000" y="301320"/>
+            <a:ext cx="9072000" cy="1261800"/>
+          </a:xfrm>
+          <a:prstGeom prst="rect">
+            <a:avLst/>
+          </a:prstGeom>
+        </p:spPr>
+        <p:txBody>
+          <a:bodyPr lIns="0" rIns="0" tIns="0" bIns="0" anchor="ctr"/>
+          <a:p>
+            <a:pPr algn="ctr"/>
+            <a:endParaRPr/>
+          </a:p>
+        </p:txBody>
+      </p:sp>
+      <p:sp>
+        <p:nvSpPr>
+          <p:cNvPr id="82" name="PlaceHolder 2"/>
+          <p:cNvSpPr>
+            <a:spLocks noGrp="1"/>
+          </p:cNvSpPr>
+          <p:nvPr>
+            <p:ph type="body"/>
+          </p:nvPr>
+        </p:nvSpPr>
+        <p:spPr>
+          <a:xfrm>
+            <a:off x="504000" y="1768680"/>
+            <a:ext cx="4426920" cy="4384080"/>
+          </a:xfrm>
+          <a:prstGeom prst="rect">
+            <a:avLst/>
+          </a:prstGeom>
+        </p:spPr>
+        <p:txBody>
+          <a:bodyPr lIns="0" rIns="0" tIns="0" bIns="0"/>
+          <a:p>
+            <a:endParaRPr/>
+          </a:p>
+        </p:txBody>
+      </p:sp>
+      <p:sp>
+        <p:nvSpPr>
+          <p:cNvPr id="83" name="PlaceHolder 3"/>
+          <p:cNvSpPr>
+            <a:spLocks noGrp="1"/>
+          </p:cNvSpPr>
+          <p:nvPr>
+            <p:ph type="body"/>
+          </p:nvPr>
+        </p:nvSpPr>
+        <p:spPr>
+          <a:xfrm>
+            <a:off x="5152680" y="1768680"/>
+            <a:ext cx="4426920" cy="4384080"/>
+          </a:xfrm>
+          <a:prstGeom prst="rect">
+            <a:avLst/>
+          </a:prstGeom>
+        </p:spPr>
+        <p:txBody>
+          <a:bodyPr lIns="0" rIns="0" tIns="0" bIns="0"/>
+          <a:p>
+            <a:endParaRPr/>
+          </a:p>
+        </p:txBody>
+      </p:sp>
+    </p:spTree>
+  </p:cSld>
+</p:sldLayout>
+</file>
+
+<file path=ppt/slideLayouts/slideLayout29.xml><?xml version="1.0" encoding="utf-8"?>
+<p:sldLayout xmlns:a="http://schemas.openxmlformats.org/drawingml/2006/main" xmlns:p="http://schemas.openxmlformats.org/presentationml/2006/main" xmlns:r="http://schemas.openxmlformats.org/officeDocument/2006/relationships" type="titleOnly" preserve="1">
+  <p:cSld name="Title Only">
+    <p:spTree>
+      <p:nvGrpSpPr>
+        <p:cNvPr id="1" name=""/>
+        <p:cNvGrpSpPr/>
+        <p:nvPr/>
+      </p:nvGrpSpPr>
+      <p:grpSpPr>
+        <a:xfrm>
+          <a:off x="0" y="0"/>
+          <a:ext cx="0" cy="0"/>
+          <a:chOff x="0" y="0"/>
+          <a:chExt cx="0" cy="0"/>
+        </a:xfrm>
+      </p:grpSpPr>
+      <p:sp>
+        <p:nvSpPr>
+          <p:cNvPr id="84" name="PlaceHolder 1"/>
+          <p:cNvSpPr>
+            <a:spLocks noGrp="1"/>
+          </p:cNvSpPr>
+          <p:nvPr>
+            <p:ph type="title"/>
+          </p:nvPr>
+        </p:nvSpPr>
+        <p:spPr>
+          <a:xfrm>
+            <a:off x="504000" y="301320"/>
+            <a:ext cx="9072000" cy="1261800"/>
+          </a:xfrm>
+          <a:prstGeom prst="rect">
+            <a:avLst/>
+          </a:prstGeom>
+        </p:spPr>
+        <p:txBody>
+          <a:bodyPr lIns="0" rIns="0" tIns="0" bIns="0" anchor="ctr"/>
+          <a:p>
+            <a:pPr algn="ctr"/>
+            <a:endParaRPr/>
+          </a:p>
+        </p:txBody>
+      </p:sp>
     </p:spTree>
   </p:cSld>
 </p:sldLayout>
@@ -1692,7 +2018,7 @@
       </p:grpSpPr>
       <p:sp>
         <p:nvSpPr>
-          <p:cNvPr id="5" name="PlaceHolder 1"/>
+          <p:cNvPr id="4" name="PlaceHolder 1"/>
           <p:cNvSpPr>
             <a:spLocks noGrp="1"/>
           </p:cNvSpPr>
@@ -1703,7 +2029,7 @@
         <p:spPr>
           <a:xfrm>
             <a:off x="504000" y="301320"/>
-            <a:ext cx="9071280" cy="1261800"/>
+            <a:ext cx="9072000" cy="1261800"/>
           </a:xfrm>
           <a:prstGeom prst="rect">
             <a:avLst/>
@@ -1719,7 +2045,7 @@
       </p:sp>
       <p:sp>
         <p:nvSpPr>
-          <p:cNvPr id="6" name="PlaceHolder 2"/>
+          <p:cNvPr id="5" name="PlaceHolder 2"/>
           <p:cNvSpPr>
             <a:spLocks noGrp="1"/>
           </p:cNvSpPr>
@@ -1729,20 +2055,851 @@
         </p:nvSpPr>
         <p:spPr>
           <a:xfrm>
-            <a:off x="504000" y="1769040"/>
-            <a:ext cx="9071280" cy="4384080"/>
-          </a:xfrm>
-          <a:prstGeom prst="rect">
-            <a:avLst/>
-          </a:prstGeom>
-        </p:spPr>
-        <p:txBody>
-          <a:bodyPr lIns="0" rIns="0" tIns="0" bIns="0"/>
-          <a:p>
-            <a:endParaRPr/>
-          </a:p>
-        </p:txBody>
-      </p:sp>
+            <a:off x="504000" y="1768680"/>
+            <a:ext cx="9072000" cy="4384080"/>
+          </a:xfrm>
+          <a:prstGeom prst="rect">
+            <a:avLst/>
+          </a:prstGeom>
+        </p:spPr>
+        <p:txBody>
+          <a:bodyPr lIns="0" rIns="0" tIns="0" bIns="0"/>
+          <a:p>
+            <a:endParaRPr/>
+          </a:p>
+        </p:txBody>
+      </p:sp>
+    </p:spTree>
+  </p:cSld>
+</p:sldLayout>
+</file>
+
+<file path=ppt/slideLayouts/slideLayout30.xml><?xml version="1.0" encoding="utf-8"?>
+<p:sldLayout xmlns:a="http://schemas.openxmlformats.org/drawingml/2006/main" xmlns:p="http://schemas.openxmlformats.org/presentationml/2006/main" xmlns:r="http://schemas.openxmlformats.org/officeDocument/2006/relationships" type="objOnly" preserve="1">
+  <p:cSld name="Centered Text">
+    <p:spTree>
+      <p:nvGrpSpPr>
+        <p:cNvPr id="1" name=""/>
+        <p:cNvGrpSpPr/>
+        <p:nvPr/>
+      </p:nvGrpSpPr>
+      <p:grpSpPr>
+        <a:xfrm>
+          <a:off x="0" y="0"/>
+          <a:ext cx="0" cy="0"/>
+          <a:chOff x="0" y="0"/>
+          <a:chExt cx="0" cy="0"/>
+        </a:xfrm>
+      </p:grpSpPr>
+      <p:sp>
+        <p:nvSpPr>
+          <p:cNvPr id="85" name="PlaceHolder 1"/>
+          <p:cNvSpPr>
+            <a:spLocks noGrp="1"/>
+          </p:cNvSpPr>
+          <p:nvPr>
+            <p:ph type="subTitle"/>
+          </p:nvPr>
+        </p:nvSpPr>
+        <p:spPr>
+          <a:xfrm>
+            <a:off x="504000" y="301320"/>
+            <a:ext cx="9072000" cy="5850360"/>
+          </a:xfrm>
+          <a:prstGeom prst="rect">
+            <a:avLst/>
+          </a:prstGeom>
+        </p:spPr>
+        <p:txBody>
+          <a:bodyPr lIns="0" rIns="0" tIns="0" bIns="0" anchor="ctr"/>
+          <a:p>
+            <a:pPr algn="ctr"/>
+            <a:endParaRPr/>
+          </a:p>
+        </p:txBody>
+      </p:sp>
+    </p:spTree>
+  </p:cSld>
+</p:sldLayout>
+</file>
+
+<file path=ppt/slideLayouts/slideLayout31.xml><?xml version="1.0" encoding="utf-8"?>
+<p:sldLayout xmlns:a="http://schemas.openxmlformats.org/drawingml/2006/main" xmlns:p="http://schemas.openxmlformats.org/presentationml/2006/main" xmlns:r="http://schemas.openxmlformats.org/officeDocument/2006/relationships" type="twoObjAndObj" preserve="1">
+  <p:cSld name="Title, 2 Content and Content">
+    <p:spTree>
+      <p:nvGrpSpPr>
+        <p:cNvPr id="1" name=""/>
+        <p:cNvGrpSpPr/>
+        <p:nvPr/>
+      </p:nvGrpSpPr>
+      <p:grpSpPr>
+        <a:xfrm>
+          <a:off x="0" y="0"/>
+          <a:ext cx="0" cy="0"/>
+          <a:chOff x="0" y="0"/>
+          <a:chExt cx="0" cy="0"/>
+        </a:xfrm>
+      </p:grpSpPr>
+      <p:sp>
+        <p:nvSpPr>
+          <p:cNvPr id="86" name="PlaceHolder 1"/>
+          <p:cNvSpPr>
+            <a:spLocks noGrp="1"/>
+          </p:cNvSpPr>
+          <p:nvPr>
+            <p:ph type="title"/>
+          </p:nvPr>
+        </p:nvSpPr>
+        <p:spPr>
+          <a:xfrm>
+            <a:off x="504000" y="301320"/>
+            <a:ext cx="9072000" cy="1261800"/>
+          </a:xfrm>
+          <a:prstGeom prst="rect">
+            <a:avLst/>
+          </a:prstGeom>
+        </p:spPr>
+        <p:txBody>
+          <a:bodyPr lIns="0" rIns="0" tIns="0" bIns="0" anchor="ctr"/>
+          <a:p>
+            <a:pPr algn="ctr"/>
+            <a:endParaRPr/>
+          </a:p>
+        </p:txBody>
+      </p:sp>
+      <p:sp>
+        <p:nvSpPr>
+          <p:cNvPr id="87" name="PlaceHolder 2"/>
+          <p:cNvSpPr>
+            <a:spLocks noGrp="1"/>
+          </p:cNvSpPr>
+          <p:nvPr>
+            <p:ph type="body"/>
+          </p:nvPr>
+        </p:nvSpPr>
+        <p:spPr>
+          <a:xfrm>
+            <a:off x="504000" y="1768680"/>
+            <a:ext cx="4426920" cy="2090880"/>
+          </a:xfrm>
+          <a:prstGeom prst="rect">
+            <a:avLst/>
+          </a:prstGeom>
+        </p:spPr>
+        <p:txBody>
+          <a:bodyPr lIns="0" rIns="0" tIns="0" bIns="0"/>
+          <a:p>
+            <a:endParaRPr/>
+          </a:p>
+        </p:txBody>
+      </p:sp>
+      <p:sp>
+        <p:nvSpPr>
+          <p:cNvPr id="88" name="PlaceHolder 3"/>
+          <p:cNvSpPr>
+            <a:spLocks noGrp="1"/>
+          </p:cNvSpPr>
+          <p:nvPr>
+            <p:ph type="body"/>
+          </p:nvPr>
+        </p:nvSpPr>
+        <p:spPr>
+          <a:xfrm>
+            <a:off x="504000" y="4058640"/>
+            <a:ext cx="4426920" cy="2090880"/>
+          </a:xfrm>
+          <a:prstGeom prst="rect">
+            <a:avLst/>
+          </a:prstGeom>
+        </p:spPr>
+        <p:txBody>
+          <a:bodyPr lIns="0" rIns="0" tIns="0" bIns="0"/>
+          <a:p>
+            <a:endParaRPr/>
+          </a:p>
+        </p:txBody>
+      </p:sp>
+      <p:sp>
+        <p:nvSpPr>
+          <p:cNvPr id="89" name="PlaceHolder 4"/>
+          <p:cNvSpPr>
+            <a:spLocks noGrp="1"/>
+          </p:cNvSpPr>
+          <p:nvPr>
+            <p:ph type="body"/>
+          </p:nvPr>
+        </p:nvSpPr>
+        <p:spPr>
+          <a:xfrm>
+            <a:off x="5152680" y="1768680"/>
+            <a:ext cx="4426920" cy="4384080"/>
+          </a:xfrm>
+          <a:prstGeom prst="rect">
+            <a:avLst/>
+          </a:prstGeom>
+        </p:spPr>
+        <p:txBody>
+          <a:bodyPr lIns="0" rIns="0" tIns="0" bIns="0"/>
+          <a:p>
+            <a:endParaRPr/>
+          </a:p>
+        </p:txBody>
+      </p:sp>
+    </p:spTree>
+  </p:cSld>
+</p:sldLayout>
+</file>
+
+<file path=ppt/slideLayouts/slideLayout32.xml><?xml version="1.0" encoding="utf-8"?>
+<p:sldLayout xmlns:a="http://schemas.openxmlformats.org/drawingml/2006/main" xmlns:p="http://schemas.openxmlformats.org/presentationml/2006/main" xmlns:r="http://schemas.openxmlformats.org/officeDocument/2006/relationships" type="objAndTwoObj" preserve="1">
+  <p:cSld name="Title Content and 2 Content">
+    <p:spTree>
+      <p:nvGrpSpPr>
+        <p:cNvPr id="1" name=""/>
+        <p:cNvGrpSpPr/>
+        <p:nvPr/>
+      </p:nvGrpSpPr>
+      <p:grpSpPr>
+        <a:xfrm>
+          <a:off x="0" y="0"/>
+          <a:ext cx="0" cy="0"/>
+          <a:chOff x="0" y="0"/>
+          <a:chExt cx="0" cy="0"/>
+        </a:xfrm>
+      </p:grpSpPr>
+      <p:sp>
+        <p:nvSpPr>
+          <p:cNvPr id="90" name="PlaceHolder 1"/>
+          <p:cNvSpPr>
+            <a:spLocks noGrp="1"/>
+          </p:cNvSpPr>
+          <p:nvPr>
+            <p:ph type="title"/>
+          </p:nvPr>
+        </p:nvSpPr>
+        <p:spPr>
+          <a:xfrm>
+            <a:off x="504000" y="301320"/>
+            <a:ext cx="9072000" cy="1261800"/>
+          </a:xfrm>
+          <a:prstGeom prst="rect">
+            <a:avLst/>
+          </a:prstGeom>
+        </p:spPr>
+        <p:txBody>
+          <a:bodyPr lIns="0" rIns="0" tIns="0" bIns="0" anchor="ctr"/>
+          <a:p>
+            <a:pPr algn="ctr"/>
+            <a:endParaRPr/>
+          </a:p>
+        </p:txBody>
+      </p:sp>
+      <p:sp>
+        <p:nvSpPr>
+          <p:cNvPr id="91" name="PlaceHolder 2"/>
+          <p:cNvSpPr>
+            <a:spLocks noGrp="1"/>
+          </p:cNvSpPr>
+          <p:nvPr>
+            <p:ph type="body"/>
+          </p:nvPr>
+        </p:nvSpPr>
+        <p:spPr>
+          <a:xfrm>
+            <a:off x="504000" y="1768680"/>
+            <a:ext cx="4426920" cy="4384080"/>
+          </a:xfrm>
+          <a:prstGeom prst="rect">
+            <a:avLst/>
+          </a:prstGeom>
+        </p:spPr>
+        <p:txBody>
+          <a:bodyPr lIns="0" rIns="0" tIns="0" bIns="0"/>
+          <a:p>
+            <a:endParaRPr/>
+          </a:p>
+        </p:txBody>
+      </p:sp>
+      <p:sp>
+        <p:nvSpPr>
+          <p:cNvPr id="92" name="PlaceHolder 3"/>
+          <p:cNvSpPr>
+            <a:spLocks noGrp="1"/>
+          </p:cNvSpPr>
+          <p:nvPr>
+            <p:ph type="body"/>
+          </p:nvPr>
+        </p:nvSpPr>
+        <p:spPr>
+          <a:xfrm>
+            <a:off x="5152680" y="1768680"/>
+            <a:ext cx="4426920" cy="2090880"/>
+          </a:xfrm>
+          <a:prstGeom prst="rect">
+            <a:avLst/>
+          </a:prstGeom>
+        </p:spPr>
+        <p:txBody>
+          <a:bodyPr lIns="0" rIns="0" tIns="0" bIns="0"/>
+          <a:p>
+            <a:endParaRPr/>
+          </a:p>
+        </p:txBody>
+      </p:sp>
+      <p:sp>
+        <p:nvSpPr>
+          <p:cNvPr id="93" name="PlaceHolder 4"/>
+          <p:cNvSpPr>
+            <a:spLocks noGrp="1"/>
+          </p:cNvSpPr>
+          <p:nvPr>
+            <p:ph type="body"/>
+          </p:nvPr>
+        </p:nvSpPr>
+        <p:spPr>
+          <a:xfrm>
+            <a:off x="5152680" y="4058640"/>
+            <a:ext cx="4426920" cy="2090880"/>
+          </a:xfrm>
+          <a:prstGeom prst="rect">
+            <a:avLst/>
+          </a:prstGeom>
+        </p:spPr>
+        <p:txBody>
+          <a:bodyPr lIns="0" rIns="0" tIns="0" bIns="0"/>
+          <a:p>
+            <a:endParaRPr/>
+          </a:p>
+        </p:txBody>
+      </p:sp>
+    </p:spTree>
+  </p:cSld>
+</p:sldLayout>
+</file>
+
+<file path=ppt/slideLayouts/slideLayout33.xml><?xml version="1.0" encoding="utf-8"?>
+<p:sldLayout xmlns:a="http://schemas.openxmlformats.org/drawingml/2006/main" xmlns:p="http://schemas.openxmlformats.org/presentationml/2006/main" xmlns:r="http://schemas.openxmlformats.org/officeDocument/2006/relationships" type="twoObjOverTx" preserve="1">
+  <p:cSld name="Title, 2 Content over Content">
+    <p:spTree>
+      <p:nvGrpSpPr>
+        <p:cNvPr id="1" name=""/>
+        <p:cNvGrpSpPr/>
+        <p:nvPr/>
+      </p:nvGrpSpPr>
+      <p:grpSpPr>
+        <a:xfrm>
+          <a:off x="0" y="0"/>
+          <a:ext cx="0" cy="0"/>
+          <a:chOff x="0" y="0"/>
+          <a:chExt cx="0" cy="0"/>
+        </a:xfrm>
+      </p:grpSpPr>
+      <p:sp>
+        <p:nvSpPr>
+          <p:cNvPr id="94" name="PlaceHolder 1"/>
+          <p:cNvSpPr>
+            <a:spLocks noGrp="1"/>
+          </p:cNvSpPr>
+          <p:nvPr>
+            <p:ph type="title"/>
+          </p:nvPr>
+        </p:nvSpPr>
+        <p:spPr>
+          <a:xfrm>
+            <a:off x="504000" y="301320"/>
+            <a:ext cx="9072000" cy="1261800"/>
+          </a:xfrm>
+          <a:prstGeom prst="rect">
+            <a:avLst/>
+          </a:prstGeom>
+        </p:spPr>
+        <p:txBody>
+          <a:bodyPr lIns="0" rIns="0" tIns="0" bIns="0" anchor="ctr"/>
+          <a:p>
+            <a:pPr algn="ctr"/>
+            <a:endParaRPr/>
+          </a:p>
+        </p:txBody>
+      </p:sp>
+      <p:sp>
+        <p:nvSpPr>
+          <p:cNvPr id="95" name="PlaceHolder 2"/>
+          <p:cNvSpPr>
+            <a:spLocks noGrp="1"/>
+          </p:cNvSpPr>
+          <p:nvPr>
+            <p:ph type="body"/>
+          </p:nvPr>
+        </p:nvSpPr>
+        <p:spPr>
+          <a:xfrm>
+            <a:off x="504000" y="1768680"/>
+            <a:ext cx="4426920" cy="2090880"/>
+          </a:xfrm>
+          <a:prstGeom prst="rect">
+            <a:avLst/>
+          </a:prstGeom>
+        </p:spPr>
+        <p:txBody>
+          <a:bodyPr lIns="0" rIns="0" tIns="0" bIns="0"/>
+          <a:p>
+            <a:endParaRPr/>
+          </a:p>
+        </p:txBody>
+      </p:sp>
+      <p:sp>
+        <p:nvSpPr>
+          <p:cNvPr id="96" name="PlaceHolder 3"/>
+          <p:cNvSpPr>
+            <a:spLocks noGrp="1"/>
+          </p:cNvSpPr>
+          <p:nvPr>
+            <p:ph type="body"/>
+          </p:nvPr>
+        </p:nvSpPr>
+        <p:spPr>
+          <a:xfrm>
+            <a:off x="5152680" y="1768680"/>
+            <a:ext cx="4426920" cy="2090880"/>
+          </a:xfrm>
+          <a:prstGeom prst="rect">
+            <a:avLst/>
+          </a:prstGeom>
+        </p:spPr>
+        <p:txBody>
+          <a:bodyPr lIns="0" rIns="0" tIns="0" bIns="0"/>
+          <a:p>
+            <a:endParaRPr/>
+          </a:p>
+        </p:txBody>
+      </p:sp>
+      <p:sp>
+        <p:nvSpPr>
+          <p:cNvPr id="97" name="PlaceHolder 4"/>
+          <p:cNvSpPr>
+            <a:spLocks noGrp="1"/>
+          </p:cNvSpPr>
+          <p:nvPr>
+            <p:ph type="body"/>
+          </p:nvPr>
+        </p:nvSpPr>
+        <p:spPr>
+          <a:xfrm>
+            <a:off x="504000" y="4058640"/>
+            <a:ext cx="9072000" cy="2090880"/>
+          </a:xfrm>
+          <a:prstGeom prst="rect">
+            <a:avLst/>
+          </a:prstGeom>
+        </p:spPr>
+        <p:txBody>
+          <a:bodyPr lIns="0" rIns="0" tIns="0" bIns="0"/>
+          <a:p>
+            <a:endParaRPr/>
+          </a:p>
+        </p:txBody>
+      </p:sp>
+    </p:spTree>
+  </p:cSld>
+</p:sldLayout>
+</file>
+
+<file path=ppt/slideLayouts/slideLayout34.xml><?xml version="1.0" encoding="utf-8"?>
+<p:sldLayout xmlns:a="http://schemas.openxmlformats.org/drawingml/2006/main" xmlns:p="http://schemas.openxmlformats.org/presentationml/2006/main" xmlns:r="http://schemas.openxmlformats.org/officeDocument/2006/relationships" type="objOverTx" preserve="1">
+  <p:cSld name="Title, Content over Content">
+    <p:spTree>
+      <p:nvGrpSpPr>
+        <p:cNvPr id="1" name=""/>
+        <p:cNvGrpSpPr/>
+        <p:nvPr/>
+      </p:nvGrpSpPr>
+      <p:grpSpPr>
+        <a:xfrm>
+          <a:off x="0" y="0"/>
+          <a:ext cx="0" cy="0"/>
+          <a:chOff x="0" y="0"/>
+          <a:chExt cx="0" cy="0"/>
+        </a:xfrm>
+      </p:grpSpPr>
+      <p:sp>
+        <p:nvSpPr>
+          <p:cNvPr id="98" name="PlaceHolder 1"/>
+          <p:cNvSpPr>
+            <a:spLocks noGrp="1"/>
+          </p:cNvSpPr>
+          <p:nvPr>
+            <p:ph type="title"/>
+          </p:nvPr>
+        </p:nvSpPr>
+        <p:spPr>
+          <a:xfrm>
+            <a:off x="504000" y="301320"/>
+            <a:ext cx="9072000" cy="1261800"/>
+          </a:xfrm>
+          <a:prstGeom prst="rect">
+            <a:avLst/>
+          </a:prstGeom>
+        </p:spPr>
+        <p:txBody>
+          <a:bodyPr lIns="0" rIns="0" tIns="0" bIns="0" anchor="ctr"/>
+          <a:p>
+            <a:pPr algn="ctr"/>
+            <a:endParaRPr/>
+          </a:p>
+        </p:txBody>
+      </p:sp>
+      <p:sp>
+        <p:nvSpPr>
+          <p:cNvPr id="99" name="PlaceHolder 2"/>
+          <p:cNvSpPr>
+            <a:spLocks noGrp="1"/>
+          </p:cNvSpPr>
+          <p:nvPr>
+            <p:ph type="body"/>
+          </p:nvPr>
+        </p:nvSpPr>
+        <p:spPr>
+          <a:xfrm>
+            <a:off x="504000" y="1768680"/>
+            <a:ext cx="9072000" cy="2090880"/>
+          </a:xfrm>
+          <a:prstGeom prst="rect">
+            <a:avLst/>
+          </a:prstGeom>
+        </p:spPr>
+        <p:txBody>
+          <a:bodyPr lIns="0" rIns="0" tIns="0" bIns="0"/>
+          <a:p>
+            <a:endParaRPr/>
+          </a:p>
+        </p:txBody>
+      </p:sp>
+      <p:sp>
+        <p:nvSpPr>
+          <p:cNvPr id="100" name="PlaceHolder 3"/>
+          <p:cNvSpPr>
+            <a:spLocks noGrp="1"/>
+          </p:cNvSpPr>
+          <p:nvPr>
+            <p:ph type="body"/>
+          </p:nvPr>
+        </p:nvSpPr>
+        <p:spPr>
+          <a:xfrm>
+            <a:off x="504000" y="4058640"/>
+            <a:ext cx="9072000" cy="2090880"/>
+          </a:xfrm>
+          <a:prstGeom prst="rect">
+            <a:avLst/>
+          </a:prstGeom>
+        </p:spPr>
+        <p:txBody>
+          <a:bodyPr lIns="0" rIns="0" tIns="0" bIns="0"/>
+          <a:p>
+            <a:endParaRPr/>
+          </a:p>
+        </p:txBody>
+      </p:sp>
+    </p:spTree>
+  </p:cSld>
+</p:sldLayout>
+</file>
+
+<file path=ppt/slideLayouts/slideLayout35.xml><?xml version="1.0" encoding="utf-8"?>
+<p:sldLayout xmlns:a="http://schemas.openxmlformats.org/drawingml/2006/main" xmlns:p="http://schemas.openxmlformats.org/presentationml/2006/main" xmlns:r="http://schemas.openxmlformats.org/officeDocument/2006/relationships" type="fourObj" preserve="1">
+  <p:cSld name="Title, 4 Content">
+    <p:spTree>
+      <p:nvGrpSpPr>
+        <p:cNvPr id="1" name=""/>
+        <p:cNvGrpSpPr/>
+        <p:nvPr/>
+      </p:nvGrpSpPr>
+      <p:grpSpPr>
+        <a:xfrm>
+          <a:off x="0" y="0"/>
+          <a:ext cx="0" cy="0"/>
+          <a:chOff x="0" y="0"/>
+          <a:chExt cx="0" cy="0"/>
+        </a:xfrm>
+      </p:grpSpPr>
+      <p:sp>
+        <p:nvSpPr>
+          <p:cNvPr id="101" name="PlaceHolder 1"/>
+          <p:cNvSpPr>
+            <a:spLocks noGrp="1"/>
+          </p:cNvSpPr>
+          <p:nvPr>
+            <p:ph type="title"/>
+          </p:nvPr>
+        </p:nvSpPr>
+        <p:spPr>
+          <a:xfrm>
+            <a:off x="504000" y="301320"/>
+            <a:ext cx="9072000" cy="1261800"/>
+          </a:xfrm>
+          <a:prstGeom prst="rect">
+            <a:avLst/>
+          </a:prstGeom>
+        </p:spPr>
+        <p:txBody>
+          <a:bodyPr lIns="0" rIns="0" tIns="0" bIns="0" anchor="ctr"/>
+          <a:p>
+            <a:pPr algn="ctr"/>
+            <a:endParaRPr/>
+          </a:p>
+        </p:txBody>
+      </p:sp>
+      <p:sp>
+        <p:nvSpPr>
+          <p:cNvPr id="102" name="PlaceHolder 2"/>
+          <p:cNvSpPr>
+            <a:spLocks noGrp="1"/>
+          </p:cNvSpPr>
+          <p:nvPr>
+            <p:ph type="body"/>
+          </p:nvPr>
+        </p:nvSpPr>
+        <p:spPr>
+          <a:xfrm>
+            <a:off x="504000" y="1768680"/>
+            <a:ext cx="4426920" cy="2090880"/>
+          </a:xfrm>
+          <a:prstGeom prst="rect">
+            <a:avLst/>
+          </a:prstGeom>
+        </p:spPr>
+        <p:txBody>
+          <a:bodyPr lIns="0" rIns="0" tIns="0" bIns="0"/>
+          <a:p>
+            <a:endParaRPr/>
+          </a:p>
+        </p:txBody>
+      </p:sp>
+      <p:sp>
+        <p:nvSpPr>
+          <p:cNvPr id="103" name="PlaceHolder 3"/>
+          <p:cNvSpPr>
+            <a:spLocks noGrp="1"/>
+          </p:cNvSpPr>
+          <p:nvPr>
+            <p:ph type="body"/>
+          </p:nvPr>
+        </p:nvSpPr>
+        <p:spPr>
+          <a:xfrm>
+            <a:off x="5152680" y="1768680"/>
+            <a:ext cx="4426920" cy="2090880"/>
+          </a:xfrm>
+          <a:prstGeom prst="rect">
+            <a:avLst/>
+          </a:prstGeom>
+        </p:spPr>
+        <p:txBody>
+          <a:bodyPr lIns="0" rIns="0" tIns="0" bIns="0"/>
+          <a:p>
+            <a:endParaRPr/>
+          </a:p>
+        </p:txBody>
+      </p:sp>
+      <p:sp>
+        <p:nvSpPr>
+          <p:cNvPr id="104" name="PlaceHolder 4"/>
+          <p:cNvSpPr>
+            <a:spLocks noGrp="1"/>
+          </p:cNvSpPr>
+          <p:nvPr>
+            <p:ph type="body"/>
+          </p:nvPr>
+        </p:nvSpPr>
+        <p:spPr>
+          <a:xfrm>
+            <a:off x="5152680" y="4058640"/>
+            <a:ext cx="4426920" cy="2090880"/>
+          </a:xfrm>
+          <a:prstGeom prst="rect">
+            <a:avLst/>
+          </a:prstGeom>
+        </p:spPr>
+        <p:txBody>
+          <a:bodyPr lIns="0" rIns="0" tIns="0" bIns="0"/>
+          <a:p>
+            <a:endParaRPr/>
+          </a:p>
+        </p:txBody>
+      </p:sp>
+      <p:sp>
+        <p:nvSpPr>
+          <p:cNvPr id="105" name="PlaceHolder 5"/>
+          <p:cNvSpPr>
+            <a:spLocks noGrp="1"/>
+          </p:cNvSpPr>
+          <p:nvPr>
+            <p:ph type="body"/>
+          </p:nvPr>
+        </p:nvSpPr>
+        <p:spPr>
+          <a:xfrm>
+            <a:off x="504000" y="4058640"/>
+            <a:ext cx="4426920" cy="2090880"/>
+          </a:xfrm>
+          <a:prstGeom prst="rect">
+            <a:avLst/>
+          </a:prstGeom>
+        </p:spPr>
+        <p:txBody>
+          <a:bodyPr lIns="0" rIns="0" tIns="0" bIns="0"/>
+          <a:p>
+            <a:endParaRPr/>
+          </a:p>
+        </p:txBody>
+      </p:sp>
+    </p:spTree>
+  </p:cSld>
+</p:sldLayout>
+</file>
+
+<file path=ppt/slideLayouts/slideLayout36.xml><?xml version="1.0" encoding="utf-8"?>
+<p:sldLayout xmlns:a="http://schemas.openxmlformats.org/drawingml/2006/main" xmlns:p="http://schemas.openxmlformats.org/presentationml/2006/main" xmlns:r="http://schemas.openxmlformats.org/officeDocument/2006/relationships" type="blank" preserve="1">
+  <p:cSld name="Title, 6 Content">
+    <p:spTree>
+      <p:nvGrpSpPr>
+        <p:cNvPr id="1" name=""/>
+        <p:cNvGrpSpPr/>
+        <p:nvPr/>
+      </p:nvGrpSpPr>
+      <p:grpSpPr>
+        <a:xfrm>
+          <a:off x="0" y="0"/>
+          <a:ext cx="0" cy="0"/>
+          <a:chOff x="0" y="0"/>
+          <a:chExt cx="0" cy="0"/>
+        </a:xfrm>
+      </p:grpSpPr>
+      <p:sp>
+        <p:nvSpPr>
+          <p:cNvPr id="106" name="PlaceHolder 1"/>
+          <p:cNvSpPr>
+            <a:spLocks noGrp="1"/>
+          </p:cNvSpPr>
+          <p:nvPr>
+            <p:ph type="title"/>
+          </p:nvPr>
+        </p:nvSpPr>
+        <p:spPr>
+          <a:xfrm>
+            <a:off x="504000" y="301320"/>
+            <a:ext cx="9072000" cy="1261800"/>
+          </a:xfrm>
+          <a:prstGeom prst="rect">
+            <a:avLst/>
+          </a:prstGeom>
+        </p:spPr>
+        <p:txBody>
+          <a:bodyPr lIns="0" rIns="0" tIns="0" bIns="0" anchor="ctr"/>
+          <a:p>
+            <a:pPr algn="ctr"/>
+            <a:endParaRPr/>
+          </a:p>
+        </p:txBody>
+      </p:sp>
+      <p:sp>
+        <p:nvSpPr>
+          <p:cNvPr id="107" name="PlaceHolder 2"/>
+          <p:cNvSpPr>
+            <a:spLocks noGrp="1"/>
+          </p:cNvSpPr>
+          <p:nvPr>
+            <p:ph type="body"/>
+          </p:nvPr>
+        </p:nvSpPr>
+        <p:spPr>
+          <a:xfrm>
+            <a:off x="504000" y="1768680"/>
+            <a:ext cx="9072000" cy="4384080"/>
+          </a:xfrm>
+          <a:prstGeom prst="rect">
+            <a:avLst/>
+          </a:prstGeom>
+        </p:spPr>
+        <p:txBody>
+          <a:bodyPr lIns="0" rIns="0" tIns="0" bIns="0"/>
+          <a:p>
+            <a:endParaRPr/>
+          </a:p>
+        </p:txBody>
+      </p:sp>
+      <p:sp>
+        <p:nvSpPr>
+          <p:cNvPr id="108" name="PlaceHolder 3"/>
+          <p:cNvSpPr>
+            <a:spLocks noGrp="1"/>
+          </p:cNvSpPr>
+          <p:nvPr>
+            <p:ph type="body"/>
+          </p:nvPr>
+        </p:nvSpPr>
+        <p:spPr>
+          <a:xfrm>
+            <a:off x="504000" y="1768680"/>
+            <a:ext cx="9072000" cy="4384080"/>
+          </a:xfrm>
+          <a:prstGeom prst="rect">
+            <a:avLst/>
+          </a:prstGeom>
+        </p:spPr>
+        <p:txBody>
+          <a:bodyPr lIns="0" rIns="0" tIns="0" bIns="0"/>
+          <a:p>
+            <a:endParaRPr/>
+          </a:p>
+        </p:txBody>
+      </p:sp>
+      <p:pic>
+        <p:nvPicPr>
+          <p:cNvPr id="109" name="" descr=""/>
+          <p:cNvPicPr/>
+          <p:nvPr/>
+        </p:nvPicPr>
+        <p:blipFill>
+          <a:blip r:embed="rId2"/>
+          <a:stretch/>
+        </p:blipFill>
+        <p:spPr>
+          <a:xfrm>
+            <a:off x="2292480" y="1768680"/>
+            <a:ext cx="5494680" cy="4384080"/>
+          </a:xfrm>
+          <a:prstGeom prst="rect">
+            <a:avLst/>
+          </a:prstGeom>
+          <a:ln>
+            <a:noFill/>
+          </a:ln>
+        </p:spPr>
+      </p:pic>
+      <p:pic>
+        <p:nvPicPr>
+          <p:cNvPr id="110" name="" descr=""/>
+          <p:cNvPicPr/>
+          <p:nvPr/>
+        </p:nvPicPr>
+        <p:blipFill>
+          <a:blip r:embed="rId3"/>
+          <a:stretch/>
+        </p:blipFill>
+        <p:spPr>
+          <a:xfrm>
+            <a:off x="2292480" y="1768680"/>
+            <a:ext cx="5494680" cy="4384080"/>
+          </a:xfrm>
+          <a:prstGeom prst="rect">
+            <a:avLst/>
+          </a:prstGeom>
+          <a:ln>
+            <a:noFill/>
+          </a:ln>
+        </p:spPr>
+      </p:pic>
     </p:spTree>
   </p:cSld>
 </p:sldLayout>
@@ -1767,7 +2924,7 @@
       </p:grpSpPr>
       <p:sp>
         <p:nvSpPr>
-          <p:cNvPr id="7" name="PlaceHolder 1"/>
+          <p:cNvPr id="6" name="PlaceHolder 1"/>
           <p:cNvSpPr>
             <a:spLocks noGrp="1"/>
           </p:cNvSpPr>
@@ -1778,7 +2935,7 @@
         <p:spPr>
           <a:xfrm>
             <a:off x="504000" y="301320"/>
-            <a:ext cx="9071280" cy="1261800"/>
+            <a:ext cx="9072000" cy="1261800"/>
           </a:xfrm>
           <a:prstGeom prst="rect">
             <a:avLst/>
@@ -1794,7 +2951,7 @@
       </p:sp>
       <p:sp>
         <p:nvSpPr>
-          <p:cNvPr id="8" name="PlaceHolder 2"/>
+          <p:cNvPr id="7" name="PlaceHolder 2"/>
           <p:cNvSpPr>
             <a:spLocks noGrp="1"/>
           </p:cNvSpPr>
@@ -1804,23 +2961,23 @@
         </p:nvSpPr>
         <p:spPr>
           <a:xfrm>
-            <a:off x="504000" y="1769040"/>
-            <a:ext cx="4426560" cy="4384080"/>
-          </a:xfrm>
-          <a:prstGeom prst="rect">
-            <a:avLst/>
-          </a:prstGeom>
-        </p:spPr>
-        <p:txBody>
-          <a:bodyPr lIns="0" rIns="0" tIns="0" bIns="0"/>
-          <a:p>
-            <a:endParaRPr/>
-          </a:p>
-        </p:txBody>
-      </p:sp>
-      <p:sp>
-        <p:nvSpPr>
-          <p:cNvPr id="9" name="PlaceHolder 3"/>
+            <a:off x="504000" y="1768680"/>
+            <a:ext cx="4426920" cy="4384080"/>
+          </a:xfrm>
+          <a:prstGeom prst="rect">
+            <a:avLst/>
+          </a:prstGeom>
+        </p:spPr>
+        <p:txBody>
+          <a:bodyPr lIns="0" rIns="0" tIns="0" bIns="0"/>
+          <a:p>
+            <a:endParaRPr/>
+          </a:p>
+        </p:txBody>
+      </p:sp>
+      <p:sp>
+        <p:nvSpPr>
+          <p:cNvPr id="8" name="PlaceHolder 3"/>
           <p:cNvSpPr>
             <a:spLocks noGrp="1"/>
           </p:cNvSpPr>
@@ -1830,8 +2987,8 @@
         </p:nvSpPr>
         <p:spPr>
           <a:xfrm>
-            <a:off x="5152320" y="1769040"/>
-            <a:ext cx="4426560" cy="4384080"/>
+            <a:off x="5152680" y="1768680"/>
+            <a:ext cx="4426920" cy="4384080"/>
           </a:xfrm>
           <a:prstGeom prst="rect">
             <a:avLst/>
@@ -1868,7 +3025,7 @@
       </p:grpSpPr>
       <p:sp>
         <p:nvSpPr>
-          <p:cNvPr id="10" name="PlaceHolder 1"/>
+          <p:cNvPr id="9" name="PlaceHolder 1"/>
           <p:cNvSpPr>
             <a:spLocks noGrp="1"/>
           </p:cNvSpPr>
@@ -1879,7 +3036,7 @@
         <p:spPr>
           <a:xfrm>
             <a:off x="504000" y="301320"/>
-            <a:ext cx="9071280" cy="1261800"/>
+            <a:ext cx="9072000" cy="1261800"/>
           </a:xfrm>
           <a:prstGeom prst="rect">
             <a:avLst/>
@@ -1917,7 +3074,7 @@
       </p:grpSpPr>
       <p:sp>
         <p:nvSpPr>
-          <p:cNvPr id="11" name="PlaceHolder 1"/>
+          <p:cNvPr id="10" name="PlaceHolder 1"/>
           <p:cNvSpPr>
             <a:spLocks noGrp="1"/>
           </p:cNvSpPr>
@@ -1928,7 +3085,7 @@
         <p:spPr>
           <a:xfrm>
             <a:off x="504000" y="301320"/>
-            <a:ext cx="9071280" cy="5850360"/>
+            <a:ext cx="9072000" cy="5850360"/>
           </a:xfrm>
           <a:prstGeom prst="rect">
             <a:avLst/>
@@ -1966,7 +3123,7 @@
       </p:grpSpPr>
       <p:sp>
         <p:nvSpPr>
-          <p:cNvPr id="12" name="PlaceHolder 1"/>
+          <p:cNvPr id="11" name="PlaceHolder 1"/>
           <p:cNvSpPr>
             <a:spLocks noGrp="1"/>
           </p:cNvSpPr>
@@ -1977,7 +3134,7 @@
         <p:spPr>
           <a:xfrm>
             <a:off x="504000" y="301320"/>
-            <a:ext cx="9071280" cy="1261800"/>
+            <a:ext cx="9072000" cy="1261800"/>
           </a:xfrm>
           <a:prstGeom prst="rect">
             <a:avLst/>
@@ -1993,7 +3150,7 @@
       </p:sp>
       <p:sp>
         <p:nvSpPr>
-          <p:cNvPr id="13" name="PlaceHolder 2"/>
+          <p:cNvPr id="12" name="PlaceHolder 2"/>
           <p:cNvSpPr>
             <a:spLocks noGrp="1"/>
           </p:cNvSpPr>
@@ -2003,23 +3160,23 @@
         </p:nvSpPr>
         <p:spPr>
           <a:xfrm>
-            <a:off x="504000" y="1769040"/>
-            <a:ext cx="4426560" cy="2090880"/>
-          </a:xfrm>
-          <a:prstGeom prst="rect">
-            <a:avLst/>
-          </a:prstGeom>
-        </p:spPr>
-        <p:txBody>
-          <a:bodyPr lIns="0" rIns="0" tIns="0" bIns="0"/>
-          <a:p>
-            <a:endParaRPr/>
-          </a:p>
-        </p:txBody>
-      </p:sp>
-      <p:sp>
-        <p:nvSpPr>
-          <p:cNvPr id="14" name="PlaceHolder 3"/>
+            <a:off x="504000" y="1768680"/>
+            <a:ext cx="4426920" cy="2090880"/>
+          </a:xfrm>
+          <a:prstGeom prst="rect">
+            <a:avLst/>
+          </a:prstGeom>
+        </p:spPr>
+        <p:txBody>
+          <a:bodyPr lIns="0" rIns="0" tIns="0" bIns="0"/>
+          <a:p>
+            <a:endParaRPr/>
+          </a:p>
+        </p:txBody>
+      </p:sp>
+      <p:sp>
+        <p:nvSpPr>
+          <p:cNvPr id="13" name="PlaceHolder 3"/>
           <p:cNvSpPr>
             <a:spLocks noGrp="1"/>
           </p:cNvSpPr>
@@ -2029,23 +3186,23 @@
         </p:nvSpPr>
         <p:spPr>
           <a:xfrm>
-            <a:off x="504000" y="4059000"/>
-            <a:ext cx="4426560" cy="2090880"/>
-          </a:xfrm>
-          <a:prstGeom prst="rect">
-            <a:avLst/>
-          </a:prstGeom>
-        </p:spPr>
-        <p:txBody>
-          <a:bodyPr lIns="0" rIns="0" tIns="0" bIns="0"/>
-          <a:p>
-            <a:endParaRPr/>
-          </a:p>
-        </p:txBody>
-      </p:sp>
-      <p:sp>
-        <p:nvSpPr>
-          <p:cNvPr id="15" name="PlaceHolder 4"/>
+            <a:off x="504000" y="4058640"/>
+            <a:ext cx="4426920" cy="2090880"/>
+          </a:xfrm>
+          <a:prstGeom prst="rect">
+            <a:avLst/>
+          </a:prstGeom>
+        </p:spPr>
+        <p:txBody>
+          <a:bodyPr lIns="0" rIns="0" tIns="0" bIns="0"/>
+          <a:p>
+            <a:endParaRPr/>
+          </a:p>
+        </p:txBody>
+      </p:sp>
+      <p:sp>
+        <p:nvSpPr>
+          <p:cNvPr id="14" name="PlaceHolder 4"/>
           <p:cNvSpPr>
             <a:spLocks noGrp="1"/>
           </p:cNvSpPr>
@@ -2055,8 +3212,8 @@
         </p:nvSpPr>
         <p:spPr>
           <a:xfrm>
-            <a:off x="5152320" y="1769040"/>
-            <a:ext cx="4426560" cy="4384080"/>
+            <a:off x="5152680" y="1768680"/>
+            <a:ext cx="4426920" cy="4384080"/>
           </a:xfrm>
           <a:prstGeom prst="rect">
             <a:avLst/>
@@ -2093,7 +3250,7 @@
       </p:grpSpPr>
       <p:sp>
         <p:nvSpPr>
-          <p:cNvPr id="16" name="PlaceHolder 1"/>
+          <p:cNvPr id="15" name="PlaceHolder 1"/>
           <p:cNvSpPr>
             <a:spLocks noGrp="1"/>
           </p:cNvSpPr>
@@ -2104,7 +3261,7 @@
         <p:spPr>
           <a:xfrm>
             <a:off x="504000" y="301320"/>
-            <a:ext cx="9071280" cy="1261800"/>
+            <a:ext cx="9072000" cy="1261800"/>
           </a:xfrm>
           <a:prstGeom prst="rect">
             <a:avLst/>
@@ -2120,7 +3277,7 @@
       </p:sp>
       <p:sp>
         <p:nvSpPr>
-          <p:cNvPr id="17" name="PlaceHolder 2"/>
+          <p:cNvPr id="16" name="PlaceHolder 2"/>
           <p:cNvSpPr>
             <a:spLocks noGrp="1"/>
           </p:cNvSpPr>
@@ -2130,23 +3287,23 @@
         </p:nvSpPr>
         <p:spPr>
           <a:xfrm>
-            <a:off x="504000" y="1769040"/>
-            <a:ext cx="4426560" cy="4384080"/>
-          </a:xfrm>
-          <a:prstGeom prst="rect">
-            <a:avLst/>
-          </a:prstGeom>
-        </p:spPr>
-        <p:txBody>
-          <a:bodyPr lIns="0" rIns="0" tIns="0" bIns="0"/>
-          <a:p>
-            <a:endParaRPr/>
-          </a:p>
-        </p:txBody>
-      </p:sp>
-      <p:sp>
-        <p:nvSpPr>
-          <p:cNvPr id="18" name="PlaceHolder 3"/>
+            <a:off x="504000" y="1768680"/>
+            <a:ext cx="4426920" cy="4384080"/>
+          </a:xfrm>
+          <a:prstGeom prst="rect">
+            <a:avLst/>
+          </a:prstGeom>
+        </p:spPr>
+        <p:txBody>
+          <a:bodyPr lIns="0" rIns="0" tIns="0" bIns="0"/>
+          <a:p>
+            <a:endParaRPr/>
+          </a:p>
+        </p:txBody>
+      </p:sp>
+      <p:sp>
+        <p:nvSpPr>
+          <p:cNvPr id="17" name="PlaceHolder 3"/>
           <p:cNvSpPr>
             <a:spLocks noGrp="1"/>
           </p:cNvSpPr>
@@ -2156,23 +3313,23 @@
         </p:nvSpPr>
         <p:spPr>
           <a:xfrm>
-            <a:off x="5152320" y="1769040"/>
-            <a:ext cx="4426560" cy="2090880"/>
-          </a:xfrm>
-          <a:prstGeom prst="rect">
-            <a:avLst/>
-          </a:prstGeom>
-        </p:spPr>
-        <p:txBody>
-          <a:bodyPr lIns="0" rIns="0" tIns="0" bIns="0"/>
-          <a:p>
-            <a:endParaRPr/>
-          </a:p>
-        </p:txBody>
-      </p:sp>
-      <p:sp>
-        <p:nvSpPr>
-          <p:cNvPr id="19" name="PlaceHolder 4"/>
+            <a:off x="5152680" y="1768680"/>
+            <a:ext cx="4426920" cy="2090880"/>
+          </a:xfrm>
+          <a:prstGeom prst="rect">
+            <a:avLst/>
+          </a:prstGeom>
+        </p:spPr>
+        <p:txBody>
+          <a:bodyPr lIns="0" rIns="0" tIns="0" bIns="0"/>
+          <a:p>
+            <a:endParaRPr/>
+          </a:p>
+        </p:txBody>
+      </p:sp>
+      <p:sp>
+        <p:nvSpPr>
+          <p:cNvPr id="18" name="PlaceHolder 4"/>
           <p:cNvSpPr>
             <a:spLocks noGrp="1"/>
           </p:cNvSpPr>
@@ -2182,8 +3339,8 @@
         </p:nvSpPr>
         <p:spPr>
           <a:xfrm>
-            <a:off x="5152320" y="4059000"/>
-            <a:ext cx="4426560" cy="2090880"/>
+            <a:off x="5152680" y="4058640"/>
+            <a:ext cx="4426920" cy="2090880"/>
           </a:xfrm>
           <a:prstGeom prst="rect">
             <a:avLst/>
@@ -2220,7 +3377,7 @@
       </p:grpSpPr>
       <p:sp>
         <p:nvSpPr>
-          <p:cNvPr id="20" name="PlaceHolder 1"/>
+          <p:cNvPr id="19" name="PlaceHolder 1"/>
           <p:cNvSpPr>
             <a:spLocks noGrp="1"/>
           </p:cNvSpPr>
@@ -2231,7 +3388,7 @@
         <p:spPr>
           <a:xfrm>
             <a:off x="504000" y="301320"/>
-            <a:ext cx="9071280" cy="1261800"/>
+            <a:ext cx="9072000" cy="1261800"/>
           </a:xfrm>
           <a:prstGeom prst="rect">
             <a:avLst/>
@@ -2247,7 +3404,7 @@
       </p:sp>
       <p:sp>
         <p:nvSpPr>
-          <p:cNvPr id="21" name="PlaceHolder 2"/>
+          <p:cNvPr id="20" name="PlaceHolder 2"/>
           <p:cNvSpPr>
             <a:spLocks noGrp="1"/>
           </p:cNvSpPr>
@@ -2257,23 +3414,23 @@
         </p:nvSpPr>
         <p:spPr>
           <a:xfrm>
-            <a:off x="504000" y="1769040"/>
-            <a:ext cx="4426560" cy="2090880"/>
-          </a:xfrm>
-          <a:prstGeom prst="rect">
-            <a:avLst/>
-          </a:prstGeom>
-        </p:spPr>
-        <p:txBody>
-          <a:bodyPr lIns="0" rIns="0" tIns="0" bIns="0"/>
-          <a:p>
-            <a:endParaRPr/>
-          </a:p>
-        </p:txBody>
-      </p:sp>
-      <p:sp>
-        <p:nvSpPr>
-          <p:cNvPr id="22" name="PlaceHolder 3"/>
+            <a:off x="504000" y="1768680"/>
+            <a:ext cx="4426920" cy="2090880"/>
+          </a:xfrm>
+          <a:prstGeom prst="rect">
+            <a:avLst/>
+          </a:prstGeom>
+        </p:spPr>
+        <p:txBody>
+          <a:bodyPr lIns="0" rIns="0" tIns="0" bIns="0"/>
+          <a:p>
+            <a:endParaRPr/>
+          </a:p>
+        </p:txBody>
+      </p:sp>
+      <p:sp>
+        <p:nvSpPr>
+          <p:cNvPr id="21" name="PlaceHolder 3"/>
           <p:cNvSpPr>
             <a:spLocks noGrp="1"/>
           </p:cNvSpPr>
@@ -2283,23 +3440,23 @@
         </p:nvSpPr>
         <p:spPr>
           <a:xfrm>
-            <a:off x="5152320" y="1769040"/>
-            <a:ext cx="4426560" cy="2090880"/>
-          </a:xfrm>
-          <a:prstGeom prst="rect">
-            <a:avLst/>
-          </a:prstGeom>
-        </p:spPr>
-        <p:txBody>
-          <a:bodyPr lIns="0" rIns="0" tIns="0" bIns="0"/>
-          <a:p>
-            <a:endParaRPr/>
-          </a:p>
-        </p:txBody>
-      </p:sp>
-      <p:sp>
-        <p:nvSpPr>
-          <p:cNvPr id="23" name="PlaceHolder 4"/>
+            <a:off x="5152680" y="1768680"/>
+            <a:ext cx="4426920" cy="2090880"/>
+          </a:xfrm>
+          <a:prstGeom prst="rect">
+            <a:avLst/>
+          </a:prstGeom>
+        </p:spPr>
+        <p:txBody>
+          <a:bodyPr lIns="0" rIns="0" tIns="0" bIns="0"/>
+          <a:p>
+            <a:endParaRPr/>
+          </a:p>
+        </p:txBody>
+      </p:sp>
+      <p:sp>
+        <p:nvSpPr>
+          <p:cNvPr id="22" name="PlaceHolder 4"/>
           <p:cNvSpPr>
             <a:spLocks noGrp="1"/>
           </p:cNvSpPr>
@@ -2309,8 +3466,8 @@
         </p:nvSpPr>
         <p:spPr>
           <a:xfrm>
-            <a:off x="504000" y="4059000"/>
-            <a:ext cx="9071280" cy="2090880"/>
+            <a:off x="504000" y="4058640"/>
+            <a:ext cx="9072000" cy="2090880"/>
           </a:xfrm>
           <a:prstGeom prst="rect">
             <a:avLst/>
@@ -2358,7 +3515,7 @@
         <p:spPr>
           <a:xfrm>
             <a:off x="504000" y="301320"/>
-            <a:ext cx="9071280" cy="1261800"/>
+            <a:ext cx="9070920" cy="1261440"/>
           </a:xfrm>
           <a:prstGeom prst="rect">
             <a:avLst/>
@@ -2379,40 +3536,13 @@
             <a:spLocks noGrp="1"/>
           </p:cNvSpPr>
           <p:nvPr>
-            <p:ph type="subTitle"/>
+            <p:ph type="body"/>
           </p:nvPr>
         </p:nvSpPr>
         <p:spPr>
           <a:xfrm>
             <a:off x="504000" y="1769040"/>
-            <a:ext cx="9071280" cy="4384080"/>
-          </a:xfrm>
-          <a:prstGeom prst="rect">
-            <a:avLst/>
-          </a:prstGeom>
-        </p:spPr>
-        <p:txBody>
-          <a:bodyPr lIns="0" rIns="0" tIns="0" bIns="0" anchor="ctr"/>
-          <a:p>
-            <a:pPr algn="ctr"/>
-            <a:endParaRPr/>
-          </a:p>
-        </p:txBody>
-      </p:sp>
-      <p:sp>
-        <p:nvSpPr>
-          <p:cNvPr id="2" name="PlaceHolder 3"/>
-          <p:cNvSpPr>
-            <a:spLocks noGrp="1"/>
-          </p:cNvSpPr>
-          <p:nvPr>
-            <p:ph type="body"/>
-          </p:nvPr>
-        </p:nvSpPr>
-        <p:spPr>
-          <a:xfrm>
-            <a:off x="504000" y="1768680"/>
-            <a:ext cx="9072000" cy="4384080"/>
+            <a:ext cx="9070920" cy="4383720"/>
           </a:xfrm>
           <a:prstGeom prst="rect">
             <a:avLst/>
@@ -2427,7 +3557,7 @@
               <a:buChar char=""/>
             </a:pPr>
             <a:r>
-              <a:rPr lang="en-US" sz="3200">
+              <a:rPr lang="en-AU">
                 <a:latin typeface="Arial"/>
               </a:rPr>
               <a:t>Click to edit the outline text format</a:t>
@@ -2441,7 +3571,7 @@
               <a:buChar char=""/>
             </a:pPr>
             <a:r>
-              <a:rPr lang="en-US" sz="2800">
+              <a:rPr lang="en-AU">
                 <a:latin typeface="Arial"/>
               </a:rPr>
               <a:t>Second Outline Level</a:t>
@@ -2455,7 +3585,7 @@
               <a:buChar char=""/>
             </a:pPr>
             <a:r>
-              <a:rPr lang="en-US" sz="2400">
+              <a:rPr lang="en-AU">
                 <a:latin typeface="Arial"/>
               </a:rPr>
               <a:t>Third Outline Level</a:t>
@@ -2469,7 +3599,7 @@
               <a:buChar char=""/>
             </a:pPr>
             <a:r>
-              <a:rPr lang="en-US" sz="2000">
+              <a:rPr lang="en-AU">
                 <a:latin typeface="Arial"/>
               </a:rPr>
               <a:t>Fourth Outline Level</a:t>
@@ -2483,7 +3613,7 @@
               <a:buChar char=""/>
             </a:pPr>
             <a:r>
-              <a:rPr lang="en-US" sz="2000">
+              <a:rPr lang="en-AU">
                 <a:latin typeface="Arial"/>
               </a:rPr>
               <a:t>Fifth Outline Level</a:t>
@@ -2497,7 +3627,7 @@
               <a:buChar char=""/>
             </a:pPr>
             <a:r>
-              <a:rPr lang="en-US" sz="2000">
+              <a:rPr lang="en-AU">
                 <a:latin typeface="Arial"/>
               </a:rPr>
               <a:t>Sixth Outline Level</a:t>
@@ -2511,7 +3641,7 @@
               <a:buChar char=""/>
             </a:pPr>
             <a:r>
-              <a:rPr lang="en-US" sz="2000">
+              <a:rPr lang="en-AU">
                 <a:latin typeface="Arial"/>
               </a:rPr>
               <a:t>Seventh Outline Level</a:t>
@@ -2559,7 +3689,7 @@
       </p:grpSpPr>
       <p:sp>
         <p:nvSpPr>
-          <p:cNvPr id="37" name="PlaceHolder 1"/>
+          <p:cNvPr id="36" name="PlaceHolder 1"/>
           <p:cNvSpPr>
             <a:spLocks noGrp="1"/>
           </p:cNvSpPr>
@@ -2570,7 +3700,7 @@
         <p:spPr>
           <a:xfrm>
             <a:off x="504000" y="301320"/>
-            <a:ext cx="9071280" cy="1261800"/>
+            <a:ext cx="9072000" cy="1261800"/>
           </a:xfrm>
           <a:prstGeom prst="rect">
             <a:avLst/>
@@ -2580,13 +3710,19 @@
           <a:bodyPr lIns="0" rIns="0" tIns="0" bIns="0" anchor="ctr"/>
           <a:p>
             <a:pPr algn="ctr"/>
-            <a:endParaRPr/>
-          </a:p>
-        </p:txBody>
-      </p:sp>
-      <p:sp>
-        <p:nvSpPr>
-          <p:cNvPr id="38" name="PlaceHolder 2"/>
+            <a:r>
+              <a:rPr lang="en-AU" sz="4400">
+                <a:latin typeface="Arial"/>
+              </a:rPr>
+              <a:t>Click to edit the title text format</a:t>
+            </a:r>
+            <a:endParaRPr/>
+          </a:p>
+        </p:txBody>
+      </p:sp>
+      <p:sp>
+        <p:nvSpPr>
+          <p:cNvPr id="37" name="PlaceHolder 2"/>
           <p:cNvSpPr>
             <a:spLocks noGrp="1"/>
           </p:cNvSpPr>
@@ -2596,8 +3732,8 @@
         </p:nvSpPr>
         <p:spPr>
           <a:xfrm>
-            <a:off x="504000" y="1769040"/>
-            <a:ext cx="9071280" cy="4384080"/>
+            <a:off x="504000" y="1768680"/>
+            <a:ext cx="9072000" cy="4384080"/>
           </a:xfrm>
           <a:prstGeom prst="rect">
             <a:avLst/>
@@ -2612,7 +3748,7 @@
               <a:buChar char=""/>
             </a:pPr>
             <a:r>
-              <a:rPr lang="en-US">
+              <a:rPr lang="en-AU" sz="3200">
                 <a:latin typeface="Arial"/>
               </a:rPr>
               <a:t>Click to edit the outline text format</a:t>
@@ -2626,7 +3762,7 @@
               <a:buChar char=""/>
             </a:pPr>
             <a:r>
-              <a:rPr lang="en-US">
+              <a:rPr lang="en-AU" sz="2800">
                 <a:latin typeface="Arial"/>
               </a:rPr>
               <a:t>Second Outline Level</a:t>
@@ -2640,7 +3776,7 @@
               <a:buChar char=""/>
             </a:pPr>
             <a:r>
-              <a:rPr lang="en-US">
+              <a:rPr lang="en-AU" sz="2400">
                 <a:latin typeface="Arial"/>
               </a:rPr>
               <a:t>Third Outline Level</a:t>
@@ -2654,7 +3790,7 @@
               <a:buChar char=""/>
             </a:pPr>
             <a:r>
-              <a:rPr lang="en-US">
+              <a:rPr lang="en-AU" sz="2000">
                 <a:latin typeface="Arial"/>
               </a:rPr>
               <a:t>Fourth Outline Level</a:t>
@@ -2668,7 +3804,7 @@
               <a:buChar char=""/>
             </a:pPr>
             <a:r>
-              <a:rPr lang="en-US">
+              <a:rPr lang="en-AU" sz="2000">
                 <a:latin typeface="Arial"/>
               </a:rPr>
               <a:t>Fifth Outline Level</a:t>
@@ -2682,7 +3818,7 @@
               <a:buChar char=""/>
             </a:pPr>
             <a:r>
-              <a:rPr lang="en-US">
+              <a:rPr lang="en-AU" sz="2000">
                 <a:latin typeface="Arial"/>
               </a:rPr>
               <a:t>Sixth Outline Level</a:t>
@@ -2696,7 +3832,7 @@
               <a:buChar char=""/>
             </a:pPr>
             <a:r>
-              <a:rPr lang="en-US">
+              <a:rPr lang="en-AU" sz="2000">
                 <a:latin typeface="Arial"/>
               </a:rPr>
               <a:t>Seventh Outline Level</a:t>
@@ -2721,6 +3857,295 @@
     <p:sldLayoutId id="2147483671" r:id="rId11"/>
     <p:sldLayoutId id="2147483672" r:id="rId12"/>
     <p:sldLayoutId id="2147483673" r:id="rId13"/>
+  </p:sldLayoutIdLst>
+</p:sldMaster>
+</file>
+
+<file path=ppt/slideMasters/slideMaster3.xml><?xml version="1.0" encoding="utf-8"?>
+<p:sldMaster xmlns:a="http://schemas.openxmlformats.org/drawingml/2006/main" xmlns:p="http://schemas.openxmlformats.org/presentationml/2006/main" xmlns:r="http://schemas.openxmlformats.org/officeDocument/2006/relationships">
+  <p:cSld>
+    <p:spTree>
+      <p:nvGrpSpPr>
+        <p:cNvPr id="1" name=""/>
+        <p:cNvGrpSpPr/>
+        <p:nvPr/>
+      </p:nvGrpSpPr>
+      <p:grpSpPr>
+        <a:xfrm>
+          <a:off x="0" y="0"/>
+          <a:ext cx="0" cy="0"/>
+          <a:chOff x="0" y="0"/>
+          <a:chExt cx="0" cy="0"/>
+        </a:xfrm>
+      </p:grpSpPr>
+      <p:sp>
+        <p:nvSpPr>
+          <p:cNvPr id="72" name="PlaceHolder 1"/>
+          <p:cNvSpPr>
+            <a:spLocks noGrp="1"/>
+          </p:cNvSpPr>
+          <p:nvPr>
+            <p:ph type="title"/>
+          </p:nvPr>
+        </p:nvSpPr>
+        <p:spPr>
+          <a:xfrm>
+            <a:off x="504000" y="301320"/>
+            <a:ext cx="9072000" cy="1261800"/>
+          </a:xfrm>
+          <a:prstGeom prst="rect">
+            <a:avLst/>
+          </a:prstGeom>
+        </p:spPr>
+        <p:txBody>
+          <a:bodyPr lIns="0" rIns="0" tIns="0" bIns="0" anchor="ctr"/>
+          <a:p>
+            <a:pPr algn="ctr"/>
+            <a:r>
+              <a:rPr lang="en-AU" sz="4400">
+                <a:latin typeface="Arial"/>
+              </a:rPr>
+              <a:t>Click to edit the title text format</a:t>
+            </a:r>
+            <a:endParaRPr/>
+          </a:p>
+        </p:txBody>
+      </p:sp>
+      <p:sp>
+        <p:nvSpPr>
+          <p:cNvPr id="73" name="PlaceHolder 2"/>
+          <p:cNvSpPr>
+            <a:spLocks noGrp="1"/>
+          </p:cNvSpPr>
+          <p:nvPr>
+            <p:ph type="body"/>
+          </p:nvPr>
+        </p:nvSpPr>
+        <p:spPr>
+          <a:xfrm>
+            <a:off x="504000" y="1768680"/>
+            <a:ext cx="9072000" cy="4384080"/>
+          </a:xfrm>
+          <a:prstGeom prst="rect">
+            <a:avLst/>
+          </a:prstGeom>
+        </p:spPr>
+        <p:txBody>
+          <a:bodyPr lIns="0" rIns="0" tIns="0" bIns="0"/>
+          <a:p>
+            <a:pPr>
+              <a:buSzPct val="45000"/>
+              <a:buFont typeface="StarSymbol"/>
+              <a:buChar char=""/>
+            </a:pPr>
+            <a:r>
+              <a:rPr lang="en-AU" sz="3200">
+                <a:latin typeface="Arial"/>
+              </a:rPr>
+              <a:t>Click to edit the outline text format</a:t>
+            </a:r>
+            <a:endParaRPr/>
+          </a:p>
+          <a:p>
+            <a:pPr lvl="1">
+              <a:buSzPct val="75000"/>
+              <a:buFont typeface="StarSymbol"/>
+              <a:buChar char=""/>
+            </a:pPr>
+            <a:r>
+              <a:rPr lang="en-AU" sz="2800">
+                <a:latin typeface="Arial"/>
+              </a:rPr>
+              <a:t>Second Outline Level</a:t>
+            </a:r>
+            <a:endParaRPr/>
+          </a:p>
+          <a:p>
+            <a:pPr lvl="2">
+              <a:buSzPct val="45000"/>
+              <a:buFont typeface="StarSymbol"/>
+              <a:buChar char=""/>
+            </a:pPr>
+            <a:r>
+              <a:rPr lang="en-AU" sz="2400">
+                <a:latin typeface="Arial"/>
+              </a:rPr>
+              <a:t>Third Outline Level</a:t>
+            </a:r>
+            <a:endParaRPr/>
+          </a:p>
+          <a:p>
+            <a:pPr lvl="3">
+              <a:buSzPct val="75000"/>
+              <a:buFont typeface="StarSymbol"/>
+              <a:buChar char=""/>
+            </a:pPr>
+            <a:r>
+              <a:rPr lang="en-AU" sz="2000">
+                <a:latin typeface="Arial"/>
+              </a:rPr>
+              <a:t>Fourth Outline Level</a:t>
+            </a:r>
+            <a:endParaRPr/>
+          </a:p>
+          <a:p>
+            <a:pPr lvl="4">
+              <a:buSzPct val="45000"/>
+              <a:buFont typeface="StarSymbol"/>
+              <a:buChar char=""/>
+            </a:pPr>
+            <a:r>
+              <a:rPr lang="en-AU" sz="2000">
+                <a:latin typeface="Arial"/>
+              </a:rPr>
+              <a:t>Fifth Outline Level</a:t>
+            </a:r>
+            <a:endParaRPr/>
+          </a:p>
+          <a:p>
+            <a:pPr lvl="5">
+              <a:buSzPct val="45000"/>
+              <a:buFont typeface="StarSymbol"/>
+              <a:buChar char=""/>
+            </a:pPr>
+            <a:r>
+              <a:rPr lang="en-AU" sz="2000">
+                <a:latin typeface="Arial"/>
+              </a:rPr>
+              <a:t>Sixth Outline Level</a:t>
+            </a:r>
+            <a:endParaRPr/>
+          </a:p>
+          <a:p>
+            <a:pPr lvl="6">
+              <a:buSzPct val="45000"/>
+              <a:buFont typeface="StarSymbol"/>
+              <a:buChar char=""/>
+            </a:pPr>
+            <a:r>
+              <a:rPr lang="en-AU" sz="2000">
+                <a:latin typeface="Arial"/>
+              </a:rPr>
+              <a:t>Seventh Outline Level</a:t>
+            </a:r>
+            <a:endParaRPr/>
+          </a:p>
+        </p:txBody>
+      </p:sp>
+      <p:sp>
+        <p:nvSpPr>
+          <p:cNvPr id="74" name="PlaceHolder 3"/>
+          <p:cNvSpPr>
+            <a:spLocks noGrp="1"/>
+          </p:cNvSpPr>
+          <p:nvPr>
+            <p:ph type="dt"/>
+          </p:nvPr>
+        </p:nvSpPr>
+        <p:spPr>
+          <a:xfrm>
+            <a:off x="504000" y="6886800"/>
+            <a:ext cx="2348280" cy="520920"/>
+          </a:xfrm>
+          <a:prstGeom prst="rect">
+            <a:avLst/>
+          </a:prstGeom>
+        </p:spPr>
+        <p:txBody>
+          <a:bodyPr lIns="0" rIns="0" tIns="0" bIns="0"/>
+          <a:p>
+            <a:r>
+              <a:rPr lang="en-AU" sz="1400">
+                <a:latin typeface="Times New Roman"/>
+              </a:rPr>
+              <a:t>&lt;date/time&gt;</a:t>
+            </a:r>
+            <a:endParaRPr/>
+          </a:p>
+        </p:txBody>
+      </p:sp>
+      <p:sp>
+        <p:nvSpPr>
+          <p:cNvPr id="75" name="PlaceHolder 4"/>
+          <p:cNvSpPr>
+            <a:spLocks noGrp="1"/>
+          </p:cNvSpPr>
+          <p:nvPr>
+            <p:ph type="ftr"/>
+          </p:nvPr>
+        </p:nvSpPr>
+        <p:spPr>
+          <a:xfrm>
+            <a:off x="3447360" y="6886800"/>
+            <a:ext cx="3195000" cy="520920"/>
+          </a:xfrm>
+          <a:prstGeom prst="rect">
+            <a:avLst/>
+          </a:prstGeom>
+        </p:spPr>
+        <p:txBody>
+          <a:bodyPr lIns="0" rIns="0" tIns="0" bIns="0"/>
+          <a:p>
+            <a:pPr algn="ctr"/>
+            <a:r>
+              <a:rPr lang="en-AU" sz="1400">
+                <a:latin typeface="Times New Roman"/>
+              </a:rPr>
+              <a:t>&lt;footer&gt;</a:t>
+            </a:r>
+            <a:endParaRPr/>
+          </a:p>
+        </p:txBody>
+      </p:sp>
+      <p:sp>
+        <p:nvSpPr>
+          <p:cNvPr id="76" name="PlaceHolder 5"/>
+          <p:cNvSpPr>
+            <a:spLocks noGrp="1"/>
+          </p:cNvSpPr>
+          <p:nvPr>
+            <p:ph type="sldNum"/>
+          </p:nvPr>
+        </p:nvSpPr>
+        <p:spPr>
+          <a:xfrm>
+            <a:off x="7227720" y="6886800"/>
+            <a:ext cx="2348280" cy="520920"/>
+          </a:xfrm>
+          <a:prstGeom prst="rect">
+            <a:avLst/>
+          </a:prstGeom>
+        </p:spPr>
+        <p:txBody>
+          <a:bodyPr lIns="0" rIns="0" tIns="0" bIns="0"/>
+          <a:p>
+            <a:pPr algn="r"/>
+            <a:fld id="{D2FF2F67-C189-4F7B-A473-8C60DC0F37E2}" type="slidenum">
+              <a:rPr lang="en-AU" sz="1400">
+                <a:latin typeface="Times New Roman"/>
+              </a:rPr>
+              <a:t>&lt;number&gt;</a:t>
+            </a:fld>
+            <a:endParaRPr/>
+          </a:p>
+        </p:txBody>
+      </p:sp>
+    </p:spTree>
+  </p:cSld>
+  <p:clrMap bg1="lt1" bg2="lt2" tx1="dk1" tx2="dk2" accent1="accent1" accent2="accent2" accent3="accent3" accent4="accent4" accent5="accent5" accent6="accent6" hlink="hlink" folHlink="folHlink"/>
+  <p:sldLayoutIdLst>
+    <p:sldLayoutId id="2147483675" r:id="rId2"/>
+    <p:sldLayoutId id="2147483676" r:id="rId3"/>
+    <p:sldLayoutId id="2147483677" r:id="rId4"/>
+    <p:sldLayoutId id="2147483678" r:id="rId5"/>
+    <p:sldLayoutId id="2147483679" r:id="rId6"/>
+    <p:sldLayoutId id="2147483680" r:id="rId7"/>
+    <p:sldLayoutId id="2147483681" r:id="rId8"/>
+    <p:sldLayoutId id="2147483682" r:id="rId9"/>
+    <p:sldLayoutId id="2147483683" r:id="rId10"/>
+    <p:sldLayoutId id="2147483684" r:id="rId11"/>
+    <p:sldLayoutId id="2147483685" r:id="rId12"/>
+    <p:sldLayoutId id="2147483686" r:id="rId13"/>
   </p:sldLayoutIdLst>
 </p:sldMaster>
 </file>
@@ -2744,14 +4169,14 @@
       </p:grpSpPr>
       <p:sp>
         <p:nvSpPr>
-          <p:cNvPr id="73" name="CustomShape 1"/>
+          <p:cNvPr id="111" name="CustomShape 1"/>
           <p:cNvSpPr/>
           <p:nvPr/>
         </p:nvSpPr>
         <p:spPr>
           <a:xfrm>
             <a:off x="504000" y="301320"/>
-            <a:ext cx="9071280" cy="1261800"/>
+            <a:ext cx="9070920" cy="1261440"/>
           </a:xfrm>
           <a:prstGeom prst="rect">
             <a:avLst/>
@@ -2771,8 +4196,12 @@
           <a:bodyPr lIns="0" rIns="0" tIns="0" bIns="0" anchor="ctr"/>
           <a:p>
             <a:r>
-              <a:rPr b="1" lang="en-US" sz="4400" strike="noStrike">
-                <a:latin typeface="Arial"/>
+              <a:rPr b="1" lang="en-AU" sz="4400" strike="noStrike">
+                <a:solidFill>
+                  <a:srgbClr val="000000"/>
+                </a:solidFill>
+                <a:latin typeface="Arial"/>
+                <a:ea typeface="DejaVu Sans"/>
               </a:rPr>
               <a:t>Question 1</a:t>
             </a:r>
@@ -2782,14 +4211,14 @@
       </p:sp>
       <p:sp>
         <p:nvSpPr>
-          <p:cNvPr id="74" name="CustomShape 2"/>
+          <p:cNvPr id="112" name="CustomShape 2"/>
           <p:cNvSpPr/>
           <p:nvPr/>
         </p:nvSpPr>
         <p:spPr>
           <a:xfrm>
             <a:off x="504000" y="1769040"/>
-            <a:ext cx="9071280" cy="4384080"/>
+            <a:ext cx="9070920" cy="4383720"/>
           </a:xfrm>
           <a:prstGeom prst="rect">
             <a:avLst/>
@@ -2809,8 +4238,12 @@
           <a:bodyPr lIns="0" rIns="0" tIns="0" bIns="0" anchor="ctr"/>
           <a:p>
             <a:r>
-              <a:rPr lang="en-US" sz="4000" strike="noStrike">
-                <a:latin typeface="Arial"/>
+              <a:rPr lang="en-AU" sz="4000" strike="noStrike">
+                <a:solidFill>
+                  <a:srgbClr val="000000"/>
+                </a:solidFill>
+                <a:latin typeface="Arial"/>
+                <a:ea typeface="DejaVu Sans"/>
               </a:rPr>
               <a:t>Who here is running Windows?</a:t>
             </a:r>
@@ -2829,7 +4262,7 @@
               <a:buChar char="l"/>
             </a:pPr>
             <a:r>
-              <a:rPr lang="en-US" sz="3200" strike="noStrike">
+              <a:rPr lang="en-AU" sz="3200" strike="noStrike">
                 <a:solidFill>
                   <a:srgbClr val="018a8a"/>
                 </a:solidFill>
@@ -2850,7 +4283,7 @@
               <a:buChar char="l"/>
             </a:pPr>
             <a:r>
-              <a:rPr lang="en-US" sz="3200" strike="noStrike">
+              <a:rPr lang="en-AU" sz="3200" strike="noStrike">
                 <a:solidFill>
                   <a:srgbClr val="018a8a"/>
                 </a:solidFill>
@@ -2872,6 +4305,300 @@
           <p:childTnLst>
             <p:seq>
               <p:cTn id="2" nodeType="mainSeq"/>
+              <p:prevCondLst>
+                <p:cond delay="0" evt="onPrev">
+                  <p:tgtEl>
+                    <p:sldTgt/>
+                  </p:tgtEl>
+                </p:cond>
+              </p:prevCondLst>
+              <p:nextCondLst>
+                <p:cond delay="0" evt="onNext">
+                  <p:tgtEl>
+                    <p:sldTgt/>
+                  </p:tgtEl>
+                </p:cond>
+              </p:nextCondLst>
+            </p:seq>
+          </p:childTnLst>
+        </p:cTn>
+      </p:par>
+    </p:tnLst>
+  </p:timing>
+</p:sld>
+</file>
+
+<file path=ppt/slides/slide10.xml><?xml version="1.0" encoding="utf-8"?>
+<p:sld xmlns:a="http://schemas.openxmlformats.org/drawingml/2006/main" xmlns:p="http://schemas.openxmlformats.org/presentationml/2006/main" xmlns:r="http://schemas.openxmlformats.org/officeDocument/2006/relationships">
+  <p:cSld>
+    <p:spTree>
+      <p:nvGrpSpPr>
+        <p:cNvPr id="1" name=""/>
+        <p:cNvGrpSpPr/>
+        <p:nvPr/>
+      </p:nvGrpSpPr>
+      <p:grpSpPr>
+        <a:xfrm>
+          <a:off x="0" y="0"/>
+          <a:ext cx="0" cy="0"/>
+          <a:chOff x="0" y="0"/>
+          <a:chExt cx="0" cy="0"/>
+        </a:xfrm>
+      </p:grpSpPr>
+      <p:sp>
+        <p:nvSpPr>
+          <p:cNvPr id="129" name="CustomShape 1"/>
+          <p:cNvSpPr/>
+          <p:nvPr/>
+        </p:nvSpPr>
+        <p:spPr>
+          <a:xfrm>
+            <a:off x="504000" y="301320"/>
+            <a:ext cx="9070920" cy="1261440"/>
+          </a:xfrm>
+          <a:prstGeom prst="rect">
+            <a:avLst/>
+          </a:prstGeom>
+          <a:noFill/>
+          <a:ln>
+            <a:noFill/>
+          </a:ln>
+        </p:spPr>
+        <p:style>
+          <a:lnRef idx="0"/>
+          <a:fillRef idx="0"/>
+          <a:effectRef idx="0"/>
+          <a:fontRef idx="minor"/>
+        </p:style>
+        <p:txBody>
+          <a:bodyPr lIns="0" rIns="0" tIns="0" bIns="0" anchor="ctr"/>
+          <a:p>
+            <a:pPr algn="ctr">
+              <a:lnSpc>
+                <a:spcPct val="100000"/>
+              </a:lnSpc>
+            </a:pPr>
+            <a:r>
+              <a:rPr b="1" lang="en-AU" sz="4400" strike="noStrike">
+                <a:solidFill>
+                  <a:srgbClr val="000000"/>
+                </a:solidFill>
+                <a:latin typeface="Arial"/>
+                <a:ea typeface="DejaVu Sans"/>
+              </a:rPr>
+              <a:t>An unexpected error!</a:t>
+            </a:r>
+            <a:endParaRPr/>
+          </a:p>
+        </p:txBody>
+      </p:sp>
+      <p:sp>
+        <p:nvSpPr>
+          <p:cNvPr id="130" name="CustomShape 2"/>
+          <p:cNvSpPr/>
+          <p:nvPr/>
+        </p:nvSpPr>
+        <p:spPr>
+          <a:xfrm>
+            <a:off x="504000" y="1769040"/>
+            <a:ext cx="9070920" cy="4383720"/>
+          </a:xfrm>
+          <a:prstGeom prst="rect">
+            <a:avLst/>
+          </a:prstGeom>
+          <a:noFill/>
+          <a:ln>
+            <a:noFill/>
+          </a:ln>
+        </p:spPr>
+        <p:style>
+          <a:lnRef idx="0"/>
+          <a:fillRef idx="0"/>
+          <a:effectRef idx="0"/>
+          <a:fontRef idx="minor"/>
+        </p:style>
+        <p:txBody>
+          <a:bodyPr lIns="0" rIns="0" tIns="0" bIns="0"/>
+          <a:p>
+            <a:r>
+              <a:rPr i="1" lang="en-AU" sz="2000" strike="noStrike">
+                <a:solidFill>
+                  <a:srgbClr val="808080"/>
+                </a:solidFill>
+                <a:latin typeface="Menlo"/>
+                <a:ea typeface="Menlo"/>
+              </a:rPr>
+              <a:t>@@@@@@@@@@@@@@@@@@@@@@@@@@@@@@@@@@@@@@@@@@@@@@@@@@@@@@@@@@@</a:t>
+            </a:r>
+            <a:endParaRPr/>
+          </a:p>
+          <a:p>
+            <a:r>
+              <a:rPr i="1" lang="en-AU" sz="2000" strike="noStrike">
+                <a:solidFill>
+                  <a:srgbClr val="808080"/>
+                </a:solidFill>
+                <a:latin typeface="Menlo"/>
+                <a:ea typeface="Menlo"/>
+              </a:rPr>
+              <a:t>@    WARNING: REMOTE HOST IDENTIFICATION HAS CHANGED!     @</a:t>
+            </a:r>
+            <a:endParaRPr/>
+          </a:p>
+          <a:p>
+            <a:r>
+              <a:rPr i="1" lang="en-AU" sz="2000" strike="noStrike">
+                <a:solidFill>
+                  <a:srgbClr val="808080"/>
+                </a:solidFill>
+                <a:latin typeface="Menlo"/>
+                <a:ea typeface="Menlo"/>
+              </a:rPr>
+              <a:t>@@@@@@@@@@@@@@@@@@@@@@@@@@@@@@@@@@@@@@@@@@@@@@@@@@@@@@@@@@@</a:t>
+            </a:r>
+            <a:endParaRPr/>
+          </a:p>
+          <a:p>
+            <a:r>
+              <a:rPr i="1" lang="en-AU" sz="2000" strike="noStrike">
+                <a:solidFill>
+                  <a:srgbClr val="808080"/>
+                </a:solidFill>
+                <a:latin typeface="Menlo"/>
+                <a:ea typeface="Menlo"/>
+              </a:rPr>
+              <a:t>IT IS POSSIBLE THAT SOMEONE IS DOING SOMETHING NASTY!</a:t>
+            </a:r>
+            <a:endParaRPr/>
+          </a:p>
+          <a:p>
+            <a:r>
+              <a:rPr i="1" lang="en-AU" sz="2000" strike="noStrike">
+                <a:solidFill>
+                  <a:srgbClr val="808080"/>
+                </a:solidFill>
+                <a:latin typeface="Menlo"/>
+                <a:ea typeface="Menlo"/>
+              </a:rPr>
+              <a:t>Someone could be eavesdropping on you right now (man-in-the-middle attack)!</a:t>
+            </a:r>
+            <a:endParaRPr/>
+          </a:p>
+          <a:p>
+            <a:r>
+              <a:rPr i="1" lang="en-AU" sz="2000" strike="noStrike">
+                <a:solidFill>
+                  <a:srgbClr val="808080"/>
+                </a:solidFill>
+                <a:latin typeface="Menlo"/>
+                <a:ea typeface="Menlo"/>
+              </a:rPr>
+              <a:t>It is also possible that a host key has just been changed.</a:t>
+            </a:r>
+            <a:endParaRPr/>
+          </a:p>
+          <a:p>
+            <a:r>
+              <a:rPr i="1" lang="en-AU" sz="2000" strike="noStrike">
+                <a:solidFill>
+                  <a:srgbClr val="808080"/>
+                </a:solidFill>
+                <a:latin typeface="Menlo"/>
+                <a:ea typeface="Menlo"/>
+              </a:rPr>
+              <a:t>The fingerprint for the RSA key sent by the remote host is</a:t>
+            </a:r>
+            <a:endParaRPr/>
+          </a:p>
+          <a:p>
+            <a:r>
+              <a:rPr i="1" lang="en-AU" sz="2000" strike="noStrike">
+                <a:solidFill>
+                  <a:srgbClr val="808080"/>
+                </a:solidFill>
+                <a:latin typeface="Menlo"/>
+                <a:ea typeface="Menlo"/>
+              </a:rPr>
+              <a:t>45:ed:0b:42:16:b7:6c:dd:49:05:8d:b4:2b:16:7c:64.</a:t>
+            </a:r>
+            <a:endParaRPr/>
+          </a:p>
+          <a:p>
+            <a:r>
+              <a:rPr i="1" lang="en-AU" sz="2000" strike="noStrike">
+                <a:solidFill>
+                  <a:srgbClr val="808080"/>
+                </a:solidFill>
+                <a:latin typeface="Menlo"/>
+                <a:ea typeface="Menlo"/>
+              </a:rPr>
+              <a:t>Please contact your system administrator.</a:t>
+            </a:r>
+            <a:endParaRPr/>
+          </a:p>
+          <a:p>
+            <a:r>
+              <a:rPr i="1" lang="en-AU" sz="2000" strike="noStrike">
+                <a:solidFill>
+                  <a:srgbClr val="808080"/>
+                </a:solidFill>
+                <a:latin typeface="Menlo"/>
+                <a:ea typeface="Menlo"/>
+              </a:rPr>
+              <a:t>Add correct host key in /Users/martinpaulo/.ssh/known_hosts to get rid of this message.</a:t>
+            </a:r>
+            <a:endParaRPr/>
+          </a:p>
+          <a:p>
+            <a:r>
+              <a:rPr i="1" lang="en-AU" sz="2000" strike="noStrike">
+                <a:solidFill>
+                  <a:srgbClr val="808080"/>
+                </a:solidFill>
+                <a:latin typeface="Menlo"/>
+                <a:ea typeface="Menlo"/>
+              </a:rPr>
+              <a:t>Offending RSA key in /Users/martinpaulo/.ssh/known_hosts:14</a:t>
+            </a:r>
+            <a:endParaRPr/>
+          </a:p>
+          <a:p>
+            <a:r>
+              <a:rPr i="1" lang="en-AU" sz="2000" strike="noStrike">
+                <a:solidFill>
+                  <a:srgbClr val="808080"/>
+                </a:solidFill>
+                <a:latin typeface="Menlo"/>
+                <a:ea typeface="Menlo"/>
+              </a:rPr>
+              <a:t>RSA host key for 115.146.85.98 has changed and you have requested strict checking.</a:t>
+            </a:r>
+            <a:endParaRPr/>
+          </a:p>
+          <a:p>
+            <a:r>
+              <a:rPr i="1" lang="en-AU" sz="2000" strike="noStrike">
+                <a:solidFill>
+                  <a:srgbClr val="808080"/>
+                </a:solidFill>
+                <a:latin typeface="Menlo"/>
+                <a:ea typeface="Menlo"/>
+              </a:rPr>
+              <a:t>Host key verification failed. </a:t>
+            </a:r>
+            <a:endParaRPr/>
+          </a:p>
+        </p:txBody>
+      </p:sp>
+    </p:spTree>
+  </p:cSld>
+  <p:timing>
+    <p:tnLst>
+      <p:par>
+        <p:cTn id="19" dur="indefinite" restart="never" nodeType="tmRoot">
+          <p:childTnLst>
+            <p:seq>
+              <p:cTn id="20" nodeType="mainSeq"/>
               <p:prevCondLst>
                 <p:cond delay="0" evt="onPrev">
                   <p:tgtEl>
@@ -2914,14 +4641,14 @@
       </p:grpSpPr>
       <p:sp>
         <p:nvSpPr>
-          <p:cNvPr id="75" name="CustomShape 1"/>
+          <p:cNvPr id="113" name="CustomShape 1"/>
           <p:cNvSpPr/>
           <p:nvPr/>
         </p:nvSpPr>
         <p:spPr>
           <a:xfrm>
             <a:off x="504000" y="301320"/>
-            <a:ext cx="9071280" cy="1261800"/>
+            <a:ext cx="9070920" cy="1261440"/>
           </a:xfrm>
           <a:prstGeom prst="rect">
             <a:avLst/>
@@ -2946,32 +4673,52 @@
               </a:lnSpc>
             </a:pPr>
             <a:r>
-              <a:rPr lang="en-US" sz="4400" strike="noStrike">
-                <a:latin typeface="Arial"/>
+              <a:rPr lang="en-AU" sz="4400" strike="noStrike">
+                <a:solidFill>
+                  <a:srgbClr val="000000"/>
+                </a:solidFill>
+                <a:latin typeface="Arial"/>
+                <a:ea typeface="DejaVu Sans"/>
               </a:rPr>
               <a:t>ssh (</a:t>
             </a:r>
             <a:r>
-              <a:rPr b="1" lang="en-US" sz="4400" strike="noStrike">
-                <a:latin typeface="Arial"/>
+              <a:rPr b="1" lang="en-AU" sz="4400" strike="noStrike">
+                <a:solidFill>
+                  <a:srgbClr val="000000"/>
+                </a:solidFill>
+                <a:latin typeface="Arial"/>
+                <a:ea typeface="DejaVu Sans"/>
               </a:rPr>
               <a:t>s</a:t>
             </a:r>
             <a:r>
-              <a:rPr lang="en-US" sz="4400" strike="noStrike">
-                <a:latin typeface="Arial"/>
+              <a:rPr lang="en-AU" sz="4400" strike="noStrike">
+                <a:solidFill>
+                  <a:srgbClr val="000000"/>
+                </a:solidFill>
+                <a:latin typeface="Arial"/>
+                <a:ea typeface="DejaVu Sans"/>
               </a:rPr>
               <a:t>ecure </a:t>
             </a:r>
             <a:r>
-              <a:rPr b="1" lang="en-US" sz="4400" strike="noStrike">
-                <a:latin typeface="Arial"/>
+              <a:rPr b="1" lang="en-AU" sz="4400" strike="noStrike">
+                <a:solidFill>
+                  <a:srgbClr val="000000"/>
+                </a:solidFill>
+                <a:latin typeface="Arial"/>
+                <a:ea typeface="DejaVu Sans"/>
               </a:rPr>
               <a:t>sh</a:t>
             </a:r>
             <a:r>
-              <a:rPr lang="en-US" sz="4400" strike="noStrike">
-                <a:latin typeface="Arial"/>
+              <a:rPr lang="en-AU" sz="4400" strike="noStrike">
+                <a:solidFill>
+                  <a:srgbClr val="000000"/>
+                </a:solidFill>
+                <a:latin typeface="Arial"/>
+                <a:ea typeface="DejaVu Sans"/>
               </a:rPr>
               <a:t>ell)</a:t>
             </a:r>
@@ -2981,14 +4728,14 @@
       </p:sp>
       <p:sp>
         <p:nvSpPr>
-          <p:cNvPr id="76" name="CustomShape 2"/>
+          <p:cNvPr id="114" name="CustomShape 2"/>
           <p:cNvSpPr/>
           <p:nvPr/>
         </p:nvSpPr>
         <p:spPr>
           <a:xfrm>
             <a:off x="504000" y="1769040"/>
-            <a:ext cx="9071280" cy="4384080"/>
+            <a:ext cx="9070920" cy="4383720"/>
           </a:xfrm>
           <a:prstGeom prst="rect">
             <a:avLst/>
@@ -3011,7 +4758,7 @@
           </a:p>
           <a:p>
             <a:r>
-              <a:rPr i="1" lang="en-US" sz="3200" strike="noStrike">
+              <a:rPr i="1" lang="en-AU" sz="3200" strike="noStrike">
                 <a:solidFill>
                   <a:srgbClr val="000000"/>
                 </a:solidFill>
@@ -3024,7 +4771,7 @@
           </a:p>
           <a:p>
             <a:r>
-              <a:rPr b="1" lang="en-US" sz="3200" strike="noStrike">
+              <a:rPr b="1" lang="en-AU" sz="3200" strike="noStrike">
                 <a:solidFill>
                   <a:srgbClr val="000000"/>
                 </a:solidFill>
@@ -3037,7 +4784,7 @@
           </a:p>
           <a:p>
             <a:r>
-              <a:rPr i="1" lang="en-US" sz="3200" strike="noStrike">
+              <a:rPr i="1" lang="en-AU" sz="3200" strike="noStrike">
                 <a:solidFill>
                   <a:srgbClr val="000000"/>
                 </a:solidFill>
@@ -3101,14 +4848,14 @@
       </p:grpSpPr>
       <p:sp>
         <p:nvSpPr>
-          <p:cNvPr id="77" name="CustomShape 1"/>
+          <p:cNvPr id="115" name="CustomShape 1"/>
           <p:cNvSpPr/>
           <p:nvPr/>
         </p:nvSpPr>
         <p:spPr>
           <a:xfrm>
             <a:off x="504000" y="301320"/>
-            <a:ext cx="9071280" cy="1261800"/>
+            <a:ext cx="9070920" cy="1261440"/>
           </a:xfrm>
           <a:prstGeom prst="rect">
             <a:avLst/>
@@ -3128,8 +4875,12 @@
           <a:bodyPr lIns="0" rIns="0" tIns="0" bIns="0" anchor="ctr"/>
           <a:p>
             <a:r>
-              <a:rPr b="1" lang="en-US" sz="4400" strike="noStrike">
-                <a:latin typeface="Arial"/>
+              <a:rPr b="1" lang="en-AU" sz="4400" strike="noStrike">
+                <a:solidFill>
+                  <a:srgbClr val="000000"/>
+                </a:solidFill>
+                <a:latin typeface="Arial"/>
+                <a:ea typeface="DejaVu Sans"/>
               </a:rPr>
               <a:t>Question 2</a:t>
             </a:r>
@@ -3139,14 +4890,14 @@
       </p:sp>
       <p:sp>
         <p:nvSpPr>
-          <p:cNvPr id="78" name="CustomShape 2"/>
+          <p:cNvPr id="116" name="CustomShape 2"/>
           <p:cNvSpPr/>
           <p:nvPr/>
         </p:nvSpPr>
         <p:spPr>
           <a:xfrm>
             <a:off x="504000" y="1563480"/>
-            <a:ext cx="9071280" cy="5477040"/>
+            <a:ext cx="9070920" cy="5476680"/>
           </a:xfrm>
           <a:prstGeom prst="rect">
             <a:avLst/>
@@ -3166,8 +4917,12 @@
           <a:bodyPr lIns="0" rIns="0" tIns="0" bIns="0"/>
           <a:p>
             <a:r>
-              <a:rPr lang="en-US" sz="3200" strike="noStrike">
-                <a:latin typeface="Arial"/>
+              <a:rPr lang="en-AU" sz="3200" strike="noStrike">
+                <a:solidFill>
+                  <a:srgbClr val="000000"/>
+                </a:solidFill>
+                <a:latin typeface="Arial"/>
+                <a:ea typeface="DejaVu Sans"/>
               </a:rPr>
               <a:t>The NeCTAR image catalogue can be found at:</a:t>
             </a:r>
@@ -3175,8 +4930,12 @@
           </a:p>
           <a:p>
             <a:r>
-              <a:rPr lang="en-US" sz="3200" strike="noStrike">
-                <a:latin typeface="Arial"/>
+              <a:rPr lang="en-AU" sz="3200" strike="noStrike">
+                <a:solidFill>
+                  <a:srgbClr val="000000"/>
+                </a:solidFill>
+                <a:latin typeface="Arial"/>
+                <a:ea typeface="DejaVu Sans"/>
               </a:rPr>
               <a:t>https://wiki.rc.nectar.org.au/wiki/Image_Catalog</a:t>
             </a:r>
@@ -3184,8 +4943,12 @@
           </a:p>
           <a:p>
             <a:r>
-              <a:rPr lang="en-US" sz="3200" strike="noStrike">
-                <a:latin typeface="Arial"/>
+              <a:rPr lang="en-AU" sz="3200" strike="noStrike">
+                <a:solidFill>
+                  <a:srgbClr val="000000"/>
+                </a:solidFill>
+                <a:latin typeface="Arial"/>
+                <a:ea typeface="DejaVu Sans"/>
               </a:rPr>
               <a:t>What Operating system is the Drupal server based on?</a:t>
             </a:r>
@@ -3200,14 +4963,22 @@
               <a:buAutoNum type="alphaUcParenR"/>
             </a:pPr>
             <a:r>
-              <a:rPr lang="en-US" sz="3200" strike="noStrike">
-                <a:latin typeface="Arial"/>
+              <a:rPr lang="en-AU" sz="3200" strike="noStrike">
+                <a:solidFill>
+                  <a:srgbClr val="000000"/>
+                </a:solidFill>
+                <a:latin typeface="Arial"/>
+                <a:ea typeface="DejaVu Sans"/>
               </a:rPr>
               <a:t> </a:t>
             </a:r>
             <a:r>
-              <a:rPr lang="en-US" sz="3200" strike="noStrike">
-                <a:latin typeface="Arial"/>
+              <a:rPr lang="en-AU" sz="3200" strike="noStrike">
+                <a:solidFill>
+                  <a:srgbClr val="000000"/>
+                </a:solidFill>
+                <a:latin typeface="Arial"/>
+                <a:ea typeface="DejaVu Sans"/>
               </a:rPr>
               <a:t>Fedora</a:t>
             </a:r>
@@ -3222,14 +4993,22 @@
               <a:buAutoNum type="alphaUcParenR"/>
             </a:pPr>
             <a:r>
-              <a:rPr lang="en-US" sz="3200" strike="noStrike">
-                <a:latin typeface="Arial"/>
+              <a:rPr lang="en-AU" sz="3200" strike="noStrike">
+                <a:solidFill>
+                  <a:srgbClr val="000000"/>
+                </a:solidFill>
+                <a:latin typeface="Arial"/>
+                <a:ea typeface="DejaVu Sans"/>
               </a:rPr>
               <a:t> </a:t>
             </a:r>
             <a:r>
-              <a:rPr lang="en-US" sz="3200" strike="noStrike">
-                <a:latin typeface="Arial"/>
+              <a:rPr lang="en-AU" sz="3200" strike="noStrike">
+                <a:solidFill>
+                  <a:srgbClr val="000000"/>
+                </a:solidFill>
+                <a:latin typeface="Arial"/>
+                <a:ea typeface="DejaVu Sans"/>
               </a:rPr>
               <a:t>Debian</a:t>
             </a:r>
@@ -3244,14 +5023,22 @@
               <a:buAutoNum type="alphaUcParenR"/>
             </a:pPr>
             <a:r>
-              <a:rPr lang="en-US" sz="3200" strike="noStrike">
-                <a:latin typeface="Arial"/>
+              <a:rPr lang="en-AU" sz="3200" strike="noStrike">
+                <a:solidFill>
+                  <a:srgbClr val="000000"/>
+                </a:solidFill>
+                <a:latin typeface="Arial"/>
+                <a:ea typeface="DejaVu Sans"/>
               </a:rPr>
               <a:t> </a:t>
             </a:r>
             <a:r>
-              <a:rPr lang="en-US" sz="3200" strike="noStrike">
-                <a:latin typeface="Arial"/>
+              <a:rPr lang="en-AU" sz="3200" strike="noStrike">
+                <a:solidFill>
+                  <a:srgbClr val="000000"/>
+                </a:solidFill>
+                <a:latin typeface="Arial"/>
+                <a:ea typeface="DejaVu Sans"/>
               </a:rPr>
               <a:t>Centos</a:t>
             </a:r>
@@ -3266,14 +5053,22 @@
               <a:buAutoNum type="alphaUcParenR"/>
             </a:pPr>
             <a:r>
-              <a:rPr lang="en-US" sz="3200" strike="noStrike">
-                <a:latin typeface="Arial"/>
+              <a:rPr lang="en-AU" sz="3200" strike="noStrike">
+                <a:solidFill>
+                  <a:srgbClr val="000000"/>
+                </a:solidFill>
+                <a:latin typeface="Arial"/>
+                <a:ea typeface="DejaVu Sans"/>
               </a:rPr>
               <a:t> </a:t>
             </a:r>
             <a:r>
-              <a:rPr lang="en-US" sz="3200" strike="noStrike">
-                <a:latin typeface="Arial"/>
+              <a:rPr lang="en-AU" sz="3200" strike="noStrike">
+                <a:solidFill>
+                  <a:srgbClr val="000000"/>
+                </a:solidFill>
+                <a:latin typeface="Arial"/>
+                <a:ea typeface="DejaVu Sans"/>
               </a:rPr>
               <a:t>Ubuntu</a:t>
             </a:r>
@@ -3288,14 +5083,22 @@
               <a:buAutoNum type="alphaUcParenR"/>
             </a:pPr>
             <a:r>
-              <a:rPr lang="en-US" sz="3200" strike="noStrike">
-                <a:latin typeface="Arial"/>
+              <a:rPr lang="en-AU" sz="3200" strike="noStrike">
+                <a:solidFill>
+                  <a:srgbClr val="000000"/>
+                </a:solidFill>
+                <a:latin typeface="Arial"/>
+                <a:ea typeface="DejaVu Sans"/>
               </a:rPr>
               <a:t> </a:t>
             </a:r>
             <a:r>
-              <a:rPr lang="en-US" sz="3200" strike="noStrike">
-                <a:latin typeface="Arial"/>
+              <a:rPr lang="en-AU" sz="3200" strike="noStrike">
+                <a:solidFill>
+                  <a:srgbClr val="000000"/>
+                </a:solidFill>
+                <a:latin typeface="Arial"/>
+                <a:ea typeface="DejaVu Sans"/>
               </a:rPr>
               <a:t>Scientific Linux</a:t>
             </a:r>
@@ -3308,8 +5111,12 @@
               </a:lnSpc>
             </a:pPr>
             <a:r>
-              <a:rPr b="1" lang="en-US" sz="3600" strike="noStrike">
-                <a:latin typeface="Arial"/>
+              <a:rPr b="1" lang="en-AU" sz="3600" strike="noStrike">
+                <a:solidFill>
+                  <a:srgbClr val="000000"/>
+                </a:solidFill>
+                <a:latin typeface="Arial"/>
+                <a:ea typeface="DejaVu Sans"/>
               </a:rPr>
               <a:t>? </a:t>
             </a:r>
@@ -3368,14 +5175,14 @@
       </p:grpSpPr>
       <p:sp>
         <p:nvSpPr>
-          <p:cNvPr id="79" name="CustomShape 1"/>
+          <p:cNvPr id="117" name="CustomShape 1"/>
           <p:cNvSpPr/>
           <p:nvPr/>
         </p:nvSpPr>
         <p:spPr>
           <a:xfrm>
             <a:off x="504000" y="301320"/>
-            <a:ext cx="9071280" cy="1261800"/>
+            <a:ext cx="9070920" cy="1261440"/>
           </a:xfrm>
           <a:prstGeom prst="rect">
             <a:avLst/>
@@ -3400,25 +5207,29 @@
               </a:lnSpc>
             </a:pPr>
             <a:r>
-              <a:rPr b="1" lang="en-US" sz="4400" strike="noStrike">
-                <a:latin typeface="Arial"/>
-              </a:rPr>
-              <a:t>Is this a your error message?</a:t>
-            </a:r>
-            <a:endParaRPr/>
-          </a:p>
-        </p:txBody>
-      </p:sp>
-      <p:sp>
-        <p:nvSpPr>
-          <p:cNvPr id="80" name="CustomShape 2"/>
+              <a:rPr b="1" lang="en-AU" sz="4400" strike="noStrike">
+                <a:solidFill>
+                  <a:srgbClr val="000000"/>
+                </a:solidFill>
+                <a:latin typeface="Arial"/>
+                <a:ea typeface="DejaVu Sans"/>
+              </a:rPr>
+              <a:t>Is this your error message?</a:t>
+            </a:r>
+            <a:endParaRPr/>
+          </a:p>
+        </p:txBody>
+      </p:sp>
+      <p:sp>
+        <p:nvSpPr>
+          <p:cNvPr id="118" name="CustomShape 2"/>
           <p:cNvSpPr/>
           <p:nvPr/>
         </p:nvSpPr>
         <p:spPr>
           <a:xfrm>
             <a:off x="504000" y="1769040"/>
-            <a:ext cx="9071280" cy="4384080"/>
+            <a:ext cx="9070920" cy="4383720"/>
           </a:xfrm>
           <a:prstGeom prst="rect">
             <a:avLst/>
@@ -3437,112 +5248,102 @@
         <p:txBody>
           <a:bodyPr lIns="0" rIns="0" tIns="0" bIns="0"/>
           <a:p>
-            <a:r>
-              <a:rPr i="1" lang="en-US" sz="2000" strike="noStrike">
+            <a:endParaRPr/>
+          </a:p>
+          <a:p>
+            <a:r>
+              <a:rPr i="1" lang="en-AU" sz="2000" strike="noStrike">
                 <a:solidFill>
                   <a:srgbClr val="808080"/>
                 </a:solidFill>
                 <a:latin typeface="Menlo"/>
                 <a:ea typeface="Menlo"/>
               </a:rPr>
-              <a:t>```bash</a:t>
-            </a:r>
-            <a:endParaRPr/>
-          </a:p>
-          <a:p>
-            <a:r>
-              <a:rPr i="1" lang="en-US" sz="2000" strike="noStrike">
+              <a:t>@@@@@@@@@@@@@@@@@@@@@@@@@@@@@@@@@@@@@@@@@@@@@@@@@@@@@@@@@@@</a:t>
+            </a:r>
+            <a:endParaRPr/>
+          </a:p>
+          <a:p>
+            <a:r>
+              <a:rPr i="1" lang="en-AU" sz="2000" strike="noStrike">
                 <a:solidFill>
                   <a:srgbClr val="808080"/>
                 </a:solidFill>
                 <a:latin typeface="Menlo"/>
                 <a:ea typeface="Menlo"/>
               </a:rPr>
-              <a:t>@@@@@@@@@@@@@@@@@@@@@@@@@@@@@@@@@@@@@@@@@@@@@@@@@@@@@@@@@@@</a:t>
-            </a:r>
-            <a:endParaRPr/>
-          </a:p>
-          <a:p>
-            <a:r>
-              <a:rPr i="1" lang="en-US" sz="2000" strike="noStrike">
+              <a:t>@         WARNING: UNPROTECTED PRIVATE KEY FILE!          @</a:t>
+            </a:r>
+            <a:endParaRPr/>
+          </a:p>
+          <a:p>
+            <a:r>
+              <a:rPr i="1" lang="en-AU" sz="2000" strike="noStrike">
                 <a:solidFill>
                   <a:srgbClr val="808080"/>
                 </a:solidFill>
                 <a:latin typeface="Menlo"/>
                 <a:ea typeface="Menlo"/>
               </a:rPr>
-              <a:t>@         WARNING: UNPROTECTED PRIVATE KEY FILE!          @</a:t>
-            </a:r>
-            <a:endParaRPr/>
-          </a:p>
-          <a:p>
-            <a:r>
-              <a:rPr i="1" lang="en-US" sz="2000" strike="noStrike">
+              <a:t>@@@@@@@@@@@@@@@@@@@@@@@@@@@@@@@@@@@@@@@@@@@@@@@@@@@@@@@@@@@</a:t>
+            </a:r>
+            <a:endParaRPr/>
+          </a:p>
+          <a:p>
+            <a:r>
+              <a:rPr i="1" lang="en-AU" sz="2000" strike="noStrike">
                 <a:solidFill>
                   <a:srgbClr val="808080"/>
                 </a:solidFill>
                 <a:latin typeface="Menlo"/>
                 <a:ea typeface="Menlo"/>
               </a:rPr>
-              <a:t>@@@@@@@@@@@@@@@@@@@@@@@@@@@@@@@@@@@@@@@@@@@@@@@@@@@@@@@@@@@</a:t>
-            </a:r>
-            <a:endParaRPr/>
-          </a:p>
-          <a:p>
-            <a:r>
-              <a:rPr i="1" lang="en-US" sz="2000" strike="noStrike">
+              <a:t>Permissions 0777 for '.ssh/tut_dev.pem' are too open.</a:t>
+            </a:r>
+            <a:endParaRPr/>
+          </a:p>
+          <a:p>
+            <a:r>
+              <a:rPr i="1" lang="en-AU" sz="2000" strike="noStrike">
                 <a:solidFill>
                   <a:srgbClr val="808080"/>
                 </a:solidFill>
                 <a:latin typeface="Menlo"/>
                 <a:ea typeface="Menlo"/>
               </a:rPr>
-              <a:t>Permissions 0777 for '.ssh/tut_dev.pem' are too open.</a:t>
-            </a:r>
-            <a:endParaRPr/>
-          </a:p>
-          <a:p>
-            <a:r>
-              <a:rPr i="1" lang="en-US" sz="2000" strike="noStrike">
+              <a:t>It is required that your private key files are NOT accessible by others.</a:t>
+            </a:r>
+            <a:endParaRPr/>
+          </a:p>
+          <a:p>
+            <a:r>
+              <a:rPr i="1" lang="en-AU" sz="2000" strike="noStrike">
                 <a:solidFill>
                   <a:srgbClr val="808080"/>
                 </a:solidFill>
                 <a:latin typeface="Menlo"/>
                 <a:ea typeface="Menlo"/>
               </a:rPr>
-              <a:t>It is required that your private key files are NOT accessible by others.</a:t>
-            </a:r>
-            <a:endParaRPr/>
-          </a:p>
-          <a:p>
-            <a:r>
-              <a:rPr i="1" lang="en-US" sz="2000" strike="noStrike">
+              <a:t>This private key will be ignored.</a:t>
+            </a:r>
+            <a:endParaRPr/>
+          </a:p>
+          <a:p>
+            <a:r>
+              <a:rPr i="1" lang="en-AU" sz="2000" strike="noStrike">
                 <a:solidFill>
                   <a:srgbClr val="808080"/>
                 </a:solidFill>
                 <a:latin typeface="Menlo"/>
                 <a:ea typeface="Menlo"/>
               </a:rPr>
-              <a:t>This private key will be ignored.</a:t>
-            </a:r>
-            <a:endParaRPr/>
-          </a:p>
-          <a:p>
-            <a:r>
-              <a:rPr i="1" lang="en-US" sz="2000" strike="noStrike">
-                <a:solidFill>
-                  <a:srgbClr val="808080"/>
-                </a:solidFill>
-                <a:latin typeface="Menlo"/>
-                <a:ea typeface="Menlo"/>
-              </a:rPr>
               <a:t>bad permissions: ignore key: .ssh/nectar_dev.pem</a:t>
             </a:r>
             <a:endParaRPr/>
           </a:p>
           <a:p>
             <a:r>
-              <a:rPr i="1" lang="en-US" sz="2000" strike="noStrike">
+              <a:rPr i="1" lang="en-AU" sz="2000" strike="noStrike">
                 <a:solidFill>
                   <a:srgbClr val="808080"/>
                 </a:solidFill>
@@ -3606,14 +5407,14 @@
       </p:grpSpPr>
       <p:sp>
         <p:nvSpPr>
-          <p:cNvPr id="81" name="CustomShape 1"/>
+          <p:cNvPr id="119" name="CustomShape 1"/>
           <p:cNvSpPr/>
           <p:nvPr/>
         </p:nvSpPr>
         <p:spPr>
           <a:xfrm>
             <a:off x="504000" y="301320"/>
-            <a:ext cx="9071280" cy="1261800"/>
+            <a:ext cx="9070920" cy="1261440"/>
           </a:xfrm>
           <a:prstGeom prst="rect">
             <a:avLst/>
@@ -3638,8 +5439,12 @@
               </a:lnSpc>
             </a:pPr>
             <a:r>
-              <a:rPr b="1" lang="en-US" sz="4400" strike="noStrike">
-                <a:latin typeface="Arial"/>
+              <a:rPr b="1" lang="en-AU" sz="4400" strike="noStrike">
+                <a:solidFill>
+                  <a:srgbClr val="000000"/>
+                </a:solidFill>
+                <a:latin typeface="Arial"/>
+                <a:ea typeface="DejaVu Sans"/>
               </a:rPr>
               <a:t>Another command!</a:t>
             </a:r>
@@ -3649,14 +5454,14 @@
       </p:sp>
       <p:sp>
         <p:nvSpPr>
-          <p:cNvPr id="82" name="CustomShape 2"/>
+          <p:cNvPr id="120" name="CustomShape 2"/>
           <p:cNvSpPr/>
           <p:nvPr/>
         </p:nvSpPr>
         <p:spPr>
           <a:xfrm>
             <a:off x="504000" y="1769040"/>
-            <a:ext cx="9071280" cy="4384080"/>
+            <a:ext cx="9070920" cy="4383720"/>
           </a:xfrm>
           <a:prstGeom prst="rect">
             <a:avLst/>
@@ -3676,32 +5481,52 @@
           <a:bodyPr lIns="0" rIns="0" tIns="0" bIns="0"/>
           <a:p>
             <a:r>
-              <a:rPr lang="en-US" sz="3200" strike="noStrike">
-                <a:latin typeface="Arial"/>
+              <a:rPr lang="en-AU" sz="3200" strike="noStrike">
+                <a:solidFill>
+                  <a:srgbClr val="000000"/>
+                </a:solidFill>
+                <a:latin typeface="Arial"/>
+                <a:ea typeface="DejaVu Sans"/>
               </a:rPr>
               <a:t>chmod (</a:t>
             </a:r>
             <a:r>
-              <a:rPr b="1" lang="en-US" sz="3200" strike="noStrike">
-                <a:latin typeface="Arial"/>
+              <a:rPr b="1" lang="en-AU" sz="3200" strike="noStrike">
+                <a:solidFill>
+                  <a:srgbClr val="000000"/>
+                </a:solidFill>
+                <a:latin typeface="Arial"/>
+                <a:ea typeface="DejaVu Sans"/>
               </a:rPr>
               <a:t>ch</a:t>
             </a:r>
             <a:r>
-              <a:rPr lang="en-US" sz="3200" strike="noStrike">
-                <a:latin typeface="Arial"/>
+              <a:rPr lang="en-AU" sz="3200" strike="noStrike">
+                <a:solidFill>
+                  <a:srgbClr val="000000"/>
+                </a:solidFill>
+                <a:latin typeface="Arial"/>
+                <a:ea typeface="DejaVu Sans"/>
               </a:rPr>
               <a:t>ange file </a:t>
             </a:r>
             <a:r>
-              <a:rPr b="1" lang="en-US" sz="3200" strike="noStrike">
-                <a:latin typeface="Arial"/>
+              <a:rPr b="1" lang="en-AU" sz="3200" strike="noStrike">
+                <a:solidFill>
+                  <a:srgbClr val="000000"/>
+                </a:solidFill>
+                <a:latin typeface="Arial"/>
+                <a:ea typeface="DejaVu Sans"/>
               </a:rPr>
               <a:t>mod</a:t>
             </a:r>
             <a:r>
-              <a:rPr lang="en-US" sz="3200" strike="noStrike">
-                <a:latin typeface="Arial"/>
+              <a:rPr lang="en-AU" sz="3200" strike="noStrike">
+                <a:solidFill>
+                  <a:srgbClr val="000000"/>
+                </a:solidFill>
+                <a:latin typeface="Arial"/>
+                <a:ea typeface="DejaVu Sans"/>
               </a:rPr>
               <a:t>e)</a:t>
             </a:r>
@@ -3712,8 +5537,12 @@
           </a:p>
           <a:p>
             <a:r>
-              <a:rPr lang="en-US" sz="3200" strike="noStrike">
-                <a:latin typeface="Arial"/>
+              <a:rPr lang="en-AU" sz="3200" strike="noStrike">
+                <a:solidFill>
+                  <a:srgbClr val="000000"/>
+                </a:solidFill>
+                <a:latin typeface="Arial"/>
+                <a:ea typeface="DejaVu Sans"/>
               </a:rPr>
               <a:t>Form:</a:t>
             </a:r>
@@ -3721,7 +5550,7 @@
           </a:p>
           <a:p>
             <a:r>
-              <a:rPr i="1" lang="en-US" sz="3200" strike="noStrike">
+              <a:rPr i="1" lang="en-AU" sz="3200" strike="noStrike">
                 <a:solidFill>
                   <a:srgbClr val="808080"/>
                 </a:solidFill>
@@ -3737,7 +5566,7 @@
           </a:p>
           <a:p>
             <a:r>
-              <a:rPr lang="en-US" sz="3200" strike="noStrike">
+              <a:rPr lang="en-AU" sz="3200" strike="noStrike">
                 <a:solidFill>
                   <a:srgbClr val="000000"/>
                 </a:solidFill>
@@ -3750,7 +5579,7 @@
           </a:p>
           <a:p>
             <a:r>
-              <a:rPr lang="en-US" sz="3200" strike="noStrike">
+              <a:rPr lang="en-AU" sz="3200" strike="noStrike">
                 <a:solidFill>
                   <a:srgbClr val="808080"/>
                 </a:solidFill>
@@ -3817,14 +5646,14 @@
       </p:grpSpPr>
       <p:sp>
         <p:nvSpPr>
-          <p:cNvPr id="83" name="CustomShape 1"/>
+          <p:cNvPr id="121" name="CustomShape 1"/>
           <p:cNvSpPr/>
           <p:nvPr/>
         </p:nvSpPr>
         <p:spPr>
           <a:xfrm>
             <a:off x="504000" y="301320"/>
-            <a:ext cx="9071280" cy="1261800"/>
+            <a:ext cx="9070920" cy="1261440"/>
           </a:xfrm>
           <a:prstGeom prst="rect">
             <a:avLst/>
@@ -3849,8 +5678,12 @@
               </a:lnSpc>
             </a:pPr>
             <a:r>
-              <a:rPr b="1" lang="en-US" sz="4400" strike="noStrike">
-                <a:latin typeface="Arial"/>
+              <a:rPr b="1" lang="en-AU" sz="4400" strike="noStrike">
+                <a:solidFill>
+                  <a:srgbClr val="000000"/>
+                </a:solidFill>
+                <a:latin typeface="Arial"/>
+                <a:ea typeface="DejaVu Sans"/>
               </a:rPr>
               <a:t>Are you there yet?</a:t>
             </a:r>
@@ -3860,14 +5693,14 @@
       </p:sp>
       <p:sp>
         <p:nvSpPr>
-          <p:cNvPr id="84" name="CustomShape 2"/>
+          <p:cNvPr id="122" name="CustomShape 2"/>
           <p:cNvSpPr/>
           <p:nvPr/>
         </p:nvSpPr>
         <p:spPr>
           <a:xfrm>
             <a:off x="504000" y="1769040"/>
-            <a:ext cx="9071280" cy="4384080"/>
+            <a:ext cx="9070920" cy="4383720"/>
           </a:xfrm>
           <a:prstGeom prst="rect">
             <a:avLst/>
@@ -3887,7 +5720,7 @@
           <a:bodyPr lIns="0" rIns="0" tIns="0" bIns="0"/>
           <a:p>
             <a:r>
-              <a:rPr i="1" lang="en-US" sz="2000" strike="noStrike">
+              <a:rPr i="1" lang="en-AU" sz="2000" strike="noStrike">
                 <a:solidFill>
                   <a:srgbClr val="808080"/>
                 </a:solidFill>
@@ -3903,7 +5736,7 @@
           </a:p>
           <a:p>
             <a:r>
-              <a:rPr i="1" lang="en-US" sz="2000" strike="noStrike">
+              <a:rPr i="1" lang="en-AU" sz="2000" strike="noStrike">
                 <a:solidFill>
                   <a:srgbClr val="808080"/>
                 </a:solidFill>
@@ -3913,7 +5746,7 @@
               <a:t> </a:t>
             </a:r>
             <a:r>
-              <a:rPr i="1" lang="en-US" sz="2000" strike="noStrike">
+              <a:rPr i="1" lang="en-AU" sz="2000" strike="noStrike">
                 <a:solidFill>
                   <a:srgbClr val="808080"/>
                 </a:solidFill>
@@ -3926,7 +5759,7 @@
           </a:p>
           <a:p>
             <a:r>
-              <a:rPr i="1" lang="en-US" sz="2000" strike="noStrike">
+              <a:rPr i="1" lang="en-AU" sz="2000" strike="noStrike">
                 <a:solidFill>
                   <a:srgbClr val="808080"/>
                 </a:solidFill>
@@ -3939,7 +5772,7 @@
           </a:p>
           <a:p>
             <a:r>
-              <a:rPr i="1" lang="en-US" sz="2000" strike="noStrike">
+              <a:rPr i="1" lang="en-AU" sz="2000" strike="noStrike">
                 <a:solidFill>
                   <a:srgbClr val="808080"/>
                 </a:solidFill>
@@ -4003,14 +5836,14 @@
       </p:grpSpPr>
       <p:sp>
         <p:nvSpPr>
-          <p:cNvPr id="85" name="CustomShape 1"/>
+          <p:cNvPr id="123" name="CustomShape 1"/>
           <p:cNvSpPr/>
           <p:nvPr/>
         </p:nvSpPr>
         <p:spPr>
           <a:xfrm>
             <a:off x="504000" y="301320"/>
-            <a:ext cx="9071280" cy="1261800"/>
+            <a:ext cx="9070920" cy="1261440"/>
           </a:xfrm>
           <a:prstGeom prst="rect">
             <a:avLst/>
@@ -4035,8 +5868,12 @@
               </a:lnSpc>
             </a:pPr>
             <a:r>
-              <a:rPr b="1" lang="en-US" sz="4400" strike="noStrike">
-                <a:latin typeface="Arial"/>
+              <a:rPr b="1" lang="en-AU" sz="4400" strike="noStrike">
+                <a:solidFill>
+                  <a:srgbClr val="000000"/>
+                </a:solidFill>
+                <a:latin typeface="Arial"/>
+                <a:ea typeface="DejaVu Sans"/>
               </a:rPr>
               <a:t>Did you get?</a:t>
             </a:r>
@@ -4046,14 +5883,14 @@
       </p:sp>
       <p:sp>
         <p:nvSpPr>
-          <p:cNvPr id="86" name="CustomShape 2"/>
+          <p:cNvPr id="124" name="CustomShape 2"/>
           <p:cNvSpPr/>
           <p:nvPr/>
         </p:nvSpPr>
         <p:spPr>
           <a:xfrm>
             <a:off x="504000" y="1769040"/>
-            <a:ext cx="9071280" cy="4384080"/>
+            <a:ext cx="9070920" cy="4383720"/>
           </a:xfrm>
           <a:prstGeom prst="rect">
             <a:avLst/>
@@ -4073,8 +5910,12 @@
           <a:bodyPr lIns="0" rIns="0" tIns="0" bIns="0"/>
           <a:p>
             <a:r>
-              <a:rPr lang="en-US" sz="3200" strike="noStrike">
+              <a:rPr lang="en-AU" sz="3200" strike="noStrike">
+                <a:solidFill>
+                  <a:srgbClr val="000000"/>
+                </a:solidFill>
                 <a:latin typeface="Menlo"/>
+                <a:ea typeface="DejaVu Sans"/>
               </a:rPr>
               <a:t>$ apt-get update</a:t>
             </a:r>
@@ -4082,7 +5923,7 @@
           </a:p>
           <a:p>
             <a:r>
-              <a:rPr i="1" lang="en-US" strike="noStrike">
+              <a:rPr i="1" lang="en-AU" strike="noStrike">
                 <a:solidFill>
                   <a:srgbClr val="808080"/>
                 </a:solidFill>
@@ -4095,7 +5936,7 @@
           </a:p>
           <a:p>
             <a:r>
-              <a:rPr i="1" lang="en-US" strike="noStrike">
+              <a:rPr i="1" lang="en-AU" strike="noStrike">
                 <a:solidFill>
                   <a:srgbClr val="808080"/>
                 </a:solidFill>
@@ -4108,7 +5949,7 @@
           </a:p>
           <a:p>
             <a:r>
-              <a:rPr i="1" lang="en-US" strike="noStrike">
+              <a:rPr i="1" lang="en-AU" strike="noStrike">
                 <a:solidFill>
                   <a:srgbClr val="808080"/>
                 </a:solidFill>
@@ -4121,7 +5962,7 @@
           </a:p>
           <a:p>
             <a:r>
-              <a:rPr i="1" lang="en-US" strike="noStrike">
+              <a:rPr i="1" lang="en-AU" strike="noStrike">
                 <a:solidFill>
                   <a:srgbClr val="808080"/>
                 </a:solidFill>
@@ -4188,14 +6029,14 @@
       </p:grpSpPr>
       <p:sp>
         <p:nvSpPr>
-          <p:cNvPr id="87" name="CustomShape 1"/>
+          <p:cNvPr id="125" name="CustomShape 1"/>
           <p:cNvSpPr/>
           <p:nvPr/>
         </p:nvSpPr>
         <p:spPr>
           <a:xfrm>
             <a:off x="504000" y="301320"/>
-            <a:ext cx="9071280" cy="1261800"/>
+            <a:ext cx="9070920" cy="1261440"/>
           </a:xfrm>
           <a:prstGeom prst="rect">
             <a:avLst/>
@@ -4220,14 +6061,22 @@
               </a:lnSpc>
             </a:pPr>
             <a:r>
-              <a:rPr b="1" lang="en-US" sz="4400" strike="noStrike">
-                <a:latin typeface="Arial"/>
+              <a:rPr b="1" lang="en-AU" sz="4400" strike="noStrike">
+                <a:solidFill>
+                  <a:srgbClr val="000000"/>
+                </a:solidFill>
+                <a:latin typeface="Arial"/>
+                <a:ea typeface="DejaVu Sans"/>
               </a:rPr>
               <a:t>sudo</a:t>
             </a:r>
             <a:r>
-              <a:rPr lang="en-US" sz="4400" strike="noStrike">
-                <a:latin typeface="Arial"/>
+              <a:rPr lang="en-AU" sz="4400" strike="noStrike">
+                <a:solidFill>
+                  <a:srgbClr val="000000"/>
+                </a:solidFill>
+                <a:latin typeface="Arial"/>
+                <a:ea typeface="DejaVu Sans"/>
               </a:rPr>
               <a:t> to the rescue!</a:t>
             </a:r>
@@ -4237,14 +6086,14 @@
       </p:sp>
       <p:sp>
         <p:nvSpPr>
-          <p:cNvPr id="88" name="CustomShape 2"/>
+          <p:cNvPr id="126" name="CustomShape 2"/>
           <p:cNvSpPr/>
           <p:nvPr/>
         </p:nvSpPr>
         <p:spPr>
           <a:xfrm>
             <a:off x="504000" y="1805040"/>
-            <a:ext cx="9071280" cy="4384080"/>
+            <a:ext cx="9070920" cy="4383720"/>
           </a:xfrm>
           <a:prstGeom prst="rect">
             <a:avLst/>
@@ -4264,50 +6113,82 @@
           <a:bodyPr lIns="0" rIns="0" tIns="0" bIns="0"/>
           <a:p>
             <a:r>
-              <a:rPr lang="en-US" sz="3200" strike="noStrike">
+              <a:rPr lang="en-AU" sz="3200" strike="noStrike">
+                <a:solidFill>
+                  <a:srgbClr val="000000"/>
+                </a:solidFill>
                 <a:latin typeface="Menlo"/>
+                <a:ea typeface="DejaVu Sans"/>
               </a:rPr>
               <a:t>sudo</a:t>
             </a:r>
             <a:r>
-              <a:rPr lang="en-US" sz="3200" strike="noStrike">
-                <a:latin typeface="Arial"/>
+              <a:rPr lang="en-AU" sz="3200" strike="noStrike">
+                <a:solidFill>
+                  <a:srgbClr val="000000"/>
+                </a:solidFill>
+                <a:latin typeface="Arial"/>
+                <a:ea typeface="DejaVu Sans"/>
               </a:rPr>
               <a:t> (</a:t>
             </a:r>
             <a:r>
-              <a:rPr b="1" lang="en-US" sz="3200" strike="noStrike">
-                <a:latin typeface="Arial"/>
+              <a:rPr b="1" lang="en-AU" sz="3200" strike="noStrike">
+                <a:solidFill>
+                  <a:srgbClr val="000000"/>
+                </a:solidFill>
+                <a:latin typeface="Arial"/>
+                <a:ea typeface="DejaVu Sans"/>
               </a:rPr>
               <a:t>s</a:t>
             </a:r>
             <a:r>
-              <a:rPr lang="en-US" sz="3200" strike="noStrike">
-                <a:latin typeface="Arial"/>
+              <a:rPr lang="en-AU" sz="3200" strike="noStrike">
+                <a:solidFill>
+                  <a:srgbClr val="000000"/>
+                </a:solidFill>
+                <a:latin typeface="Arial"/>
+                <a:ea typeface="DejaVu Sans"/>
               </a:rPr>
               <a:t>uper </a:t>
             </a:r>
             <a:r>
-              <a:rPr b="1" lang="en-US" sz="3200" strike="noStrike">
-                <a:latin typeface="Arial"/>
+              <a:rPr b="1" lang="en-AU" sz="3200" strike="noStrike">
+                <a:solidFill>
+                  <a:srgbClr val="000000"/>
+                </a:solidFill>
+                <a:latin typeface="Arial"/>
+                <a:ea typeface="DejaVu Sans"/>
               </a:rPr>
               <a:t>u</a:t>
             </a:r>
             <a:r>
-              <a:rPr lang="en-US" sz="3200" strike="noStrike">
-                <a:latin typeface="Arial"/>
+              <a:rPr lang="en-AU" sz="3200" strike="noStrike">
+                <a:solidFill>
+                  <a:srgbClr val="000000"/>
+                </a:solidFill>
+                <a:latin typeface="Arial"/>
+                <a:ea typeface="DejaVu Sans"/>
               </a:rPr>
               <a:t>ser </a:t>
             </a:r>
             <a:r>
-              <a:rPr b="1" lang="en-US" sz="3200" strike="noStrike">
-                <a:latin typeface="Arial"/>
+              <a:rPr b="1" lang="en-AU" sz="3200" strike="noStrike">
+                <a:solidFill>
+                  <a:srgbClr val="000000"/>
+                </a:solidFill>
+                <a:latin typeface="Arial"/>
+                <a:ea typeface="DejaVu Sans"/>
               </a:rPr>
               <a:t>do</a:t>
             </a:r>
             <a:r>
-              <a:rPr lang="en-US" sz="3200" strike="noStrike">
-                <a:latin typeface="Arial"/>
+              <a:rPr lang="en-AU" sz="3200" strike="noStrike">
+                <a:solidFill>
+                  <a:srgbClr val="000000"/>
+                </a:solidFill>
+                <a:latin typeface="Arial"/>
+                <a:ea typeface="DejaVu Sans"/>
               </a:rPr>
               <a:t>)</a:t>
             </a:r>
@@ -4315,8 +6196,12 @@
           </a:p>
           <a:p>
             <a:r>
-              <a:rPr lang="en-US" sz="3200" strike="noStrike">
-                <a:latin typeface="Arial"/>
+              <a:rPr lang="en-AU" sz="3200" strike="noStrike">
+                <a:solidFill>
+                  <a:srgbClr val="000000"/>
+                </a:solidFill>
+                <a:latin typeface="Arial"/>
+                <a:ea typeface="DejaVu Sans"/>
               </a:rPr>
               <a:t>So:</a:t>
             </a:r>
@@ -4324,7 +6209,7 @@
           </a:p>
           <a:p>
             <a:r>
-              <a:rPr i="1" lang="en-US" sz="3200" strike="noStrike">
+              <a:rPr i="1" lang="en-AU" sz="3200" strike="noStrike">
                 <a:solidFill>
                   <a:srgbClr val="808080"/>
                 </a:solidFill>
@@ -4337,7 +6222,7 @@
           </a:p>
           <a:p>
             <a:r>
-              <a:rPr i="1" lang="en-US" sz="3200" strike="noStrike">
+              <a:rPr i="1" lang="en-AU" sz="3200" strike="noStrike">
                 <a:solidFill>
                   <a:srgbClr val="808080"/>
                 </a:solidFill>
@@ -4362,6 +6247,257 @@
           <p:childTnLst>
             <p:seq>
               <p:cTn id="16" nodeType="mainSeq"/>
+              <p:prevCondLst>
+                <p:cond delay="0" evt="onPrev">
+                  <p:tgtEl>
+                    <p:sldTgt/>
+                  </p:tgtEl>
+                </p:cond>
+              </p:prevCondLst>
+              <p:nextCondLst>
+                <p:cond delay="0" evt="onNext">
+                  <p:tgtEl>
+                    <p:sldTgt/>
+                  </p:tgtEl>
+                </p:cond>
+              </p:nextCondLst>
+            </p:seq>
+          </p:childTnLst>
+        </p:cTn>
+      </p:par>
+    </p:tnLst>
+  </p:timing>
+</p:sld>
+</file>
+
+<file path=ppt/slides/slide9.xml><?xml version="1.0" encoding="utf-8"?>
+<p:sld xmlns:a="http://schemas.openxmlformats.org/drawingml/2006/main" xmlns:p="http://schemas.openxmlformats.org/presentationml/2006/main" xmlns:r="http://schemas.openxmlformats.org/officeDocument/2006/relationships">
+  <p:cSld>
+    <p:spTree>
+      <p:nvGrpSpPr>
+        <p:cNvPr id="1" name=""/>
+        <p:cNvGrpSpPr/>
+        <p:nvPr/>
+      </p:nvGrpSpPr>
+      <p:grpSpPr>
+        <a:xfrm>
+          <a:off x="0" y="0"/>
+          <a:ext cx="0" cy="0"/>
+          <a:chOff x="0" y="0"/>
+          <a:chExt cx="0" cy="0"/>
+        </a:xfrm>
+      </p:grpSpPr>
+      <p:sp>
+        <p:nvSpPr>
+          <p:cNvPr id="127" name="CustomShape 1"/>
+          <p:cNvSpPr/>
+          <p:nvPr/>
+        </p:nvSpPr>
+        <p:spPr>
+          <a:xfrm>
+            <a:off x="504000" y="301320"/>
+            <a:ext cx="9070920" cy="1261440"/>
+          </a:xfrm>
+          <a:prstGeom prst="rect">
+            <a:avLst/>
+          </a:prstGeom>
+          <a:noFill/>
+          <a:ln>
+            <a:noFill/>
+          </a:ln>
+        </p:spPr>
+        <p:style>
+          <a:lnRef idx="0"/>
+          <a:fillRef idx="0"/>
+          <a:effectRef idx="0"/>
+          <a:fontRef idx="minor"/>
+        </p:style>
+        <p:txBody>
+          <a:bodyPr lIns="0" rIns="0" tIns="0" bIns="0" anchor="ctr"/>
+          <a:p>
+            <a:r>
+              <a:rPr b="1" lang="en-AU" sz="4400" strike="noStrike">
+                <a:solidFill>
+                  <a:srgbClr val="000000"/>
+                </a:solidFill>
+                <a:latin typeface="Arial"/>
+                <a:ea typeface="DejaVu Sans"/>
+              </a:rPr>
+              <a:t>Question 3</a:t>
+            </a:r>
+            <a:endParaRPr/>
+          </a:p>
+        </p:txBody>
+      </p:sp>
+      <p:sp>
+        <p:nvSpPr>
+          <p:cNvPr id="128" name="CustomShape 2"/>
+          <p:cNvSpPr/>
+          <p:nvPr/>
+        </p:nvSpPr>
+        <p:spPr>
+          <a:xfrm>
+            <a:off x="504000" y="1563480"/>
+            <a:ext cx="9070920" cy="5476680"/>
+          </a:xfrm>
+          <a:prstGeom prst="rect">
+            <a:avLst/>
+          </a:prstGeom>
+          <a:noFill/>
+          <a:ln>
+            <a:noFill/>
+          </a:ln>
+        </p:spPr>
+        <p:style>
+          <a:lnRef idx="0"/>
+          <a:fillRef idx="0"/>
+          <a:effectRef idx="0"/>
+          <a:fontRef idx="minor"/>
+        </p:style>
+        <p:txBody>
+          <a:bodyPr lIns="0" rIns="0" tIns="0" bIns="0"/>
+          <a:p>
+            <a:r>
+              <a:rPr lang="en-AU" sz="3200" strike="noStrike">
+                <a:solidFill>
+                  <a:srgbClr val="000000"/>
+                </a:solidFill>
+                <a:latin typeface="Arial"/>
+                <a:ea typeface="DejaVu Sans"/>
+              </a:rPr>
+              <a:t>You remove ssh from a security group shared with many other servers. Will you be able to ssh into another server that is also governed by the security group?</a:t>
+            </a:r>
+            <a:endParaRPr/>
+          </a:p>
+          <a:p>
+            <a:pPr>
+              <a:lnSpc>
+                <a:spcPct val="100000"/>
+              </a:lnSpc>
+              <a:buFont typeface="StarSymbol"/>
+              <a:buAutoNum type="alphaUcParenR"/>
+            </a:pPr>
+            <a:r>
+              <a:rPr lang="en-AU" sz="3200" strike="noStrike">
+                <a:solidFill>
+                  <a:srgbClr val="000000"/>
+                </a:solidFill>
+                <a:latin typeface="Arial"/>
+                <a:ea typeface="DejaVu Sans"/>
+              </a:rPr>
+              <a:t> </a:t>
+            </a:r>
+            <a:r>
+              <a:rPr lang="en-AU" sz="3200" strike="noStrike">
+                <a:solidFill>
+                  <a:srgbClr val="000000"/>
+                </a:solidFill>
+                <a:latin typeface="Arial"/>
+                <a:ea typeface="DejaVu Sans"/>
+              </a:rPr>
+              <a:t>Yes</a:t>
+            </a:r>
+            <a:endParaRPr/>
+          </a:p>
+          <a:p>
+            <a:pPr>
+              <a:lnSpc>
+                <a:spcPct val="100000"/>
+              </a:lnSpc>
+              <a:buFont typeface="StarSymbol"/>
+              <a:buAutoNum type="alphaUcParenR"/>
+            </a:pPr>
+            <a:r>
+              <a:rPr lang="en-AU" sz="3200" strike="noStrike">
+                <a:solidFill>
+                  <a:srgbClr val="000000"/>
+                </a:solidFill>
+                <a:latin typeface="Arial"/>
+                <a:ea typeface="DejaVu Sans"/>
+              </a:rPr>
+              <a:t> </a:t>
+            </a:r>
+            <a:r>
+              <a:rPr lang="en-AU" sz="3200" strike="noStrike">
+                <a:solidFill>
+                  <a:srgbClr val="000000"/>
+                </a:solidFill>
+                <a:latin typeface="Arial"/>
+                <a:ea typeface="DejaVu Sans"/>
+              </a:rPr>
+              <a:t>No</a:t>
+            </a:r>
+            <a:endParaRPr/>
+          </a:p>
+          <a:p>
+            <a:pPr>
+              <a:lnSpc>
+                <a:spcPct val="100000"/>
+              </a:lnSpc>
+              <a:buFont typeface="StarSymbol"/>
+              <a:buAutoNum type="alphaUcParenR"/>
+            </a:pPr>
+            <a:r>
+              <a:rPr lang="en-AU" sz="3200" strike="noStrike">
+                <a:solidFill>
+                  <a:srgbClr val="000000"/>
+                </a:solidFill>
+                <a:latin typeface="Arial"/>
+                <a:ea typeface="DejaVu Sans"/>
+              </a:rPr>
+              <a:t> </a:t>
+            </a:r>
+            <a:r>
+              <a:rPr lang="en-AU" sz="3200" strike="noStrike">
+                <a:solidFill>
+                  <a:srgbClr val="000000"/>
+                </a:solidFill>
+                <a:latin typeface="Arial"/>
+                <a:ea typeface="DejaVu Sans"/>
+              </a:rPr>
+              <a:t>Only if there is another security group applied to the server that has ssh enabled.</a:t>
+            </a:r>
+            <a:endParaRPr/>
+          </a:p>
+          <a:p>
+            <a:pPr algn="ctr">
+              <a:lnSpc>
+                <a:spcPct val="100000"/>
+              </a:lnSpc>
+            </a:pPr>
+            <a:r>
+              <a:rPr lang="en-AU" sz="3200" strike="noStrike">
+                <a:solidFill>
+                  <a:srgbClr val="000000"/>
+                </a:solidFill>
+                <a:latin typeface="Arial"/>
+                <a:ea typeface="DejaVu Sans"/>
+              </a:rPr>
+              <a:t> </a:t>
+            </a:r>
+            <a:r>
+              <a:rPr b="1" lang="en-AU" sz="3600" strike="noStrike">
+                <a:solidFill>
+                  <a:srgbClr val="000000"/>
+                </a:solidFill>
+                <a:latin typeface="Arial"/>
+                <a:ea typeface="DejaVu Sans"/>
+              </a:rPr>
+              <a:t>? </a:t>
+            </a:r>
+            <a:endParaRPr/>
+          </a:p>
+        </p:txBody>
+      </p:sp>
+    </p:spTree>
+  </p:cSld>
+  <p:timing>
+    <p:tnLst>
+      <p:par>
+        <p:cTn id="17" dur="indefinite" restart="never" nodeType="tmRoot">
+          <p:childTnLst>
+            <p:seq>
+              <p:cTn id="18" nodeType="mainSeq"/>
               <p:prevCondLst>
                 <p:cond delay="0" evt="onPrev">
                   <p:tgtEl>
@@ -4829,4 +6965,227 @@
     </a:fmtScheme>
   </a:themeElements>
 </a:theme>
+</file>
+
+<file path=ppt/theme/theme3.xml><?xml version="1.0" encoding="utf-8"?>
+<a:theme xmlns:a="http://schemas.openxmlformats.org/drawingml/2006/main" name="Office Theme">
+  <a:themeElements>
+    <a:clrScheme name="Office">
+      <a:dk1>
+        <a:sysClr val="windowText" lastClr="000000"/>
+      </a:dk1>
+      <a:lt1>
+        <a:sysClr val="window" lastClr="FFFFFF"/>
+      </a:lt1>
+      <a:dk2>
+        <a:srgbClr val="1F497D"/>
+      </a:dk2>
+      <a:lt2>
+        <a:srgbClr val="EEECE1"/>
+      </a:lt2>
+      <a:accent1>
+        <a:srgbClr val="4F81BD"/>
+      </a:accent1>
+      <a:accent2>
+        <a:srgbClr val="C0504D"/>
+      </a:accent2>
+      <a:accent3>
+        <a:srgbClr val="9BBB59"/>
+      </a:accent3>
+      <a:accent4>
+        <a:srgbClr val="8064A2"/>
+      </a:accent4>
+      <a:accent5>
+        <a:srgbClr val="4BACC6"/>
+      </a:accent5>
+      <a:accent6>
+        <a:srgbClr val="F79646"/>
+      </a:accent6>
+      <a:hlink>
+        <a:srgbClr val="0000FF"/>
+      </a:hlink>
+      <a:folHlink>
+        <a:srgbClr val="800080"/>
+      </a:folHlink>
+    </a:clrScheme>
+    <a:fontScheme name="Office">
+      <a:majorFont>
+        <a:latin typeface="Arial"/>
+        <a:ea typeface="DejaVu Sans"/>
+        <a:cs typeface="DejaVu Sans"/>
+      </a:majorFont>
+      <a:minorFont>
+        <a:latin typeface="Arial"/>
+        <a:ea typeface="DejaVu Sans"/>
+        <a:cs typeface="DejaVu Sans"/>
+      </a:minorFont>
+    </a:fontScheme>
+    <a:fmtScheme name="Office">
+      <a:fillStyleLst>
+        <a:solidFill>
+          <a:schemeClr val="phClr"/>
+        </a:solidFill>
+        <a:gradFill rotWithShape="1">
+          <a:gsLst>
+            <a:gs pos="0">
+              <a:schemeClr val="phClr">
+                <a:tint val="50000"/>
+                <a:satMod val="300000"/>
+              </a:schemeClr>
+            </a:gs>
+            <a:gs pos="35000">
+              <a:schemeClr val="phClr">
+                <a:tint val="37000"/>
+                <a:satMod val="300000"/>
+              </a:schemeClr>
+            </a:gs>
+            <a:gs pos="100000">
+              <a:schemeClr val="phClr">
+                <a:tint val="15000"/>
+                <a:satMod val="350000"/>
+              </a:schemeClr>
+            </a:gs>
+          </a:gsLst>
+          <a:lin ang="16200000" scaled="1"/>
+        </a:gradFill>
+        <a:gradFill rotWithShape="1">
+          <a:gsLst>
+            <a:gs pos="0">
+              <a:schemeClr val="phClr">
+                <a:shade val="51000"/>
+                <a:satMod val="130000"/>
+              </a:schemeClr>
+            </a:gs>
+            <a:gs pos="80000">
+              <a:schemeClr val="phClr">
+                <a:shade val="93000"/>
+                <a:satMod val="130000"/>
+              </a:schemeClr>
+            </a:gs>
+            <a:gs pos="100000">
+              <a:schemeClr val="phClr">
+                <a:shade val="94000"/>
+                <a:satMod val="135000"/>
+              </a:schemeClr>
+            </a:gs>
+          </a:gsLst>
+          <a:lin ang="16200000" scaled="0"/>
+        </a:gradFill>
+      </a:fillStyleLst>
+      <a:lnStyleLst>
+        <a:ln w="9525" cap="flat" cmpd="sng" algn="ctr">
+          <a:solidFill>
+            <a:schemeClr val="phClr">
+              <a:shade val="95000"/>
+              <a:satMod val="105000"/>
+            </a:schemeClr>
+          </a:solidFill>
+          <a:prstDash val="solid"/>
+        </a:ln>
+        <a:ln w="25400" cap="flat" cmpd="sng" algn="ctr">
+          <a:solidFill>
+            <a:schemeClr val="phClr"/>
+          </a:solidFill>
+          <a:prstDash val="solid"/>
+        </a:ln>
+        <a:ln w="38100" cap="flat" cmpd="sng" algn="ctr">
+          <a:solidFill>
+            <a:schemeClr val="phClr"/>
+          </a:solidFill>
+          <a:prstDash val="solid"/>
+        </a:ln>
+      </a:lnStyleLst>
+      <a:effectStyleLst>
+        <a:effectStyle>
+          <a:effectLst>
+            <a:outerShdw blurRad="40000" dist="20000" dir="5400000" rotWithShape="0">
+              <a:srgbClr val="000000">
+                <a:alpha val="38000"/>
+              </a:srgbClr>
+            </a:outerShdw>
+          </a:effectLst>
+        </a:effectStyle>
+        <a:effectStyle>
+          <a:effectLst>
+            <a:outerShdw blurRad="40000" dist="23000" dir="5400000" rotWithShape="0">
+              <a:srgbClr val="000000">
+                <a:alpha val="35000"/>
+              </a:srgbClr>
+            </a:outerShdw>
+          </a:effectLst>
+        </a:effectStyle>
+        <a:effectStyle>
+          <a:effectLst>
+            <a:outerShdw blurRad="40000" dist="23000" dir="5400000" rotWithShape="0">
+              <a:srgbClr val="000000">
+                <a:alpha val="35000"/>
+              </a:srgbClr>
+            </a:outerShdw>
+          </a:effectLst>
+          <a:scene3d>
+            <a:camera prst="orthographicFront">
+              <a:rot lat="0" lon="0" rev="0"/>
+            </a:camera>
+            <a:lightRig rig="threePt" dir="t">
+              <a:rot lat="0" lon="0" rev="1200000"/>
+            </a:lightRig>
+          </a:scene3d>
+          <a:sp3d>
+            <a:bevelT w="63500" h="25400"/>
+          </a:sp3d>
+        </a:effectStyle>
+      </a:effectStyleLst>
+      <a:bgFillStyleLst>
+        <a:solidFill>
+          <a:schemeClr val="phClr"/>
+        </a:solidFill>
+        <a:gradFill rotWithShape="1">
+          <a:gsLst>
+            <a:gs pos="0">
+              <a:schemeClr val="phClr">
+                <a:tint val="40000"/>
+                <a:satMod val="350000"/>
+              </a:schemeClr>
+            </a:gs>
+            <a:gs pos="40000">
+              <a:schemeClr val="phClr">
+                <a:tint val="45000"/>
+                <a:shade val="99000"/>
+                <a:satMod val="350000"/>
+              </a:schemeClr>
+            </a:gs>
+            <a:gs pos="100000">
+              <a:schemeClr val="phClr">
+                <a:shade val="20000"/>
+                <a:satMod val="255000"/>
+              </a:schemeClr>
+            </a:gs>
+          </a:gsLst>
+          <a:path path="circle">
+            <a:fillToRect l="50000" t="-80000" r="50000" b="180000"/>
+          </a:path>
+        </a:gradFill>
+        <a:gradFill rotWithShape="1">
+          <a:gsLst>
+            <a:gs pos="0">
+              <a:schemeClr val="phClr">
+                <a:tint val="80000"/>
+                <a:satMod val="300000"/>
+              </a:schemeClr>
+            </a:gs>
+            <a:gs pos="100000">
+              <a:schemeClr val="phClr">
+                <a:shade val="30000"/>
+                <a:satMod val="200000"/>
+              </a:schemeClr>
+            </a:gs>
+          </a:gsLst>
+          <a:path path="circle">
+            <a:fillToRect l="50000" t="50000" r="50000" b="50000"/>
+          </a:path>
+        </a:gradFill>
+      </a:bgFillStyleLst>
+    </a:fmtScheme>
+  </a:themeElements>
+</a:theme>
 </file>
--- a/Lessons/Lesson_III/Lesson_III_Questions.pptx
+++ b/Lessons/Lesson_III/Lesson_III_Questions.pptx
@@ -17,6 +17,7 @@
     <p:sldId id="263" r:id="rId12"/>
     <p:sldId id="264" r:id="rId13"/>
     <p:sldId id="265" r:id="rId14"/>
+    <p:sldId id="266" r:id="rId15"/>
   </p:sldIdLst>
   <p:sldSz cx="10080625" cy="7559675"/>
   <p:notesSz cx="7559675" cy="10691812"/>
@@ -1717,7 +1718,7 @@
       </p:grpSpPr>
       <p:sp>
         <p:nvSpPr>
-          <p:cNvPr id="77" name="PlaceHolder 1"/>
+          <p:cNvPr id="74" name="PlaceHolder 1"/>
           <p:cNvSpPr>
             <a:spLocks noGrp="1"/>
           </p:cNvSpPr>
@@ -1744,7 +1745,7 @@
       </p:sp>
       <p:sp>
         <p:nvSpPr>
-          <p:cNvPr id="78" name="PlaceHolder 2"/>
+          <p:cNvPr id="75" name="PlaceHolder 2"/>
           <p:cNvSpPr>
             <a:spLocks noGrp="1"/>
           </p:cNvSpPr>
@@ -1793,7 +1794,7 @@
       </p:grpSpPr>
       <p:sp>
         <p:nvSpPr>
-          <p:cNvPr id="79" name="PlaceHolder 1"/>
+          <p:cNvPr id="76" name="PlaceHolder 1"/>
           <p:cNvSpPr>
             <a:spLocks noGrp="1"/>
           </p:cNvSpPr>
@@ -1820,7 +1821,7 @@
       </p:sp>
       <p:sp>
         <p:nvSpPr>
-          <p:cNvPr id="80" name="PlaceHolder 2"/>
+          <p:cNvPr id="77" name="PlaceHolder 2"/>
           <p:cNvSpPr>
             <a:spLocks noGrp="1"/>
           </p:cNvSpPr>
@@ -1868,7 +1869,7 @@
       </p:grpSpPr>
       <p:sp>
         <p:nvSpPr>
-          <p:cNvPr id="81" name="PlaceHolder 1"/>
+          <p:cNvPr id="78" name="PlaceHolder 1"/>
           <p:cNvSpPr>
             <a:spLocks noGrp="1"/>
           </p:cNvSpPr>
@@ -1895,7 +1896,7 @@
       </p:sp>
       <p:sp>
         <p:nvSpPr>
-          <p:cNvPr id="82" name="PlaceHolder 2"/>
+          <p:cNvPr id="79" name="PlaceHolder 2"/>
           <p:cNvSpPr>
             <a:spLocks noGrp="1"/>
           </p:cNvSpPr>
@@ -1921,7 +1922,7 @@
       </p:sp>
       <p:sp>
         <p:nvSpPr>
-          <p:cNvPr id="83" name="PlaceHolder 3"/>
+          <p:cNvPr id="80" name="PlaceHolder 3"/>
           <p:cNvSpPr>
             <a:spLocks noGrp="1"/>
           </p:cNvSpPr>
@@ -1969,7 +1970,7 @@
       </p:grpSpPr>
       <p:sp>
         <p:nvSpPr>
-          <p:cNvPr id="84" name="PlaceHolder 1"/>
+          <p:cNvPr id="81" name="PlaceHolder 1"/>
           <p:cNvSpPr>
             <a:spLocks noGrp="1"/>
           </p:cNvSpPr>
@@ -2093,7 +2094,7 @@
       </p:grpSpPr>
       <p:sp>
         <p:nvSpPr>
-          <p:cNvPr id="85" name="PlaceHolder 1"/>
+          <p:cNvPr id="82" name="PlaceHolder 1"/>
           <p:cNvSpPr>
             <a:spLocks noGrp="1"/>
           </p:cNvSpPr>
@@ -2142,7 +2143,7 @@
       </p:grpSpPr>
       <p:sp>
         <p:nvSpPr>
-          <p:cNvPr id="86" name="PlaceHolder 1"/>
+          <p:cNvPr id="83" name="PlaceHolder 1"/>
           <p:cNvSpPr>
             <a:spLocks noGrp="1"/>
           </p:cNvSpPr>
@@ -2169,7 +2170,7 @@
       </p:sp>
       <p:sp>
         <p:nvSpPr>
-          <p:cNvPr id="87" name="PlaceHolder 2"/>
+          <p:cNvPr id="84" name="PlaceHolder 2"/>
           <p:cNvSpPr>
             <a:spLocks noGrp="1"/>
           </p:cNvSpPr>
@@ -2195,7 +2196,7 @@
       </p:sp>
       <p:sp>
         <p:nvSpPr>
-          <p:cNvPr id="88" name="PlaceHolder 3"/>
+          <p:cNvPr id="85" name="PlaceHolder 3"/>
           <p:cNvSpPr>
             <a:spLocks noGrp="1"/>
           </p:cNvSpPr>
@@ -2221,7 +2222,7 @@
       </p:sp>
       <p:sp>
         <p:nvSpPr>
-          <p:cNvPr id="89" name="PlaceHolder 4"/>
+          <p:cNvPr id="86" name="PlaceHolder 4"/>
           <p:cNvSpPr>
             <a:spLocks noGrp="1"/>
           </p:cNvSpPr>
@@ -2269,7 +2270,7 @@
       </p:grpSpPr>
       <p:sp>
         <p:nvSpPr>
-          <p:cNvPr id="90" name="PlaceHolder 1"/>
+          <p:cNvPr id="87" name="PlaceHolder 1"/>
           <p:cNvSpPr>
             <a:spLocks noGrp="1"/>
           </p:cNvSpPr>
@@ -2296,7 +2297,7 @@
       </p:sp>
       <p:sp>
         <p:nvSpPr>
-          <p:cNvPr id="91" name="PlaceHolder 2"/>
+          <p:cNvPr id="88" name="PlaceHolder 2"/>
           <p:cNvSpPr>
             <a:spLocks noGrp="1"/>
           </p:cNvSpPr>
@@ -2322,7 +2323,7 @@
       </p:sp>
       <p:sp>
         <p:nvSpPr>
-          <p:cNvPr id="92" name="PlaceHolder 3"/>
+          <p:cNvPr id="89" name="PlaceHolder 3"/>
           <p:cNvSpPr>
             <a:spLocks noGrp="1"/>
           </p:cNvSpPr>
@@ -2348,7 +2349,7 @@
       </p:sp>
       <p:sp>
         <p:nvSpPr>
-          <p:cNvPr id="93" name="PlaceHolder 4"/>
+          <p:cNvPr id="90" name="PlaceHolder 4"/>
           <p:cNvSpPr>
             <a:spLocks noGrp="1"/>
           </p:cNvSpPr>
@@ -2396,7 +2397,7 @@
       </p:grpSpPr>
       <p:sp>
         <p:nvSpPr>
-          <p:cNvPr id="94" name="PlaceHolder 1"/>
+          <p:cNvPr id="91" name="PlaceHolder 1"/>
           <p:cNvSpPr>
             <a:spLocks noGrp="1"/>
           </p:cNvSpPr>
@@ -2423,7 +2424,7 @@
       </p:sp>
       <p:sp>
         <p:nvSpPr>
-          <p:cNvPr id="95" name="PlaceHolder 2"/>
+          <p:cNvPr id="92" name="PlaceHolder 2"/>
           <p:cNvSpPr>
             <a:spLocks noGrp="1"/>
           </p:cNvSpPr>
@@ -2449,7 +2450,7 @@
       </p:sp>
       <p:sp>
         <p:nvSpPr>
-          <p:cNvPr id="96" name="PlaceHolder 3"/>
+          <p:cNvPr id="93" name="PlaceHolder 3"/>
           <p:cNvSpPr>
             <a:spLocks noGrp="1"/>
           </p:cNvSpPr>
@@ -2475,7 +2476,7 @@
       </p:sp>
       <p:sp>
         <p:nvSpPr>
-          <p:cNvPr id="97" name="PlaceHolder 4"/>
+          <p:cNvPr id="94" name="PlaceHolder 4"/>
           <p:cNvSpPr>
             <a:spLocks noGrp="1"/>
           </p:cNvSpPr>
@@ -2523,7 +2524,7 @@
       </p:grpSpPr>
       <p:sp>
         <p:nvSpPr>
-          <p:cNvPr id="98" name="PlaceHolder 1"/>
+          <p:cNvPr id="95" name="PlaceHolder 1"/>
           <p:cNvSpPr>
             <a:spLocks noGrp="1"/>
           </p:cNvSpPr>
@@ -2550,7 +2551,7 @@
       </p:sp>
       <p:sp>
         <p:nvSpPr>
-          <p:cNvPr id="99" name="PlaceHolder 2"/>
+          <p:cNvPr id="96" name="PlaceHolder 2"/>
           <p:cNvSpPr>
             <a:spLocks noGrp="1"/>
           </p:cNvSpPr>
@@ -2576,7 +2577,7 @@
       </p:sp>
       <p:sp>
         <p:nvSpPr>
-          <p:cNvPr id="100" name="PlaceHolder 3"/>
+          <p:cNvPr id="97" name="PlaceHolder 3"/>
           <p:cNvSpPr>
             <a:spLocks noGrp="1"/>
           </p:cNvSpPr>
@@ -2624,7 +2625,7 @@
       </p:grpSpPr>
       <p:sp>
         <p:nvSpPr>
-          <p:cNvPr id="101" name="PlaceHolder 1"/>
+          <p:cNvPr id="98" name="PlaceHolder 1"/>
           <p:cNvSpPr>
             <a:spLocks noGrp="1"/>
           </p:cNvSpPr>
@@ -2651,7 +2652,7 @@
       </p:sp>
       <p:sp>
         <p:nvSpPr>
-          <p:cNvPr id="102" name="PlaceHolder 2"/>
+          <p:cNvPr id="99" name="PlaceHolder 2"/>
           <p:cNvSpPr>
             <a:spLocks noGrp="1"/>
           </p:cNvSpPr>
@@ -2677,7 +2678,7 @@
       </p:sp>
       <p:sp>
         <p:nvSpPr>
-          <p:cNvPr id="103" name="PlaceHolder 3"/>
+          <p:cNvPr id="100" name="PlaceHolder 3"/>
           <p:cNvSpPr>
             <a:spLocks noGrp="1"/>
           </p:cNvSpPr>
@@ -2703,7 +2704,7 @@
       </p:sp>
       <p:sp>
         <p:nvSpPr>
-          <p:cNvPr id="104" name="PlaceHolder 4"/>
+          <p:cNvPr id="101" name="PlaceHolder 4"/>
           <p:cNvSpPr>
             <a:spLocks noGrp="1"/>
           </p:cNvSpPr>
@@ -2729,7 +2730,7 @@
       </p:sp>
       <p:sp>
         <p:nvSpPr>
-          <p:cNvPr id="105" name="PlaceHolder 5"/>
+          <p:cNvPr id="102" name="PlaceHolder 5"/>
           <p:cNvSpPr>
             <a:spLocks noGrp="1"/>
           </p:cNvSpPr>
@@ -2777,7 +2778,7 @@
       </p:grpSpPr>
       <p:sp>
         <p:nvSpPr>
-          <p:cNvPr id="106" name="PlaceHolder 1"/>
+          <p:cNvPr id="103" name="PlaceHolder 1"/>
           <p:cNvSpPr>
             <a:spLocks noGrp="1"/>
           </p:cNvSpPr>
@@ -2804,7 +2805,7 @@
       </p:sp>
       <p:sp>
         <p:nvSpPr>
-          <p:cNvPr id="107" name="PlaceHolder 2"/>
+          <p:cNvPr id="104" name="PlaceHolder 2"/>
           <p:cNvSpPr>
             <a:spLocks noGrp="1"/>
           </p:cNvSpPr>
@@ -2830,7 +2831,7 @@
       </p:sp>
       <p:sp>
         <p:nvSpPr>
-          <p:cNvPr id="108" name="PlaceHolder 3"/>
+          <p:cNvPr id="105" name="PlaceHolder 3"/>
           <p:cNvSpPr>
             <a:spLocks noGrp="1"/>
           </p:cNvSpPr>
@@ -2856,7 +2857,7 @@
       </p:sp>
       <p:pic>
         <p:nvPicPr>
-          <p:cNvPr id="109" name="" descr=""/>
+          <p:cNvPr id="106" name="" descr=""/>
           <p:cNvPicPr/>
           <p:nvPr/>
         </p:nvPicPr>
@@ -2879,7 +2880,7 @@
       </p:pic>
       <p:pic>
         <p:nvPicPr>
-          <p:cNvPr id="110" name="" descr=""/>
+          <p:cNvPr id="107" name="" descr=""/>
           <p:cNvPicPr/>
           <p:nvPr/>
         </p:nvPicPr>
@@ -3515,7 +3516,7 @@
         <p:spPr>
           <a:xfrm>
             <a:off x="504000" y="301320"/>
-            <a:ext cx="9070920" cy="1261440"/>
+            <a:ext cx="9072000" cy="1261800"/>
           </a:xfrm>
           <a:prstGeom prst="rect">
             <a:avLst/>
@@ -3525,6 +3526,12 @@
           <a:bodyPr lIns="0" rIns="0" tIns="0" bIns="0" anchor="ctr"/>
           <a:p>
             <a:pPr algn="ctr"/>
+            <a:r>
+              <a:rPr lang="en-AU" sz="4400">
+                <a:latin typeface="Arial"/>
+              </a:rPr>
+              <a:t>Click to edit the title text format</a:t>
+            </a:r>
             <a:endParaRPr/>
           </a:p>
         </p:txBody>
@@ -3541,8 +3548,8 @@
         </p:nvSpPr>
         <p:spPr>
           <a:xfrm>
-            <a:off x="504000" y="1769040"/>
-            <a:ext cx="9070920" cy="4383720"/>
+            <a:off x="504000" y="1768680"/>
+            <a:ext cx="9072000" cy="4384080"/>
           </a:xfrm>
           <a:prstGeom prst="rect">
             <a:avLst/>
@@ -3557,7 +3564,7 @@
               <a:buChar char=""/>
             </a:pPr>
             <a:r>
-              <a:rPr lang="en-AU">
+              <a:rPr lang="en-AU" sz="3200">
                 <a:latin typeface="Arial"/>
               </a:rPr>
               <a:t>Click to edit the outline text format</a:t>
@@ -3571,7 +3578,7 @@
               <a:buChar char=""/>
             </a:pPr>
             <a:r>
-              <a:rPr lang="en-AU">
+              <a:rPr lang="en-AU" sz="2800">
                 <a:latin typeface="Arial"/>
               </a:rPr>
               <a:t>Second Outline Level</a:t>
@@ -3585,7 +3592,7 @@
               <a:buChar char=""/>
             </a:pPr>
             <a:r>
-              <a:rPr lang="en-AU">
+              <a:rPr lang="en-AU" sz="2400">
                 <a:latin typeface="Arial"/>
               </a:rPr>
               <a:t>Third Outline Level</a:t>
@@ -3599,7 +3606,7 @@
               <a:buChar char=""/>
             </a:pPr>
             <a:r>
-              <a:rPr lang="en-AU">
+              <a:rPr lang="en-AU" sz="2000">
                 <a:latin typeface="Arial"/>
               </a:rPr>
               <a:t>Fourth Outline Level</a:t>
@@ -3613,7 +3620,7 @@
               <a:buChar char=""/>
             </a:pPr>
             <a:r>
-              <a:rPr lang="en-AU">
+              <a:rPr lang="en-AU" sz="2000">
                 <a:latin typeface="Arial"/>
               </a:rPr>
               <a:t>Fifth Outline Level</a:t>
@@ -3627,7 +3634,7 @@
               <a:buChar char=""/>
             </a:pPr>
             <a:r>
-              <a:rPr lang="en-AU">
+              <a:rPr lang="en-AU" sz="2000">
                 <a:latin typeface="Arial"/>
               </a:rPr>
               <a:t>Sixth Outline Level</a:t>
@@ -3641,7 +3648,7 @@
               <a:buChar char=""/>
             </a:pPr>
             <a:r>
-              <a:rPr lang="en-AU">
+              <a:rPr lang="en-AU" sz="2000">
                 <a:latin typeface="Arial"/>
               </a:rPr>
               <a:t>Seventh Outline Level</a:t>
@@ -4032,104 +4039,6 @@
           </a:p>
         </p:txBody>
       </p:sp>
-      <p:sp>
-        <p:nvSpPr>
-          <p:cNvPr id="74" name="PlaceHolder 3"/>
-          <p:cNvSpPr>
-            <a:spLocks noGrp="1"/>
-          </p:cNvSpPr>
-          <p:nvPr>
-            <p:ph type="dt"/>
-          </p:nvPr>
-        </p:nvSpPr>
-        <p:spPr>
-          <a:xfrm>
-            <a:off x="504000" y="6886800"/>
-            <a:ext cx="2348280" cy="520920"/>
-          </a:xfrm>
-          <a:prstGeom prst="rect">
-            <a:avLst/>
-          </a:prstGeom>
-        </p:spPr>
-        <p:txBody>
-          <a:bodyPr lIns="0" rIns="0" tIns="0" bIns="0"/>
-          <a:p>
-            <a:r>
-              <a:rPr lang="en-AU" sz="1400">
-                <a:latin typeface="Times New Roman"/>
-              </a:rPr>
-              <a:t>&lt;date/time&gt;</a:t>
-            </a:r>
-            <a:endParaRPr/>
-          </a:p>
-        </p:txBody>
-      </p:sp>
-      <p:sp>
-        <p:nvSpPr>
-          <p:cNvPr id="75" name="PlaceHolder 4"/>
-          <p:cNvSpPr>
-            <a:spLocks noGrp="1"/>
-          </p:cNvSpPr>
-          <p:nvPr>
-            <p:ph type="ftr"/>
-          </p:nvPr>
-        </p:nvSpPr>
-        <p:spPr>
-          <a:xfrm>
-            <a:off x="3447360" y="6886800"/>
-            <a:ext cx="3195000" cy="520920"/>
-          </a:xfrm>
-          <a:prstGeom prst="rect">
-            <a:avLst/>
-          </a:prstGeom>
-        </p:spPr>
-        <p:txBody>
-          <a:bodyPr lIns="0" rIns="0" tIns="0" bIns="0"/>
-          <a:p>
-            <a:pPr algn="ctr"/>
-            <a:r>
-              <a:rPr lang="en-AU" sz="1400">
-                <a:latin typeface="Times New Roman"/>
-              </a:rPr>
-              <a:t>&lt;footer&gt;</a:t>
-            </a:r>
-            <a:endParaRPr/>
-          </a:p>
-        </p:txBody>
-      </p:sp>
-      <p:sp>
-        <p:nvSpPr>
-          <p:cNvPr id="76" name="PlaceHolder 5"/>
-          <p:cNvSpPr>
-            <a:spLocks noGrp="1"/>
-          </p:cNvSpPr>
-          <p:nvPr>
-            <p:ph type="sldNum"/>
-          </p:nvPr>
-        </p:nvSpPr>
-        <p:spPr>
-          <a:xfrm>
-            <a:off x="7227720" y="6886800"/>
-            <a:ext cx="2348280" cy="520920"/>
-          </a:xfrm>
-          <a:prstGeom prst="rect">
-            <a:avLst/>
-          </a:prstGeom>
-        </p:spPr>
-        <p:txBody>
-          <a:bodyPr lIns="0" rIns="0" tIns="0" bIns="0"/>
-          <a:p>
-            <a:pPr algn="r"/>
-            <a:fld id="{D2FF2F67-C189-4F7B-A473-8C60DC0F37E2}" type="slidenum">
-              <a:rPr lang="en-AU" sz="1400">
-                <a:latin typeface="Times New Roman"/>
-              </a:rPr>
-              <a:t>&lt;number&gt;</a:t>
-            </a:fld>
-            <a:endParaRPr/>
-          </a:p>
-        </p:txBody>
-      </p:sp>
     </p:spTree>
   </p:cSld>
   <p:clrMap bg1="lt1" bg2="lt2" tx1="dk1" tx2="dk2" accent1="accent1" accent2="accent2" accent3="accent3" accent4="accent4" accent5="accent5" accent6="accent6" hlink="hlink" folHlink="folHlink"/>
@@ -4169,14 +4078,14 @@
       </p:grpSpPr>
       <p:sp>
         <p:nvSpPr>
-          <p:cNvPr id="111" name="CustomShape 1"/>
+          <p:cNvPr id="108" name="CustomShape 1"/>
           <p:cNvSpPr/>
           <p:nvPr/>
         </p:nvSpPr>
         <p:spPr>
           <a:xfrm>
             <a:off x="504000" y="301320"/>
-            <a:ext cx="9070920" cy="1261440"/>
+            <a:ext cx="9070560" cy="1261080"/>
           </a:xfrm>
           <a:prstGeom prst="rect">
             <a:avLst/>
@@ -4211,14 +4120,14 @@
       </p:sp>
       <p:sp>
         <p:nvSpPr>
-          <p:cNvPr id="112" name="CustomShape 2"/>
+          <p:cNvPr id="109" name="CustomShape 2"/>
           <p:cNvSpPr/>
           <p:nvPr/>
         </p:nvSpPr>
         <p:spPr>
           <a:xfrm>
             <a:off x="504000" y="1769040"/>
-            <a:ext cx="9070920" cy="4383720"/>
+            <a:ext cx="9070560" cy="4383360"/>
           </a:xfrm>
           <a:prstGeom prst="rect">
             <a:avLst/>
@@ -4250,27 +4159,11 @@
             <a:endParaRPr/>
           </a:p>
           <a:p>
-            <a:endParaRPr/>
-          </a:p>
-          <a:p>
             <a:pPr>
               <a:lnSpc>
                 <a:spcPct val="100000"/>
               </a:lnSpc>
-              <a:buSzPct val="45000"/>
-              <a:buFont typeface="StarSymbol"/>
-              <a:buChar char="l"/>
             </a:pPr>
-            <a:r>
-              <a:rPr lang="en-AU" sz="3200" strike="noStrike">
-                <a:solidFill>
-                  <a:srgbClr val="018a8a"/>
-                </a:solidFill>
-                <a:latin typeface="Menlo"/>
-                <a:ea typeface="Menlo"/>
-              </a:rPr>
-              <a:t>http://cygwin.com/install.html</a:t>
-            </a:r>
             <a:endParaRPr/>
           </a:p>
           <a:p>
@@ -4278,9 +4171,6 @@
               <a:lnSpc>
                 <a:spcPct val="100000"/>
               </a:lnSpc>
-              <a:buSzPct val="45000"/>
-              <a:buFont typeface="StarSymbol"/>
-              <a:buChar char="l"/>
             </a:pPr>
             <a:r>
               <a:rPr lang="en-AU" sz="3200" strike="noStrike">
@@ -4290,7 +4180,25 @@
                 <a:latin typeface="Menlo"/>
                 <a:ea typeface="Menlo"/>
               </a:rPr>
-              <a:t>https://github.com/resbaz/nectar-cloud-lessons/blob/master/Lessons/Lesson_III/Installing_CygWin.md</a:t>
+              <a:t>http://cygwin.com/install.html</a:t>
+            </a:r>
+            <a:endParaRPr/>
+          </a:p>
+          <a:p>
+            <a:pPr>
+              <a:lnSpc>
+                <a:spcPct val="100000"/>
+              </a:lnSpc>
+            </a:pPr>
+            <a:r>
+              <a:rPr lang="en-AU" sz="3200" strike="noStrike">
+                <a:solidFill>
+                  <a:srgbClr val="018a8a"/>
+                </a:solidFill>
+                <a:latin typeface="Menlo"/>
+                <a:ea typeface="Menlo"/>
+              </a:rPr>
+              <a:t>http://tinyurl.com/install-cygwin</a:t>
             </a:r>
             <a:endParaRPr/>
           </a:p>
@@ -4347,14 +4255,14 @@
       </p:grpSpPr>
       <p:sp>
         <p:nvSpPr>
-          <p:cNvPr id="129" name="CustomShape 1"/>
+          <p:cNvPr id="126" name="CustomShape 1"/>
           <p:cNvSpPr/>
           <p:nvPr/>
         </p:nvSpPr>
         <p:spPr>
           <a:xfrm>
             <a:off x="504000" y="301320"/>
-            <a:ext cx="9070920" cy="1261440"/>
+            <a:ext cx="9070560" cy="1261080"/>
           </a:xfrm>
           <a:prstGeom prst="rect">
             <a:avLst/>
@@ -4386,22 +4294,22 @@
                 <a:latin typeface="Arial"/>
                 <a:ea typeface="DejaVu Sans"/>
               </a:rPr>
-              <a:t>An unexpected error!</a:t>
-            </a:r>
-            <a:endParaRPr/>
-          </a:p>
-        </p:txBody>
-      </p:sp>
-      <p:sp>
-        <p:nvSpPr>
-          <p:cNvPr id="130" name="CustomShape 2"/>
+              <a:t>An important question:</a:t>
+            </a:r>
+            <a:endParaRPr/>
+          </a:p>
+        </p:txBody>
+      </p:sp>
+      <p:sp>
+        <p:nvSpPr>
+          <p:cNvPr id="127" name="CustomShape 2"/>
           <p:cNvSpPr/>
           <p:nvPr/>
         </p:nvSpPr>
         <p:spPr>
           <a:xfrm>
             <a:off x="504000" y="1769040"/>
-            <a:ext cx="9070920" cy="4383720"/>
+            <a:ext cx="9070560" cy="4383360"/>
           </a:xfrm>
           <a:prstGeom prst="rect">
             <a:avLst/>
@@ -4428,7 +4336,7 @@
                 <a:latin typeface="Menlo"/>
                 <a:ea typeface="Menlo"/>
               </a:rPr>
-              <a:t>@@@@@@@@@@@@@@@@@@@@@@@@@@@@@@@@@@@@@@@@@@@@@@@@@@@@@@@@@@@</a:t>
+              <a:t>The authenticity of host '144.6.225.224 (144.6.225.224)' can't be established.</a:t>
             </a:r>
             <a:endParaRPr/>
           </a:p>
@@ -4441,7 +4349,7 @@
                 <a:latin typeface="Menlo"/>
                 <a:ea typeface="Menlo"/>
               </a:rPr>
-              <a:t>@    WARNING: REMOTE HOST IDENTIFICATION HAS CHANGED!     @</a:t>
+              <a:t>RSA key fingerprint is d8:14:f5:85:5f:52:cb:f2:53:56:9d:b3:0c:1e:a3:1f.</a:t>
             </a:r>
             <a:endParaRPr/>
           </a:p>
@@ -4454,137 +4362,7 @@
                 <a:latin typeface="Menlo"/>
                 <a:ea typeface="Menlo"/>
               </a:rPr>
-              <a:t>@@@@@@@@@@@@@@@@@@@@@@@@@@@@@@@@@@@@@@@@@@@@@@@@@@@@@@@@@@@</a:t>
-            </a:r>
-            <a:endParaRPr/>
-          </a:p>
-          <a:p>
-            <a:r>
-              <a:rPr i="1" lang="en-AU" sz="2000" strike="noStrike">
-                <a:solidFill>
-                  <a:srgbClr val="808080"/>
-                </a:solidFill>
-                <a:latin typeface="Menlo"/>
-                <a:ea typeface="Menlo"/>
-              </a:rPr>
-              <a:t>IT IS POSSIBLE THAT SOMEONE IS DOING SOMETHING NASTY!</a:t>
-            </a:r>
-            <a:endParaRPr/>
-          </a:p>
-          <a:p>
-            <a:r>
-              <a:rPr i="1" lang="en-AU" sz="2000" strike="noStrike">
-                <a:solidFill>
-                  <a:srgbClr val="808080"/>
-                </a:solidFill>
-                <a:latin typeface="Menlo"/>
-                <a:ea typeface="Menlo"/>
-              </a:rPr>
-              <a:t>Someone could be eavesdropping on you right now (man-in-the-middle attack)!</a:t>
-            </a:r>
-            <a:endParaRPr/>
-          </a:p>
-          <a:p>
-            <a:r>
-              <a:rPr i="1" lang="en-AU" sz="2000" strike="noStrike">
-                <a:solidFill>
-                  <a:srgbClr val="808080"/>
-                </a:solidFill>
-                <a:latin typeface="Menlo"/>
-                <a:ea typeface="Menlo"/>
-              </a:rPr>
-              <a:t>It is also possible that a host key has just been changed.</a:t>
-            </a:r>
-            <a:endParaRPr/>
-          </a:p>
-          <a:p>
-            <a:r>
-              <a:rPr i="1" lang="en-AU" sz="2000" strike="noStrike">
-                <a:solidFill>
-                  <a:srgbClr val="808080"/>
-                </a:solidFill>
-                <a:latin typeface="Menlo"/>
-                <a:ea typeface="Menlo"/>
-              </a:rPr>
-              <a:t>The fingerprint for the RSA key sent by the remote host is</a:t>
-            </a:r>
-            <a:endParaRPr/>
-          </a:p>
-          <a:p>
-            <a:r>
-              <a:rPr i="1" lang="en-AU" sz="2000" strike="noStrike">
-                <a:solidFill>
-                  <a:srgbClr val="808080"/>
-                </a:solidFill>
-                <a:latin typeface="Menlo"/>
-                <a:ea typeface="Menlo"/>
-              </a:rPr>
-              <a:t>45:ed:0b:42:16:b7:6c:dd:49:05:8d:b4:2b:16:7c:64.</a:t>
-            </a:r>
-            <a:endParaRPr/>
-          </a:p>
-          <a:p>
-            <a:r>
-              <a:rPr i="1" lang="en-AU" sz="2000" strike="noStrike">
-                <a:solidFill>
-                  <a:srgbClr val="808080"/>
-                </a:solidFill>
-                <a:latin typeface="Menlo"/>
-                <a:ea typeface="Menlo"/>
-              </a:rPr>
-              <a:t>Please contact your system administrator.</a:t>
-            </a:r>
-            <a:endParaRPr/>
-          </a:p>
-          <a:p>
-            <a:r>
-              <a:rPr i="1" lang="en-AU" sz="2000" strike="noStrike">
-                <a:solidFill>
-                  <a:srgbClr val="808080"/>
-                </a:solidFill>
-                <a:latin typeface="Menlo"/>
-                <a:ea typeface="Menlo"/>
-              </a:rPr>
-              <a:t>Add correct host key in /Users/martinpaulo/.ssh/known_hosts to get rid of this message.</a:t>
-            </a:r>
-            <a:endParaRPr/>
-          </a:p>
-          <a:p>
-            <a:r>
-              <a:rPr i="1" lang="en-AU" sz="2000" strike="noStrike">
-                <a:solidFill>
-                  <a:srgbClr val="808080"/>
-                </a:solidFill>
-                <a:latin typeface="Menlo"/>
-                <a:ea typeface="Menlo"/>
-              </a:rPr>
-              <a:t>Offending RSA key in /Users/martinpaulo/.ssh/known_hosts:14</a:t>
-            </a:r>
-            <a:endParaRPr/>
-          </a:p>
-          <a:p>
-            <a:r>
-              <a:rPr i="1" lang="en-AU" sz="2000" strike="noStrike">
-                <a:solidFill>
-                  <a:srgbClr val="808080"/>
-                </a:solidFill>
-                <a:latin typeface="Menlo"/>
-                <a:ea typeface="Menlo"/>
-              </a:rPr>
-              <a:t>RSA host key for 115.146.85.98 has changed and you have requested strict checking.</a:t>
-            </a:r>
-            <a:endParaRPr/>
-          </a:p>
-          <a:p>
-            <a:r>
-              <a:rPr i="1" lang="en-AU" sz="2000" strike="noStrike">
-                <a:solidFill>
-                  <a:srgbClr val="808080"/>
-                </a:solidFill>
-                <a:latin typeface="Menlo"/>
-                <a:ea typeface="Menlo"/>
-              </a:rPr>
-              <a:t>Host key verification failed. </a:t>
+              <a:t>Are you sure you want to continue connecting (yes/no)? </a:t>
             </a:r>
             <a:endParaRPr/>
           </a:p>
@@ -4599,6 +4377,300 @@
           <p:childTnLst>
             <p:seq>
               <p:cTn id="20" nodeType="mainSeq"/>
+              <p:prevCondLst>
+                <p:cond delay="0" evt="onPrev">
+                  <p:tgtEl>
+                    <p:sldTgt/>
+                  </p:tgtEl>
+                </p:cond>
+              </p:prevCondLst>
+              <p:nextCondLst>
+                <p:cond delay="0" evt="onNext">
+                  <p:tgtEl>
+                    <p:sldTgt/>
+                  </p:tgtEl>
+                </p:cond>
+              </p:nextCondLst>
+            </p:seq>
+          </p:childTnLst>
+        </p:cTn>
+      </p:par>
+    </p:tnLst>
+  </p:timing>
+</p:sld>
+</file>
+
+<file path=ppt/slides/slide11.xml><?xml version="1.0" encoding="utf-8"?>
+<p:sld xmlns:a="http://schemas.openxmlformats.org/drawingml/2006/main" xmlns:p="http://schemas.openxmlformats.org/presentationml/2006/main" xmlns:r="http://schemas.openxmlformats.org/officeDocument/2006/relationships">
+  <p:cSld>
+    <p:spTree>
+      <p:nvGrpSpPr>
+        <p:cNvPr id="1" name=""/>
+        <p:cNvGrpSpPr/>
+        <p:nvPr/>
+      </p:nvGrpSpPr>
+      <p:grpSpPr>
+        <a:xfrm>
+          <a:off x="0" y="0"/>
+          <a:ext cx="0" cy="0"/>
+          <a:chOff x="0" y="0"/>
+          <a:chExt cx="0" cy="0"/>
+        </a:xfrm>
+      </p:grpSpPr>
+      <p:sp>
+        <p:nvSpPr>
+          <p:cNvPr id="128" name="CustomShape 1"/>
+          <p:cNvSpPr/>
+          <p:nvPr/>
+        </p:nvSpPr>
+        <p:spPr>
+          <a:xfrm>
+            <a:off x="504000" y="301320"/>
+            <a:ext cx="9070560" cy="1261080"/>
+          </a:xfrm>
+          <a:prstGeom prst="rect">
+            <a:avLst/>
+          </a:prstGeom>
+          <a:noFill/>
+          <a:ln>
+            <a:noFill/>
+          </a:ln>
+        </p:spPr>
+        <p:style>
+          <a:lnRef idx="0"/>
+          <a:fillRef idx="0"/>
+          <a:effectRef idx="0"/>
+          <a:fontRef idx="minor"/>
+        </p:style>
+        <p:txBody>
+          <a:bodyPr lIns="0" rIns="0" tIns="0" bIns="0" anchor="ctr"/>
+          <a:p>
+            <a:pPr algn="ctr">
+              <a:lnSpc>
+                <a:spcPct val="100000"/>
+              </a:lnSpc>
+            </a:pPr>
+            <a:r>
+              <a:rPr b="1" lang="en-AU" sz="4400" strike="noStrike">
+                <a:solidFill>
+                  <a:srgbClr val="000000"/>
+                </a:solidFill>
+                <a:latin typeface="Arial"/>
+                <a:ea typeface="DejaVu Sans"/>
+              </a:rPr>
+              <a:t>An unexpected error!</a:t>
+            </a:r>
+            <a:endParaRPr/>
+          </a:p>
+        </p:txBody>
+      </p:sp>
+      <p:sp>
+        <p:nvSpPr>
+          <p:cNvPr id="129" name="CustomShape 2"/>
+          <p:cNvSpPr/>
+          <p:nvPr/>
+        </p:nvSpPr>
+        <p:spPr>
+          <a:xfrm>
+            <a:off x="504000" y="1769040"/>
+            <a:ext cx="9070560" cy="4383360"/>
+          </a:xfrm>
+          <a:prstGeom prst="rect">
+            <a:avLst/>
+          </a:prstGeom>
+          <a:noFill/>
+          <a:ln>
+            <a:noFill/>
+          </a:ln>
+        </p:spPr>
+        <p:style>
+          <a:lnRef idx="0"/>
+          <a:fillRef idx="0"/>
+          <a:effectRef idx="0"/>
+          <a:fontRef idx="minor"/>
+        </p:style>
+        <p:txBody>
+          <a:bodyPr lIns="0" rIns="0" tIns="0" bIns="0"/>
+          <a:p>
+            <a:r>
+              <a:rPr i="1" lang="en-AU" sz="2000" strike="noStrike">
+                <a:solidFill>
+                  <a:srgbClr val="808080"/>
+                </a:solidFill>
+                <a:latin typeface="Menlo"/>
+                <a:ea typeface="Menlo"/>
+              </a:rPr>
+              <a:t>@@@@@@@@@@@@@@@@@@@@@@@@@@@@@@@@@@@@@@@@@@@@@@@@@@@@@@@@@@@</a:t>
+            </a:r>
+            <a:endParaRPr/>
+          </a:p>
+          <a:p>
+            <a:r>
+              <a:rPr i="1" lang="en-AU" sz="2000" strike="noStrike">
+                <a:solidFill>
+                  <a:srgbClr val="808080"/>
+                </a:solidFill>
+                <a:latin typeface="Menlo"/>
+                <a:ea typeface="Menlo"/>
+              </a:rPr>
+              <a:t>@    WARNING: REMOTE HOST IDENTIFICATION HAS CHANGED!     @</a:t>
+            </a:r>
+            <a:endParaRPr/>
+          </a:p>
+          <a:p>
+            <a:r>
+              <a:rPr i="1" lang="en-AU" sz="2000" strike="noStrike">
+                <a:solidFill>
+                  <a:srgbClr val="808080"/>
+                </a:solidFill>
+                <a:latin typeface="Menlo"/>
+                <a:ea typeface="Menlo"/>
+              </a:rPr>
+              <a:t>@@@@@@@@@@@@@@@@@@@@@@@@@@@@@@@@@@@@@@@@@@@@@@@@@@@@@@@@@@@</a:t>
+            </a:r>
+            <a:endParaRPr/>
+          </a:p>
+          <a:p>
+            <a:r>
+              <a:rPr i="1" lang="en-AU" sz="2000" strike="noStrike">
+                <a:solidFill>
+                  <a:srgbClr val="808080"/>
+                </a:solidFill>
+                <a:latin typeface="Menlo"/>
+                <a:ea typeface="Menlo"/>
+              </a:rPr>
+              <a:t>IT IS POSSIBLE THAT SOMEONE IS DOING SOMETHING NASTY!</a:t>
+            </a:r>
+            <a:endParaRPr/>
+          </a:p>
+          <a:p>
+            <a:r>
+              <a:rPr i="1" lang="en-AU" sz="2000" strike="noStrike">
+                <a:solidFill>
+                  <a:srgbClr val="808080"/>
+                </a:solidFill>
+                <a:latin typeface="Menlo"/>
+                <a:ea typeface="Menlo"/>
+              </a:rPr>
+              <a:t>Someone could be eavesdropping on you right now (man-in-the-middle attack)!</a:t>
+            </a:r>
+            <a:endParaRPr/>
+          </a:p>
+          <a:p>
+            <a:r>
+              <a:rPr i="1" lang="en-AU" sz="2000" strike="noStrike">
+                <a:solidFill>
+                  <a:srgbClr val="808080"/>
+                </a:solidFill>
+                <a:latin typeface="Menlo"/>
+                <a:ea typeface="Menlo"/>
+              </a:rPr>
+              <a:t>It is also possible that a host key has just been changed.</a:t>
+            </a:r>
+            <a:endParaRPr/>
+          </a:p>
+          <a:p>
+            <a:r>
+              <a:rPr i="1" lang="en-AU" sz="2000" strike="noStrike">
+                <a:solidFill>
+                  <a:srgbClr val="808080"/>
+                </a:solidFill>
+                <a:latin typeface="Menlo"/>
+                <a:ea typeface="Menlo"/>
+              </a:rPr>
+              <a:t>The fingerprint for the RSA key sent by the remote host is</a:t>
+            </a:r>
+            <a:endParaRPr/>
+          </a:p>
+          <a:p>
+            <a:r>
+              <a:rPr i="1" lang="en-AU" sz="2000" strike="noStrike">
+                <a:solidFill>
+                  <a:srgbClr val="808080"/>
+                </a:solidFill>
+                <a:latin typeface="Menlo"/>
+                <a:ea typeface="Menlo"/>
+              </a:rPr>
+              <a:t>45:ed:0b:42:16:b7:6c:dd:49:05:8d:b4:2b:16:7c:64.</a:t>
+            </a:r>
+            <a:endParaRPr/>
+          </a:p>
+          <a:p>
+            <a:r>
+              <a:rPr i="1" lang="en-AU" sz="2000" strike="noStrike">
+                <a:solidFill>
+                  <a:srgbClr val="808080"/>
+                </a:solidFill>
+                <a:latin typeface="Menlo"/>
+                <a:ea typeface="Menlo"/>
+              </a:rPr>
+              <a:t>Please contact your system administrator.</a:t>
+            </a:r>
+            <a:endParaRPr/>
+          </a:p>
+          <a:p>
+            <a:r>
+              <a:rPr i="1" lang="en-AU" sz="2000" strike="noStrike">
+                <a:solidFill>
+                  <a:srgbClr val="808080"/>
+                </a:solidFill>
+                <a:latin typeface="Menlo"/>
+                <a:ea typeface="Menlo"/>
+              </a:rPr>
+              <a:t>Add correct host key in /Users/martinpaulo/.ssh/known_hosts to get rid of this message.</a:t>
+            </a:r>
+            <a:endParaRPr/>
+          </a:p>
+          <a:p>
+            <a:r>
+              <a:rPr i="1" lang="en-AU" sz="2000" strike="noStrike">
+                <a:solidFill>
+                  <a:srgbClr val="808080"/>
+                </a:solidFill>
+                <a:latin typeface="Menlo"/>
+                <a:ea typeface="Menlo"/>
+              </a:rPr>
+              <a:t>Offending RSA key in /Users/martinpaulo/.ssh/known_hosts:14</a:t>
+            </a:r>
+            <a:endParaRPr/>
+          </a:p>
+          <a:p>
+            <a:r>
+              <a:rPr i="1" lang="en-AU" sz="2000" strike="noStrike">
+                <a:solidFill>
+                  <a:srgbClr val="808080"/>
+                </a:solidFill>
+                <a:latin typeface="Menlo"/>
+                <a:ea typeface="Menlo"/>
+              </a:rPr>
+              <a:t>RSA host key for 115.146.85.98 has changed and you have requested strict checking.</a:t>
+            </a:r>
+            <a:endParaRPr/>
+          </a:p>
+          <a:p>
+            <a:r>
+              <a:rPr i="1" lang="en-AU" sz="2000" strike="noStrike">
+                <a:solidFill>
+                  <a:srgbClr val="808080"/>
+                </a:solidFill>
+                <a:latin typeface="Menlo"/>
+                <a:ea typeface="Menlo"/>
+              </a:rPr>
+              <a:t>Host key verification failed. </a:t>
+            </a:r>
+            <a:endParaRPr/>
+          </a:p>
+        </p:txBody>
+      </p:sp>
+    </p:spTree>
+  </p:cSld>
+  <p:timing>
+    <p:tnLst>
+      <p:par>
+        <p:cTn id="21" dur="indefinite" restart="never" nodeType="tmRoot">
+          <p:childTnLst>
+            <p:seq>
+              <p:cTn id="22" nodeType="mainSeq"/>
               <p:prevCondLst>
                 <p:cond delay="0" evt="onPrev">
                   <p:tgtEl>
@@ -4641,14 +4713,14 @@
       </p:grpSpPr>
       <p:sp>
         <p:nvSpPr>
-          <p:cNvPr id="113" name="CustomShape 1"/>
+          <p:cNvPr id="110" name="CustomShape 1"/>
           <p:cNvSpPr/>
           <p:nvPr/>
         </p:nvSpPr>
         <p:spPr>
           <a:xfrm>
             <a:off x="504000" y="301320"/>
-            <a:ext cx="9070920" cy="1261440"/>
+            <a:ext cx="9070560" cy="1261080"/>
           </a:xfrm>
           <a:prstGeom prst="rect">
             <a:avLst/>
@@ -4728,14 +4800,14 @@
       </p:sp>
       <p:sp>
         <p:nvSpPr>
-          <p:cNvPr id="114" name="CustomShape 2"/>
+          <p:cNvPr id="111" name="CustomShape 2"/>
           <p:cNvSpPr/>
           <p:nvPr/>
         </p:nvSpPr>
         <p:spPr>
           <a:xfrm>
             <a:off x="504000" y="1769040"/>
-            <a:ext cx="9070920" cy="4383720"/>
+            <a:ext cx="9070560" cy="4383360"/>
           </a:xfrm>
           <a:prstGeom prst="rect">
             <a:avLst/>
@@ -4848,14 +4920,14 @@
       </p:grpSpPr>
       <p:sp>
         <p:nvSpPr>
-          <p:cNvPr id="115" name="CustomShape 1"/>
+          <p:cNvPr id="112" name="CustomShape 1"/>
           <p:cNvSpPr/>
           <p:nvPr/>
         </p:nvSpPr>
         <p:spPr>
           <a:xfrm>
             <a:off x="504000" y="301320"/>
-            <a:ext cx="9070920" cy="1261440"/>
+            <a:ext cx="9070560" cy="1261080"/>
           </a:xfrm>
           <a:prstGeom prst="rect">
             <a:avLst/>
@@ -4890,14 +4962,14 @@
       </p:sp>
       <p:sp>
         <p:nvSpPr>
-          <p:cNvPr id="116" name="CustomShape 2"/>
+          <p:cNvPr id="113" name="CustomShape 2"/>
           <p:cNvSpPr/>
           <p:nvPr/>
         </p:nvSpPr>
         <p:spPr>
           <a:xfrm>
             <a:off x="504000" y="1563480"/>
-            <a:ext cx="9070920" cy="5476680"/>
+            <a:ext cx="9070560" cy="5476320"/>
           </a:xfrm>
           <a:prstGeom prst="rect">
             <a:avLst/>
@@ -5175,14 +5247,14 @@
       </p:grpSpPr>
       <p:sp>
         <p:nvSpPr>
-          <p:cNvPr id="117" name="CustomShape 1"/>
+          <p:cNvPr id="114" name="CustomShape 1"/>
           <p:cNvSpPr/>
           <p:nvPr/>
         </p:nvSpPr>
         <p:spPr>
           <a:xfrm>
             <a:off x="504000" y="301320"/>
-            <a:ext cx="9070920" cy="1261440"/>
+            <a:ext cx="9070560" cy="1261080"/>
           </a:xfrm>
           <a:prstGeom prst="rect">
             <a:avLst/>
@@ -5222,14 +5294,14 @@
       </p:sp>
       <p:sp>
         <p:nvSpPr>
-          <p:cNvPr id="118" name="CustomShape 2"/>
+          <p:cNvPr id="115" name="CustomShape 2"/>
           <p:cNvSpPr/>
           <p:nvPr/>
         </p:nvSpPr>
         <p:spPr>
           <a:xfrm>
             <a:off x="504000" y="1769040"/>
-            <a:ext cx="9070920" cy="4383720"/>
+            <a:ext cx="9070560" cy="4383360"/>
           </a:xfrm>
           <a:prstGeom prst="rect">
             <a:avLst/>
@@ -5407,14 +5479,14 @@
       </p:grpSpPr>
       <p:sp>
         <p:nvSpPr>
-          <p:cNvPr id="119" name="CustomShape 1"/>
+          <p:cNvPr id="116" name="CustomShape 1"/>
           <p:cNvSpPr/>
           <p:nvPr/>
         </p:nvSpPr>
         <p:spPr>
           <a:xfrm>
             <a:off x="504000" y="301320"/>
-            <a:ext cx="9070920" cy="1261440"/>
+            <a:ext cx="9070560" cy="1261080"/>
           </a:xfrm>
           <a:prstGeom prst="rect">
             <a:avLst/>
@@ -5454,14 +5526,14 @@
       </p:sp>
       <p:sp>
         <p:nvSpPr>
-          <p:cNvPr id="120" name="CustomShape 2"/>
+          <p:cNvPr id="117" name="CustomShape 2"/>
           <p:cNvSpPr/>
           <p:nvPr/>
         </p:nvSpPr>
         <p:spPr>
           <a:xfrm>
             <a:off x="504000" y="1769040"/>
-            <a:ext cx="9070920" cy="4383720"/>
+            <a:ext cx="9070560" cy="4383360"/>
           </a:xfrm>
           <a:prstGeom prst="rect">
             <a:avLst/>
@@ -5646,14 +5718,14 @@
       </p:grpSpPr>
       <p:sp>
         <p:nvSpPr>
-          <p:cNvPr id="121" name="CustomShape 1"/>
+          <p:cNvPr id="118" name="CustomShape 1"/>
           <p:cNvSpPr/>
           <p:nvPr/>
         </p:nvSpPr>
         <p:spPr>
           <a:xfrm>
             <a:off x="504000" y="301320"/>
-            <a:ext cx="9070920" cy="1261440"/>
+            <a:ext cx="9070560" cy="1261080"/>
           </a:xfrm>
           <a:prstGeom prst="rect">
             <a:avLst/>
@@ -5693,14 +5765,14 @@
       </p:sp>
       <p:sp>
         <p:nvSpPr>
-          <p:cNvPr id="122" name="CustomShape 2"/>
+          <p:cNvPr id="119" name="CustomShape 2"/>
           <p:cNvSpPr/>
           <p:nvPr/>
         </p:nvSpPr>
         <p:spPr>
           <a:xfrm>
             <a:off x="504000" y="1769040"/>
-            <a:ext cx="9070920" cy="4383720"/>
+            <a:ext cx="9070560" cy="4383360"/>
           </a:xfrm>
           <a:prstGeom prst="rect">
             <a:avLst/>
@@ -5836,14 +5908,14 @@
       </p:grpSpPr>
       <p:sp>
         <p:nvSpPr>
-          <p:cNvPr id="123" name="CustomShape 1"/>
+          <p:cNvPr id="120" name="CustomShape 1"/>
           <p:cNvSpPr/>
           <p:nvPr/>
         </p:nvSpPr>
         <p:spPr>
           <a:xfrm>
             <a:off x="504000" y="301320"/>
-            <a:ext cx="9070920" cy="1261440"/>
+            <a:ext cx="9070560" cy="1261080"/>
           </a:xfrm>
           <a:prstGeom prst="rect">
             <a:avLst/>
@@ -5883,14 +5955,14 @@
       </p:sp>
       <p:sp>
         <p:nvSpPr>
-          <p:cNvPr id="124" name="CustomShape 2"/>
+          <p:cNvPr id="121" name="CustomShape 2"/>
           <p:cNvSpPr/>
           <p:nvPr/>
         </p:nvSpPr>
         <p:spPr>
           <a:xfrm>
             <a:off x="504000" y="1769040"/>
-            <a:ext cx="9070920" cy="4383720"/>
+            <a:ext cx="9070560" cy="4383360"/>
           </a:xfrm>
           <a:prstGeom prst="rect">
             <a:avLst/>
@@ -6029,14 +6101,14 @@
       </p:grpSpPr>
       <p:sp>
         <p:nvSpPr>
-          <p:cNvPr id="125" name="CustomShape 1"/>
+          <p:cNvPr id="122" name="CustomShape 1"/>
           <p:cNvSpPr/>
           <p:nvPr/>
         </p:nvSpPr>
         <p:spPr>
           <a:xfrm>
             <a:off x="504000" y="301320"/>
-            <a:ext cx="9070920" cy="1261440"/>
+            <a:ext cx="9070560" cy="1261080"/>
           </a:xfrm>
           <a:prstGeom prst="rect">
             <a:avLst/>
@@ -6086,14 +6158,14 @@
       </p:sp>
       <p:sp>
         <p:nvSpPr>
-          <p:cNvPr id="126" name="CustomShape 2"/>
+          <p:cNvPr id="123" name="CustomShape 2"/>
           <p:cNvSpPr/>
           <p:nvPr/>
         </p:nvSpPr>
         <p:spPr>
           <a:xfrm>
             <a:off x="504000" y="1805040"/>
-            <a:ext cx="9070920" cy="4383720"/>
+            <a:ext cx="9070560" cy="4383360"/>
           </a:xfrm>
           <a:prstGeom prst="rect">
             <a:avLst/>
@@ -6289,14 +6361,14 @@
       </p:grpSpPr>
       <p:sp>
         <p:nvSpPr>
-          <p:cNvPr id="127" name="CustomShape 1"/>
+          <p:cNvPr id="124" name="CustomShape 1"/>
           <p:cNvSpPr/>
           <p:nvPr/>
         </p:nvSpPr>
         <p:spPr>
           <a:xfrm>
             <a:off x="504000" y="301320"/>
-            <a:ext cx="9070920" cy="1261440"/>
+            <a:ext cx="9070560" cy="1261080"/>
           </a:xfrm>
           <a:prstGeom prst="rect">
             <a:avLst/>
@@ -6331,14 +6403,14 @@
       </p:sp>
       <p:sp>
         <p:nvSpPr>
-          <p:cNvPr id="128" name="CustomShape 2"/>
+          <p:cNvPr id="125" name="CustomShape 2"/>
           <p:cNvSpPr/>
           <p:nvPr/>
         </p:nvSpPr>
         <p:spPr>
           <a:xfrm>
             <a:off x="504000" y="1563480"/>
-            <a:ext cx="9070920" cy="5476680"/>
+            <a:ext cx="9070560" cy="5476320"/>
           </a:xfrm>
           <a:prstGeom prst="rect">
             <a:avLst/>

--- a/Lessons/Lesson_III/Lesson_III_Questions.pptx
+++ b/Lessons/Lesson_III/Lesson_III_Questions.pptx
@@ -408,8 +408,8 @@
         </p:blipFill>
         <p:spPr>
           <a:xfrm>
-            <a:off x="2292480" y="1768680"/>
-            <a:ext cx="5494680" cy="4384080"/>
+            <a:off x="2291760" y="1768680"/>
+            <a:ext cx="5496480" cy="4384080"/>
           </a:xfrm>
           <a:prstGeom prst="rect">
             <a:avLst/>
@@ -431,8 +431,8 @@
         </p:blipFill>
         <p:spPr>
           <a:xfrm>
-            <a:off x="2292480" y="1768680"/>
-            <a:ext cx="5494680" cy="4384080"/>
+            <a:off x="2291760" y="1768680"/>
+            <a:ext cx="5496480" cy="4384080"/>
           </a:xfrm>
           <a:prstGeom prst="rect">
             <a:avLst/>
@@ -1638,8 +1638,8 @@
         </p:blipFill>
         <p:spPr>
           <a:xfrm>
-            <a:off x="2292480" y="1768680"/>
-            <a:ext cx="5494680" cy="4384080"/>
+            <a:off x="2291760" y="1768680"/>
+            <a:ext cx="5496480" cy="4384080"/>
           </a:xfrm>
           <a:prstGeom prst="rect">
             <a:avLst/>
@@ -1661,8 +1661,8 @@
         </p:blipFill>
         <p:spPr>
           <a:xfrm>
-            <a:off x="2292480" y="1768680"/>
-            <a:ext cx="5494680" cy="4384080"/>
+            <a:off x="2291760" y="1768680"/>
+            <a:ext cx="5496480" cy="4384080"/>
           </a:xfrm>
           <a:prstGeom prst="rect">
             <a:avLst/>
@@ -2867,8 +2867,8 @@
         </p:blipFill>
         <p:spPr>
           <a:xfrm>
-            <a:off x="2292480" y="1768680"/>
-            <a:ext cx="5494680" cy="4384080"/>
+            <a:off x="2291760" y="1768680"/>
+            <a:ext cx="5496480" cy="4384080"/>
           </a:xfrm>
           <a:prstGeom prst="rect">
             <a:avLst/>
@@ -2890,8 +2890,8 @@
         </p:blipFill>
         <p:spPr>
           <a:xfrm>
-            <a:off x="2292480" y="1768680"/>
-            <a:ext cx="5494680" cy="4384080"/>
+            <a:off x="2291760" y="1768680"/>
+            <a:ext cx="5496480" cy="4384080"/>
           </a:xfrm>
           <a:prstGeom prst="rect">
             <a:avLst/>
@@ -3527,7 +3527,7 @@
           <a:p>
             <a:pPr algn="ctr"/>
             <a:r>
-              <a:rPr lang="en-AU" sz="4400">
+              <a:rPr lang="en-AU" sz="4400" spc="-1">
                 <a:latin typeface="Arial"/>
               </a:rPr>
               <a:t>Click to edit the title text format</a:t>
@@ -3558,13 +3558,16 @@
         <p:txBody>
           <a:bodyPr lIns="0" rIns="0" tIns="0" bIns="0"/>
           <a:p>
-            <a:pPr>
+            <a:pPr marL="432000" indent="-324000">
+              <a:buClr>
+                <a:srgbClr val="ffffff"/>
+              </a:buClr>
               <a:buSzPct val="45000"/>
               <a:buFont typeface="StarSymbol"/>
               <a:buChar char=""/>
             </a:pPr>
             <a:r>
-              <a:rPr lang="en-AU" sz="3200">
+              <a:rPr lang="en-AU" sz="3200" spc="-1">
                 <a:latin typeface="Arial"/>
               </a:rPr>
               <a:t>Click to edit the outline text format</a:t>
@@ -3572,13 +3575,16 @@
             <a:endParaRPr/>
           </a:p>
           <a:p>
-            <a:pPr lvl="1">
+            <a:pPr lvl="1" marL="864000" indent="-324000">
+              <a:buClr>
+                <a:srgbClr val="ffffff"/>
+              </a:buClr>
               <a:buSzPct val="75000"/>
               <a:buFont typeface="StarSymbol"/>
               <a:buChar char=""/>
             </a:pPr>
             <a:r>
-              <a:rPr lang="en-AU" sz="2800">
+              <a:rPr lang="en-AU" sz="2800" spc="-1">
                 <a:latin typeface="Arial"/>
               </a:rPr>
               <a:t>Second Outline Level</a:t>
@@ -3586,13 +3592,16 @@
             <a:endParaRPr/>
           </a:p>
           <a:p>
-            <a:pPr lvl="2">
+            <a:pPr lvl="2" marL="1296000" indent="-288000">
+              <a:buClr>
+                <a:srgbClr val="ffffff"/>
+              </a:buClr>
               <a:buSzPct val="45000"/>
               <a:buFont typeface="StarSymbol"/>
               <a:buChar char=""/>
             </a:pPr>
             <a:r>
-              <a:rPr lang="en-AU" sz="2400">
+              <a:rPr lang="en-AU" sz="2400" spc="-1">
                 <a:latin typeface="Arial"/>
               </a:rPr>
               <a:t>Third Outline Level</a:t>
@@ -3600,13 +3609,16 @@
             <a:endParaRPr/>
           </a:p>
           <a:p>
-            <a:pPr lvl="3">
+            <a:pPr lvl="3" marL="1728000" indent="-216000">
+              <a:buClr>
+                <a:srgbClr val="ffffff"/>
+              </a:buClr>
               <a:buSzPct val="75000"/>
               <a:buFont typeface="StarSymbol"/>
               <a:buChar char=""/>
             </a:pPr>
             <a:r>
-              <a:rPr lang="en-AU" sz="2000">
+              <a:rPr lang="en-AU" sz="2000" spc="-1">
                 <a:latin typeface="Arial"/>
               </a:rPr>
               <a:t>Fourth Outline Level</a:t>
@@ -3614,13 +3626,16 @@
             <a:endParaRPr/>
           </a:p>
           <a:p>
-            <a:pPr lvl="4">
+            <a:pPr lvl="4" marL="2160000" indent="-216000">
+              <a:buClr>
+                <a:srgbClr val="ffffff"/>
+              </a:buClr>
               <a:buSzPct val="45000"/>
               <a:buFont typeface="StarSymbol"/>
               <a:buChar char=""/>
             </a:pPr>
             <a:r>
-              <a:rPr lang="en-AU" sz="2000">
+              <a:rPr lang="en-AU" sz="2000" spc="-1">
                 <a:latin typeface="Arial"/>
               </a:rPr>
               <a:t>Fifth Outline Level</a:t>
@@ -3628,13 +3643,16 @@
             <a:endParaRPr/>
           </a:p>
           <a:p>
-            <a:pPr lvl="5">
+            <a:pPr lvl="5" marL="2592000" indent="-216000">
+              <a:buClr>
+                <a:srgbClr val="ffffff"/>
+              </a:buClr>
               <a:buSzPct val="45000"/>
               <a:buFont typeface="StarSymbol"/>
               <a:buChar char=""/>
             </a:pPr>
             <a:r>
-              <a:rPr lang="en-AU" sz="2000">
+              <a:rPr lang="en-AU" sz="2000" spc="-1">
                 <a:latin typeface="Arial"/>
               </a:rPr>
               <a:t>Sixth Outline Level</a:t>
@@ -3642,13 +3660,16 @@
             <a:endParaRPr/>
           </a:p>
           <a:p>
-            <a:pPr lvl="6">
+            <a:pPr lvl="6" marL="3024000" indent="-216000">
+              <a:buClr>
+                <a:srgbClr val="ffffff"/>
+              </a:buClr>
               <a:buSzPct val="45000"/>
               <a:buFont typeface="StarSymbol"/>
               <a:buChar char=""/>
             </a:pPr>
             <a:r>
-              <a:rPr lang="en-AU" sz="2000">
+              <a:rPr lang="en-AU" sz="2000" spc="-1">
                 <a:latin typeface="Arial"/>
               </a:rPr>
               <a:t>Seventh Outline Level</a:t>
@@ -3718,7 +3739,7 @@
           <a:p>
             <a:pPr algn="ctr"/>
             <a:r>
-              <a:rPr lang="en-AU" sz="4400">
+              <a:rPr lang="en-AU" sz="4400" spc="-1">
                 <a:latin typeface="Arial"/>
               </a:rPr>
               <a:t>Click to edit the title text format</a:t>
@@ -3749,13 +3770,16 @@
         <p:txBody>
           <a:bodyPr lIns="0" rIns="0" tIns="0" bIns="0"/>
           <a:p>
-            <a:pPr>
+            <a:pPr marL="432000" indent="-324000">
+              <a:buClr>
+                <a:srgbClr val="ffffff"/>
+              </a:buClr>
               <a:buSzPct val="45000"/>
               <a:buFont typeface="StarSymbol"/>
               <a:buChar char=""/>
             </a:pPr>
             <a:r>
-              <a:rPr lang="en-AU" sz="3200">
+              <a:rPr lang="en-AU" sz="3200" spc="-1">
                 <a:latin typeface="Arial"/>
               </a:rPr>
               <a:t>Click to edit the outline text format</a:t>
@@ -3763,13 +3787,16 @@
             <a:endParaRPr/>
           </a:p>
           <a:p>
-            <a:pPr lvl="1">
+            <a:pPr lvl="1" marL="864000" indent="-324000">
+              <a:buClr>
+                <a:srgbClr val="ffffff"/>
+              </a:buClr>
               <a:buSzPct val="75000"/>
               <a:buFont typeface="StarSymbol"/>
               <a:buChar char=""/>
             </a:pPr>
             <a:r>
-              <a:rPr lang="en-AU" sz="2800">
+              <a:rPr lang="en-AU" sz="2800" spc="-1">
                 <a:latin typeface="Arial"/>
               </a:rPr>
               <a:t>Second Outline Level</a:t>
@@ -3777,13 +3804,16 @@
             <a:endParaRPr/>
           </a:p>
           <a:p>
-            <a:pPr lvl="2">
+            <a:pPr lvl="2" marL="1296000" indent="-288000">
+              <a:buClr>
+                <a:srgbClr val="ffffff"/>
+              </a:buClr>
               <a:buSzPct val="45000"/>
               <a:buFont typeface="StarSymbol"/>
               <a:buChar char=""/>
             </a:pPr>
             <a:r>
-              <a:rPr lang="en-AU" sz="2400">
+              <a:rPr lang="en-AU" sz="2400" spc="-1">
                 <a:latin typeface="Arial"/>
               </a:rPr>
               <a:t>Third Outline Level</a:t>
@@ -3791,13 +3821,16 @@
             <a:endParaRPr/>
           </a:p>
           <a:p>
-            <a:pPr lvl="3">
+            <a:pPr lvl="3" marL="1728000" indent="-216000">
+              <a:buClr>
+                <a:srgbClr val="ffffff"/>
+              </a:buClr>
               <a:buSzPct val="75000"/>
               <a:buFont typeface="StarSymbol"/>
               <a:buChar char=""/>
             </a:pPr>
             <a:r>
-              <a:rPr lang="en-AU" sz="2000">
+              <a:rPr lang="en-AU" sz="2000" spc="-1">
                 <a:latin typeface="Arial"/>
               </a:rPr>
               <a:t>Fourth Outline Level</a:t>
@@ -3805,13 +3838,16 @@
             <a:endParaRPr/>
           </a:p>
           <a:p>
-            <a:pPr lvl="4">
+            <a:pPr lvl="4" marL="2160000" indent="-216000">
+              <a:buClr>
+                <a:srgbClr val="ffffff"/>
+              </a:buClr>
               <a:buSzPct val="45000"/>
               <a:buFont typeface="StarSymbol"/>
               <a:buChar char=""/>
             </a:pPr>
             <a:r>
-              <a:rPr lang="en-AU" sz="2000">
+              <a:rPr lang="en-AU" sz="2000" spc="-1">
                 <a:latin typeface="Arial"/>
               </a:rPr>
               <a:t>Fifth Outline Level</a:t>
@@ -3819,13 +3855,16 @@
             <a:endParaRPr/>
           </a:p>
           <a:p>
-            <a:pPr lvl="5">
+            <a:pPr lvl="5" marL="2592000" indent="-216000">
+              <a:buClr>
+                <a:srgbClr val="ffffff"/>
+              </a:buClr>
               <a:buSzPct val="45000"/>
               <a:buFont typeface="StarSymbol"/>
               <a:buChar char=""/>
             </a:pPr>
             <a:r>
-              <a:rPr lang="en-AU" sz="2000">
+              <a:rPr lang="en-AU" sz="2000" spc="-1">
                 <a:latin typeface="Arial"/>
               </a:rPr>
               <a:t>Sixth Outline Level</a:t>
@@ -3833,13 +3872,16 @@
             <a:endParaRPr/>
           </a:p>
           <a:p>
-            <a:pPr lvl="6">
+            <a:pPr lvl="6" marL="3024000" indent="-216000">
+              <a:buClr>
+                <a:srgbClr val="ffffff"/>
+              </a:buClr>
               <a:buSzPct val="45000"/>
               <a:buFont typeface="StarSymbol"/>
               <a:buChar char=""/>
             </a:pPr>
             <a:r>
-              <a:rPr lang="en-AU" sz="2000">
+              <a:rPr lang="en-AU" sz="2000" spc="-1">
                 <a:latin typeface="Arial"/>
               </a:rPr>
               <a:t>Seventh Outline Level</a:t>
@@ -3909,7 +3951,7 @@
           <a:p>
             <a:pPr algn="ctr"/>
             <a:r>
-              <a:rPr lang="en-AU" sz="4400">
+              <a:rPr lang="en-AU" sz="4400" spc="-1">
                 <a:latin typeface="Arial"/>
               </a:rPr>
               <a:t>Click to edit the title text format</a:t>
@@ -3940,13 +3982,16 @@
         <p:txBody>
           <a:bodyPr lIns="0" rIns="0" tIns="0" bIns="0"/>
           <a:p>
-            <a:pPr>
+            <a:pPr marL="432000" indent="-324000">
+              <a:buClr>
+                <a:srgbClr val="ffffff"/>
+              </a:buClr>
               <a:buSzPct val="45000"/>
               <a:buFont typeface="StarSymbol"/>
               <a:buChar char=""/>
             </a:pPr>
             <a:r>
-              <a:rPr lang="en-AU" sz="3200">
+              <a:rPr lang="en-AU" sz="3200" spc="-1">
                 <a:latin typeface="Arial"/>
               </a:rPr>
               <a:t>Click to edit the outline text format</a:t>
@@ -3954,13 +3999,16 @@
             <a:endParaRPr/>
           </a:p>
           <a:p>
-            <a:pPr lvl="1">
+            <a:pPr lvl="1" marL="864000" indent="-324000">
+              <a:buClr>
+                <a:srgbClr val="ffffff"/>
+              </a:buClr>
               <a:buSzPct val="75000"/>
               <a:buFont typeface="StarSymbol"/>
               <a:buChar char=""/>
             </a:pPr>
             <a:r>
-              <a:rPr lang="en-AU" sz="2800">
+              <a:rPr lang="en-AU" sz="2800" spc="-1">
                 <a:latin typeface="Arial"/>
               </a:rPr>
               <a:t>Second Outline Level</a:t>
@@ -3968,13 +4016,16 @@
             <a:endParaRPr/>
           </a:p>
           <a:p>
-            <a:pPr lvl="2">
+            <a:pPr lvl="2" marL="1296000" indent="-288000">
+              <a:buClr>
+                <a:srgbClr val="ffffff"/>
+              </a:buClr>
               <a:buSzPct val="45000"/>
               <a:buFont typeface="StarSymbol"/>
               <a:buChar char=""/>
             </a:pPr>
             <a:r>
-              <a:rPr lang="en-AU" sz="2400">
+              <a:rPr lang="en-AU" sz="2400" spc="-1">
                 <a:latin typeface="Arial"/>
               </a:rPr>
               <a:t>Third Outline Level</a:t>
@@ -3982,13 +4033,16 @@
             <a:endParaRPr/>
           </a:p>
           <a:p>
-            <a:pPr lvl="3">
+            <a:pPr lvl="3" marL="1728000" indent="-216000">
+              <a:buClr>
+                <a:srgbClr val="ffffff"/>
+              </a:buClr>
               <a:buSzPct val="75000"/>
               <a:buFont typeface="StarSymbol"/>
               <a:buChar char=""/>
             </a:pPr>
             <a:r>
-              <a:rPr lang="en-AU" sz="2000">
+              <a:rPr lang="en-AU" sz="2000" spc="-1">
                 <a:latin typeface="Arial"/>
               </a:rPr>
               <a:t>Fourth Outline Level</a:t>
@@ -3996,13 +4050,16 @@
             <a:endParaRPr/>
           </a:p>
           <a:p>
-            <a:pPr lvl="4">
+            <a:pPr lvl="4" marL="2160000" indent="-216000">
+              <a:buClr>
+                <a:srgbClr val="ffffff"/>
+              </a:buClr>
               <a:buSzPct val="45000"/>
               <a:buFont typeface="StarSymbol"/>
               <a:buChar char=""/>
             </a:pPr>
             <a:r>
-              <a:rPr lang="en-AU" sz="2000">
+              <a:rPr lang="en-AU" sz="2000" spc="-1">
                 <a:latin typeface="Arial"/>
               </a:rPr>
               <a:t>Fifth Outline Level</a:t>
@@ -4010,13 +4067,16 @@
             <a:endParaRPr/>
           </a:p>
           <a:p>
-            <a:pPr lvl="5">
+            <a:pPr lvl="5" marL="2592000" indent="-216000">
+              <a:buClr>
+                <a:srgbClr val="ffffff"/>
+              </a:buClr>
               <a:buSzPct val="45000"/>
               <a:buFont typeface="StarSymbol"/>
               <a:buChar char=""/>
             </a:pPr>
             <a:r>
-              <a:rPr lang="en-AU" sz="2000">
+              <a:rPr lang="en-AU" sz="2000" spc="-1">
                 <a:latin typeface="Arial"/>
               </a:rPr>
               <a:t>Sixth Outline Level</a:t>
@@ -4024,13 +4084,16 @@
             <a:endParaRPr/>
           </a:p>
           <a:p>
-            <a:pPr lvl="6">
+            <a:pPr lvl="6" marL="3024000" indent="-216000">
+              <a:buClr>
+                <a:srgbClr val="ffffff"/>
+              </a:buClr>
               <a:buSzPct val="45000"/>
               <a:buFont typeface="StarSymbol"/>
               <a:buChar char=""/>
             </a:pPr>
             <a:r>
-              <a:rPr lang="en-AU" sz="2000">
+              <a:rPr lang="en-AU" sz="2000" spc="-1">
                 <a:latin typeface="Arial"/>
               </a:rPr>
               <a:t>Seventh Outline Level</a:t>
@@ -4085,7 +4148,7 @@
         <p:spPr>
           <a:xfrm>
             <a:off x="504000" y="301320"/>
-            <a:ext cx="9070560" cy="1261080"/>
+            <a:ext cx="9070200" cy="1260720"/>
           </a:xfrm>
           <a:prstGeom prst="rect">
             <a:avLst/>
@@ -4105,10 +4168,15 @@
           <a:bodyPr lIns="0" rIns="0" tIns="0" bIns="0" anchor="ctr"/>
           <a:p>
             <a:r>
-              <a:rPr b="1" lang="en-AU" sz="4400" strike="noStrike">
+              <a:rPr b="1" lang="en-AU" sz="4400" spc="-1" strike="noStrike">
                 <a:solidFill>
                   <a:srgbClr val="000000"/>
                 </a:solidFill>
+                <a:uFill>
+                  <a:solidFill>
+                    <a:srgbClr val="ffffff"/>
+                  </a:solidFill>
+                </a:uFill>
                 <a:latin typeface="Arial"/>
                 <a:ea typeface="DejaVu Sans"/>
               </a:rPr>
@@ -4127,7 +4195,7 @@
         <p:spPr>
           <a:xfrm>
             <a:off x="504000" y="1769040"/>
-            <a:ext cx="9070560" cy="4383360"/>
+            <a:ext cx="9070200" cy="4383000"/>
           </a:xfrm>
           <a:prstGeom prst="rect">
             <a:avLst/>
@@ -4147,10 +4215,15 @@
           <a:bodyPr lIns="0" rIns="0" tIns="0" bIns="0" anchor="ctr"/>
           <a:p>
             <a:r>
-              <a:rPr lang="en-AU" sz="4000" strike="noStrike">
+              <a:rPr lang="en-AU" sz="4000" spc="-1" strike="noStrike">
                 <a:solidFill>
                   <a:srgbClr val="000000"/>
                 </a:solidFill>
+                <a:uFill>
+                  <a:solidFill>
+                    <a:srgbClr val="ffffff"/>
+                  </a:solidFill>
+                </a:uFill>
                 <a:latin typeface="Arial"/>
                 <a:ea typeface="DejaVu Sans"/>
               </a:rPr>
@@ -4173,32 +4246,19 @@
               </a:lnSpc>
             </a:pPr>
             <a:r>
-              <a:rPr lang="en-AU" sz="3200" strike="noStrike">
+              <a:rPr lang="en-AU" sz="3200" spc="-1" strike="noStrike">
                 <a:solidFill>
                   <a:srgbClr val="018a8a"/>
                 </a:solidFill>
+                <a:uFill>
+                  <a:solidFill>
+                    <a:srgbClr val="ffffff"/>
+                  </a:solidFill>
+                </a:uFill>
                 <a:latin typeface="Menlo"/>
                 <a:ea typeface="Menlo"/>
               </a:rPr>
-              <a:t>http://cygwin.com/install.html</a:t>
-            </a:r>
-            <a:endParaRPr/>
-          </a:p>
-          <a:p>
-            <a:pPr>
-              <a:lnSpc>
-                <a:spcPct val="100000"/>
-              </a:lnSpc>
-            </a:pPr>
-            <a:r>
-              <a:rPr lang="en-AU" sz="3200" strike="noStrike">
-                <a:solidFill>
-                  <a:srgbClr val="018a8a"/>
-                </a:solidFill>
-                <a:latin typeface="Menlo"/>
-                <a:ea typeface="Menlo"/>
-              </a:rPr>
-              <a:t>http://tinyurl.com/install-cygwin</a:t>
+              <a:t>http://tinyurl.com/n9o7t9c</a:t>
             </a:r>
             <a:endParaRPr/>
           </a:p>
@@ -4262,7 +4322,7 @@
         <p:spPr>
           <a:xfrm>
             <a:off x="504000" y="301320"/>
-            <a:ext cx="9070560" cy="1261080"/>
+            <a:ext cx="9070200" cy="1260720"/>
           </a:xfrm>
           <a:prstGeom prst="rect">
             <a:avLst/>
@@ -4287,10 +4347,15 @@
               </a:lnSpc>
             </a:pPr>
             <a:r>
-              <a:rPr b="1" lang="en-AU" sz="4400" strike="noStrike">
+              <a:rPr b="1" lang="en-AU" sz="4400" spc="-1" strike="noStrike">
                 <a:solidFill>
                   <a:srgbClr val="000000"/>
                 </a:solidFill>
+                <a:uFill>
+                  <a:solidFill>
+                    <a:srgbClr val="ffffff"/>
+                  </a:solidFill>
+                </a:uFill>
                 <a:latin typeface="Arial"/>
                 <a:ea typeface="DejaVu Sans"/>
               </a:rPr>
@@ -4309,7 +4374,7 @@
         <p:spPr>
           <a:xfrm>
             <a:off x="504000" y="1769040"/>
-            <a:ext cx="9070560" cy="4383360"/>
+            <a:ext cx="9070200" cy="4383000"/>
           </a:xfrm>
           <a:prstGeom prst="rect">
             <a:avLst/>
@@ -4329,10 +4394,15 @@
           <a:bodyPr lIns="0" rIns="0" tIns="0" bIns="0"/>
           <a:p>
             <a:r>
-              <a:rPr i="1" lang="en-AU" sz="2000" strike="noStrike">
+              <a:rPr i="1" lang="en-AU" sz="2000" spc="-1" strike="noStrike">
                 <a:solidFill>
                   <a:srgbClr val="808080"/>
                 </a:solidFill>
+                <a:uFill>
+                  <a:solidFill>
+                    <a:srgbClr val="ffffff"/>
+                  </a:solidFill>
+                </a:uFill>
                 <a:latin typeface="Menlo"/>
                 <a:ea typeface="Menlo"/>
               </a:rPr>
@@ -4342,10 +4412,15 @@
           </a:p>
           <a:p>
             <a:r>
-              <a:rPr i="1" lang="en-AU" sz="2000" strike="noStrike">
+              <a:rPr i="1" lang="en-AU" sz="2000" spc="-1" strike="noStrike">
                 <a:solidFill>
                   <a:srgbClr val="808080"/>
                 </a:solidFill>
+                <a:uFill>
+                  <a:solidFill>
+                    <a:srgbClr val="ffffff"/>
+                  </a:solidFill>
+                </a:uFill>
                 <a:latin typeface="Menlo"/>
                 <a:ea typeface="Menlo"/>
               </a:rPr>
@@ -4355,10 +4430,15 @@
           </a:p>
           <a:p>
             <a:r>
-              <a:rPr i="1" lang="en-AU" sz="2000" strike="noStrike">
+              <a:rPr i="1" lang="en-AU" sz="2000" spc="-1" strike="noStrike">
                 <a:solidFill>
                   <a:srgbClr val="808080"/>
                 </a:solidFill>
+                <a:uFill>
+                  <a:solidFill>
+                    <a:srgbClr val="ffffff"/>
+                  </a:solidFill>
+                </a:uFill>
                 <a:latin typeface="Menlo"/>
                 <a:ea typeface="Menlo"/>
               </a:rPr>
@@ -4426,7 +4506,7 @@
         <p:spPr>
           <a:xfrm>
             <a:off x="504000" y="301320"/>
-            <a:ext cx="9070560" cy="1261080"/>
+            <a:ext cx="9070200" cy="1260720"/>
           </a:xfrm>
           <a:prstGeom prst="rect">
             <a:avLst/>
@@ -4451,10 +4531,15 @@
               </a:lnSpc>
             </a:pPr>
             <a:r>
-              <a:rPr b="1" lang="en-AU" sz="4400" strike="noStrike">
+              <a:rPr b="1" lang="en-AU" sz="4400" spc="-1" strike="noStrike">
                 <a:solidFill>
                   <a:srgbClr val="000000"/>
                 </a:solidFill>
+                <a:uFill>
+                  <a:solidFill>
+                    <a:srgbClr val="ffffff"/>
+                  </a:solidFill>
+                </a:uFill>
                 <a:latin typeface="Arial"/>
                 <a:ea typeface="DejaVu Sans"/>
               </a:rPr>
@@ -4473,7 +4558,7 @@
         <p:spPr>
           <a:xfrm>
             <a:off x="504000" y="1769040"/>
-            <a:ext cx="9070560" cy="4383360"/>
+            <a:ext cx="9070200" cy="4383000"/>
           </a:xfrm>
           <a:prstGeom prst="rect">
             <a:avLst/>
@@ -4493,10 +4578,15 @@
           <a:bodyPr lIns="0" rIns="0" tIns="0" bIns="0"/>
           <a:p>
             <a:r>
-              <a:rPr i="1" lang="en-AU" sz="2000" strike="noStrike">
+              <a:rPr i="1" lang="en-AU" sz="2000" spc="-1" strike="noStrike">
                 <a:solidFill>
                   <a:srgbClr val="808080"/>
                 </a:solidFill>
+                <a:uFill>
+                  <a:solidFill>
+                    <a:srgbClr val="ffffff"/>
+                  </a:solidFill>
+                </a:uFill>
                 <a:latin typeface="Menlo"/>
                 <a:ea typeface="Menlo"/>
               </a:rPr>
@@ -4506,10 +4596,15 @@
           </a:p>
           <a:p>
             <a:r>
-              <a:rPr i="1" lang="en-AU" sz="2000" strike="noStrike">
+              <a:rPr i="1" lang="en-AU" sz="2000" spc="-1" strike="noStrike">
                 <a:solidFill>
                   <a:srgbClr val="808080"/>
                 </a:solidFill>
+                <a:uFill>
+                  <a:solidFill>
+                    <a:srgbClr val="ffffff"/>
+                  </a:solidFill>
+                </a:uFill>
                 <a:latin typeface="Menlo"/>
                 <a:ea typeface="Menlo"/>
               </a:rPr>
@@ -4519,10 +4614,15 @@
           </a:p>
           <a:p>
             <a:r>
-              <a:rPr i="1" lang="en-AU" sz="2000" strike="noStrike">
+              <a:rPr i="1" lang="en-AU" sz="2000" spc="-1" strike="noStrike">
                 <a:solidFill>
                   <a:srgbClr val="808080"/>
                 </a:solidFill>
+                <a:uFill>
+                  <a:solidFill>
+                    <a:srgbClr val="ffffff"/>
+                  </a:solidFill>
+                </a:uFill>
                 <a:latin typeface="Menlo"/>
                 <a:ea typeface="Menlo"/>
               </a:rPr>
@@ -4532,10 +4632,15 @@
           </a:p>
           <a:p>
             <a:r>
-              <a:rPr i="1" lang="en-AU" sz="2000" strike="noStrike">
+              <a:rPr i="1" lang="en-AU" sz="2000" spc="-1" strike="noStrike">
                 <a:solidFill>
                   <a:srgbClr val="808080"/>
                 </a:solidFill>
+                <a:uFill>
+                  <a:solidFill>
+                    <a:srgbClr val="ffffff"/>
+                  </a:solidFill>
+                </a:uFill>
                 <a:latin typeface="Menlo"/>
                 <a:ea typeface="Menlo"/>
               </a:rPr>
@@ -4545,10 +4650,15 @@
           </a:p>
           <a:p>
             <a:r>
-              <a:rPr i="1" lang="en-AU" sz="2000" strike="noStrike">
+              <a:rPr i="1" lang="en-AU" sz="2000" spc="-1" strike="noStrike">
                 <a:solidFill>
                   <a:srgbClr val="808080"/>
                 </a:solidFill>
+                <a:uFill>
+                  <a:solidFill>
+                    <a:srgbClr val="ffffff"/>
+                  </a:solidFill>
+                </a:uFill>
                 <a:latin typeface="Menlo"/>
                 <a:ea typeface="Menlo"/>
               </a:rPr>
@@ -4558,10 +4668,15 @@
           </a:p>
           <a:p>
             <a:r>
-              <a:rPr i="1" lang="en-AU" sz="2000" strike="noStrike">
+              <a:rPr i="1" lang="en-AU" sz="2000" spc="-1" strike="noStrike">
                 <a:solidFill>
                   <a:srgbClr val="808080"/>
                 </a:solidFill>
+                <a:uFill>
+                  <a:solidFill>
+                    <a:srgbClr val="ffffff"/>
+                  </a:solidFill>
+                </a:uFill>
                 <a:latin typeface="Menlo"/>
                 <a:ea typeface="Menlo"/>
               </a:rPr>
@@ -4571,10 +4686,15 @@
           </a:p>
           <a:p>
             <a:r>
-              <a:rPr i="1" lang="en-AU" sz="2000" strike="noStrike">
+              <a:rPr i="1" lang="en-AU" sz="2000" spc="-1" strike="noStrike">
                 <a:solidFill>
                   <a:srgbClr val="808080"/>
                 </a:solidFill>
+                <a:uFill>
+                  <a:solidFill>
+                    <a:srgbClr val="ffffff"/>
+                  </a:solidFill>
+                </a:uFill>
                 <a:latin typeface="Menlo"/>
                 <a:ea typeface="Menlo"/>
               </a:rPr>
@@ -4584,10 +4704,15 @@
           </a:p>
           <a:p>
             <a:r>
-              <a:rPr i="1" lang="en-AU" sz="2000" strike="noStrike">
+              <a:rPr i="1" lang="en-AU" sz="2000" spc="-1" strike="noStrike">
                 <a:solidFill>
                   <a:srgbClr val="808080"/>
                 </a:solidFill>
+                <a:uFill>
+                  <a:solidFill>
+                    <a:srgbClr val="ffffff"/>
+                  </a:solidFill>
+                </a:uFill>
                 <a:latin typeface="Menlo"/>
                 <a:ea typeface="Menlo"/>
               </a:rPr>
@@ -4597,10 +4722,15 @@
           </a:p>
           <a:p>
             <a:r>
-              <a:rPr i="1" lang="en-AU" sz="2000" strike="noStrike">
+              <a:rPr i="1" lang="en-AU" sz="2000" spc="-1" strike="noStrike">
                 <a:solidFill>
                   <a:srgbClr val="808080"/>
                 </a:solidFill>
+                <a:uFill>
+                  <a:solidFill>
+                    <a:srgbClr val="ffffff"/>
+                  </a:solidFill>
+                </a:uFill>
                 <a:latin typeface="Menlo"/>
                 <a:ea typeface="Menlo"/>
               </a:rPr>
@@ -4610,10 +4740,15 @@
           </a:p>
           <a:p>
             <a:r>
-              <a:rPr i="1" lang="en-AU" sz="2000" strike="noStrike">
+              <a:rPr i="1" lang="en-AU" sz="2000" spc="-1" strike="noStrike">
                 <a:solidFill>
                   <a:srgbClr val="808080"/>
                 </a:solidFill>
+                <a:uFill>
+                  <a:solidFill>
+                    <a:srgbClr val="ffffff"/>
+                  </a:solidFill>
+                </a:uFill>
                 <a:latin typeface="Menlo"/>
                 <a:ea typeface="Menlo"/>
               </a:rPr>
@@ -4623,10 +4758,15 @@
           </a:p>
           <a:p>
             <a:r>
-              <a:rPr i="1" lang="en-AU" sz="2000" strike="noStrike">
+              <a:rPr i="1" lang="en-AU" sz="2000" spc="-1" strike="noStrike">
                 <a:solidFill>
                   <a:srgbClr val="808080"/>
                 </a:solidFill>
+                <a:uFill>
+                  <a:solidFill>
+                    <a:srgbClr val="ffffff"/>
+                  </a:solidFill>
+                </a:uFill>
                 <a:latin typeface="Menlo"/>
                 <a:ea typeface="Menlo"/>
               </a:rPr>
@@ -4636,10 +4776,15 @@
           </a:p>
           <a:p>
             <a:r>
-              <a:rPr i="1" lang="en-AU" sz="2000" strike="noStrike">
+              <a:rPr i="1" lang="en-AU" sz="2000" spc="-1" strike="noStrike">
                 <a:solidFill>
                   <a:srgbClr val="808080"/>
                 </a:solidFill>
+                <a:uFill>
+                  <a:solidFill>
+                    <a:srgbClr val="ffffff"/>
+                  </a:solidFill>
+                </a:uFill>
                 <a:latin typeface="Menlo"/>
                 <a:ea typeface="Menlo"/>
               </a:rPr>
@@ -4649,10 +4794,15 @@
           </a:p>
           <a:p>
             <a:r>
-              <a:rPr i="1" lang="en-AU" sz="2000" strike="noStrike">
+              <a:rPr i="1" lang="en-AU" sz="2000" spc="-1" strike="noStrike">
                 <a:solidFill>
                   <a:srgbClr val="808080"/>
                 </a:solidFill>
+                <a:uFill>
+                  <a:solidFill>
+                    <a:srgbClr val="ffffff"/>
+                  </a:solidFill>
+                </a:uFill>
                 <a:latin typeface="Menlo"/>
                 <a:ea typeface="Menlo"/>
               </a:rPr>
@@ -4720,7 +4870,7 @@
         <p:spPr>
           <a:xfrm>
             <a:off x="504000" y="301320"/>
-            <a:ext cx="9070560" cy="1261080"/>
+            <a:ext cx="9070200" cy="1260720"/>
           </a:xfrm>
           <a:prstGeom prst="rect">
             <a:avLst/>
@@ -4745,50 +4895,75 @@
               </a:lnSpc>
             </a:pPr>
             <a:r>
-              <a:rPr lang="en-AU" sz="4400" strike="noStrike">
+              <a:rPr lang="en-AU" sz="4400" spc="-1" strike="noStrike">
                 <a:solidFill>
                   <a:srgbClr val="000000"/>
                 </a:solidFill>
+                <a:uFill>
+                  <a:solidFill>
+                    <a:srgbClr val="ffffff"/>
+                  </a:solidFill>
+                </a:uFill>
                 <a:latin typeface="Arial"/>
                 <a:ea typeface="DejaVu Sans"/>
               </a:rPr>
               <a:t>ssh (</a:t>
             </a:r>
             <a:r>
-              <a:rPr b="1" lang="en-AU" sz="4400" strike="noStrike">
+              <a:rPr b="1" lang="en-AU" sz="4400" spc="-1" strike="noStrike">
                 <a:solidFill>
                   <a:srgbClr val="000000"/>
                 </a:solidFill>
+                <a:uFill>
+                  <a:solidFill>
+                    <a:srgbClr val="ffffff"/>
+                  </a:solidFill>
+                </a:uFill>
                 <a:latin typeface="Arial"/>
                 <a:ea typeface="DejaVu Sans"/>
               </a:rPr>
               <a:t>s</a:t>
             </a:r>
             <a:r>
-              <a:rPr lang="en-AU" sz="4400" strike="noStrike">
+              <a:rPr lang="en-AU" sz="4400" spc="-1" strike="noStrike">
                 <a:solidFill>
                   <a:srgbClr val="000000"/>
                 </a:solidFill>
+                <a:uFill>
+                  <a:solidFill>
+                    <a:srgbClr val="ffffff"/>
+                  </a:solidFill>
+                </a:uFill>
                 <a:latin typeface="Arial"/>
                 <a:ea typeface="DejaVu Sans"/>
               </a:rPr>
               <a:t>ecure </a:t>
             </a:r>
             <a:r>
-              <a:rPr b="1" lang="en-AU" sz="4400" strike="noStrike">
+              <a:rPr b="1" lang="en-AU" sz="4400" spc="-1" strike="noStrike">
                 <a:solidFill>
                   <a:srgbClr val="000000"/>
                 </a:solidFill>
+                <a:uFill>
+                  <a:solidFill>
+                    <a:srgbClr val="ffffff"/>
+                  </a:solidFill>
+                </a:uFill>
                 <a:latin typeface="Arial"/>
                 <a:ea typeface="DejaVu Sans"/>
               </a:rPr>
               <a:t>sh</a:t>
             </a:r>
             <a:r>
-              <a:rPr lang="en-AU" sz="4400" strike="noStrike">
+              <a:rPr lang="en-AU" sz="4400" spc="-1" strike="noStrike">
                 <a:solidFill>
                   <a:srgbClr val="000000"/>
                 </a:solidFill>
+                <a:uFill>
+                  <a:solidFill>
+                    <a:srgbClr val="ffffff"/>
+                  </a:solidFill>
+                </a:uFill>
                 <a:latin typeface="Arial"/>
                 <a:ea typeface="DejaVu Sans"/>
               </a:rPr>
@@ -4807,7 +4982,7 @@
         <p:spPr>
           <a:xfrm>
             <a:off x="504000" y="1769040"/>
-            <a:ext cx="9070560" cy="4383360"/>
+            <a:ext cx="9070200" cy="4383000"/>
           </a:xfrm>
           <a:prstGeom prst="rect">
             <a:avLst/>
@@ -4830,10 +5005,15 @@
           </a:p>
           <a:p>
             <a:r>
-              <a:rPr i="1" lang="en-AU" sz="3200" strike="noStrike">
+              <a:rPr i="1" lang="en-AU" sz="3200" spc="-1" strike="noStrike">
                 <a:solidFill>
                   <a:srgbClr val="000000"/>
                 </a:solidFill>
+                <a:uFill>
+                  <a:solidFill>
+                    <a:srgbClr val="ffffff"/>
+                  </a:solidFill>
+                </a:uFill>
                 <a:latin typeface="Menlo"/>
                 <a:ea typeface="Menlo"/>
               </a:rPr>
@@ -4843,10 +5023,15 @@
           </a:p>
           <a:p>
             <a:r>
-              <a:rPr b="1" lang="en-AU" sz="3200" strike="noStrike">
+              <a:rPr b="1" lang="en-AU" sz="3200" spc="-1" strike="noStrike">
                 <a:solidFill>
                   <a:srgbClr val="000000"/>
                 </a:solidFill>
+                <a:uFill>
+                  <a:solidFill>
+                    <a:srgbClr val="ffffff"/>
+                  </a:solidFill>
+                </a:uFill>
                 <a:latin typeface="Menlo"/>
                 <a:ea typeface="Menlo"/>
               </a:rPr>
@@ -4856,10 +5041,15 @@
           </a:p>
           <a:p>
             <a:r>
-              <a:rPr i="1" lang="en-AU" sz="3200" strike="noStrike">
+              <a:rPr i="1" lang="en-AU" sz="3200" spc="-1" strike="noStrike">
                 <a:solidFill>
                   <a:srgbClr val="000000"/>
                 </a:solidFill>
+                <a:uFill>
+                  <a:solidFill>
+                    <a:srgbClr val="ffffff"/>
+                  </a:solidFill>
+                </a:uFill>
                 <a:latin typeface="Menlo"/>
                 <a:ea typeface="Menlo"/>
               </a:rPr>
@@ -4927,7 +5117,7 @@
         <p:spPr>
           <a:xfrm>
             <a:off x="504000" y="301320"/>
-            <a:ext cx="9070560" cy="1261080"/>
+            <a:ext cx="9070200" cy="1260720"/>
           </a:xfrm>
           <a:prstGeom prst="rect">
             <a:avLst/>
@@ -4947,10 +5137,15 @@
           <a:bodyPr lIns="0" rIns="0" tIns="0" bIns="0" anchor="ctr"/>
           <a:p>
             <a:r>
-              <a:rPr b="1" lang="en-AU" sz="4400" strike="noStrike">
+              <a:rPr b="1" lang="en-AU" sz="4400" spc="-1" strike="noStrike">
                 <a:solidFill>
                   <a:srgbClr val="000000"/>
                 </a:solidFill>
+                <a:uFill>
+                  <a:solidFill>
+                    <a:srgbClr val="ffffff"/>
+                  </a:solidFill>
+                </a:uFill>
                 <a:latin typeface="Arial"/>
                 <a:ea typeface="DejaVu Sans"/>
               </a:rPr>
@@ -4969,7 +5164,7 @@
         <p:spPr>
           <a:xfrm>
             <a:off x="504000" y="1563480"/>
-            <a:ext cx="9070560" cy="5476320"/>
+            <a:ext cx="9070200" cy="5475960"/>
           </a:xfrm>
           <a:prstGeom prst="rect">
             <a:avLst/>
@@ -4989,10 +5184,15 @@
           <a:bodyPr lIns="0" rIns="0" tIns="0" bIns="0"/>
           <a:p>
             <a:r>
-              <a:rPr lang="en-AU" sz="3200" strike="noStrike">
+              <a:rPr lang="en-AU" sz="3200" spc="-1" strike="noStrike">
                 <a:solidFill>
                   <a:srgbClr val="000000"/>
                 </a:solidFill>
+                <a:uFill>
+                  <a:solidFill>
+                    <a:srgbClr val="ffffff"/>
+                  </a:solidFill>
+                </a:uFill>
                 <a:latin typeface="Arial"/>
                 <a:ea typeface="DejaVu Sans"/>
               </a:rPr>
@@ -5002,10 +5202,15 @@
           </a:p>
           <a:p>
             <a:r>
-              <a:rPr lang="en-AU" sz="3200" strike="noStrike">
+              <a:rPr lang="en-AU" sz="3200" spc="-1" strike="noStrike">
                 <a:solidFill>
                   <a:srgbClr val="000000"/>
                 </a:solidFill>
+                <a:uFill>
+                  <a:solidFill>
+                    <a:srgbClr val="ffffff"/>
+                  </a:solidFill>
+                </a:uFill>
                 <a:latin typeface="Arial"/>
                 <a:ea typeface="DejaVu Sans"/>
               </a:rPr>
@@ -5015,10 +5220,15 @@
           </a:p>
           <a:p>
             <a:r>
-              <a:rPr lang="en-AU" sz="3200" strike="noStrike">
+              <a:rPr lang="en-AU" sz="3200" spc="-1" strike="noStrike">
                 <a:solidFill>
                   <a:srgbClr val="000000"/>
                 </a:solidFill>
+                <a:uFill>
+                  <a:solidFill>
+                    <a:srgbClr val="ffffff"/>
+                  </a:solidFill>
+                </a:uFill>
                 <a:latin typeface="Arial"/>
                 <a:ea typeface="DejaVu Sans"/>
               </a:rPr>
@@ -5027,7 +5237,7 @@
             <a:endParaRPr/>
           </a:p>
           <a:p>
-            <a:pPr>
+            <a:pPr marL="216000" indent="-216000">
               <a:lnSpc>
                 <a:spcPct val="100000"/>
               </a:lnSpc>
@@ -5035,20 +5245,30 @@
               <a:buAutoNum type="alphaUcParenR"/>
             </a:pPr>
             <a:r>
-              <a:rPr lang="en-AU" sz="3200" strike="noStrike">
+              <a:rPr lang="en-AU" sz="3200" spc="-1" strike="noStrike">
                 <a:solidFill>
                   <a:srgbClr val="000000"/>
                 </a:solidFill>
+                <a:uFill>
+                  <a:solidFill>
+                    <a:srgbClr val="ffffff"/>
+                  </a:solidFill>
+                </a:uFill>
                 <a:latin typeface="Arial"/>
                 <a:ea typeface="DejaVu Sans"/>
               </a:rPr>
               <a:t> </a:t>
             </a:r>
             <a:r>
-              <a:rPr lang="en-AU" sz="3200" strike="noStrike">
+              <a:rPr lang="en-AU" sz="3200" spc="-1" strike="noStrike">
                 <a:solidFill>
                   <a:srgbClr val="000000"/>
                 </a:solidFill>
+                <a:uFill>
+                  <a:solidFill>
+                    <a:srgbClr val="ffffff"/>
+                  </a:solidFill>
+                </a:uFill>
                 <a:latin typeface="Arial"/>
                 <a:ea typeface="DejaVu Sans"/>
               </a:rPr>
@@ -5057,7 +5277,7 @@
             <a:endParaRPr/>
           </a:p>
           <a:p>
-            <a:pPr>
+            <a:pPr marL="216000" indent="-216000">
               <a:lnSpc>
                 <a:spcPct val="100000"/>
               </a:lnSpc>
@@ -5065,20 +5285,30 @@
               <a:buAutoNum type="alphaUcParenR"/>
             </a:pPr>
             <a:r>
-              <a:rPr lang="en-AU" sz="3200" strike="noStrike">
+              <a:rPr lang="en-AU" sz="3200" spc="-1" strike="noStrike">
                 <a:solidFill>
                   <a:srgbClr val="000000"/>
                 </a:solidFill>
+                <a:uFill>
+                  <a:solidFill>
+                    <a:srgbClr val="ffffff"/>
+                  </a:solidFill>
+                </a:uFill>
                 <a:latin typeface="Arial"/>
                 <a:ea typeface="DejaVu Sans"/>
               </a:rPr>
               <a:t> </a:t>
             </a:r>
             <a:r>
-              <a:rPr lang="en-AU" sz="3200" strike="noStrike">
+              <a:rPr lang="en-AU" sz="3200" spc="-1" strike="noStrike">
                 <a:solidFill>
                   <a:srgbClr val="000000"/>
                 </a:solidFill>
+                <a:uFill>
+                  <a:solidFill>
+                    <a:srgbClr val="ffffff"/>
+                  </a:solidFill>
+                </a:uFill>
                 <a:latin typeface="Arial"/>
                 <a:ea typeface="DejaVu Sans"/>
               </a:rPr>
@@ -5087,7 +5317,7 @@
             <a:endParaRPr/>
           </a:p>
           <a:p>
-            <a:pPr>
+            <a:pPr marL="216000" indent="-216000">
               <a:lnSpc>
                 <a:spcPct val="100000"/>
               </a:lnSpc>
@@ -5095,20 +5325,30 @@
               <a:buAutoNum type="alphaUcParenR"/>
             </a:pPr>
             <a:r>
-              <a:rPr lang="en-AU" sz="3200" strike="noStrike">
+              <a:rPr lang="en-AU" sz="3200" spc="-1" strike="noStrike">
                 <a:solidFill>
                   <a:srgbClr val="000000"/>
                 </a:solidFill>
+                <a:uFill>
+                  <a:solidFill>
+                    <a:srgbClr val="ffffff"/>
+                  </a:solidFill>
+                </a:uFill>
                 <a:latin typeface="Arial"/>
                 <a:ea typeface="DejaVu Sans"/>
               </a:rPr>
               <a:t> </a:t>
             </a:r>
             <a:r>
-              <a:rPr lang="en-AU" sz="3200" strike="noStrike">
+              <a:rPr lang="en-AU" sz="3200" spc="-1" strike="noStrike">
                 <a:solidFill>
                   <a:srgbClr val="000000"/>
                 </a:solidFill>
+                <a:uFill>
+                  <a:solidFill>
+                    <a:srgbClr val="ffffff"/>
+                  </a:solidFill>
+                </a:uFill>
                 <a:latin typeface="Arial"/>
                 <a:ea typeface="DejaVu Sans"/>
               </a:rPr>
@@ -5117,7 +5357,7 @@
             <a:endParaRPr/>
           </a:p>
           <a:p>
-            <a:pPr>
+            <a:pPr marL="216000" indent="-216000">
               <a:lnSpc>
                 <a:spcPct val="100000"/>
               </a:lnSpc>
@@ -5125,20 +5365,30 @@
               <a:buAutoNum type="alphaUcParenR"/>
             </a:pPr>
             <a:r>
-              <a:rPr lang="en-AU" sz="3200" strike="noStrike">
+              <a:rPr lang="en-AU" sz="3200" spc="-1" strike="noStrike">
                 <a:solidFill>
                   <a:srgbClr val="000000"/>
                 </a:solidFill>
+                <a:uFill>
+                  <a:solidFill>
+                    <a:srgbClr val="ffffff"/>
+                  </a:solidFill>
+                </a:uFill>
                 <a:latin typeface="Arial"/>
                 <a:ea typeface="DejaVu Sans"/>
               </a:rPr>
               <a:t> </a:t>
             </a:r>
             <a:r>
-              <a:rPr lang="en-AU" sz="3200" strike="noStrike">
+              <a:rPr lang="en-AU" sz="3200" spc="-1" strike="noStrike">
                 <a:solidFill>
                   <a:srgbClr val="000000"/>
                 </a:solidFill>
+                <a:uFill>
+                  <a:solidFill>
+                    <a:srgbClr val="ffffff"/>
+                  </a:solidFill>
+                </a:uFill>
                 <a:latin typeface="Arial"/>
                 <a:ea typeface="DejaVu Sans"/>
               </a:rPr>
@@ -5147,7 +5397,7 @@
             <a:endParaRPr/>
           </a:p>
           <a:p>
-            <a:pPr>
+            <a:pPr marL="216000" indent="-216000">
               <a:lnSpc>
                 <a:spcPct val="100000"/>
               </a:lnSpc>
@@ -5155,20 +5405,30 @@
               <a:buAutoNum type="alphaUcParenR"/>
             </a:pPr>
             <a:r>
-              <a:rPr lang="en-AU" sz="3200" strike="noStrike">
+              <a:rPr lang="en-AU" sz="3200" spc="-1" strike="noStrike">
                 <a:solidFill>
                   <a:srgbClr val="000000"/>
                 </a:solidFill>
+                <a:uFill>
+                  <a:solidFill>
+                    <a:srgbClr val="ffffff"/>
+                  </a:solidFill>
+                </a:uFill>
                 <a:latin typeface="Arial"/>
                 <a:ea typeface="DejaVu Sans"/>
               </a:rPr>
               <a:t> </a:t>
             </a:r>
             <a:r>
-              <a:rPr lang="en-AU" sz="3200" strike="noStrike">
+              <a:rPr lang="en-AU" sz="3200" spc="-1" strike="noStrike">
                 <a:solidFill>
                   <a:srgbClr val="000000"/>
                 </a:solidFill>
+                <a:uFill>
+                  <a:solidFill>
+                    <a:srgbClr val="ffffff"/>
+                  </a:solidFill>
+                </a:uFill>
                 <a:latin typeface="Arial"/>
                 <a:ea typeface="DejaVu Sans"/>
               </a:rPr>
@@ -5183,10 +5443,15 @@
               </a:lnSpc>
             </a:pPr>
             <a:r>
-              <a:rPr b="1" lang="en-AU" sz="3600" strike="noStrike">
+              <a:rPr b="1" lang="en-AU" sz="3600" spc="-1" strike="noStrike">
                 <a:solidFill>
                   <a:srgbClr val="000000"/>
                 </a:solidFill>
+                <a:uFill>
+                  <a:solidFill>
+                    <a:srgbClr val="ffffff"/>
+                  </a:solidFill>
+                </a:uFill>
                 <a:latin typeface="Arial"/>
                 <a:ea typeface="DejaVu Sans"/>
               </a:rPr>
@@ -5254,7 +5519,7 @@
         <p:spPr>
           <a:xfrm>
             <a:off x="504000" y="301320"/>
-            <a:ext cx="9070560" cy="1261080"/>
+            <a:ext cx="9070200" cy="1260720"/>
           </a:xfrm>
           <a:prstGeom prst="rect">
             <a:avLst/>
@@ -5279,10 +5544,15 @@
               </a:lnSpc>
             </a:pPr>
             <a:r>
-              <a:rPr b="1" lang="en-AU" sz="4400" strike="noStrike">
+              <a:rPr b="1" lang="en-AU" sz="4400" spc="-1" strike="noStrike">
                 <a:solidFill>
                   <a:srgbClr val="000000"/>
                 </a:solidFill>
+                <a:uFill>
+                  <a:solidFill>
+                    <a:srgbClr val="ffffff"/>
+                  </a:solidFill>
+                </a:uFill>
                 <a:latin typeface="Arial"/>
                 <a:ea typeface="DejaVu Sans"/>
               </a:rPr>
@@ -5301,7 +5571,7 @@
         <p:spPr>
           <a:xfrm>
             <a:off x="504000" y="1769040"/>
-            <a:ext cx="9070560" cy="4383360"/>
+            <a:ext cx="9070200" cy="4383000"/>
           </a:xfrm>
           <a:prstGeom prst="rect">
             <a:avLst/>
@@ -5324,10 +5594,15 @@
           </a:p>
           <a:p>
             <a:r>
-              <a:rPr i="1" lang="en-AU" sz="2000" strike="noStrike">
+              <a:rPr i="1" lang="en-AU" sz="2000" spc="-1" strike="noStrike">
                 <a:solidFill>
                   <a:srgbClr val="808080"/>
                 </a:solidFill>
+                <a:uFill>
+                  <a:solidFill>
+                    <a:srgbClr val="ffffff"/>
+                  </a:solidFill>
+                </a:uFill>
                 <a:latin typeface="Menlo"/>
                 <a:ea typeface="Menlo"/>
               </a:rPr>
@@ -5337,10 +5612,15 @@
           </a:p>
           <a:p>
             <a:r>
-              <a:rPr i="1" lang="en-AU" sz="2000" strike="noStrike">
+              <a:rPr i="1" lang="en-AU" sz="2000" spc="-1" strike="noStrike">
                 <a:solidFill>
                   <a:srgbClr val="808080"/>
                 </a:solidFill>
+                <a:uFill>
+                  <a:solidFill>
+                    <a:srgbClr val="ffffff"/>
+                  </a:solidFill>
+                </a:uFill>
                 <a:latin typeface="Menlo"/>
                 <a:ea typeface="Menlo"/>
               </a:rPr>
@@ -5350,10 +5630,15 @@
           </a:p>
           <a:p>
             <a:r>
-              <a:rPr i="1" lang="en-AU" sz="2000" strike="noStrike">
+              <a:rPr i="1" lang="en-AU" sz="2000" spc="-1" strike="noStrike">
                 <a:solidFill>
                   <a:srgbClr val="808080"/>
                 </a:solidFill>
+                <a:uFill>
+                  <a:solidFill>
+                    <a:srgbClr val="ffffff"/>
+                  </a:solidFill>
+                </a:uFill>
                 <a:latin typeface="Menlo"/>
                 <a:ea typeface="Menlo"/>
               </a:rPr>
@@ -5363,10 +5648,15 @@
           </a:p>
           <a:p>
             <a:r>
-              <a:rPr i="1" lang="en-AU" sz="2000" strike="noStrike">
+              <a:rPr i="1" lang="en-AU" sz="2000" spc="-1" strike="noStrike">
                 <a:solidFill>
                   <a:srgbClr val="808080"/>
                 </a:solidFill>
+                <a:uFill>
+                  <a:solidFill>
+                    <a:srgbClr val="ffffff"/>
+                  </a:solidFill>
+                </a:uFill>
                 <a:latin typeface="Menlo"/>
                 <a:ea typeface="Menlo"/>
               </a:rPr>
@@ -5376,10 +5666,15 @@
           </a:p>
           <a:p>
             <a:r>
-              <a:rPr i="1" lang="en-AU" sz="2000" strike="noStrike">
+              <a:rPr i="1" lang="en-AU" sz="2000" spc="-1" strike="noStrike">
                 <a:solidFill>
                   <a:srgbClr val="808080"/>
                 </a:solidFill>
+                <a:uFill>
+                  <a:solidFill>
+                    <a:srgbClr val="ffffff"/>
+                  </a:solidFill>
+                </a:uFill>
                 <a:latin typeface="Menlo"/>
                 <a:ea typeface="Menlo"/>
               </a:rPr>
@@ -5389,10 +5684,15 @@
           </a:p>
           <a:p>
             <a:r>
-              <a:rPr i="1" lang="en-AU" sz="2000" strike="noStrike">
+              <a:rPr i="1" lang="en-AU" sz="2000" spc="-1" strike="noStrike">
                 <a:solidFill>
                   <a:srgbClr val="808080"/>
                 </a:solidFill>
+                <a:uFill>
+                  <a:solidFill>
+                    <a:srgbClr val="ffffff"/>
+                  </a:solidFill>
+                </a:uFill>
                 <a:latin typeface="Menlo"/>
                 <a:ea typeface="Menlo"/>
               </a:rPr>
@@ -5402,10 +5702,15 @@
           </a:p>
           <a:p>
             <a:r>
-              <a:rPr i="1" lang="en-AU" sz="2000" strike="noStrike">
+              <a:rPr i="1" lang="en-AU" sz="2000" spc="-1" strike="noStrike">
                 <a:solidFill>
                   <a:srgbClr val="808080"/>
                 </a:solidFill>
+                <a:uFill>
+                  <a:solidFill>
+                    <a:srgbClr val="ffffff"/>
+                  </a:solidFill>
+                </a:uFill>
                 <a:latin typeface="Menlo"/>
                 <a:ea typeface="Menlo"/>
               </a:rPr>
@@ -5415,10 +5720,15 @@
           </a:p>
           <a:p>
             <a:r>
-              <a:rPr i="1" lang="en-AU" sz="2000" strike="noStrike">
+              <a:rPr i="1" lang="en-AU" sz="2000" spc="-1" strike="noStrike">
                 <a:solidFill>
                   <a:srgbClr val="808080"/>
                 </a:solidFill>
+                <a:uFill>
+                  <a:solidFill>
+                    <a:srgbClr val="ffffff"/>
+                  </a:solidFill>
+                </a:uFill>
                 <a:latin typeface="Menlo"/>
                 <a:ea typeface="Menlo"/>
               </a:rPr>
@@ -5486,7 +5796,7 @@
         <p:spPr>
           <a:xfrm>
             <a:off x="504000" y="301320"/>
-            <a:ext cx="9070560" cy="1261080"/>
+            <a:ext cx="9070200" cy="1260720"/>
           </a:xfrm>
           <a:prstGeom prst="rect">
             <a:avLst/>
@@ -5511,10 +5821,15 @@
               </a:lnSpc>
             </a:pPr>
             <a:r>
-              <a:rPr b="1" lang="en-AU" sz="4400" strike="noStrike">
+              <a:rPr b="1" lang="en-AU" sz="4400" spc="-1" strike="noStrike">
                 <a:solidFill>
                   <a:srgbClr val="000000"/>
                 </a:solidFill>
+                <a:uFill>
+                  <a:solidFill>
+                    <a:srgbClr val="ffffff"/>
+                  </a:solidFill>
+                </a:uFill>
                 <a:latin typeface="Arial"/>
                 <a:ea typeface="DejaVu Sans"/>
               </a:rPr>
@@ -5533,7 +5848,7 @@
         <p:spPr>
           <a:xfrm>
             <a:off x="504000" y="1769040"/>
-            <a:ext cx="9070560" cy="4383360"/>
+            <a:ext cx="9070200" cy="4383000"/>
           </a:xfrm>
           <a:prstGeom prst="rect">
             <a:avLst/>
@@ -5553,50 +5868,75 @@
           <a:bodyPr lIns="0" rIns="0" tIns="0" bIns="0"/>
           <a:p>
             <a:r>
-              <a:rPr lang="en-AU" sz="3200" strike="noStrike">
+              <a:rPr lang="en-AU" sz="3200" spc="-1" strike="noStrike">
                 <a:solidFill>
                   <a:srgbClr val="000000"/>
                 </a:solidFill>
+                <a:uFill>
+                  <a:solidFill>
+                    <a:srgbClr val="ffffff"/>
+                  </a:solidFill>
+                </a:uFill>
                 <a:latin typeface="Arial"/>
                 <a:ea typeface="DejaVu Sans"/>
               </a:rPr>
               <a:t>chmod (</a:t>
             </a:r>
             <a:r>
-              <a:rPr b="1" lang="en-AU" sz="3200" strike="noStrike">
+              <a:rPr b="1" lang="en-AU" sz="3200" spc="-1" strike="noStrike">
                 <a:solidFill>
                   <a:srgbClr val="000000"/>
                 </a:solidFill>
+                <a:uFill>
+                  <a:solidFill>
+                    <a:srgbClr val="ffffff"/>
+                  </a:solidFill>
+                </a:uFill>
                 <a:latin typeface="Arial"/>
                 <a:ea typeface="DejaVu Sans"/>
               </a:rPr>
               <a:t>ch</a:t>
             </a:r>
             <a:r>
-              <a:rPr lang="en-AU" sz="3200" strike="noStrike">
+              <a:rPr lang="en-AU" sz="3200" spc="-1" strike="noStrike">
                 <a:solidFill>
                   <a:srgbClr val="000000"/>
                 </a:solidFill>
+                <a:uFill>
+                  <a:solidFill>
+                    <a:srgbClr val="ffffff"/>
+                  </a:solidFill>
+                </a:uFill>
                 <a:latin typeface="Arial"/>
                 <a:ea typeface="DejaVu Sans"/>
               </a:rPr>
               <a:t>ange file </a:t>
             </a:r>
             <a:r>
-              <a:rPr b="1" lang="en-AU" sz="3200" strike="noStrike">
+              <a:rPr b="1" lang="en-AU" sz="3200" spc="-1" strike="noStrike">
                 <a:solidFill>
                   <a:srgbClr val="000000"/>
                 </a:solidFill>
+                <a:uFill>
+                  <a:solidFill>
+                    <a:srgbClr val="ffffff"/>
+                  </a:solidFill>
+                </a:uFill>
                 <a:latin typeface="Arial"/>
                 <a:ea typeface="DejaVu Sans"/>
               </a:rPr>
               <a:t>mod</a:t>
             </a:r>
             <a:r>
-              <a:rPr lang="en-AU" sz="3200" strike="noStrike">
+              <a:rPr lang="en-AU" sz="3200" spc="-1" strike="noStrike">
                 <a:solidFill>
                   <a:srgbClr val="000000"/>
                 </a:solidFill>
+                <a:uFill>
+                  <a:solidFill>
+                    <a:srgbClr val="ffffff"/>
+                  </a:solidFill>
+                </a:uFill>
                 <a:latin typeface="Arial"/>
                 <a:ea typeface="DejaVu Sans"/>
               </a:rPr>
@@ -5609,10 +5949,15 @@
           </a:p>
           <a:p>
             <a:r>
-              <a:rPr lang="en-AU" sz="3200" strike="noStrike">
+              <a:rPr lang="en-AU" sz="3200" spc="-1" strike="noStrike">
                 <a:solidFill>
                   <a:srgbClr val="000000"/>
                 </a:solidFill>
+                <a:uFill>
+                  <a:solidFill>
+                    <a:srgbClr val="ffffff"/>
+                  </a:solidFill>
+                </a:uFill>
                 <a:latin typeface="Arial"/>
                 <a:ea typeface="DejaVu Sans"/>
               </a:rPr>
@@ -5622,10 +5967,15 @@
           </a:p>
           <a:p>
             <a:r>
-              <a:rPr i="1" lang="en-AU" sz="3200" strike="noStrike">
+              <a:rPr i="1" lang="en-AU" sz="3200" spc="-1" strike="noStrike">
                 <a:solidFill>
                   <a:srgbClr val="808080"/>
                 </a:solidFill>
+                <a:uFill>
+                  <a:solidFill>
+                    <a:srgbClr val="ffffff"/>
+                  </a:solidFill>
+                </a:uFill>
                 <a:latin typeface="Menlo"/>
                 <a:ea typeface="Menlo"/>
               </a:rPr>
@@ -5638,10 +5988,15 @@
           </a:p>
           <a:p>
             <a:r>
-              <a:rPr lang="en-AU" sz="3200" strike="noStrike">
+              <a:rPr lang="en-AU" sz="3200" spc="-1" strike="noStrike">
                 <a:solidFill>
                   <a:srgbClr val="000000"/>
                 </a:solidFill>
+                <a:uFill>
+                  <a:solidFill>
+                    <a:srgbClr val="ffffff"/>
+                  </a:solidFill>
+                </a:uFill>
                 <a:latin typeface="Arial"/>
                 <a:ea typeface="Menlo"/>
               </a:rPr>
@@ -5651,10 +6006,15 @@
           </a:p>
           <a:p>
             <a:r>
-              <a:rPr lang="en-AU" sz="3200" strike="noStrike">
+              <a:rPr lang="en-AU" sz="3200" spc="-1" strike="noStrike">
                 <a:solidFill>
                   <a:srgbClr val="808080"/>
                 </a:solidFill>
+                <a:uFill>
+                  <a:solidFill>
+                    <a:srgbClr val="ffffff"/>
+                  </a:solidFill>
+                </a:uFill>
                 <a:latin typeface="Menlo"/>
                 <a:ea typeface="Menlo"/>
               </a:rPr>
@@ -5725,7 +6085,7 @@
         <p:spPr>
           <a:xfrm>
             <a:off x="504000" y="301320"/>
-            <a:ext cx="9070560" cy="1261080"/>
+            <a:ext cx="9070200" cy="1260720"/>
           </a:xfrm>
           <a:prstGeom prst="rect">
             <a:avLst/>
@@ -5750,10 +6110,15 @@
               </a:lnSpc>
             </a:pPr>
             <a:r>
-              <a:rPr b="1" lang="en-AU" sz="4400" strike="noStrike">
+              <a:rPr b="1" lang="en-AU" sz="4400" spc="-1" strike="noStrike">
                 <a:solidFill>
                   <a:srgbClr val="000000"/>
                 </a:solidFill>
+                <a:uFill>
+                  <a:solidFill>
+                    <a:srgbClr val="ffffff"/>
+                  </a:solidFill>
+                </a:uFill>
                 <a:latin typeface="Arial"/>
                 <a:ea typeface="DejaVu Sans"/>
               </a:rPr>
@@ -5772,7 +6137,7 @@
         <p:spPr>
           <a:xfrm>
             <a:off x="504000" y="1769040"/>
-            <a:ext cx="9070560" cy="4383360"/>
+            <a:ext cx="9070200" cy="4383000"/>
           </a:xfrm>
           <a:prstGeom prst="rect">
             <a:avLst/>
@@ -5792,10 +6157,15 @@
           <a:bodyPr lIns="0" rIns="0" tIns="0" bIns="0"/>
           <a:p>
             <a:r>
-              <a:rPr i="1" lang="en-AU" sz="2000" strike="noStrike">
+              <a:rPr i="1" lang="en-AU" sz="2000" spc="-1" strike="noStrike">
                 <a:solidFill>
                   <a:srgbClr val="808080"/>
                 </a:solidFill>
+                <a:uFill>
+                  <a:solidFill>
+                    <a:srgbClr val="ffffff"/>
+                  </a:solidFill>
+                </a:uFill>
                 <a:latin typeface="Menlo"/>
                 <a:ea typeface="Menlo"/>
               </a:rPr>
@@ -5808,20 +6178,30 @@
           </a:p>
           <a:p>
             <a:r>
-              <a:rPr i="1" lang="en-AU" sz="2000" strike="noStrike">
+              <a:rPr i="1" lang="en-AU" sz="2000" spc="-1" strike="noStrike">
                 <a:solidFill>
                   <a:srgbClr val="808080"/>
                 </a:solidFill>
+                <a:uFill>
+                  <a:solidFill>
+                    <a:srgbClr val="ffffff"/>
+                  </a:solidFill>
+                </a:uFill>
                 <a:latin typeface="Menlo"/>
                 <a:ea typeface="Menlo"/>
               </a:rPr>
               <a:t> </a:t>
             </a:r>
             <a:r>
-              <a:rPr i="1" lang="en-AU" sz="2000" strike="noStrike">
+              <a:rPr i="1" lang="en-AU" sz="2000" spc="-1" strike="noStrike">
                 <a:solidFill>
                   <a:srgbClr val="808080"/>
                 </a:solidFill>
+                <a:uFill>
+                  <a:solidFill>
+                    <a:srgbClr val="ffffff"/>
+                  </a:solidFill>
+                </a:uFill>
                 <a:latin typeface="Menlo"/>
                 <a:ea typeface="Menlo"/>
               </a:rPr>
@@ -5831,10 +6211,15 @@
           </a:p>
           <a:p>
             <a:r>
-              <a:rPr i="1" lang="en-AU" sz="2000" strike="noStrike">
+              <a:rPr i="1" lang="en-AU" sz="2000" spc="-1" strike="noStrike">
                 <a:solidFill>
                   <a:srgbClr val="808080"/>
                 </a:solidFill>
+                <a:uFill>
+                  <a:solidFill>
+                    <a:srgbClr val="ffffff"/>
+                  </a:solidFill>
+                </a:uFill>
                 <a:latin typeface="Menlo"/>
                 <a:ea typeface="Menlo"/>
               </a:rPr>
@@ -5844,10 +6229,15 @@
           </a:p>
           <a:p>
             <a:r>
-              <a:rPr i="1" lang="en-AU" sz="2000" strike="noStrike">
+              <a:rPr i="1" lang="en-AU" sz="2000" spc="-1" strike="noStrike">
                 <a:solidFill>
                   <a:srgbClr val="808080"/>
                 </a:solidFill>
+                <a:uFill>
+                  <a:solidFill>
+                    <a:srgbClr val="ffffff"/>
+                  </a:solidFill>
+                </a:uFill>
                 <a:latin typeface="Menlo"/>
                 <a:ea typeface="Menlo"/>
               </a:rPr>
@@ -5915,7 +6305,7 @@
         <p:spPr>
           <a:xfrm>
             <a:off x="504000" y="301320"/>
-            <a:ext cx="9070560" cy="1261080"/>
+            <a:ext cx="9070200" cy="1260720"/>
           </a:xfrm>
           <a:prstGeom prst="rect">
             <a:avLst/>
@@ -5940,10 +6330,15 @@
               </a:lnSpc>
             </a:pPr>
             <a:r>
-              <a:rPr b="1" lang="en-AU" sz="4400" strike="noStrike">
+              <a:rPr b="1" lang="en-AU" sz="4400" spc="-1" strike="noStrike">
                 <a:solidFill>
                   <a:srgbClr val="000000"/>
                 </a:solidFill>
+                <a:uFill>
+                  <a:solidFill>
+                    <a:srgbClr val="ffffff"/>
+                  </a:solidFill>
+                </a:uFill>
                 <a:latin typeface="Arial"/>
                 <a:ea typeface="DejaVu Sans"/>
               </a:rPr>
@@ -5962,7 +6357,7 @@
         <p:spPr>
           <a:xfrm>
             <a:off x="504000" y="1769040"/>
-            <a:ext cx="9070560" cy="4383360"/>
+            <a:ext cx="9070200" cy="4383000"/>
           </a:xfrm>
           <a:prstGeom prst="rect">
             <a:avLst/>
@@ -5982,10 +6377,15 @@
           <a:bodyPr lIns="0" rIns="0" tIns="0" bIns="0"/>
           <a:p>
             <a:r>
-              <a:rPr lang="en-AU" sz="3200" strike="noStrike">
+              <a:rPr lang="en-AU" sz="3200" spc="-1" strike="noStrike">
                 <a:solidFill>
                   <a:srgbClr val="000000"/>
                 </a:solidFill>
+                <a:uFill>
+                  <a:solidFill>
+                    <a:srgbClr val="ffffff"/>
+                  </a:solidFill>
+                </a:uFill>
                 <a:latin typeface="Menlo"/>
                 <a:ea typeface="DejaVu Sans"/>
               </a:rPr>
@@ -5995,10 +6395,15 @@
           </a:p>
           <a:p>
             <a:r>
-              <a:rPr i="1" lang="en-AU" strike="noStrike">
+              <a:rPr i="1" lang="en-AU" sz="1800" spc="-1" strike="noStrike">
                 <a:solidFill>
                   <a:srgbClr val="808080"/>
                 </a:solidFill>
+                <a:uFill>
+                  <a:solidFill>
+                    <a:srgbClr val="ffffff"/>
+                  </a:solidFill>
+                </a:uFill>
                 <a:latin typeface="Menlo"/>
                 <a:ea typeface="Menlo"/>
               </a:rPr>
@@ -6008,10 +6413,15 @@
           </a:p>
           <a:p>
             <a:r>
-              <a:rPr i="1" lang="en-AU" strike="noStrike">
+              <a:rPr i="1" lang="en-AU" sz="1800" spc="-1" strike="noStrike">
                 <a:solidFill>
                   <a:srgbClr val="808080"/>
                 </a:solidFill>
+                <a:uFill>
+                  <a:solidFill>
+                    <a:srgbClr val="ffffff"/>
+                  </a:solidFill>
+                </a:uFill>
                 <a:latin typeface="Menlo"/>
                 <a:ea typeface="Menlo"/>
               </a:rPr>
@@ -6021,10 +6431,15 @@
           </a:p>
           <a:p>
             <a:r>
-              <a:rPr i="1" lang="en-AU" strike="noStrike">
+              <a:rPr i="1" lang="en-AU" sz="1800" spc="-1" strike="noStrike">
                 <a:solidFill>
                   <a:srgbClr val="808080"/>
                 </a:solidFill>
+                <a:uFill>
+                  <a:solidFill>
+                    <a:srgbClr val="ffffff"/>
+                  </a:solidFill>
+                </a:uFill>
                 <a:latin typeface="Menlo"/>
                 <a:ea typeface="Menlo"/>
               </a:rPr>
@@ -6034,10 +6449,15 @@
           </a:p>
           <a:p>
             <a:r>
-              <a:rPr i="1" lang="en-AU" strike="noStrike">
+              <a:rPr i="1" lang="en-AU" sz="1800" spc="-1" strike="noStrike">
                 <a:solidFill>
                   <a:srgbClr val="808080"/>
                 </a:solidFill>
+                <a:uFill>
+                  <a:solidFill>
+                    <a:srgbClr val="ffffff"/>
+                  </a:solidFill>
+                </a:uFill>
                 <a:latin typeface="Menlo"/>
                 <a:ea typeface="Menlo"/>
               </a:rPr>
@@ -6108,7 +6528,7 @@
         <p:spPr>
           <a:xfrm>
             <a:off x="504000" y="301320"/>
-            <a:ext cx="9070560" cy="1261080"/>
+            <a:ext cx="9070200" cy="1260720"/>
           </a:xfrm>
           <a:prstGeom prst="rect">
             <a:avLst/>
@@ -6133,20 +6553,30 @@
               </a:lnSpc>
             </a:pPr>
             <a:r>
-              <a:rPr b="1" lang="en-AU" sz="4400" strike="noStrike">
+              <a:rPr b="1" lang="en-AU" sz="4400" spc="-1" strike="noStrike">
                 <a:solidFill>
                   <a:srgbClr val="000000"/>
                 </a:solidFill>
+                <a:uFill>
+                  <a:solidFill>
+                    <a:srgbClr val="ffffff"/>
+                  </a:solidFill>
+                </a:uFill>
                 <a:latin typeface="Arial"/>
                 <a:ea typeface="DejaVu Sans"/>
               </a:rPr>
               <a:t>sudo</a:t>
             </a:r>
             <a:r>
-              <a:rPr lang="en-AU" sz="4400" strike="noStrike">
+              <a:rPr lang="en-AU" sz="4400" spc="-1" strike="noStrike">
                 <a:solidFill>
                   <a:srgbClr val="000000"/>
                 </a:solidFill>
+                <a:uFill>
+                  <a:solidFill>
+                    <a:srgbClr val="ffffff"/>
+                  </a:solidFill>
+                </a:uFill>
                 <a:latin typeface="Arial"/>
                 <a:ea typeface="DejaVu Sans"/>
               </a:rPr>
@@ -6165,7 +6595,7 @@
         <p:spPr>
           <a:xfrm>
             <a:off x="504000" y="1805040"/>
-            <a:ext cx="9070560" cy="4383360"/>
+            <a:ext cx="9070200" cy="4383000"/>
           </a:xfrm>
           <a:prstGeom prst="rect">
             <a:avLst/>
@@ -6185,80 +6615,120 @@
           <a:bodyPr lIns="0" rIns="0" tIns="0" bIns="0"/>
           <a:p>
             <a:r>
-              <a:rPr lang="en-AU" sz="3200" strike="noStrike">
+              <a:rPr lang="en-AU" sz="3200" spc="-1" strike="noStrike">
                 <a:solidFill>
                   <a:srgbClr val="000000"/>
                 </a:solidFill>
+                <a:uFill>
+                  <a:solidFill>
+                    <a:srgbClr val="ffffff"/>
+                  </a:solidFill>
+                </a:uFill>
                 <a:latin typeface="Menlo"/>
                 <a:ea typeface="DejaVu Sans"/>
               </a:rPr>
               <a:t>sudo</a:t>
             </a:r>
             <a:r>
-              <a:rPr lang="en-AU" sz="3200" strike="noStrike">
+              <a:rPr lang="en-AU" sz="3200" spc="-1" strike="noStrike">
                 <a:solidFill>
                   <a:srgbClr val="000000"/>
                 </a:solidFill>
+                <a:uFill>
+                  <a:solidFill>
+                    <a:srgbClr val="ffffff"/>
+                  </a:solidFill>
+                </a:uFill>
                 <a:latin typeface="Arial"/>
                 <a:ea typeface="DejaVu Sans"/>
               </a:rPr>
               <a:t> (</a:t>
             </a:r>
             <a:r>
-              <a:rPr b="1" lang="en-AU" sz="3200" strike="noStrike">
+              <a:rPr b="1" lang="en-AU" sz="3200" spc="-1" strike="noStrike">
                 <a:solidFill>
                   <a:srgbClr val="000000"/>
                 </a:solidFill>
+                <a:uFill>
+                  <a:solidFill>
+                    <a:srgbClr val="ffffff"/>
+                  </a:solidFill>
+                </a:uFill>
                 <a:latin typeface="Arial"/>
                 <a:ea typeface="DejaVu Sans"/>
               </a:rPr>
               <a:t>s</a:t>
             </a:r>
             <a:r>
-              <a:rPr lang="en-AU" sz="3200" strike="noStrike">
+              <a:rPr lang="en-AU" sz="3200" spc="-1" strike="noStrike">
                 <a:solidFill>
                   <a:srgbClr val="000000"/>
                 </a:solidFill>
+                <a:uFill>
+                  <a:solidFill>
+                    <a:srgbClr val="ffffff"/>
+                  </a:solidFill>
+                </a:uFill>
                 <a:latin typeface="Arial"/>
                 <a:ea typeface="DejaVu Sans"/>
               </a:rPr>
               <a:t>uper </a:t>
             </a:r>
             <a:r>
-              <a:rPr b="1" lang="en-AU" sz="3200" strike="noStrike">
+              <a:rPr b="1" lang="en-AU" sz="3200" spc="-1" strike="noStrike">
                 <a:solidFill>
                   <a:srgbClr val="000000"/>
                 </a:solidFill>
+                <a:uFill>
+                  <a:solidFill>
+                    <a:srgbClr val="ffffff"/>
+                  </a:solidFill>
+                </a:uFill>
                 <a:latin typeface="Arial"/>
                 <a:ea typeface="DejaVu Sans"/>
               </a:rPr>
               <a:t>u</a:t>
             </a:r>
             <a:r>
-              <a:rPr lang="en-AU" sz="3200" strike="noStrike">
+              <a:rPr lang="en-AU" sz="3200" spc="-1" strike="noStrike">
                 <a:solidFill>
                   <a:srgbClr val="000000"/>
                 </a:solidFill>
+                <a:uFill>
+                  <a:solidFill>
+                    <a:srgbClr val="ffffff"/>
+                  </a:solidFill>
+                </a:uFill>
                 <a:latin typeface="Arial"/>
                 <a:ea typeface="DejaVu Sans"/>
               </a:rPr>
               <a:t>ser </a:t>
             </a:r>
             <a:r>
-              <a:rPr b="1" lang="en-AU" sz="3200" strike="noStrike">
+              <a:rPr b="1" lang="en-AU" sz="3200" spc="-1" strike="noStrike">
                 <a:solidFill>
                   <a:srgbClr val="000000"/>
                 </a:solidFill>
+                <a:uFill>
+                  <a:solidFill>
+                    <a:srgbClr val="ffffff"/>
+                  </a:solidFill>
+                </a:uFill>
                 <a:latin typeface="Arial"/>
                 <a:ea typeface="DejaVu Sans"/>
               </a:rPr>
               <a:t>do</a:t>
             </a:r>
             <a:r>
-              <a:rPr lang="en-AU" sz="3200" strike="noStrike">
+              <a:rPr lang="en-AU" sz="3200" spc="-1" strike="noStrike">
                 <a:solidFill>
                   <a:srgbClr val="000000"/>
                 </a:solidFill>
+                <a:uFill>
+                  <a:solidFill>
+                    <a:srgbClr val="ffffff"/>
+                  </a:solidFill>
+                </a:uFill>
                 <a:latin typeface="Arial"/>
                 <a:ea typeface="DejaVu Sans"/>
               </a:rPr>
@@ -6268,10 +6738,15 @@
           </a:p>
           <a:p>
             <a:r>
-              <a:rPr lang="en-AU" sz="3200" strike="noStrike">
+              <a:rPr lang="en-AU" sz="3200" spc="-1" strike="noStrike">
                 <a:solidFill>
                   <a:srgbClr val="000000"/>
                 </a:solidFill>
+                <a:uFill>
+                  <a:solidFill>
+                    <a:srgbClr val="ffffff"/>
+                  </a:solidFill>
+                </a:uFill>
                 <a:latin typeface="Arial"/>
                 <a:ea typeface="DejaVu Sans"/>
               </a:rPr>
@@ -6281,10 +6756,15 @@
           </a:p>
           <a:p>
             <a:r>
-              <a:rPr i="1" lang="en-AU" sz="3200" strike="noStrike">
+              <a:rPr i="1" lang="en-AU" sz="3200" spc="-1" strike="noStrike">
                 <a:solidFill>
                   <a:srgbClr val="808080"/>
                 </a:solidFill>
+                <a:uFill>
+                  <a:solidFill>
+                    <a:srgbClr val="ffffff"/>
+                  </a:solidFill>
+                </a:uFill>
                 <a:latin typeface="Menlo"/>
                 <a:ea typeface="Menlo"/>
               </a:rPr>
@@ -6294,10 +6774,15 @@
           </a:p>
           <a:p>
             <a:r>
-              <a:rPr i="1" lang="en-AU" sz="3200" strike="noStrike">
+              <a:rPr i="1" lang="en-AU" sz="3200" spc="-1" strike="noStrike">
                 <a:solidFill>
                   <a:srgbClr val="808080"/>
                 </a:solidFill>
+                <a:uFill>
+                  <a:solidFill>
+                    <a:srgbClr val="ffffff"/>
+                  </a:solidFill>
+                </a:uFill>
                 <a:latin typeface="Menlo"/>
                 <a:ea typeface="Menlo"/>
               </a:rPr>
@@ -6368,7 +6853,7 @@
         <p:spPr>
           <a:xfrm>
             <a:off x="504000" y="301320"/>
-            <a:ext cx="9070560" cy="1261080"/>
+            <a:ext cx="9070200" cy="1260720"/>
           </a:xfrm>
           <a:prstGeom prst="rect">
             <a:avLst/>
@@ -6388,10 +6873,15 @@
           <a:bodyPr lIns="0" rIns="0" tIns="0" bIns="0" anchor="ctr"/>
           <a:p>
             <a:r>
-              <a:rPr b="1" lang="en-AU" sz="4400" strike="noStrike">
+              <a:rPr b="1" lang="en-AU" sz="4400" spc="-1" strike="noStrike">
                 <a:solidFill>
                   <a:srgbClr val="000000"/>
                 </a:solidFill>
+                <a:uFill>
+                  <a:solidFill>
+                    <a:srgbClr val="ffffff"/>
+                  </a:solidFill>
+                </a:uFill>
                 <a:latin typeface="Arial"/>
                 <a:ea typeface="DejaVu Sans"/>
               </a:rPr>
@@ -6410,7 +6900,7 @@
         <p:spPr>
           <a:xfrm>
             <a:off x="504000" y="1563480"/>
-            <a:ext cx="9070560" cy="5476320"/>
+            <a:ext cx="9070200" cy="5475960"/>
           </a:xfrm>
           <a:prstGeom prst="rect">
             <a:avLst/>
@@ -6430,10 +6920,15 @@
           <a:bodyPr lIns="0" rIns="0" tIns="0" bIns="0"/>
           <a:p>
             <a:r>
-              <a:rPr lang="en-AU" sz="3200" strike="noStrike">
+              <a:rPr lang="en-AU" sz="3200" spc="-1" strike="noStrike">
                 <a:solidFill>
                   <a:srgbClr val="000000"/>
                 </a:solidFill>
+                <a:uFill>
+                  <a:solidFill>
+                    <a:srgbClr val="ffffff"/>
+                  </a:solidFill>
+                </a:uFill>
                 <a:latin typeface="Arial"/>
                 <a:ea typeface="DejaVu Sans"/>
               </a:rPr>
@@ -6442,7 +6937,7 @@
             <a:endParaRPr/>
           </a:p>
           <a:p>
-            <a:pPr>
+            <a:pPr marL="216000" indent="-216000">
               <a:lnSpc>
                 <a:spcPct val="100000"/>
               </a:lnSpc>
@@ -6450,20 +6945,30 @@
               <a:buAutoNum type="alphaUcParenR"/>
             </a:pPr>
             <a:r>
-              <a:rPr lang="en-AU" sz="3200" strike="noStrike">
+              <a:rPr lang="en-AU" sz="3200" spc="-1" strike="noStrike">
                 <a:solidFill>
                   <a:srgbClr val="000000"/>
                 </a:solidFill>
+                <a:uFill>
+                  <a:solidFill>
+                    <a:srgbClr val="ffffff"/>
+                  </a:solidFill>
+                </a:uFill>
                 <a:latin typeface="Arial"/>
                 <a:ea typeface="DejaVu Sans"/>
               </a:rPr>
               <a:t> </a:t>
             </a:r>
             <a:r>
-              <a:rPr lang="en-AU" sz="3200" strike="noStrike">
+              <a:rPr lang="en-AU" sz="3200" spc="-1" strike="noStrike">
                 <a:solidFill>
                   <a:srgbClr val="000000"/>
                 </a:solidFill>
+                <a:uFill>
+                  <a:solidFill>
+                    <a:srgbClr val="ffffff"/>
+                  </a:solidFill>
+                </a:uFill>
                 <a:latin typeface="Arial"/>
                 <a:ea typeface="DejaVu Sans"/>
               </a:rPr>
@@ -6472,7 +6977,7 @@
             <a:endParaRPr/>
           </a:p>
           <a:p>
-            <a:pPr>
+            <a:pPr marL="216000" indent="-216000">
               <a:lnSpc>
                 <a:spcPct val="100000"/>
               </a:lnSpc>
@@ -6480,20 +6985,30 @@
               <a:buAutoNum type="alphaUcParenR"/>
             </a:pPr>
             <a:r>
-              <a:rPr lang="en-AU" sz="3200" strike="noStrike">
+              <a:rPr lang="en-AU" sz="3200" spc="-1" strike="noStrike">
                 <a:solidFill>
                   <a:srgbClr val="000000"/>
                 </a:solidFill>
+                <a:uFill>
+                  <a:solidFill>
+                    <a:srgbClr val="ffffff"/>
+                  </a:solidFill>
+                </a:uFill>
                 <a:latin typeface="Arial"/>
                 <a:ea typeface="DejaVu Sans"/>
               </a:rPr>
               <a:t> </a:t>
             </a:r>
             <a:r>
-              <a:rPr lang="en-AU" sz="3200" strike="noStrike">
+              <a:rPr lang="en-AU" sz="3200" spc="-1" strike="noStrike">
                 <a:solidFill>
                   <a:srgbClr val="000000"/>
                 </a:solidFill>
+                <a:uFill>
+                  <a:solidFill>
+                    <a:srgbClr val="ffffff"/>
+                  </a:solidFill>
+                </a:uFill>
                 <a:latin typeface="Arial"/>
                 <a:ea typeface="DejaVu Sans"/>
               </a:rPr>
@@ -6502,7 +7017,7 @@
             <a:endParaRPr/>
           </a:p>
           <a:p>
-            <a:pPr>
+            <a:pPr marL="216000" indent="-216000">
               <a:lnSpc>
                 <a:spcPct val="100000"/>
               </a:lnSpc>
@@ -6510,20 +7025,30 @@
               <a:buAutoNum type="alphaUcParenR"/>
             </a:pPr>
             <a:r>
-              <a:rPr lang="en-AU" sz="3200" strike="noStrike">
+              <a:rPr lang="en-AU" sz="3200" spc="-1" strike="noStrike">
                 <a:solidFill>
                   <a:srgbClr val="000000"/>
                 </a:solidFill>
+                <a:uFill>
+                  <a:solidFill>
+                    <a:srgbClr val="ffffff"/>
+                  </a:solidFill>
+                </a:uFill>
                 <a:latin typeface="Arial"/>
                 <a:ea typeface="DejaVu Sans"/>
               </a:rPr>
               <a:t> </a:t>
             </a:r>
             <a:r>
-              <a:rPr lang="en-AU" sz="3200" strike="noStrike">
+              <a:rPr lang="en-AU" sz="3200" spc="-1" strike="noStrike">
                 <a:solidFill>
                   <a:srgbClr val="000000"/>
                 </a:solidFill>
+                <a:uFill>
+                  <a:solidFill>
+                    <a:srgbClr val="ffffff"/>
+                  </a:solidFill>
+                </a:uFill>
                 <a:latin typeface="Arial"/>
                 <a:ea typeface="DejaVu Sans"/>
               </a:rPr>
@@ -6538,20 +7063,30 @@
               </a:lnSpc>
             </a:pPr>
             <a:r>
-              <a:rPr lang="en-AU" sz="3200" strike="noStrike">
+              <a:rPr lang="en-AU" sz="3200" spc="-1" strike="noStrike">
                 <a:solidFill>
                   <a:srgbClr val="000000"/>
                 </a:solidFill>
+                <a:uFill>
+                  <a:solidFill>
+                    <a:srgbClr val="ffffff"/>
+                  </a:solidFill>
+                </a:uFill>
                 <a:latin typeface="Arial"/>
                 <a:ea typeface="DejaVu Sans"/>
               </a:rPr>
               <a:t> </a:t>
             </a:r>
             <a:r>
-              <a:rPr b="1" lang="en-AU" sz="3600" strike="noStrike">
+              <a:rPr b="1" lang="en-AU" sz="3600" spc="-1" strike="noStrike">
                 <a:solidFill>
                   <a:srgbClr val="000000"/>
                 </a:solidFill>
+                <a:uFill>
+                  <a:solidFill>
+                    <a:srgbClr val="ffffff"/>
+                  </a:solidFill>
+                </a:uFill>
                 <a:latin typeface="Arial"/>
                 <a:ea typeface="DejaVu Sans"/>
               </a:rPr>
